--- a/Erstellung_einer_PKI.pptx
+++ b/Erstellung_einer_PKI.pptx
@@ -113,6 +113,22 @@
       </a:defRPr>
     </a:lvl9pPr>
   </p:defaultTextStyle>
+  <p:extLst>
+    <p:ext uri="{EFAFB233-063F-42B5-8137-9DF3F51BA10A}">
+      <p15:sldGuideLst xmlns:p15="http://schemas.microsoft.com/office/powerpoint/2012/main">
+        <p15:guide id="1" orient="horz" pos="2160">
+          <p15:clr>
+            <a:srgbClr val="A4A3A4"/>
+          </p15:clr>
+        </p15:guide>
+        <p15:guide id="2" pos="2880">
+          <p15:clr>
+            <a:srgbClr val="A4A3A4"/>
+          </p15:clr>
+        </p15:guide>
+      </p15:sldGuideLst>
+    </p:ext>
+  </p:extLst>
 </p:presentation>
 </file>
 
@@ -227,7 +243,7 @@
           <a:p>
             <a:fld id="{0C974720-8788-48BE-8FB9-759A7BE32D03}" type="datetimeFigureOut">
               <a:rPr lang="en-GB" smtClean="0"/>
-              <a:t>18/06/2015</a:t>
+              <a:t>19/06/2015</a:t>
             </a:fld>
             <a:endParaRPr lang="en-GB"/>
           </a:p>
@@ -453,7 +469,7 @@
           <a:p>
             <a:fld id="{0C974720-8788-48BE-8FB9-759A7BE32D03}" type="datetimeFigureOut">
               <a:rPr lang="en-GB" smtClean="0"/>
-              <a:t>18/06/2015</a:t>
+              <a:t>19/06/2015</a:t>
             </a:fld>
             <a:endParaRPr lang="en-GB"/>
           </a:p>
@@ -628,7 +644,7 @@
           <a:p>
             <a:fld id="{0C974720-8788-48BE-8FB9-759A7BE32D03}" type="datetimeFigureOut">
               <a:rPr lang="en-GB" smtClean="0"/>
-              <a:t>18/06/2015</a:t>
+              <a:t>19/06/2015</a:t>
             </a:fld>
             <a:endParaRPr lang="en-GB"/>
           </a:p>
@@ -793,7 +809,7 @@
           <a:p>
             <a:fld id="{0C974720-8788-48BE-8FB9-759A7BE32D03}" type="datetimeFigureOut">
               <a:rPr lang="en-GB" smtClean="0"/>
-              <a:t>18/06/2015</a:t>
+              <a:t>19/06/2015</a:t>
             </a:fld>
             <a:endParaRPr lang="en-GB"/>
           </a:p>
@@ -1032,7 +1048,7 @@
           <a:p>
             <a:fld id="{0C974720-8788-48BE-8FB9-759A7BE32D03}" type="datetimeFigureOut">
               <a:rPr lang="en-GB" smtClean="0"/>
-              <a:t>18/06/2015</a:t>
+              <a:t>19/06/2015</a:t>
             </a:fld>
             <a:endParaRPr lang="en-GB"/>
           </a:p>
@@ -1296,7 +1312,7 @@
           <a:p>
             <a:fld id="{0C974720-8788-48BE-8FB9-759A7BE32D03}" type="datetimeFigureOut">
               <a:rPr lang="en-GB" smtClean="0"/>
-              <a:t>18/06/2015</a:t>
+              <a:t>19/06/2015</a:t>
             </a:fld>
             <a:endParaRPr lang="en-GB"/>
           </a:p>
@@ -1670,7 +1686,7 @@
           <a:p>
             <a:fld id="{0C974720-8788-48BE-8FB9-759A7BE32D03}" type="datetimeFigureOut">
               <a:rPr lang="en-GB" smtClean="0"/>
-              <a:t>18/06/2015</a:t>
+              <a:t>19/06/2015</a:t>
             </a:fld>
             <a:endParaRPr lang="en-GB"/>
           </a:p>
@@ -1783,7 +1799,7 @@
           <a:p>
             <a:fld id="{0C974720-8788-48BE-8FB9-759A7BE32D03}" type="datetimeFigureOut">
               <a:rPr lang="en-GB" smtClean="0"/>
-              <a:t>18/06/2015</a:t>
+              <a:t>19/06/2015</a:t>
             </a:fld>
             <a:endParaRPr lang="en-GB"/>
           </a:p>
@@ -1873,7 +1889,7 @@
           <a:p>
             <a:fld id="{0C974720-8788-48BE-8FB9-759A7BE32D03}" type="datetimeFigureOut">
               <a:rPr lang="en-GB" smtClean="0"/>
-              <a:t>18/06/2015</a:t>
+              <a:t>19/06/2015</a:t>
             </a:fld>
             <a:endParaRPr lang="en-GB"/>
           </a:p>
@@ -2131,7 +2147,7 @@
           <a:p>
             <a:fld id="{0C974720-8788-48BE-8FB9-759A7BE32D03}" type="datetimeFigureOut">
               <a:rPr lang="en-GB" smtClean="0"/>
-              <a:t>18/06/2015</a:t>
+              <a:t>19/06/2015</a:t>
             </a:fld>
             <a:endParaRPr lang="en-GB"/>
           </a:p>
@@ -2395,7 +2411,7 @@
           <a:p>
             <a:fld id="{0C974720-8788-48BE-8FB9-759A7BE32D03}" type="datetimeFigureOut">
               <a:rPr lang="en-GB" smtClean="0"/>
-              <a:t>18/06/2015</a:t>
+              <a:t>19/06/2015</a:t>
             </a:fld>
             <a:endParaRPr lang="en-GB"/>
           </a:p>
@@ -2612,7 +2628,7 @@
           <a:p>
             <a:fld id="{0C974720-8788-48BE-8FB9-759A7BE32D03}" type="datetimeFigureOut">
               <a:rPr lang="en-GB" smtClean="0"/>
-              <a:t>18/06/2015</a:t>
+              <a:t>19/06/2015</a:t>
             </a:fld>
             <a:endParaRPr lang="en-GB"/>
           </a:p>
@@ -3335,18 +3351,18 @@
               <a:t>Schönebeck</a:t>
             </a:r>
             <a:r>
-              <a:rPr lang="en-US" sz="1800" dirty="0">
+              <a:rPr lang="en-US" sz="1800">
                 <a:latin typeface="Arial" panose="020B0604020202020204" pitchFamily="34" charset="0"/>
                 <a:cs typeface="Arial" panose="020B0604020202020204" pitchFamily="34" charset="0"/>
               </a:rPr>
               <a:t>	</a:t>
             </a:r>
             <a:r>
-              <a:rPr lang="en-US" sz="1800" dirty="0" err="1" smtClean="0">
-                <a:latin typeface="Arial" panose="020B0604020202020204" pitchFamily="34" charset="0"/>
-                <a:cs typeface="Arial" panose="020B0604020202020204" pitchFamily="34" charset="0"/>
-              </a:rPr>
-              <a:t>xxxxxx</a:t>
+              <a:rPr lang="en-US" sz="1800" smtClean="0">
+                <a:latin typeface="Arial" panose="020B0604020202020204" pitchFamily="34" charset="0"/>
+                <a:cs typeface="Arial" panose="020B0604020202020204" pitchFamily="34" charset="0"/>
+              </a:rPr>
+              <a:t>139952</a:t>
             </a:r>
             <a:endParaRPr lang="en-US" sz="1800" dirty="0" smtClean="0">
               <a:latin typeface="Arial" panose="020B0604020202020204" pitchFamily="34" charset="0"/>
@@ -4160,6 +4176,70 @@
               </a:rPr>
               <a:t>Einführung</a:t>
             </a:r>
+          </a:p>
+          <a:p>
+            <a:pPr>
+              <a:buClr>
+                <a:schemeClr val="tx1"/>
+              </a:buClr>
+              <a:buFont typeface="Wingdings" panose="05000000000000000000" pitchFamily="2" charset="2"/>
+              <a:buChar char="Ø"/>
+            </a:pPr>
+            <a:r>
+              <a:rPr lang="de-DE" noProof="1" smtClean="0">
+                <a:latin typeface="Arial" panose="020B0604020202020204" pitchFamily="34" charset="0"/>
+                <a:cs typeface="Arial" panose="020B0604020202020204" pitchFamily="34" charset="0"/>
+              </a:rPr>
+              <a:t>2)	Registrierung</a:t>
+            </a:r>
+          </a:p>
+          <a:p>
+            <a:pPr>
+              <a:buClr>
+                <a:schemeClr val="tx1"/>
+              </a:buClr>
+              <a:buFont typeface="Wingdings" panose="05000000000000000000" pitchFamily="2" charset="2"/>
+              <a:buChar char="Ø"/>
+            </a:pPr>
+            <a:r>
+              <a:rPr lang="de-DE" noProof="1" smtClean="0">
+                <a:latin typeface="Arial" panose="020B0604020202020204" pitchFamily="34" charset="0"/>
+                <a:cs typeface="Arial" panose="020B0604020202020204" pitchFamily="34" charset="0"/>
+              </a:rPr>
+              <a:t>3)	Validierung</a:t>
+            </a:r>
+          </a:p>
+          <a:p>
+            <a:pPr>
+              <a:buClr>
+                <a:schemeClr val="tx1"/>
+              </a:buClr>
+              <a:buFont typeface="Wingdings" panose="05000000000000000000" pitchFamily="2" charset="2"/>
+              <a:buChar char="Ø"/>
+            </a:pPr>
+            <a:r>
+              <a:rPr lang="de-DE" noProof="1" smtClean="0">
+                <a:latin typeface="Arial" panose="020B0604020202020204" pitchFamily="34" charset="0"/>
+                <a:cs typeface="Arial" panose="020B0604020202020204" pitchFamily="34" charset="0"/>
+              </a:rPr>
+              <a:t>4)	Request</a:t>
+            </a:r>
+          </a:p>
+          <a:p>
+            <a:pPr>
+              <a:buClr>
+                <a:schemeClr val="tx1"/>
+              </a:buClr>
+              <a:buFont typeface="Wingdings" panose="05000000000000000000" pitchFamily="2" charset="2"/>
+              <a:buChar char="Ø"/>
+            </a:pPr>
+            <a:r>
+              <a:rPr lang="en-US" noProof="1" smtClean="0">
+                <a:latin typeface="Arial" panose="020B0604020202020204" pitchFamily="34" charset="0"/>
+                <a:cs typeface="Arial" panose="020B0604020202020204" pitchFamily="34" charset="0"/>
+              </a:rPr>
+              <a:t>5)	Certification Authority (CA)</a:t>
+            </a:r>
             <a:endParaRPr lang="de-DE" noProof="1" smtClean="0">
               <a:latin typeface="Arial" panose="020B0604020202020204" pitchFamily="34" charset="0"/>
               <a:cs typeface="Arial" panose="020B0604020202020204" pitchFamily="34" charset="0"/>
@@ -4178,19 +4258,8 @@
                 <a:latin typeface="Arial" panose="020B0604020202020204" pitchFamily="34" charset="0"/>
                 <a:cs typeface="Arial" panose="020B0604020202020204" pitchFamily="34" charset="0"/>
               </a:rPr>
-              <a:t>2</a:t>
-            </a:r>
-            <a:r>
-              <a:rPr lang="de-DE" noProof="1" smtClean="0">
-                <a:latin typeface="Arial" panose="020B0604020202020204" pitchFamily="34" charset="0"/>
-                <a:cs typeface="Arial" panose="020B0604020202020204" pitchFamily="34" charset="0"/>
-              </a:rPr>
-              <a:t>)	Registrierung</a:t>
-            </a:r>
-            <a:endParaRPr lang="de-DE" noProof="1" smtClean="0">
-              <a:latin typeface="Arial" panose="020B0604020202020204" pitchFamily="34" charset="0"/>
-              <a:cs typeface="Arial" panose="020B0604020202020204" pitchFamily="34" charset="0"/>
-            </a:endParaRPr>
+              <a:t>5)	Datenbanken &amp; Schnittstellen zur CA</a:t>
+            </a:r>
           </a:p>
           <a:p>
             <a:pPr>
@@ -4205,19 +4274,8 @@
                 <a:latin typeface="Arial" panose="020B0604020202020204" pitchFamily="34" charset="0"/>
                 <a:cs typeface="Arial" panose="020B0604020202020204" pitchFamily="34" charset="0"/>
               </a:rPr>
-              <a:t>3</a:t>
-            </a:r>
-            <a:r>
-              <a:rPr lang="de-DE" noProof="1" smtClean="0">
-                <a:latin typeface="Arial" panose="020B0604020202020204" pitchFamily="34" charset="0"/>
-                <a:cs typeface="Arial" panose="020B0604020202020204" pitchFamily="34" charset="0"/>
-              </a:rPr>
-              <a:t>)	Validierung</a:t>
-            </a:r>
-            <a:endParaRPr lang="de-DE" noProof="1" smtClean="0">
-              <a:latin typeface="Arial" panose="020B0604020202020204" pitchFamily="34" charset="0"/>
-              <a:cs typeface="Arial" panose="020B0604020202020204" pitchFamily="34" charset="0"/>
-            </a:endParaRPr>
+              <a:t>6)	Validation Authority (VA) </a:t>
+            </a:r>
           </a:p>
           <a:p>
             <a:pPr>
@@ -4232,114 +4290,7 @@
                 <a:latin typeface="Arial" panose="020B0604020202020204" pitchFamily="34" charset="0"/>
                 <a:cs typeface="Arial" panose="020B0604020202020204" pitchFamily="34" charset="0"/>
               </a:rPr>
-              <a:t>4</a:t>
-            </a:r>
-            <a:r>
-              <a:rPr lang="de-DE" noProof="1" smtClean="0">
-                <a:latin typeface="Arial" panose="020B0604020202020204" pitchFamily="34" charset="0"/>
-                <a:cs typeface="Arial" panose="020B0604020202020204" pitchFamily="34" charset="0"/>
-              </a:rPr>
-              <a:t>)	Request</a:t>
-            </a:r>
-          </a:p>
-          <a:p>
-            <a:pPr>
-              <a:buClr>
-                <a:schemeClr val="tx1"/>
-              </a:buClr>
-              <a:buFont typeface="Wingdings" panose="05000000000000000000" pitchFamily="2" charset="2"/>
-              <a:buChar char="Ø"/>
-            </a:pPr>
-            <a:r>
-              <a:rPr lang="en-US" noProof="1" smtClean="0">
-                <a:latin typeface="Arial" panose="020B0604020202020204" pitchFamily="34" charset="0"/>
-                <a:cs typeface="Arial" panose="020B0604020202020204" pitchFamily="34" charset="0"/>
-              </a:rPr>
-              <a:t>5)	Certification Authority (CA)</a:t>
-            </a:r>
-            <a:endParaRPr lang="de-DE" noProof="1" smtClean="0">
-              <a:latin typeface="Arial" panose="020B0604020202020204" pitchFamily="34" charset="0"/>
-              <a:cs typeface="Arial" panose="020B0604020202020204" pitchFamily="34" charset="0"/>
-            </a:endParaRPr>
-          </a:p>
-          <a:p>
-            <a:pPr>
-              <a:buClr>
-                <a:schemeClr val="tx1"/>
-              </a:buClr>
-              <a:buFont typeface="Wingdings" panose="05000000000000000000" pitchFamily="2" charset="2"/>
-              <a:buChar char="Ø"/>
-            </a:pPr>
-            <a:r>
-              <a:rPr lang="de-DE" noProof="1" smtClean="0">
-                <a:latin typeface="Arial" panose="020B0604020202020204" pitchFamily="34" charset="0"/>
-                <a:cs typeface="Arial" panose="020B0604020202020204" pitchFamily="34" charset="0"/>
-              </a:rPr>
-              <a:t>5</a:t>
-            </a:r>
-            <a:r>
-              <a:rPr lang="de-DE" noProof="1" smtClean="0">
-                <a:latin typeface="Arial" panose="020B0604020202020204" pitchFamily="34" charset="0"/>
-                <a:cs typeface="Arial" panose="020B0604020202020204" pitchFamily="34" charset="0"/>
-              </a:rPr>
-              <a:t>)	Datenbanken </a:t>
-            </a:r>
-            <a:r>
-              <a:rPr lang="de-DE" noProof="1" smtClean="0">
-                <a:latin typeface="Arial" panose="020B0604020202020204" pitchFamily="34" charset="0"/>
-                <a:cs typeface="Arial" panose="020B0604020202020204" pitchFamily="34" charset="0"/>
-              </a:rPr>
-              <a:t>&amp; Schnittstellen zur CA</a:t>
-            </a:r>
-          </a:p>
-          <a:p>
-            <a:pPr>
-              <a:buClr>
-                <a:schemeClr val="tx1"/>
-              </a:buClr>
-              <a:buFont typeface="Wingdings" panose="05000000000000000000" pitchFamily="2" charset="2"/>
-              <a:buChar char="Ø"/>
-            </a:pPr>
-            <a:r>
-              <a:rPr lang="de-DE" noProof="1" smtClean="0">
-                <a:latin typeface="Arial" panose="020B0604020202020204" pitchFamily="34" charset="0"/>
-                <a:cs typeface="Arial" panose="020B0604020202020204" pitchFamily="34" charset="0"/>
-              </a:rPr>
-              <a:t>6</a:t>
-            </a:r>
-            <a:r>
-              <a:rPr lang="de-DE" noProof="1" smtClean="0">
-                <a:latin typeface="Arial" panose="020B0604020202020204" pitchFamily="34" charset="0"/>
-                <a:cs typeface="Arial" panose="020B0604020202020204" pitchFamily="34" charset="0"/>
-              </a:rPr>
-              <a:t>)	Validation Authority (VA) </a:t>
-            </a:r>
-            <a:endParaRPr lang="de-DE" noProof="1" smtClean="0">
-              <a:latin typeface="Arial" panose="020B0604020202020204" pitchFamily="34" charset="0"/>
-              <a:cs typeface="Arial" panose="020B0604020202020204" pitchFamily="34" charset="0"/>
-            </a:endParaRPr>
-          </a:p>
-          <a:p>
-            <a:pPr>
-              <a:buClr>
-                <a:schemeClr val="tx1"/>
-              </a:buClr>
-              <a:buFont typeface="Wingdings" panose="05000000000000000000" pitchFamily="2" charset="2"/>
-              <a:buChar char="Ø"/>
-            </a:pPr>
-            <a:r>
-              <a:rPr lang="de-DE" noProof="1" smtClean="0">
-                <a:latin typeface="Arial" panose="020B0604020202020204" pitchFamily="34" charset="0"/>
-                <a:cs typeface="Arial" panose="020B0604020202020204" pitchFamily="34" charset="0"/>
-              </a:rPr>
-              <a:t>7</a:t>
-            </a:r>
-            <a:r>
-              <a:rPr lang="de-DE" noProof="1" smtClean="0">
-                <a:latin typeface="Arial" panose="020B0604020202020204" pitchFamily="34" charset="0"/>
-                <a:cs typeface="Arial" panose="020B0604020202020204" pitchFamily="34" charset="0"/>
-              </a:rPr>
-              <a:t>)	</a:t>
+              <a:t>7)	</a:t>
             </a:r>
             <a:r>
               <a:rPr lang="en-GB" dirty="0">

--- a/Erstellung_einer_PKI.pptx
+++ b/Erstellung_einer_PKI.pptx
@@ -2,19 +2,22 @@
 <file path=ppt/presentation.xml><?xml version="1.0" encoding="utf-8"?>
 <p:presentation xmlns:a="http://schemas.openxmlformats.org/drawingml/2006/main" xmlns:r="http://schemas.openxmlformats.org/officeDocument/2006/relationships" xmlns:p="http://schemas.openxmlformats.org/presentationml/2006/main" saveSubsetFonts="1">
   <p:sldMasterIdLst>
-    <p:sldMasterId id="2147483672" r:id="rId1"/>
+    <p:sldMasterId id="2147483785" r:id="rId1"/>
   </p:sldMasterIdLst>
   <p:sldIdLst>
     <p:sldId id="256" r:id="rId2"/>
     <p:sldId id="257" r:id="rId3"/>
     <p:sldId id="258" r:id="rId4"/>
     <p:sldId id="259" r:id="rId5"/>
-    <p:sldId id="260" r:id="rId6"/>
-    <p:sldId id="261" r:id="rId7"/>
-    <p:sldId id="262" r:id="rId8"/>
-    <p:sldId id="263" r:id="rId9"/>
-    <p:sldId id="264" r:id="rId10"/>
-    <p:sldId id="265" r:id="rId11"/>
+    <p:sldId id="266" r:id="rId6"/>
+    <p:sldId id="267" r:id="rId7"/>
+    <p:sldId id="260" r:id="rId8"/>
+    <p:sldId id="268" r:id="rId9"/>
+    <p:sldId id="265" r:id="rId10"/>
+    <p:sldId id="269" r:id="rId11"/>
+    <p:sldId id="270" r:id="rId12"/>
+    <p:sldId id="262" r:id="rId13"/>
+    <p:sldId id="263" r:id="rId14"/>
   </p:sldIdLst>
   <p:sldSz cx="9144000" cy="6858000" type="screen4x3"/>
   <p:notesSz cx="6858000" cy="9144000"/>
@@ -151,7 +154,7 @@
       </p:grpSpPr>
       <p:sp>
         <p:nvSpPr>
-          <p:cNvPr id="8" name="Titel 7"/>
+          <p:cNvPr id="2" name="Titel 1"/>
           <p:cNvSpPr>
             <a:spLocks noGrp="1"/>
           </p:cNvSpPr>
@@ -161,74 +164,94 @@
         </p:nvSpPr>
         <p:spPr>
           <a:xfrm>
-            <a:off x="422030" y="1371600"/>
-            <a:ext cx="8229600" cy="1828800"/>
+            <a:off x="1143000" y="1122363"/>
+            <a:ext cx="6858000" cy="2387600"/>
           </a:xfrm>
         </p:spPr>
         <p:txBody>
-          <a:bodyPr vert="horz" lIns="45720" tIns="0" rIns="45720" bIns="0" anchor="b">
-            <a:normAutofit/>
-            <a:scene3d>
-              <a:camera prst="orthographicFront"/>
-              <a:lightRig rig="soft" dir="t">
-                <a:rot lat="0" lon="0" rev="17220000"/>
-              </a:lightRig>
-            </a:scene3d>
-            <a:sp3d prstMaterial="softEdge">
-              <a:bevelT w="38100" h="38100"/>
-            </a:sp3d>
-          </a:bodyPr>
+          <a:bodyPr anchor="b"/>
           <a:lstStyle>
-            <a:lvl1pPr>
-              <a:defRPr sz="4800" b="1" cap="all" baseline="0">
-                <a:ln w="6350">
-                  <a:noFill/>
-                </a:ln>
-                <a:gradFill>
-                  <a:gsLst>
-                    <a:gs pos="0">
-                      <a:schemeClr val="accent1">
-                        <a:tint val="73000"/>
-                        <a:satMod val="145000"/>
-                      </a:schemeClr>
-                    </a:gs>
-                    <a:gs pos="73000">
-                      <a:schemeClr val="accent1">
-                        <a:tint val="73000"/>
-                        <a:satMod val="145000"/>
-                      </a:schemeClr>
-                    </a:gs>
-                    <a:gs pos="100000">
-                      <a:schemeClr val="accent1">
-                        <a:tint val="83000"/>
-                        <a:satMod val="143000"/>
-                      </a:schemeClr>
-                    </a:gs>
-                  </a:gsLst>
-                  <a:lin ang="4800000" scaled="1"/>
-                </a:gradFill>
-                <a:effectLst>
-                  <a:outerShdw blurRad="127000" dist="200000" dir="2700000" algn="tl" rotWithShape="0">
-                    <a:srgbClr val="000000">
-                      <a:alpha val="30000"/>
-                    </a:srgbClr>
-                  </a:outerShdw>
-                </a:effectLst>
-              </a:defRPr>
+            <a:lvl1pPr algn="ctr">
+              <a:defRPr sz="4500"/>
             </a:lvl1pPr>
           </a:lstStyle>
           <a:p>
             <a:r>
-              <a:rPr kumimoji="0" lang="de-DE" smtClean="0"/>
+              <a:rPr lang="de-DE" smtClean="0"/>
               <a:t>Titelmasterformat durch Klicken bearbeiten</a:t>
             </a:r>
-            <a:endParaRPr kumimoji="0" lang="en-US"/>
-          </a:p>
-        </p:txBody>
-      </p:sp>
-      <p:sp>
-        <p:nvSpPr>
-          <p:cNvPr id="28" name="Datumsplatzhalter 27"/>
+            <a:endParaRPr lang="de-DE"/>
+          </a:p>
+        </p:txBody>
+      </p:sp>
+      <p:sp>
+        <p:nvSpPr>
+          <p:cNvPr id="3" name="Untertitel 2"/>
+          <p:cNvSpPr>
+            <a:spLocks noGrp="1"/>
+          </p:cNvSpPr>
+          <p:nvPr>
+            <p:ph type="subTitle" idx="1"/>
+          </p:nvPr>
+        </p:nvSpPr>
+        <p:spPr>
+          <a:xfrm>
+            <a:off x="1143000" y="3602038"/>
+            <a:ext cx="6858000" cy="1655762"/>
+          </a:xfrm>
+        </p:spPr>
+        <p:txBody>
+          <a:bodyPr/>
+          <a:lstStyle>
+            <a:lvl1pPr marL="0" indent="0" algn="ctr">
+              <a:buNone/>
+              <a:defRPr sz="1800"/>
+            </a:lvl1pPr>
+            <a:lvl2pPr marL="342900" indent="0" algn="ctr">
+              <a:buNone/>
+              <a:defRPr sz="1500"/>
+            </a:lvl2pPr>
+            <a:lvl3pPr marL="685800" indent="0" algn="ctr">
+              <a:buNone/>
+              <a:defRPr sz="1350"/>
+            </a:lvl3pPr>
+            <a:lvl4pPr marL="1028700" indent="0" algn="ctr">
+              <a:buNone/>
+              <a:defRPr sz="1200"/>
+            </a:lvl4pPr>
+            <a:lvl5pPr marL="1371600" indent="0" algn="ctr">
+              <a:buNone/>
+              <a:defRPr sz="1200"/>
+            </a:lvl5pPr>
+            <a:lvl6pPr marL="1714500" indent="0" algn="ctr">
+              <a:buNone/>
+              <a:defRPr sz="1200"/>
+            </a:lvl6pPr>
+            <a:lvl7pPr marL="2057400" indent="0" algn="ctr">
+              <a:buNone/>
+              <a:defRPr sz="1200"/>
+            </a:lvl7pPr>
+            <a:lvl8pPr marL="2400300" indent="0" algn="ctr">
+              <a:buNone/>
+              <a:defRPr sz="1200"/>
+            </a:lvl8pPr>
+            <a:lvl9pPr marL="2743200" indent="0" algn="ctr">
+              <a:buNone/>
+              <a:defRPr sz="1200"/>
+            </a:lvl9pPr>
+          </a:lstStyle>
+          <a:p>
+            <a:r>
+              <a:rPr lang="de-DE" smtClean="0"/>
+              <a:t>Formatvorlage des Untertitelmasters durch Klicken bearbeiten</a:t>
+            </a:r>
+            <a:endParaRPr lang="de-DE"/>
+          </a:p>
+        </p:txBody>
+      </p:sp>
+      <p:sp>
+        <p:nvSpPr>
+          <p:cNvPr id="4" name="Datumsplatzhalter 3"/>
           <p:cNvSpPr>
             <a:spLocks noGrp="1"/>
           </p:cNvSpPr>
@@ -243,7 +266,7 @@
           <a:p>
             <a:fld id="{0C974720-8788-48BE-8FB9-759A7BE32D03}" type="datetimeFigureOut">
               <a:rPr lang="en-GB" smtClean="0"/>
-              <a:t>19/06/2015</a:t>
+              <a:t>26/06/2015</a:t>
             </a:fld>
             <a:endParaRPr lang="en-GB"/>
           </a:p>
@@ -251,7 +274,7 @@
       </p:sp>
       <p:sp>
         <p:nvSpPr>
-          <p:cNvPr id="17" name="Fußzeilenplatzhalter 16"/>
+          <p:cNvPr id="5" name="Fußzeilenplatzhalter 4"/>
           <p:cNvSpPr>
             <a:spLocks noGrp="1"/>
           </p:cNvSpPr>
@@ -270,7 +293,7 @@
       </p:sp>
       <p:sp>
         <p:nvSpPr>
-          <p:cNvPr id="29" name="Foliennummernplatzhalter 28"/>
+          <p:cNvPr id="6" name="Foliennummernplatzhalter 5"/>
           <p:cNvSpPr>
             <a:spLocks noGrp="1"/>
           </p:cNvSpPr>
@@ -291,68 +314,12 @@
           </a:p>
         </p:txBody>
       </p:sp>
-      <p:sp>
-        <p:nvSpPr>
-          <p:cNvPr id="9" name="Untertitel 8"/>
-          <p:cNvSpPr>
-            <a:spLocks noGrp="1"/>
-          </p:cNvSpPr>
-          <p:nvPr>
-            <p:ph type="subTitle" idx="1"/>
-          </p:nvPr>
-        </p:nvSpPr>
-        <p:spPr>
-          <a:xfrm>
-            <a:off x="1371600" y="3331698"/>
-            <a:ext cx="6400800" cy="1752600"/>
-          </a:xfrm>
-        </p:spPr>
-        <p:txBody>
-          <a:bodyPr/>
-          <a:lstStyle>
-            <a:lvl1pPr marL="0" indent="0" algn="ctr">
-              <a:buNone/>
-              <a:defRPr>
-                <a:solidFill>
-                  <a:schemeClr val="tx1"/>
-                </a:solidFill>
-              </a:defRPr>
-            </a:lvl1pPr>
-            <a:lvl2pPr marL="457200" indent="0" algn="ctr">
-              <a:buNone/>
-            </a:lvl2pPr>
-            <a:lvl3pPr marL="914400" indent="0" algn="ctr">
-              <a:buNone/>
-            </a:lvl3pPr>
-            <a:lvl4pPr marL="1371600" indent="0" algn="ctr">
-              <a:buNone/>
-            </a:lvl4pPr>
-            <a:lvl5pPr marL="1828800" indent="0" algn="ctr">
-              <a:buNone/>
-            </a:lvl5pPr>
-            <a:lvl6pPr marL="2286000" indent="0" algn="ctr">
-              <a:buNone/>
-            </a:lvl6pPr>
-            <a:lvl7pPr marL="2743200" indent="0" algn="ctr">
-              <a:buNone/>
-            </a:lvl7pPr>
-            <a:lvl8pPr marL="3200400" indent="0" algn="ctr">
-              <a:buNone/>
-            </a:lvl8pPr>
-            <a:lvl9pPr marL="3657600" indent="0" algn="ctr">
-              <a:buNone/>
-            </a:lvl9pPr>
-          </a:lstStyle>
-          <a:p>
-            <a:r>
-              <a:rPr kumimoji="0" lang="de-DE" smtClean="0"/>
-              <a:t>Formatvorlage des Untertitelmasters durch Klicken bearbeiten</a:t>
-            </a:r>
-            <a:endParaRPr kumimoji="0" lang="en-US"/>
-          </a:p>
-        </p:txBody>
-      </p:sp>
     </p:spTree>
+    <p:extLst>
+      <p:ext uri="{BB962C8B-B14F-4D97-AF65-F5344CB8AC3E}">
+        <p14:creationId xmlns:p14="http://schemas.microsoft.com/office/powerpoint/2010/main" val="2700470683"/>
+      </p:ext>
+    </p:extLst>
   </p:cSld>
   <p:clrMapOvr>
     <a:masterClrMapping/>
@@ -393,10 +360,10 @@
           <a:lstStyle/>
           <a:p>
             <a:r>
-              <a:rPr kumimoji="0" lang="de-DE" smtClean="0"/>
+              <a:rPr lang="de-DE" smtClean="0"/>
               <a:t>Titelmasterformat durch Klicken bearbeiten</a:t>
             </a:r>
-            <a:endParaRPr kumimoji="0" lang="en-US"/>
+            <a:endParaRPr lang="de-DE"/>
           </a:p>
         </p:txBody>
       </p:sp>
@@ -415,40 +382,40 @@
           <a:bodyPr vert="eaVert"/>
           <a:lstStyle/>
           <a:p>
-            <a:pPr lvl="0" eaLnBrk="1" latinLnBrk="0" hangingPunct="1"/>
+            <a:pPr lvl="0"/>
             <a:r>
               <a:rPr lang="de-DE" smtClean="0"/>
               <a:t>Textmasterformat bearbeiten</a:t>
             </a:r>
           </a:p>
           <a:p>
-            <a:pPr lvl="1" eaLnBrk="1" latinLnBrk="0" hangingPunct="1"/>
+            <a:pPr lvl="1"/>
             <a:r>
               <a:rPr lang="de-DE" smtClean="0"/>
               <a:t>Zweite Ebene</a:t>
             </a:r>
           </a:p>
           <a:p>
-            <a:pPr lvl="2" eaLnBrk="1" latinLnBrk="0" hangingPunct="1"/>
+            <a:pPr lvl="2"/>
             <a:r>
               <a:rPr lang="de-DE" smtClean="0"/>
               <a:t>Dritte Ebene</a:t>
             </a:r>
           </a:p>
           <a:p>
-            <a:pPr lvl="3" eaLnBrk="1" latinLnBrk="0" hangingPunct="1"/>
+            <a:pPr lvl="3"/>
             <a:r>
               <a:rPr lang="de-DE" smtClean="0"/>
               <a:t>Vierte Ebene</a:t>
             </a:r>
           </a:p>
           <a:p>
-            <a:pPr lvl="4" eaLnBrk="1" latinLnBrk="0" hangingPunct="1"/>
+            <a:pPr lvl="4"/>
             <a:r>
               <a:rPr lang="de-DE" smtClean="0"/>
               <a:t>Fünfte Ebene</a:t>
             </a:r>
-            <a:endParaRPr kumimoji="0" lang="en-US"/>
+            <a:endParaRPr lang="de-DE"/>
           </a:p>
         </p:txBody>
       </p:sp>
@@ -469,7 +436,7 @@
           <a:p>
             <a:fld id="{0C974720-8788-48BE-8FB9-759A7BE32D03}" type="datetimeFigureOut">
               <a:rPr lang="en-GB" smtClean="0"/>
-              <a:t>19/06/2015</a:t>
+              <a:t>26/06/2015</a:t>
             </a:fld>
             <a:endParaRPr lang="en-GB"/>
           </a:p>
@@ -518,6 +485,11 @@
         </p:txBody>
       </p:sp>
     </p:spTree>
+    <p:extLst>
+      <p:ext uri="{BB962C8B-B14F-4D97-AF65-F5344CB8AC3E}">
+        <p14:creationId xmlns:p14="http://schemas.microsoft.com/office/powerpoint/2010/main" val="2684699834"/>
+      </p:ext>
+    </p:extLst>
   </p:cSld>
   <p:clrMapOvr>
     <a:masterClrMapping/>
@@ -554,8 +526,8 @@
         </p:nvSpPr>
         <p:spPr>
           <a:xfrm>
-            <a:off x="6629400" y="274638"/>
-            <a:ext cx="2057400" cy="5851525"/>
+            <a:off x="6543675" y="365125"/>
+            <a:ext cx="1971675" cy="5811838"/>
           </a:xfrm>
         </p:spPr>
         <p:txBody>
@@ -563,10 +535,10 @@
           <a:lstStyle/>
           <a:p>
             <a:r>
-              <a:rPr kumimoji="0" lang="de-DE" smtClean="0"/>
+              <a:rPr lang="de-DE" smtClean="0"/>
               <a:t>Titelmasterformat durch Klicken bearbeiten</a:t>
             </a:r>
-            <a:endParaRPr kumimoji="0" lang="en-US"/>
+            <a:endParaRPr lang="de-DE"/>
           </a:p>
         </p:txBody>
       </p:sp>
@@ -582,48 +554,48 @@
         </p:nvSpPr>
         <p:spPr>
           <a:xfrm>
-            <a:off x="457200" y="274638"/>
-            <a:ext cx="6019800" cy="5851525"/>
+            <a:off x="628650" y="365125"/>
+            <a:ext cx="5800725" cy="5811838"/>
           </a:xfrm>
         </p:spPr>
         <p:txBody>
           <a:bodyPr vert="eaVert"/>
           <a:lstStyle/>
           <a:p>
-            <a:pPr lvl="0" eaLnBrk="1" latinLnBrk="0" hangingPunct="1"/>
+            <a:pPr lvl="0"/>
             <a:r>
               <a:rPr lang="de-DE" smtClean="0"/>
               <a:t>Textmasterformat bearbeiten</a:t>
             </a:r>
           </a:p>
           <a:p>
-            <a:pPr lvl="1" eaLnBrk="1" latinLnBrk="0" hangingPunct="1"/>
+            <a:pPr lvl="1"/>
             <a:r>
               <a:rPr lang="de-DE" smtClean="0"/>
               <a:t>Zweite Ebene</a:t>
             </a:r>
           </a:p>
           <a:p>
-            <a:pPr lvl="2" eaLnBrk="1" latinLnBrk="0" hangingPunct="1"/>
+            <a:pPr lvl="2"/>
             <a:r>
               <a:rPr lang="de-DE" smtClean="0"/>
               <a:t>Dritte Ebene</a:t>
             </a:r>
           </a:p>
           <a:p>
-            <a:pPr lvl="3" eaLnBrk="1" latinLnBrk="0" hangingPunct="1"/>
+            <a:pPr lvl="3"/>
             <a:r>
               <a:rPr lang="de-DE" smtClean="0"/>
               <a:t>Vierte Ebene</a:t>
             </a:r>
           </a:p>
           <a:p>
-            <a:pPr lvl="4" eaLnBrk="1" latinLnBrk="0" hangingPunct="1"/>
+            <a:pPr lvl="4"/>
             <a:r>
               <a:rPr lang="de-DE" smtClean="0"/>
               <a:t>Fünfte Ebene</a:t>
             </a:r>
-            <a:endParaRPr kumimoji="0" lang="en-US"/>
+            <a:endParaRPr lang="de-DE"/>
           </a:p>
         </p:txBody>
       </p:sp>
@@ -644,7 +616,7 @@
           <a:p>
             <a:fld id="{0C974720-8788-48BE-8FB9-759A7BE32D03}" type="datetimeFigureOut">
               <a:rPr lang="en-GB" smtClean="0"/>
-              <a:t>19/06/2015</a:t>
+              <a:t>26/06/2015</a:t>
             </a:fld>
             <a:endParaRPr lang="en-GB"/>
           </a:p>
@@ -693,6 +665,11 @@
         </p:txBody>
       </p:sp>
     </p:spTree>
+    <p:extLst>
+      <p:ext uri="{BB962C8B-B14F-4D97-AF65-F5344CB8AC3E}">
+        <p14:creationId xmlns:p14="http://schemas.microsoft.com/office/powerpoint/2010/main" val="3810232902"/>
+      </p:ext>
+    </p:extLst>
   </p:cSld>
   <p:clrMapOvr>
     <a:masterClrMapping/>
@@ -733,10 +710,10 @@
           <a:lstStyle/>
           <a:p>
             <a:r>
-              <a:rPr kumimoji="0" lang="de-DE" smtClean="0"/>
+              <a:rPr lang="de-DE" smtClean="0"/>
               <a:t>Titelmasterformat durch Klicken bearbeiten</a:t>
             </a:r>
-            <a:endParaRPr kumimoji="0" lang="en-US"/>
+            <a:endParaRPr lang="de-DE"/>
           </a:p>
         </p:txBody>
       </p:sp>
@@ -755,40 +732,40 @@
           <a:bodyPr/>
           <a:lstStyle/>
           <a:p>
-            <a:pPr lvl="0" eaLnBrk="1" latinLnBrk="0" hangingPunct="1"/>
+            <a:pPr lvl="0"/>
             <a:r>
               <a:rPr lang="de-DE" smtClean="0"/>
               <a:t>Textmasterformat bearbeiten</a:t>
             </a:r>
           </a:p>
           <a:p>
-            <a:pPr lvl="1" eaLnBrk="1" latinLnBrk="0" hangingPunct="1"/>
+            <a:pPr lvl="1"/>
             <a:r>
               <a:rPr lang="de-DE" smtClean="0"/>
               <a:t>Zweite Ebene</a:t>
             </a:r>
           </a:p>
           <a:p>
-            <a:pPr lvl="2" eaLnBrk="1" latinLnBrk="0" hangingPunct="1"/>
+            <a:pPr lvl="2"/>
             <a:r>
               <a:rPr lang="de-DE" smtClean="0"/>
               <a:t>Dritte Ebene</a:t>
             </a:r>
           </a:p>
           <a:p>
-            <a:pPr lvl="3" eaLnBrk="1" latinLnBrk="0" hangingPunct="1"/>
+            <a:pPr lvl="3"/>
             <a:r>
               <a:rPr lang="de-DE" smtClean="0"/>
               <a:t>Vierte Ebene</a:t>
             </a:r>
           </a:p>
           <a:p>
-            <a:pPr lvl="4" eaLnBrk="1" latinLnBrk="0" hangingPunct="1"/>
+            <a:pPr lvl="4"/>
             <a:r>
               <a:rPr lang="de-DE" smtClean="0"/>
               <a:t>Fünfte Ebene</a:t>
             </a:r>
-            <a:endParaRPr kumimoji="0" lang="en-US"/>
+            <a:endParaRPr lang="de-DE"/>
           </a:p>
         </p:txBody>
       </p:sp>
@@ -809,7 +786,7 @@
           <a:p>
             <a:fld id="{0C974720-8788-48BE-8FB9-759A7BE32D03}" type="datetimeFigureOut">
               <a:rPr lang="en-GB" smtClean="0"/>
-              <a:t>19/06/2015</a:t>
+              <a:t>26/06/2015</a:t>
             </a:fld>
             <a:endParaRPr lang="en-GB"/>
           </a:p>
@@ -858,6 +835,11 @@
         </p:txBody>
       </p:sp>
     </p:spTree>
+    <p:extLst>
+      <p:ext uri="{BB962C8B-B14F-4D97-AF65-F5344CB8AC3E}">
+        <p14:creationId xmlns:p14="http://schemas.microsoft.com/office/powerpoint/2010/main" val="3331083460"/>
+      </p:ext>
+    </p:extLst>
   </p:cSld>
   <p:clrMapOvr>
     <a:masterClrMapping/>
@@ -894,63 +876,23 @@
         </p:nvSpPr>
         <p:spPr>
           <a:xfrm>
-            <a:off x="1600200" y="609600"/>
-            <a:ext cx="7086600" cy="1828800"/>
+            <a:off x="623888" y="1709739"/>
+            <a:ext cx="7886700" cy="2852737"/>
           </a:xfrm>
         </p:spPr>
         <p:txBody>
-          <a:bodyPr vert="horz" bIns="0" anchor="b">
-            <a:noAutofit/>
-            <a:scene3d>
-              <a:camera prst="orthographicFront"/>
-              <a:lightRig rig="soft" dir="t">
-                <a:rot lat="0" lon="0" rev="17220000"/>
-              </a:lightRig>
-            </a:scene3d>
-            <a:sp3d prstMaterial="softEdge">
-              <a:bevelT w="38100" h="38100"/>
-              <a:contourClr>
-                <a:schemeClr val="tx2">
-                  <a:shade val="50000"/>
-                </a:schemeClr>
-              </a:contourClr>
-            </a:sp3d>
-          </a:bodyPr>
+          <a:bodyPr anchor="b"/>
           <a:lstStyle>
-            <a:lvl1pPr algn="l" rtl="0">
-              <a:spcBef>
-                <a:spcPct val="0"/>
-              </a:spcBef>
-              <a:buNone/>
-              <a:defRPr sz="4800" b="1" cap="none" baseline="0">
-                <a:ln w="6350">
-                  <a:noFill/>
-                </a:ln>
-                <a:solidFill>
-                  <a:schemeClr val="accent1">
-                    <a:tint val="90000"/>
-                    <a:satMod val="120000"/>
-                  </a:schemeClr>
-                </a:solidFill>
-                <a:effectLst>
-                  <a:outerShdw blurRad="114300" dist="101600" dir="2700000" algn="tl" rotWithShape="0">
-                    <a:srgbClr val="000000">
-                      <a:alpha val="40000"/>
-                    </a:srgbClr>
-                  </a:outerShdw>
-                </a:effectLst>
-                <a:latin typeface="+mj-lt"/>
-                <a:ea typeface="+mj-ea"/>
-                <a:cs typeface="+mj-cs"/>
-              </a:defRPr>
+            <a:lvl1pPr>
+              <a:defRPr sz="4500"/>
             </a:lvl1pPr>
           </a:lstStyle>
           <a:p>
             <a:r>
-              <a:rPr kumimoji="0" lang="de-DE" smtClean="0"/>
+              <a:rPr lang="de-DE" smtClean="0"/>
               <a:t>Titelmasterformat durch Klicken bearbeiten</a:t>
             </a:r>
-            <a:endParaRPr kumimoji="0" lang="en-US"/>
+            <a:endParaRPr lang="de-DE"/>
           </a:p>
         </p:txBody>
       </p:sp>
@@ -966,22 +908,14 @@
         </p:nvSpPr>
         <p:spPr>
           <a:xfrm>
-            <a:off x="1600200" y="2507786"/>
-            <a:ext cx="7086600" cy="1509712"/>
+            <a:off x="623888" y="4589464"/>
+            <a:ext cx="7886700" cy="1500187"/>
           </a:xfrm>
         </p:spPr>
         <p:txBody>
-          <a:bodyPr anchor="t"/>
+          <a:bodyPr/>
           <a:lstStyle>
-            <a:lvl1pPr marL="73152" indent="0" algn="l">
-              <a:buNone/>
-              <a:defRPr sz="2000">
-                <a:solidFill>
-                  <a:schemeClr val="tx1"/>
-                </a:solidFill>
-              </a:defRPr>
-            </a:lvl1pPr>
-            <a:lvl2pPr>
+            <a:lvl1pPr marL="0" indent="0">
               <a:buNone/>
               <a:defRPr sz="1800">
                 <a:solidFill>
@@ -990,42 +924,92 @@
                   </a:schemeClr>
                 </a:solidFill>
               </a:defRPr>
-            </a:lvl2pPr>
-            <a:lvl3pPr>
+            </a:lvl1pPr>
+            <a:lvl2pPr marL="342900" indent="0">
               <a:buNone/>
-              <a:defRPr sz="1600">
+              <a:defRPr sz="1500">
                 <a:solidFill>
                   <a:schemeClr val="tx1">
                     <a:tint val="75000"/>
                   </a:schemeClr>
                 </a:solidFill>
               </a:defRPr>
-            </a:lvl3pPr>
-            <a:lvl4pPr>
+            </a:lvl2pPr>
+            <a:lvl3pPr marL="685800" indent="0">
               <a:buNone/>
-              <a:defRPr sz="1400">
+              <a:defRPr sz="1350">
                 <a:solidFill>
                   <a:schemeClr val="tx1">
                     <a:tint val="75000"/>
                   </a:schemeClr>
                 </a:solidFill>
               </a:defRPr>
-            </a:lvl4pPr>
-            <a:lvl5pPr>
+            </a:lvl3pPr>
+            <a:lvl4pPr marL="1028700" indent="0">
               <a:buNone/>
-              <a:defRPr sz="1400">
+              <a:defRPr sz="1200">
                 <a:solidFill>
                   <a:schemeClr val="tx1">
                     <a:tint val="75000"/>
                   </a:schemeClr>
                 </a:solidFill>
               </a:defRPr>
+            </a:lvl4pPr>
+            <a:lvl5pPr marL="1371600" indent="0">
+              <a:buNone/>
+              <a:defRPr sz="1200">
+                <a:solidFill>
+                  <a:schemeClr val="tx1">
+                    <a:tint val="75000"/>
+                  </a:schemeClr>
+                </a:solidFill>
+              </a:defRPr>
             </a:lvl5pPr>
+            <a:lvl6pPr marL="1714500" indent="0">
+              <a:buNone/>
+              <a:defRPr sz="1200">
+                <a:solidFill>
+                  <a:schemeClr val="tx1">
+                    <a:tint val="75000"/>
+                  </a:schemeClr>
+                </a:solidFill>
+              </a:defRPr>
+            </a:lvl6pPr>
+            <a:lvl7pPr marL="2057400" indent="0">
+              <a:buNone/>
+              <a:defRPr sz="1200">
+                <a:solidFill>
+                  <a:schemeClr val="tx1">
+                    <a:tint val="75000"/>
+                  </a:schemeClr>
+                </a:solidFill>
+              </a:defRPr>
+            </a:lvl7pPr>
+            <a:lvl8pPr marL="2400300" indent="0">
+              <a:buNone/>
+              <a:defRPr sz="1200">
+                <a:solidFill>
+                  <a:schemeClr val="tx1">
+                    <a:tint val="75000"/>
+                  </a:schemeClr>
+                </a:solidFill>
+              </a:defRPr>
+            </a:lvl8pPr>
+            <a:lvl9pPr marL="2743200" indent="0">
+              <a:buNone/>
+              <a:defRPr sz="1200">
+                <a:solidFill>
+                  <a:schemeClr val="tx1">
+                    <a:tint val="75000"/>
+                  </a:schemeClr>
+                </a:solidFill>
+              </a:defRPr>
+            </a:lvl9pPr>
           </a:lstStyle>
           <a:p>
-            <a:pPr lvl="0" eaLnBrk="1" latinLnBrk="0" hangingPunct="1"/>
-            <a:r>
-              <a:rPr kumimoji="0" lang="de-DE" smtClean="0"/>
+            <a:pPr lvl="0"/>
+            <a:r>
+              <a:rPr lang="de-DE" smtClean="0"/>
               <a:t>Textmasterformat bearbeiten</a:t>
             </a:r>
           </a:p>
@@ -1048,7 +1032,7 @@
           <a:p>
             <a:fld id="{0C974720-8788-48BE-8FB9-759A7BE32D03}" type="datetimeFigureOut">
               <a:rPr lang="en-GB" smtClean="0"/>
-              <a:t>19/06/2015</a:t>
+              <a:t>26/06/2015</a:t>
             </a:fld>
             <a:endParaRPr lang="en-GB"/>
           </a:p>
@@ -1083,12 +1067,7 @@
             <p:ph type="sldNum" sz="quarter" idx="12"/>
           </p:nvPr>
         </p:nvSpPr>
-        <p:spPr>
-          <a:xfrm>
-            <a:off x="7924800" y="6416675"/>
-            <a:ext cx="762000" cy="365125"/>
-          </a:xfrm>
-        </p:spPr>
+        <p:spPr/>
         <p:txBody>
           <a:bodyPr/>
           <a:lstStyle/>
@@ -1102,6 +1081,11 @@
         </p:txBody>
       </p:sp>
     </p:spTree>
+    <p:extLst>
+      <p:ext uri="{BB962C8B-B14F-4D97-AF65-F5344CB8AC3E}">
+        <p14:creationId xmlns:p14="http://schemas.microsoft.com/office/powerpoint/2010/main" val="3153537174"/>
+      </p:ext>
+    </p:extLst>
   </p:cSld>
   <p:clrMapOvr>
     <a:masterClrMapping/>
@@ -1142,10 +1126,10 @@
           <a:lstStyle/>
           <a:p>
             <a:r>
-              <a:rPr kumimoji="0" lang="de-DE" smtClean="0"/>
+              <a:rPr lang="de-DE" smtClean="0"/>
               <a:t>Titelmasterformat durch Klicken bearbeiten</a:t>
             </a:r>
-            <a:endParaRPr kumimoji="0" lang="en-US"/>
+            <a:endParaRPr lang="de-DE"/>
           </a:p>
         </p:txBody>
       </p:sp>
@@ -1161,64 +1145,48 @@
         </p:nvSpPr>
         <p:spPr>
           <a:xfrm>
-            <a:off x="457200" y="1600200"/>
-            <a:ext cx="4038600" cy="4525963"/>
+            <a:off x="628650" y="1825625"/>
+            <a:ext cx="3886200" cy="4351338"/>
           </a:xfrm>
         </p:spPr>
         <p:txBody>
           <a:bodyPr/>
-          <a:lstStyle>
-            <a:lvl1pPr>
-              <a:defRPr sz="2600"/>
-            </a:lvl1pPr>
-            <a:lvl2pPr>
-              <a:defRPr sz="2400"/>
-            </a:lvl2pPr>
-            <a:lvl3pPr>
-              <a:defRPr sz="2000"/>
-            </a:lvl3pPr>
-            <a:lvl4pPr>
-              <a:defRPr sz="1800"/>
-            </a:lvl4pPr>
-            <a:lvl5pPr>
-              <a:defRPr sz="1800"/>
-            </a:lvl5pPr>
-          </a:lstStyle>
-          <a:p>
-            <a:pPr lvl="0" eaLnBrk="1" latinLnBrk="0" hangingPunct="1"/>
+          <a:lstStyle/>
+          <a:p>
+            <a:pPr lvl="0"/>
             <a:r>
               <a:rPr lang="de-DE" smtClean="0"/>
               <a:t>Textmasterformat bearbeiten</a:t>
             </a:r>
           </a:p>
           <a:p>
-            <a:pPr lvl="1" eaLnBrk="1" latinLnBrk="0" hangingPunct="1"/>
+            <a:pPr lvl="1"/>
             <a:r>
               <a:rPr lang="de-DE" smtClean="0"/>
               <a:t>Zweite Ebene</a:t>
             </a:r>
           </a:p>
           <a:p>
-            <a:pPr lvl="2" eaLnBrk="1" latinLnBrk="0" hangingPunct="1"/>
+            <a:pPr lvl="2"/>
             <a:r>
               <a:rPr lang="de-DE" smtClean="0"/>
               <a:t>Dritte Ebene</a:t>
             </a:r>
           </a:p>
           <a:p>
-            <a:pPr lvl="3" eaLnBrk="1" latinLnBrk="0" hangingPunct="1"/>
+            <a:pPr lvl="3"/>
             <a:r>
               <a:rPr lang="de-DE" smtClean="0"/>
               <a:t>Vierte Ebene</a:t>
             </a:r>
           </a:p>
           <a:p>
-            <a:pPr lvl="4" eaLnBrk="1" latinLnBrk="0" hangingPunct="1"/>
+            <a:pPr lvl="4"/>
             <a:r>
               <a:rPr lang="de-DE" smtClean="0"/>
               <a:t>Fünfte Ebene</a:t>
             </a:r>
-            <a:endParaRPr kumimoji="0" lang="en-US"/>
+            <a:endParaRPr lang="de-DE"/>
           </a:p>
         </p:txBody>
       </p:sp>
@@ -1234,64 +1202,48 @@
         </p:nvSpPr>
         <p:spPr>
           <a:xfrm>
-            <a:off x="4648200" y="1600200"/>
-            <a:ext cx="4038600" cy="4525963"/>
+            <a:off x="4629150" y="1825625"/>
+            <a:ext cx="3886200" cy="4351338"/>
           </a:xfrm>
         </p:spPr>
         <p:txBody>
           <a:bodyPr/>
-          <a:lstStyle>
-            <a:lvl1pPr>
-              <a:defRPr sz="2600"/>
-            </a:lvl1pPr>
-            <a:lvl2pPr>
-              <a:defRPr sz="2400"/>
-            </a:lvl2pPr>
-            <a:lvl3pPr>
-              <a:defRPr sz="2000"/>
-            </a:lvl3pPr>
-            <a:lvl4pPr>
-              <a:defRPr sz="1800"/>
-            </a:lvl4pPr>
-            <a:lvl5pPr>
-              <a:defRPr sz="1800"/>
-            </a:lvl5pPr>
-          </a:lstStyle>
-          <a:p>
-            <a:pPr lvl="0" eaLnBrk="1" latinLnBrk="0" hangingPunct="1"/>
+          <a:lstStyle/>
+          <a:p>
+            <a:pPr lvl="0"/>
             <a:r>
               <a:rPr lang="de-DE" smtClean="0"/>
               <a:t>Textmasterformat bearbeiten</a:t>
             </a:r>
           </a:p>
           <a:p>
-            <a:pPr lvl="1" eaLnBrk="1" latinLnBrk="0" hangingPunct="1"/>
+            <a:pPr lvl="1"/>
             <a:r>
               <a:rPr lang="de-DE" smtClean="0"/>
               <a:t>Zweite Ebene</a:t>
             </a:r>
           </a:p>
           <a:p>
-            <a:pPr lvl="2" eaLnBrk="1" latinLnBrk="0" hangingPunct="1"/>
+            <a:pPr lvl="2"/>
             <a:r>
               <a:rPr lang="de-DE" smtClean="0"/>
               <a:t>Dritte Ebene</a:t>
             </a:r>
           </a:p>
           <a:p>
-            <a:pPr lvl="3" eaLnBrk="1" latinLnBrk="0" hangingPunct="1"/>
+            <a:pPr lvl="3"/>
             <a:r>
               <a:rPr lang="de-DE" smtClean="0"/>
               <a:t>Vierte Ebene</a:t>
             </a:r>
           </a:p>
           <a:p>
-            <a:pPr lvl="4" eaLnBrk="1" latinLnBrk="0" hangingPunct="1"/>
+            <a:pPr lvl="4"/>
             <a:r>
               <a:rPr lang="de-DE" smtClean="0"/>
               <a:t>Fünfte Ebene</a:t>
             </a:r>
-            <a:endParaRPr kumimoji="0" lang="en-US"/>
+            <a:endParaRPr lang="de-DE"/>
           </a:p>
         </p:txBody>
       </p:sp>
@@ -1312,7 +1264,7 @@
           <a:p>
             <a:fld id="{0C974720-8788-48BE-8FB9-759A7BE32D03}" type="datetimeFigureOut">
               <a:rPr lang="en-GB" smtClean="0"/>
-              <a:t>19/06/2015</a:t>
+              <a:t>26/06/2015</a:t>
             </a:fld>
             <a:endParaRPr lang="en-GB"/>
           </a:p>
@@ -1361,6 +1313,11 @@
         </p:txBody>
       </p:sp>
     </p:spTree>
+    <p:extLst>
+      <p:ext uri="{BB962C8B-B14F-4D97-AF65-F5344CB8AC3E}">
+        <p14:creationId xmlns:p14="http://schemas.microsoft.com/office/powerpoint/2010/main" val="3185295394"/>
+      </p:ext>
+    </p:extLst>
   </p:cSld>
   <p:clrMapOvr>
     <a:masterClrMapping/>
@@ -1397,23 +1354,19 @@
         </p:nvSpPr>
         <p:spPr>
           <a:xfrm>
-            <a:off x="457200" y="273050"/>
-            <a:ext cx="8229600" cy="1143000"/>
+            <a:off x="629841" y="365126"/>
+            <a:ext cx="7886700" cy="1325563"/>
           </a:xfrm>
         </p:spPr>
         <p:txBody>
-          <a:bodyPr anchor="ctr"/>
-          <a:lstStyle>
-            <a:lvl1pPr>
-              <a:defRPr/>
-            </a:lvl1pPr>
-          </a:lstStyle>
-          <a:p>
-            <a:r>
-              <a:rPr kumimoji="0" lang="de-DE" smtClean="0"/>
+          <a:bodyPr/>
+          <a:lstStyle/>
+          <a:p>
+            <a:r>
+              <a:rPr lang="de-DE" smtClean="0"/>
               <a:t>Titelmasterformat durch Klicken bearbeiten</a:t>
             </a:r>
-            <a:endParaRPr kumimoji="0" lang="en-US"/>
+            <a:endParaRPr lang="de-DE"/>
           </a:p>
         </p:txBody>
       </p:sp>
@@ -1429,42 +1382,54 @@
         </p:nvSpPr>
         <p:spPr>
           <a:xfrm>
-            <a:off x="457200" y="1535112"/>
-            <a:ext cx="4040188" cy="750887"/>
+            <a:off x="629842" y="1681163"/>
+            <a:ext cx="3868340" cy="823912"/>
           </a:xfrm>
         </p:spPr>
         <p:txBody>
-          <a:bodyPr anchor="ctr"/>
+          <a:bodyPr anchor="b"/>
           <a:lstStyle>
             <a:lvl1pPr marL="0" indent="0">
               <a:buNone/>
-              <a:defRPr sz="2400" b="0" cap="all" baseline="0">
-                <a:solidFill>
-                  <a:schemeClr val="tx1"/>
-                </a:solidFill>
-              </a:defRPr>
+              <a:defRPr sz="1800" b="1"/>
             </a:lvl1pPr>
-            <a:lvl2pPr>
+            <a:lvl2pPr marL="342900" indent="0">
               <a:buNone/>
-              <a:defRPr sz="2000" b="1"/>
+              <a:defRPr sz="1500" b="1"/>
             </a:lvl2pPr>
-            <a:lvl3pPr>
+            <a:lvl3pPr marL="685800" indent="0">
               <a:buNone/>
-              <a:defRPr sz="1800" b="1"/>
+              <a:defRPr sz="1350" b="1"/>
             </a:lvl3pPr>
-            <a:lvl4pPr>
+            <a:lvl4pPr marL="1028700" indent="0">
               <a:buNone/>
-              <a:defRPr sz="1600" b="1"/>
+              <a:defRPr sz="1200" b="1"/>
             </a:lvl4pPr>
-            <a:lvl5pPr>
+            <a:lvl5pPr marL="1371600" indent="0">
               <a:buNone/>
-              <a:defRPr sz="1600" b="1"/>
+              <a:defRPr sz="1200" b="1"/>
             </a:lvl5pPr>
+            <a:lvl6pPr marL="1714500" indent="0">
+              <a:buNone/>
+              <a:defRPr sz="1200" b="1"/>
+            </a:lvl6pPr>
+            <a:lvl7pPr marL="2057400" indent="0">
+              <a:buNone/>
+              <a:defRPr sz="1200" b="1"/>
+            </a:lvl7pPr>
+            <a:lvl8pPr marL="2400300" indent="0">
+              <a:buNone/>
+              <a:defRPr sz="1200" b="1"/>
+            </a:lvl8pPr>
+            <a:lvl9pPr marL="2743200" indent="0">
+              <a:buNone/>
+              <a:defRPr sz="1200" b="1"/>
+            </a:lvl9pPr>
           </a:lstStyle>
           <a:p>
-            <a:pPr lvl="0" eaLnBrk="1" latinLnBrk="0" hangingPunct="1"/>
-            <a:r>
-              <a:rPr kumimoji="0" lang="de-DE" smtClean="0"/>
+            <a:pPr lvl="0"/>
+            <a:r>
+              <a:rPr lang="de-DE" smtClean="0"/>
               <a:t>Textmasterformat bearbeiten</a:t>
             </a:r>
           </a:p>
@@ -1472,127 +1437,123 @@
       </p:sp>
       <p:sp>
         <p:nvSpPr>
-          <p:cNvPr id="4" name="Textplatzhalter 3"/>
+          <p:cNvPr id="4" name="Inhaltsplatzhalter 3"/>
           <p:cNvSpPr>
             <a:spLocks noGrp="1"/>
           </p:cNvSpPr>
           <p:nvPr>
-            <p:ph type="body" sz="half" idx="3"/>
+            <p:ph sz="half" idx="2"/>
           </p:nvPr>
         </p:nvSpPr>
         <p:spPr>
           <a:xfrm>
-            <a:off x="4645025" y="1535112"/>
-            <a:ext cx="4041775" cy="750887"/>
+            <a:off x="629842" y="2505075"/>
+            <a:ext cx="3868340" cy="3684588"/>
           </a:xfrm>
         </p:spPr>
         <p:txBody>
-          <a:bodyPr anchor="ctr"/>
-          <a:lstStyle>
-            <a:lvl1pPr marL="0" indent="0">
-              <a:buNone/>
-              <a:defRPr sz="2400" b="0" cap="all" baseline="0">
-                <a:solidFill>
-                  <a:schemeClr val="tx1"/>
-                </a:solidFill>
-              </a:defRPr>
-            </a:lvl1pPr>
-            <a:lvl2pPr>
-              <a:buNone/>
-              <a:defRPr sz="2000" b="1"/>
-            </a:lvl2pPr>
-            <a:lvl3pPr>
-              <a:buNone/>
-              <a:defRPr sz="1800" b="1"/>
-            </a:lvl3pPr>
-            <a:lvl4pPr>
-              <a:buNone/>
-              <a:defRPr sz="1600" b="1"/>
-            </a:lvl4pPr>
-            <a:lvl5pPr>
-              <a:buNone/>
-              <a:defRPr sz="1600" b="1"/>
-            </a:lvl5pPr>
-          </a:lstStyle>
-          <a:p>
-            <a:pPr lvl="0" eaLnBrk="1" latinLnBrk="0" hangingPunct="1"/>
-            <a:r>
-              <a:rPr kumimoji="0" lang="de-DE" smtClean="0"/>
+          <a:bodyPr/>
+          <a:lstStyle/>
+          <a:p>
+            <a:pPr lvl="0"/>
+            <a:r>
+              <a:rPr lang="de-DE" smtClean="0"/>
               <a:t>Textmasterformat bearbeiten</a:t>
             </a:r>
           </a:p>
-        </p:txBody>
-      </p:sp>
-      <p:sp>
-        <p:nvSpPr>
-          <p:cNvPr id="5" name="Inhaltsplatzhalter 4"/>
+          <a:p>
+            <a:pPr lvl="1"/>
+            <a:r>
+              <a:rPr lang="de-DE" smtClean="0"/>
+              <a:t>Zweite Ebene</a:t>
+            </a:r>
+          </a:p>
+          <a:p>
+            <a:pPr lvl="2"/>
+            <a:r>
+              <a:rPr lang="de-DE" smtClean="0"/>
+              <a:t>Dritte Ebene</a:t>
+            </a:r>
+          </a:p>
+          <a:p>
+            <a:pPr lvl="3"/>
+            <a:r>
+              <a:rPr lang="de-DE" smtClean="0"/>
+              <a:t>Vierte Ebene</a:t>
+            </a:r>
+          </a:p>
+          <a:p>
+            <a:pPr lvl="4"/>
+            <a:r>
+              <a:rPr lang="de-DE" smtClean="0"/>
+              <a:t>Fünfte Ebene</a:t>
+            </a:r>
+            <a:endParaRPr lang="de-DE"/>
+          </a:p>
+        </p:txBody>
+      </p:sp>
+      <p:sp>
+        <p:nvSpPr>
+          <p:cNvPr id="5" name="Textplatzhalter 4"/>
           <p:cNvSpPr>
             <a:spLocks noGrp="1"/>
           </p:cNvSpPr>
           <p:nvPr>
-            <p:ph sz="quarter" idx="2"/>
+            <p:ph type="body" sz="quarter" idx="3"/>
           </p:nvPr>
         </p:nvSpPr>
         <p:spPr>
           <a:xfrm>
-            <a:off x="457200" y="2362200"/>
-            <a:ext cx="4040188" cy="3763963"/>
+            <a:off x="4629150" y="1681163"/>
+            <a:ext cx="3887391" cy="823912"/>
           </a:xfrm>
         </p:spPr>
         <p:txBody>
-          <a:bodyPr/>
+          <a:bodyPr anchor="b"/>
           <a:lstStyle>
-            <a:lvl1pPr>
-              <a:defRPr sz="2400"/>
+            <a:lvl1pPr marL="0" indent="0">
+              <a:buNone/>
+              <a:defRPr sz="1800" b="1"/>
             </a:lvl1pPr>
-            <a:lvl2pPr>
-              <a:defRPr sz="2000"/>
+            <a:lvl2pPr marL="342900" indent="0">
+              <a:buNone/>
+              <a:defRPr sz="1500" b="1"/>
             </a:lvl2pPr>
-            <a:lvl3pPr>
-              <a:defRPr sz="1800"/>
+            <a:lvl3pPr marL="685800" indent="0">
+              <a:buNone/>
+              <a:defRPr sz="1350" b="1"/>
             </a:lvl3pPr>
-            <a:lvl4pPr>
-              <a:defRPr sz="1600"/>
+            <a:lvl4pPr marL="1028700" indent="0">
+              <a:buNone/>
+              <a:defRPr sz="1200" b="1"/>
             </a:lvl4pPr>
-            <a:lvl5pPr>
-              <a:defRPr sz="1600"/>
+            <a:lvl5pPr marL="1371600" indent="0">
+              <a:buNone/>
+              <a:defRPr sz="1200" b="1"/>
             </a:lvl5pPr>
+            <a:lvl6pPr marL="1714500" indent="0">
+              <a:buNone/>
+              <a:defRPr sz="1200" b="1"/>
+            </a:lvl6pPr>
+            <a:lvl7pPr marL="2057400" indent="0">
+              <a:buNone/>
+              <a:defRPr sz="1200" b="1"/>
+            </a:lvl7pPr>
+            <a:lvl8pPr marL="2400300" indent="0">
+              <a:buNone/>
+              <a:defRPr sz="1200" b="1"/>
+            </a:lvl8pPr>
+            <a:lvl9pPr marL="2743200" indent="0">
+              <a:buNone/>
+              <a:defRPr sz="1200" b="1"/>
+            </a:lvl9pPr>
           </a:lstStyle>
           <a:p>
-            <a:pPr lvl="0" eaLnBrk="1" latinLnBrk="0" hangingPunct="1"/>
+            <a:pPr lvl="0"/>
             <a:r>
               <a:rPr lang="de-DE" smtClean="0"/>
               <a:t>Textmasterformat bearbeiten</a:t>
             </a:r>
-          </a:p>
-          <a:p>
-            <a:pPr lvl="1" eaLnBrk="1" latinLnBrk="0" hangingPunct="1"/>
-            <a:r>
-              <a:rPr lang="de-DE" smtClean="0"/>
-              <a:t>Zweite Ebene</a:t>
-            </a:r>
-          </a:p>
-          <a:p>
-            <a:pPr lvl="2" eaLnBrk="1" latinLnBrk="0" hangingPunct="1"/>
-            <a:r>
-              <a:rPr lang="de-DE" smtClean="0"/>
-              <a:t>Dritte Ebene</a:t>
-            </a:r>
-          </a:p>
-          <a:p>
-            <a:pPr lvl="3" eaLnBrk="1" latinLnBrk="0" hangingPunct="1"/>
-            <a:r>
-              <a:rPr lang="de-DE" smtClean="0"/>
-              <a:t>Vierte Ebene</a:t>
-            </a:r>
-          </a:p>
-          <a:p>
-            <a:pPr lvl="4" eaLnBrk="1" latinLnBrk="0" hangingPunct="1"/>
-            <a:r>
-              <a:rPr lang="de-DE" smtClean="0"/>
-              <a:t>Fünfte Ebene</a:t>
-            </a:r>
-            <a:endParaRPr kumimoji="0" lang="en-US"/>
           </a:p>
         </p:txBody>
       </p:sp>
@@ -1608,64 +1569,48 @@
         </p:nvSpPr>
         <p:spPr>
           <a:xfrm>
-            <a:off x="4645025" y="2362200"/>
-            <a:ext cx="4041775" cy="3763963"/>
+            <a:off x="4629150" y="2505075"/>
+            <a:ext cx="3887391" cy="3684588"/>
           </a:xfrm>
         </p:spPr>
         <p:txBody>
           <a:bodyPr/>
-          <a:lstStyle>
-            <a:lvl1pPr>
-              <a:defRPr sz="2400"/>
-            </a:lvl1pPr>
-            <a:lvl2pPr>
-              <a:defRPr sz="2000"/>
-            </a:lvl2pPr>
-            <a:lvl3pPr>
-              <a:defRPr sz="1800"/>
-            </a:lvl3pPr>
-            <a:lvl4pPr>
-              <a:defRPr sz="1600"/>
-            </a:lvl4pPr>
-            <a:lvl5pPr>
-              <a:defRPr sz="1600"/>
-            </a:lvl5pPr>
-          </a:lstStyle>
-          <a:p>
-            <a:pPr lvl="0" eaLnBrk="1" latinLnBrk="0" hangingPunct="1"/>
+          <a:lstStyle/>
+          <a:p>
+            <a:pPr lvl="0"/>
             <a:r>
               <a:rPr lang="de-DE" smtClean="0"/>
               <a:t>Textmasterformat bearbeiten</a:t>
             </a:r>
           </a:p>
           <a:p>
-            <a:pPr lvl="1" eaLnBrk="1" latinLnBrk="0" hangingPunct="1"/>
+            <a:pPr lvl="1"/>
             <a:r>
               <a:rPr lang="de-DE" smtClean="0"/>
               <a:t>Zweite Ebene</a:t>
             </a:r>
           </a:p>
           <a:p>
-            <a:pPr lvl="2" eaLnBrk="1" latinLnBrk="0" hangingPunct="1"/>
+            <a:pPr lvl="2"/>
             <a:r>
               <a:rPr lang="de-DE" smtClean="0"/>
               <a:t>Dritte Ebene</a:t>
             </a:r>
           </a:p>
           <a:p>
-            <a:pPr lvl="3" eaLnBrk="1" latinLnBrk="0" hangingPunct="1"/>
+            <a:pPr lvl="3"/>
             <a:r>
               <a:rPr lang="de-DE" smtClean="0"/>
               <a:t>Vierte Ebene</a:t>
             </a:r>
           </a:p>
           <a:p>
-            <a:pPr lvl="4" eaLnBrk="1" latinLnBrk="0" hangingPunct="1"/>
+            <a:pPr lvl="4"/>
             <a:r>
               <a:rPr lang="de-DE" smtClean="0"/>
               <a:t>Fünfte Ebene</a:t>
             </a:r>
-            <a:endParaRPr kumimoji="0" lang="en-US"/>
+            <a:endParaRPr lang="de-DE"/>
           </a:p>
         </p:txBody>
       </p:sp>
@@ -1686,7 +1631,7 @@
           <a:p>
             <a:fld id="{0C974720-8788-48BE-8FB9-759A7BE32D03}" type="datetimeFigureOut">
               <a:rPr lang="en-GB" smtClean="0"/>
-              <a:t>19/06/2015</a:t>
+              <a:t>26/06/2015</a:t>
             </a:fld>
             <a:endParaRPr lang="en-GB"/>
           </a:p>
@@ -1735,6 +1680,11 @@
         </p:txBody>
       </p:sp>
     </p:spTree>
+    <p:extLst>
+      <p:ext uri="{BB962C8B-B14F-4D97-AF65-F5344CB8AC3E}">
+        <p14:creationId xmlns:p14="http://schemas.microsoft.com/office/powerpoint/2010/main" val="2706583286"/>
+      </p:ext>
+    </p:extLst>
   </p:cSld>
   <p:clrMapOvr>
     <a:masterClrMapping/>
@@ -1775,10 +1725,10 @@
           <a:lstStyle/>
           <a:p>
             <a:r>
-              <a:rPr kumimoji="0" lang="de-DE" smtClean="0"/>
+              <a:rPr lang="de-DE" smtClean="0"/>
               <a:t>Titelmasterformat durch Klicken bearbeiten</a:t>
             </a:r>
-            <a:endParaRPr kumimoji="0" lang="en-US"/>
+            <a:endParaRPr lang="de-DE"/>
           </a:p>
         </p:txBody>
       </p:sp>
@@ -1799,7 +1749,7 @@
           <a:p>
             <a:fld id="{0C974720-8788-48BE-8FB9-759A7BE32D03}" type="datetimeFigureOut">
               <a:rPr lang="en-GB" smtClean="0"/>
-              <a:t>19/06/2015</a:t>
+              <a:t>26/06/2015</a:t>
             </a:fld>
             <a:endParaRPr lang="en-GB"/>
           </a:p>
@@ -1848,6 +1798,11 @@
         </p:txBody>
       </p:sp>
     </p:spTree>
+    <p:extLst>
+      <p:ext uri="{BB962C8B-B14F-4D97-AF65-F5344CB8AC3E}">
+        <p14:creationId xmlns:p14="http://schemas.microsoft.com/office/powerpoint/2010/main" val="1020766542"/>
+      </p:ext>
+    </p:extLst>
   </p:cSld>
   <p:clrMapOvr>
     <a:masterClrMapping/>
@@ -1889,7 +1844,7 @@
           <a:p>
             <a:fld id="{0C974720-8788-48BE-8FB9-759A7BE32D03}" type="datetimeFigureOut">
               <a:rPr lang="en-GB" smtClean="0"/>
-              <a:t>19/06/2015</a:t>
+              <a:t>26/06/2015</a:t>
             </a:fld>
             <a:endParaRPr lang="en-GB"/>
           </a:p>
@@ -1938,6 +1893,11 @@
         </p:txBody>
       </p:sp>
     </p:spTree>
+    <p:extLst>
+      <p:ext uri="{BB962C8B-B14F-4D97-AF65-F5344CB8AC3E}">
+        <p14:creationId xmlns:p14="http://schemas.microsoft.com/office/powerpoint/2010/main" val="1429269712"/>
+      </p:ext>
+    </p:extLst>
   </p:cSld>
   <p:clrMapOvr>
     <a:masterClrMapping/>
@@ -1974,54 +1934,125 @@
         </p:nvSpPr>
         <p:spPr>
           <a:xfrm>
-            <a:off x="457200" y="273050"/>
-            <a:ext cx="3008313" cy="1162050"/>
+            <a:off x="629841" y="457200"/>
+            <a:ext cx="2949178" cy="1600200"/>
           </a:xfrm>
         </p:spPr>
         <p:txBody>
-          <a:bodyPr vert="horz" anchor="b">
-            <a:normAutofit/>
-            <a:sp3d prstMaterial="softEdge"/>
-          </a:bodyPr>
+          <a:bodyPr anchor="b"/>
           <a:lstStyle>
-            <a:lvl1pPr algn="l">
-              <a:buNone/>
-              <a:defRPr sz="2200" b="0">
-                <a:ln w="6350">
-                  <a:noFill/>
-                </a:ln>
-                <a:solidFill>
-                  <a:schemeClr val="accent1">
-                    <a:tint val="73000"/>
-                    <a:satMod val="180000"/>
-                  </a:schemeClr>
-                </a:solidFill>
-              </a:defRPr>
+            <a:lvl1pPr>
+              <a:defRPr sz="2400"/>
             </a:lvl1pPr>
           </a:lstStyle>
           <a:p>
             <a:r>
-              <a:rPr kumimoji="0" lang="de-DE" smtClean="0"/>
+              <a:rPr lang="de-DE" smtClean="0"/>
               <a:t>Titelmasterformat durch Klicken bearbeiten</a:t>
             </a:r>
-            <a:endParaRPr kumimoji="0" lang="en-US"/>
-          </a:p>
-        </p:txBody>
-      </p:sp>
-      <p:sp>
-        <p:nvSpPr>
-          <p:cNvPr id="3" name="Textplatzhalter 2"/>
+            <a:endParaRPr lang="de-DE"/>
+          </a:p>
+        </p:txBody>
+      </p:sp>
+      <p:sp>
+        <p:nvSpPr>
+          <p:cNvPr id="3" name="Inhaltsplatzhalter 2"/>
           <p:cNvSpPr>
             <a:spLocks noGrp="1"/>
           </p:cNvSpPr>
           <p:nvPr>
-            <p:ph type="body" idx="2"/>
+            <p:ph idx="1"/>
           </p:nvPr>
         </p:nvSpPr>
         <p:spPr>
           <a:xfrm>
-            <a:off x="457200" y="1524000"/>
-            <a:ext cx="3008313" cy="4602163"/>
+            <a:off x="3887391" y="987426"/>
+            <a:ext cx="4629150" cy="4873625"/>
+          </a:xfrm>
+        </p:spPr>
+        <p:txBody>
+          <a:bodyPr/>
+          <a:lstStyle>
+            <a:lvl1pPr>
+              <a:defRPr sz="2400"/>
+            </a:lvl1pPr>
+            <a:lvl2pPr>
+              <a:defRPr sz="2100"/>
+            </a:lvl2pPr>
+            <a:lvl3pPr>
+              <a:defRPr sz="1800"/>
+            </a:lvl3pPr>
+            <a:lvl4pPr>
+              <a:defRPr sz="1500"/>
+            </a:lvl4pPr>
+            <a:lvl5pPr>
+              <a:defRPr sz="1500"/>
+            </a:lvl5pPr>
+            <a:lvl6pPr>
+              <a:defRPr sz="1500"/>
+            </a:lvl6pPr>
+            <a:lvl7pPr>
+              <a:defRPr sz="1500"/>
+            </a:lvl7pPr>
+            <a:lvl8pPr>
+              <a:defRPr sz="1500"/>
+            </a:lvl8pPr>
+            <a:lvl9pPr>
+              <a:defRPr sz="1500"/>
+            </a:lvl9pPr>
+          </a:lstStyle>
+          <a:p>
+            <a:pPr lvl="0"/>
+            <a:r>
+              <a:rPr lang="de-DE" smtClean="0"/>
+              <a:t>Textmasterformat bearbeiten</a:t>
+            </a:r>
+          </a:p>
+          <a:p>
+            <a:pPr lvl="1"/>
+            <a:r>
+              <a:rPr lang="de-DE" smtClean="0"/>
+              <a:t>Zweite Ebene</a:t>
+            </a:r>
+          </a:p>
+          <a:p>
+            <a:pPr lvl="2"/>
+            <a:r>
+              <a:rPr lang="de-DE" smtClean="0"/>
+              <a:t>Dritte Ebene</a:t>
+            </a:r>
+          </a:p>
+          <a:p>
+            <a:pPr lvl="3"/>
+            <a:r>
+              <a:rPr lang="de-DE" smtClean="0"/>
+              <a:t>Vierte Ebene</a:t>
+            </a:r>
+          </a:p>
+          <a:p>
+            <a:pPr lvl="4"/>
+            <a:r>
+              <a:rPr lang="de-DE" smtClean="0"/>
+              <a:t>Fünfte Ebene</a:t>
+            </a:r>
+            <a:endParaRPr lang="de-DE"/>
+          </a:p>
+        </p:txBody>
+      </p:sp>
+      <p:sp>
+        <p:nvSpPr>
+          <p:cNvPr id="4" name="Textplatzhalter 3"/>
+          <p:cNvSpPr>
+            <a:spLocks noGrp="1"/>
+          </p:cNvSpPr>
+          <p:nvPr>
+            <p:ph type="body" sz="half" idx="2"/>
+          </p:nvPr>
+        </p:nvSpPr>
+        <p:spPr>
+          <a:xfrm>
+            <a:off x="629841" y="2057400"/>
+            <a:ext cx="2949178" cy="3811588"/>
           </a:xfrm>
         </p:spPr>
         <p:txBody>
@@ -2029,104 +2060,47 @@
           <a:lstStyle>
             <a:lvl1pPr marL="0" indent="0">
               <a:buNone/>
-              <a:defRPr sz="1400"/>
+              <a:defRPr sz="1200"/>
             </a:lvl1pPr>
-            <a:lvl2pPr>
+            <a:lvl2pPr marL="342900" indent="0">
               <a:buNone/>
-              <a:defRPr sz="1200"/>
+              <a:defRPr sz="1050"/>
             </a:lvl2pPr>
-            <a:lvl3pPr>
-              <a:buNone/>
-              <a:defRPr sz="1000"/>
-            </a:lvl3pPr>
-            <a:lvl4pPr>
+            <a:lvl3pPr marL="685800" indent="0">
               <a:buNone/>
               <a:defRPr sz="900"/>
+            </a:lvl3pPr>
+            <a:lvl4pPr marL="1028700" indent="0">
+              <a:buNone/>
+              <a:defRPr sz="750"/>
             </a:lvl4pPr>
-            <a:lvl5pPr>
+            <a:lvl5pPr marL="1371600" indent="0">
               <a:buNone/>
-              <a:defRPr sz="900"/>
+              <a:defRPr sz="750"/>
             </a:lvl5pPr>
+            <a:lvl6pPr marL="1714500" indent="0">
+              <a:buNone/>
+              <a:defRPr sz="750"/>
+            </a:lvl6pPr>
+            <a:lvl7pPr marL="2057400" indent="0">
+              <a:buNone/>
+              <a:defRPr sz="750"/>
+            </a:lvl7pPr>
+            <a:lvl8pPr marL="2400300" indent="0">
+              <a:buNone/>
+              <a:defRPr sz="750"/>
+            </a:lvl8pPr>
+            <a:lvl9pPr marL="2743200" indent="0">
+              <a:buNone/>
+              <a:defRPr sz="750"/>
+            </a:lvl9pPr>
           </a:lstStyle>
           <a:p>
-            <a:pPr lvl="0" eaLnBrk="1" latinLnBrk="0" hangingPunct="1"/>
-            <a:r>
-              <a:rPr kumimoji="0" lang="de-DE" smtClean="0"/>
-              <a:t>Textmasterformat bearbeiten</a:t>
-            </a:r>
-          </a:p>
-        </p:txBody>
-      </p:sp>
-      <p:sp>
-        <p:nvSpPr>
-          <p:cNvPr id="4" name="Inhaltsplatzhalter 3"/>
-          <p:cNvSpPr>
-            <a:spLocks noGrp="1"/>
-          </p:cNvSpPr>
-          <p:nvPr>
-            <p:ph sz="half" idx="1"/>
-          </p:nvPr>
-        </p:nvSpPr>
-        <p:spPr>
-          <a:xfrm>
-            <a:off x="3575050" y="273050"/>
-            <a:ext cx="5111750" cy="5853113"/>
-          </a:xfrm>
-        </p:spPr>
-        <p:txBody>
-          <a:bodyPr/>
-          <a:lstStyle>
-            <a:lvl1pPr>
-              <a:defRPr sz="2600"/>
-            </a:lvl1pPr>
-            <a:lvl2pPr>
-              <a:defRPr sz="2400"/>
-            </a:lvl2pPr>
-            <a:lvl3pPr>
-              <a:defRPr sz="2200"/>
-            </a:lvl3pPr>
-            <a:lvl4pPr>
-              <a:defRPr sz="2000"/>
-            </a:lvl4pPr>
-            <a:lvl5pPr>
-              <a:defRPr sz="1800"/>
-            </a:lvl5pPr>
-          </a:lstStyle>
-          <a:p>
-            <a:pPr lvl="0" eaLnBrk="1" latinLnBrk="0" hangingPunct="1"/>
+            <a:pPr lvl="0"/>
             <a:r>
               <a:rPr lang="de-DE" smtClean="0"/>
               <a:t>Textmasterformat bearbeiten</a:t>
             </a:r>
-          </a:p>
-          <a:p>
-            <a:pPr lvl="1" eaLnBrk="1" latinLnBrk="0" hangingPunct="1"/>
-            <a:r>
-              <a:rPr lang="de-DE" smtClean="0"/>
-              <a:t>Zweite Ebene</a:t>
-            </a:r>
-          </a:p>
-          <a:p>
-            <a:pPr lvl="2" eaLnBrk="1" latinLnBrk="0" hangingPunct="1"/>
-            <a:r>
-              <a:rPr lang="de-DE" smtClean="0"/>
-              <a:t>Dritte Ebene</a:t>
-            </a:r>
-          </a:p>
-          <a:p>
-            <a:pPr lvl="3" eaLnBrk="1" latinLnBrk="0" hangingPunct="1"/>
-            <a:r>
-              <a:rPr lang="de-DE" smtClean="0"/>
-              <a:t>Vierte Ebene</a:t>
-            </a:r>
-          </a:p>
-          <a:p>
-            <a:pPr lvl="4" eaLnBrk="1" latinLnBrk="0" hangingPunct="1"/>
-            <a:r>
-              <a:rPr lang="de-DE" smtClean="0"/>
-              <a:t>Fünfte Ebene</a:t>
-            </a:r>
-            <a:endParaRPr kumimoji="0" lang="en-US"/>
           </a:p>
         </p:txBody>
       </p:sp>
@@ -2147,7 +2121,7 @@
           <a:p>
             <a:fld id="{0C974720-8788-48BE-8FB9-759A7BE32D03}" type="datetimeFigureOut">
               <a:rPr lang="en-GB" smtClean="0"/>
-              <a:t>19/06/2015</a:t>
+              <a:t>26/06/2015</a:t>
             </a:fld>
             <a:endParaRPr lang="en-GB"/>
           </a:p>
@@ -2196,6 +2170,11 @@
         </p:txBody>
       </p:sp>
     </p:spTree>
+    <p:extLst>
+      <p:ext uri="{BB962C8B-B14F-4D97-AF65-F5344CB8AC3E}">
+        <p14:creationId xmlns:p14="http://schemas.microsoft.com/office/powerpoint/2010/main" val="1673041343"/>
+      </p:ext>
+    </p:extLst>
   </p:cSld>
   <p:clrMapOvr>
     <a:masterClrMapping/>
@@ -2232,26 +2211,23 @@
         </p:nvSpPr>
         <p:spPr>
           <a:xfrm>
-            <a:off x="1828800" y="609600"/>
-            <a:ext cx="5486400" cy="522288"/>
+            <a:off x="629841" y="457200"/>
+            <a:ext cx="2949178" cy="1600200"/>
           </a:xfrm>
         </p:spPr>
         <p:txBody>
-          <a:bodyPr lIns="45720" rIns="45720" bIns="0" anchor="b">
-            <a:sp3d prstMaterial="softEdge"/>
-          </a:bodyPr>
+          <a:bodyPr anchor="b"/>
           <a:lstStyle>
-            <a:lvl1pPr algn="ctr">
-              <a:buNone/>
-              <a:defRPr sz="2000" b="1"/>
+            <a:lvl1pPr>
+              <a:defRPr sz="2400"/>
             </a:lvl1pPr>
           </a:lstStyle>
           <a:p>
             <a:r>
-              <a:rPr kumimoji="0" lang="de-DE" smtClean="0"/>
+              <a:rPr lang="de-DE" smtClean="0"/>
               <a:t>Titelmasterformat durch Klicken bearbeiten</a:t>
             </a:r>
-            <a:endParaRPr kumimoji="0" lang="en-US"/>
+            <a:endParaRPr lang="de-DE"/>
           </a:p>
         </p:txBody>
       </p:sp>
@@ -2267,85 +2243,52 @@
         </p:nvSpPr>
         <p:spPr>
           <a:xfrm>
-            <a:off x="1828800" y="1831975"/>
-            <a:ext cx="5486400" cy="3962400"/>
+            <a:off x="3887391" y="987426"/>
+            <a:ext cx="4629150" cy="4873625"/>
           </a:xfrm>
-          <a:solidFill>
-            <a:schemeClr val="bg2"/>
-          </a:solidFill>
-          <a:ln w="44450" cap="sq" cmpd="sng" algn="ctr">
-            <a:solidFill>
-              <a:srgbClr val="FFFFFF"/>
-            </a:solidFill>
-            <a:prstDash val="solid"/>
-            <a:miter lim="800000"/>
-          </a:ln>
-          <a:effectLst>
-            <a:outerShdw blurRad="190500" dist="228600" dir="2700000" sy="90000">
-              <a:srgbClr val="000000">
-                <a:alpha val="25000"/>
-              </a:srgbClr>
-            </a:outerShdw>
-          </a:effectLst>
-          <a:scene3d>
-            <a:camera prst="orthographicFront">
-              <a:rot lat="0" lon="0" rev="0"/>
-            </a:camera>
-            <a:lightRig rig="balanced" dir="tr">
-              <a:rot lat="0" lon="0" rev="2700000"/>
-            </a:lightRig>
-          </a:scene3d>
-          <a:sp3d prstMaterial="matte">
-            <a:contourClr>
-              <a:schemeClr val="tx2">
-                <a:shade val="50000"/>
-              </a:schemeClr>
-            </a:contourClr>
-          </a:sp3d>
         </p:spPr>
-        <p:style>
-          <a:lnRef idx="3">
-            <a:schemeClr val="lt1"/>
-          </a:lnRef>
-          <a:fillRef idx="1">
-            <a:schemeClr val="accent1"/>
-          </a:fillRef>
-          <a:effectRef idx="1">
-            <a:schemeClr val="accent1"/>
-          </a:effectRef>
-          <a:fontRef idx="minor">
-            <a:schemeClr val="lt1"/>
-          </a:fontRef>
-        </p:style>
-        <p:txBody>
-          <a:bodyPr anchor="t"/>
+        <p:txBody>
+          <a:bodyPr/>
           <a:lstStyle>
-            <a:lvl1pPr indent="0">
+            <a:lvl1pPr marL="0" indent="0">
               <a:buNone/>
-              <a:defRPr sz="3200"/>
+              <a:defRPr sz="2400"/>
             </a:lvl1pPr>
+            <a:lvl2pPr marL="342900" indent="0">
+              <a:buNone/>
+              <a:defRPr sz="2100"/>
+            </a:lvl2pPr>
+            <a:lvl3pPr marL="685800" indent="0">
+              <a:buNone/>
+              <a:defRPr sz="1800"/>
+            </a:lvl3pPr>
+            <a:lvl4pPr marL="1028700" indent="0">
+              <a:buNone/>
+              <a:defRPr sz="1500"/>
+            </a:lvl4pPr>
+            <a:lvl5pPr marL="1371600" indent="0">
+              <a:buNone/>
+              <a:defRPr sz="1500"/>
+            </a:lvl5pPr>
+            <a:lvl6pPr marL="1714500" indent="0">
+              <a:buNone/>
+              <a:defRPr sz="1500"/>
+            </a:lvl6pPr>
+            <a:lvl7pPr marL="2057400" indent="0">
+              <a:buNone/>
+              <a:defRPr sz="1500"/>
+            </a:lvl7pPr>
+            <a:lvl8pPr marL="2400300" indent="0">
+              <a:buNone/>
+              <a:defRPr sz="1500"/>
+            </a:lvl8pPr>
+            <a:lvl9pPr marL="2743200" indent="0">
+              <a:buNone/>
+              <a:defRPr sz="1500"/>
+            </a:lvl9pPr>
           </a:lstStyle>
           <a:p>
-            <a:pPr marL="0" algn="l" rtl="0" eaLnBrk="1" latinLnBrk="0" hangingPunct="1"/>
-            <a:r>
-              <a:rPr kumimoji="0" lang="de-DE" smtClean="0">
-                <a:solidFill>
-                  <a:schemeClr val="lt1"/>
-                </a:solidFill>
-                <a:latin typeface="+mn-lt"/>
-                <a:ea typeface="+mn-ea"/>
-                <a:cs typeface="+mn-cs"/>
-              </a:rPr>
-              <a:t>Bild durch Klicken auf Symbol hinzufügen</a:t>
-            </a:r>
-            <a:endParaRPr kumimoji="0" lang="en-US" dirty="0">
-              <a:solidFill>
-                <a:schemeClr val="lt1"/>
-              </a:solidFill>
-              <a:latin typeface="+mn-lt"/>
-              <a:ea typeface="+mn-ea"/>
-              <a:cs typeface="+mn-cs"/>
-            </a:endParaRPr>
+            <a:endParaRPr lang="de-DE"/>
           </a:p>
         </p:txBody>
       </p:sp>
@@ -2361,34 +2304,54 @@
         </p:nvSpPr>
         <p:spPr>
           <a:xfrm>
-            <a:off x="1828800" y="1166787"/>
-            <a:ext cx="5486400" cy="530352"/>
+            <a:off x="629841" y="2057400"/>
+            <a:ext cx="2949178" cy="3811588"/>
           </a:xfrm>
         </p:spPr>
         <p:txBody>
-          <a:bodyPr lIns="45720" tIns="45720" rIns="45720" anchor="t"/>
+          <a:bodyPr/>
           <a:lstStyle>
-            <a:lvl1pPr marL="0" indent="0" algn="ctr">
+            <a:lvl1pPr marL="0" indent="0">
               <a:buNone/>
-              <a:defRPr sz="1400"/>
+              <a:defRPr sz="1200"/>
             </a:lvl1pPr>
-            <a:lvl2pPr>
-              <a:defRPr sz="1200"/>
+            <a:lvl2pPr marL="342900" indent="0">
+              <a:buNone/>
+              <a:defRPr sz="1050"/>
             </a:lvl2pPr>
-            <a:lvl3pPr>
-              <a:defRPr sz="1000"/>
+            <a:lvl3pPr marL="685800" indent="0">
+              <a:buNone/>
+              <a:defRPr sz="900"/>
             </a:lvl3pPr>
-            <a:lvl4pPr>
-              <a:defRPr sz="900"/>
+            <a:lvl4pPr marL="1028700" indent="0">
+              <a:buNone/>
+              <a:defRPr sz="750"/>
             </a:lvl4pPr>
-            <a:lvl5pPr>
-              <a:defRPr sz="900"/>
+            <a:lvl5pPr marL="1371600" indent="0">
+              <a:buNone/>
+              <a:defRPr sz="750"/>
             </a:lvl5pPr>
+            <a:lvl6pPr marL="1714500" indent="0">
+              <a:buNone/>
+              <a:defRPr sz="750"/>
+            </a:lvl6pPr>
+            <a:lvl7pPr marL="2057400" indent="0">
+              <a:buNone/>
+              <a:defRPr sz="750"/>
+            </a:lvl7pPr>
+            <a:lvl8pPr marL="2400300" indent="0">
+              <a:buNone/>
+              <a:defRPr sz="750"/>
+            </a:lvl8pPr>
+            <a:lvl9pPr marL="2743200" indent="0">
+              <a:buNone/>
+              <a:defRPr sz="750"/>
+            </a:lvl9pPr>
           </a:lstStyle>
           <a:p>
-            <a:pPr lvl="0" eaLnBrk="1" latinLnBrk="0" hangingPunct="1"/>
-            <a:r>
-              <a:rPr kumimoji="0" lang="de-DE" smtClean="0"/>
+            <a:pPr lvl="0"/>
+            <a:r>
+              <a:rPr lang="de-DE" smtClean="0"/>
               <a:t>Textmasterformat bearbeiten</a:t>
             </a:r>
           </a:p>
@@ -2411,7 +2374,7 @@
           <a:p>
             <a:fld id="{0C974720-8788-48BE-8FB9-759A7BE32D03}" type="datetimeFigureOut">
               <a:rPr lang="en-GB" smtClean="0"/>
-              <a:t>19/06/2015</a:t>
+              <a:t>26/06/2015</a:t>
             </a:fld>
             <a:endParaRPr lang="en-GB"/>
           </a:p>
@@ -2460,6 +2423,11 @@
         </p:txBody>
       </p:sp>
     </p:spTree>
+    <p:extLst>
+      <p:ext uri="{BB962C8B-B14F-4D97-AF65-F5344CB8AC3E}">
+        <p14:creationId xmlns:p14="http://schemas.microsoft.com/office/powerpoint/2010/main" val="3207319761"/>
+      </p:ext>
+    </p:extLst>
   </p:cSld>
   <p:clrMapOvr>
     <a:masterClrMapping/>
@@ -2491,7 +2459,7 @@
       </p:grpSpPr>
       <p:sp>
         <p:nvSpPr>
-          <p:cNvPr id="22" name="Titelplatzhalter 21"/>
+          <p:cNvPr id="2" name="Titelplatzhalter 1"/>
           <p:cNvSpPr>
             <a:spLocks noGrp="1"/>
           </p:cNvSpPr>
@@ -2501,39 +2469,30 @@
         </p:nvSpPr>
         <p:spPr>
           <a:xfrm>
-            <a:off x="457200" y="274638"/>
-            <a:ext cx="8229600" cy="1143000"/>
+            <a:off x="628650" y="365126"/>
+            <a:ext cx="7886700" cy="1325563"/>
           </a:xfrm>
           <a:prstGeom prst="rect">
             <a:avLst/>
           </a:prstGeom>
         </p:spPr>
         <p:txBody>
-          <a:bodyPr vert="horz" anchor="ctr">
+          <a:bodyPr vert="horz" lIns="91440" tIns="45720" rIns="91440" bIns="45720" rtlCol="0" anchor="ctr">
             <a:normAutofit/>
-            <a:scene3d>
-              <a:camera prst="orthographicFront"/>
-              <a:lightRig rig="soft" dir="t">
-                <a:rot lat="0" lon="0" rev="16800000"/>
-              </a:lightRig>
-            </a:scene3d>
-            <a:sp3d prstMaterial="softEdge">
-              <a:bevelT w="38100" h="38100"/>
-            </a:sp3d>
           </a:bodyPr>
           <a:lstStyle/>
           <a:p>
             <a:r>
-              <a:rPr kumimoji="0" lang="de-DE" smtClean="0"/>
+              <a:rPr lang="de-DE" smtClean="0"/>
               <a:t>Titelmasterformat durch Klicken bearbeiten</a:t>
             </a:r>
-            <a:endParaRPr kumimoji="0" lang="en-US"/>
-          </a:p>
-        </p:txBody>
-      </p:sp>
-      <p:sp>
-        <p:nvSpPr>
-          <p:cNvPr id="13" name="Textplatzhalter 12"/>
+            <a:endParaRPr lang="de-DE"/>
+          </a:p>
+        </p:txBody>
+      </p:sp>
+      <p:sp>
+        <p:nvSpPr>
+          <p:cNvPr id="3" name="Textplatzhalter 2"/>
           <p:cNvSpPr>
             <a:spLocks noGrp="1"/>
           </p:cNvSpPr>
@@ -2543,59 +2502,59 @@
         </p:nvSpPr>
         <p:spPr>
           <a:xfrm>
-            <a:off x="457200" y="1600200"/>
-            <a:ext cx="8229600" cy="4709160"/>
+            <a:off x="628650" y="1825625"/>
+            <a:ext cx="7886700" cy="4351338"/>
           </a:xfrm>
           <a:prstGeom prst="rect">
             <a:avLst/>
           </a:prstGeom>
         </p:spPr>
         <p:txBody>
-          <a:bodyPr vert="horz">
+          <a:bodyPr vert="horz" lIns="91440" tIns="45720" rIns="91440" bIns="45720" rtlCol="0">
             <a:normAutofit/>
           </a:bodyPr>
           <a:lstStyle/>
           <a:p>
-            <a:pPr lvl="0" eaLnBrk="1" latinLnBrk="0" hangingPunct="1"/>
-            <a:r>
-              <a:rPr kumimoji="0" lang="de-DE" smtClean="0"/>
+            <a:pPr lvl="0"/>
+            <a:r>
+              <a:rPr lang="de-DE" smtClean="0"/>
               <a:t>Textmasterformat bearbeiten</a:t>
             </a:r>
           </a:p>
           <a:p>
-            <a:pPr lvl="1" eaLnBrk="1" latinLnBrk="0" hangingPunct="1"/>
-            <a:r>
-              <a:rPr kumimoji="0" lang="de-DE" smtClean="0"/>
+            <a:pPr lvl="1"/>
+            <a:r>
+              <a:rPr lang="de-DE" smtClean="0"/>
               <a:t>Zweite Ebene</a:t>
             </a:r>
           </a:p>
           <a:p>
-            <a:pPr lvl="2" eaLnBrk="1" latinLnBrk="0" hangingPunct="1"/>
-            <a:r>
-              <a:rPr kumimoji="0" lang="de-DE" smtClean="0"/>
+            <a:pPr lvl="2"/>
+            <a:r>
+              <a:rPr lang="de-DE" smtClean="0"/>
               <a:t>Dritte Ebene</a:t>
             </a:r>
           </a:p>
           <a:p>
-            <a:pPr lvl="3" eaLnBrk="1" latinLnBrk="0" hangingPunct="1"/>
-            <a:r>
-              <a:rPr kumimoji="0" lang="de-DE" smtClean="0"/>
+            <a:pPr lvl="3"/>
+            <a:r>
+              <a:rPr lang="de-DE" smtClean="0"/>
               <a:t>Vierte Ebene</a:t>
             </a:r>
           </a:p>
           <a:p>
-            <a:pPr lvl="4" eaLnBrk="1" latinLnBrk="0" hangingPunct="1"/>
-            <a:r>
-              <a:rPr kumimoji="0" lang="de-DE" smtClean="0"/>
+            <a:pPr lvl="4"/>
+            <a:r>
+              <a:rPr lang="de-DE" smtClean="0"/>
               <a:t>Fünfte Ebene</a:t>
             </a:r>
-            <a:endParaRPr kumimoji="0" lang="en-US"/>
-          </a:p>
-        </p:txBody>
-      </p:sp>
-      <p:sp>
-        <p:nvSpPr>
-          <p:cNvPr id="14" name="Datumsplatzhalter 13"/>
+            <a:endParaRPr lang="de-DE"/>
+          </a:p>
+        </p:txBody>
+      </p:sp>
+      <p:sp>
+        <p:nvSpPr>
+          <p:cNvPr id="4" name="Datumsplatzhalter 3"/>
           <p:cNvSpPr>
             <a:spLocks noGrp="1"/>
           </p:cNvSpPr>
@@ -2605,21 +2564,21 @@
         </p:nvSpPr>
         <p:spPr>
           <a:xfrm>
-            <a:off x="457200" y="6416675"/>
-            <a:ext cx="2133600" cy="365125"/>
+            <a:off x="628650" y="6356351"/>
+            <a:ext cx="2057400" cy="365125"/>
           </a:xfrm>
           <a:prstGeom prst="rect">
             <a:avLst/>
           </a:prstGeom>
         </p:spPr>
         <p:txBody>
-          <a:bodyPr vert="horz" anchor="b"/>
+          <a:bodyPr vert="horz" lIns="91440" tIns="45720" rIns="91440" bIns="45720" rtlCol="0" anchor="ctr"/>
           <a:lstStyle>
-            <a:lvl1pPr algn="l" eaLnBrk="1" latinLnBrk="0" hangingPunct="1">
-              <a:defRPr kumimoji="0" sz="1200">
+            <a:lvl1pPr algn="l">
+              <a:defRPr sz="900">
                 <a:solidFill>
                   <a:schemeClr val="tx1">
-                    <a:shade val="50000"/>
+                    <a:tint val="75000"/>
                   </a:schemeClr>
                 </a:solidFill>
               </a:defRPr>
@@ -2628,7 +2587,7 @@
           <a:p>
             <a:fld id="{0C974720-8788-48BE-8FB9-759A7BE32D03}" type="datetimeFigureOut">
               <a:rPr lang="en-GB" smtClean="0"/>
-              <a:t>19/06/2015</a:t>
+              <a:t>26/06/2015</a:t>
             </a:fld>
             <a:endParaRPr lang="en-GB"/>
           </a:p>
@@ -2636,7 +2595,7 @@
       </p:sp>
       <p:sp>
         <p:nvSpPr>
-          <p:cNvPr id="3" name="Fußzeilenplatzhalter 2"/>
+          <p:cNvPr id="5" name="Fußzeilenplatzhalter 4"/>
           <p:cNvSpPr>
             <a:spLocks noGrp="1"/>
           </p:cNvSpPr>
@@ -2646,21 +2605,21 @@
         </p:nvSpPr>
         <p:spPr>
           <a:xfrm>
-            <a:off x="3124200" y="6416675"/>
-            <a:ext cx="2895600" cy="365125"/>
+            <a:off x="3028950" y="6356351"/>
+            <a:ext cx="3086100" cy="365125"/>
           </a:xfrm>
           <a:prstGeom prst="rect">
             <a:avLst/>
           </a:prstGeom>
         </p:spPr>
         <p:txBody>
-          <a:bodyPr vert="horz" anchor="b"/>
+          <a:bodyPr vert="horz" lIns="91440" tIns="45720" rIns="91440" bIns="45720" rtlCol="0" anchor="ctr"/>
           <a:lstStyle>
-            <a:lvl1pPr algn="ctr" eaLnBrk="1" latinLnBrk="0" hangingPunct="1">
-              <a:defRPr kumimoji="0" sz="1200">
+            <a:lvl1pPr algn="ctr">
+              <a:defRPr sz="900">
                 <a:solidFill>
                   <a:schemeClr val="tx1">
-                    <a:shade val="50000"/>
+                    <a:tint val="75000"/>
                   </a:schemeClr>
                 </a:solidFill>
               </a:defRPr>
@@ -2673,7 +2632,7 @@
       </p:sp>
       <p:sp>
         <p:nvSpPr>
-          <p:cNvPr id="23" name="Foliennummernplatzhalter 22"/>
+          <p:cNvPr id="6" name="Foliennummernplatzhalter 5"/>
           <p:cNvSpPr>
             <a:spLocks noGrp="1"/>
           </p:cNvSpPr>
@@ -2683,21 +2642,21 @@
         </p:nvSpPr>
         <p:spPr>
           <a:xfrm>
-            <a:off x="7924800" y="6416675"/>
-            <a:ext cx="762000" cy="365125"/>
+            <a:off x="6457950" y="6356351"/>
+            <a:ext cx="2057400" cy="365125"/>
           </a:xfrm>
           <a:prstGeom prst="rect">
             <a:avLst/>
           </a:prstGeom>
         </p:spPr>
         <p:txBody>
-          <a:bodyPr vert="horz" lIns="0" rIns="0" anchor="b"/>
+          <a:bodyPr vert="horz" lIns="91440" tIns="45720" rIns="91440" bIns="45720" rtlCol="0" anchor="ctr"/>
           <a:lstStyle>
-            <a:lvl1pPr algn="r" eaLnBrk="1" latinLnBrk="0" hangingPunct="1">
-              <a:defRPr kumimoji="0" sz="1200">
+            <a:lvl1pPr algn="r">
+              <a:defRPr sz="900">
                 <a:solidFill>
                   <a:schemeClr val="tx1">
-                    <a:shade val="50000"/>
+                    <a:tint val="75000"/>
                   </a:schemeClr>
                 </a:solidFill>
               </a:defRPr>
@@ -2713,62 +2672,40 @@
         </p:txBody>
       </p:sp>
     </p:spTree>
+    <p:extLst>
+      <p:ext uri="{BB962C8B-B14F-4D97-AF65-F5344CB8AC3E}">
+        <p14:creationId xmlns:p14="http://schemas.microsoft.com/office/powerpoint/2010/main" val="1022857491"/>
+      </p:ext>
+    </p:extLst>
   </p:cSld>
   <p:clrMap bg1="lt1" tx1="dk1" bg2="lt2" tx2="dk2" accent1="accent1" accent2="accent2" accent3="accent3" accent4="accent4" accent5="accent5" accent6="accent6" hlink="hlink" folHlink="folHlink"/>
   <p:sldLayoutIdLst>
-    <p:sldLayoutId id="2147483673" r:id="rId1"/>
-    <p:sldLayoutId id="2147483674" r:id="rId2"/>
-    <p:sldLayoutId id="2147483675" r:id="rId3"/>
-    <p:sldLayoutId id="2147483676" r:id="rId4"/>
-    <p:sldLayoutId id="2147483677" r:id="rId5"/>
-    <p:sldLayoutId id="2147483678" r:id="rId6"/>
-    <p:sldLayoutId id="2147483679" r:id="rId7"/>
-    <p:sldLayoutId id="2147483680" r:id="rId8"/>
-    <p:sldLayoutId id="2147483681" r:id="rId9"/>
-    <p:sldLayoutId id="2147483682" r:id="rId10"/>
-    <p:sldLayoutId id="2147483683" r:id="rId11"/>
+    <p:sldLayoutId id="2147483786" r:id="rId1"/>
+    <p:sldLayoutId id="2147483787" r:id="rId2"/>
+    <p:sldLayoutId id="2147483788" r:id="rId3"/>
+    <p:sldLayoutId id="2147483789" r:id="rId4"/>
+    <p:sldLayoutId id="2147483790" r:id="rId5"/>
+    <p:sldLayoutId id="2147483791" r:id="rId6"/>
+    <p:sldLayoutId id="2147483792" r:id="rId7"/>
+    <p:sldLayoutId id="2147483793" r:id="rId8"/>
+    <p:sldLayoutId id="2147483794" r:id="rId9"/>
+    <p:sldLayoutId id="2147483795" r:id="rId10"/>
+    <p:sldLayoutId id="2147483796" r:id="rId11"/>
   </p:sldLayoutIdLst>
   <p:txStyles>
     <p:titleStyle>
-      <a:lvl1pPr algn="ctr" rtl="0" eaLnBrk="1" latinLnBrk="0" hangingPunct="1">
+      <a:lvl1pPr algn="l" defTabSz="685800" rtl="0" eaLnBrk="1" latinLnBrk="0" hangingPunct="1">
+        <a:lnSpc>
+          <a:spcPct val="90000"/>
+        </a:lnSpc>
         <a:spcBef>
           <a:spcPct val="0"/>
         </a:spcBef>
         <a:buNone/>
-        <a:defRPr kumimoji="0" sz="4100" b="1" kern="1200" cap="none" baseline="0">
-          <a:ln w="6350">
-            <a:noFill/>
-          </a:ln>
-          <a:gradFill>
-            <a:gsLst>
-              <a:gs pos="0">
-                <a:schemeClr val="accent1">
-                  <a:tint val="73000"/>
-                  <a:satMod val="145000"/>
-                </a:schemeClr>
-              </a:gs>
-              <a:gs pos="73000">
-                <a:schemeClr val="accent1">
-                  <a:tint val="73000"/>
-                  <a:satMod val="145000"/>
-                </a:schemeClr>
-              </a:gs>
-              <a:gs pos="100000">
-                <a:schemeClr val="accent1">
-                  <a:tint val="83000"/>
-                  <a:satMod val="143000"/>
-                </a:schemeClr>
-              </a:gs>
-            </a:gsLst>
-            <a:lin ang="4800000" scaled="1"/>
-          </a:gradFill>
-          <a:effectLst>
-            <a:outerShdw blurRad="114300" dist="101600" dir="2700000" algn="tl" rotWithShape="0">
-              <a:srgbClr val="000000">
-                <a:alpha val="40000"/>
-              </a:srgbClr>
-            </a:outerShdw>
-          </a:effectLst>
+        <a:defRPr sz="3300" kern="1200">
+          <a:solidFill>
+            <a:schemeClr val="tx1"/>
+          </a:solidFill>
           <a:latin typeface="+mj-lt"/>
           <a:ea typeface="+mj-ea"/>
           <a:cs typeface="+mj-cs"/>
@@ -2776,19 +2713,16 @@
       </a:lvl1pPr>
     </p:titleStyle>
     <p:bodyStyle>
-      <a:lvl1pPr marL="548640" indent="-411480" algn="l" rtl="0" eaLnBrk="1" latinLnBrk="0" hangingPunct="1">
+      <a:lvl1pPr marL="171450" indent="-171450" algn="l" defTabSz="685800" rtl="0" eaLnBrk="1" latinLnBrk="0" hangingPunct="1">
+        <a:lnSpc>
+          <a:spcPct val="90000"/>
+        </a:lnSpc>
         <a:spcBef>
-          <a:spcPct val="20000"/>
+          <a:spcPts val="750"/>
         </a:spcBef>
-        <a:buClr>
-          <a:schemeClr val="tx1">
-            <a:shade val="95000"/>
-          </a:schemeClr>
-        </a:buClr>
-        <a:buSzPct val="65000"/>
-        <a:buFont typeface="Wingdings 2"/>
-        <a:buChar char=""/>
-        <a:defRPr kumimoji="0" sz="2800" kern="1200">
+        <a:buFont typeface="Arial" panose="020B0604020202020204" pitchFamily="34" charset="0"/>
+        <a:buChar char="•"/>
+        <a:defRPr sz="2100" kern="1200">
           <a:solidFill>
             <a:schemeClr val="tx1"/>
           </a:solidFill>
@@ -2797,17 +2731,16 @@
           <a:cs typeface="+mn-cs"/>
         </a:defRPr>
       </a:lvl1pPr>
-      <a:lvl2pPr marL="868680" indent="-283464" algn="l" rtl="0" eaLnBrk="1" latinLnBrk="0" hangingPunct="1">
+      <a:lvl2pPr marL="514350" indent="-171450" algn="l" defTabSz="685800" rtl="0" eaLnBrk="1" latinLnBrk="0" hangingPunct="1">
+        <a:lnSpc>
+          <a:spcPct val="90000"/>
+        </a:lnSpc>
         <a:spcBef>
-          <a:spcPct val="20000"/>
+          <a:spcPts val="375"/>
         </a:spcBef>
-        <a:buClr>
-          <a:schemeClr val="tx1"/>
-        </a:buClr>
-        <a:buSzPct val="80000"/>
-        <a:buFont typeface="Wingdings 2"/>
-        <a:buChar char=""/>
-        <a:defRPr kumimoji="0" sz="2400" kern="1200">
+        <a:buFont typeface="Arial" panose="020B0604020202020204" pitchFamily="34" charset="0"/>
+        <a:buChar char="•"/>
+        <a:defRPr sz="1800" kern="1200">
           <a:solidFill>
             <a:schemeClr val="tx1"/>
           </a:solidFill>
@@ -2816,17 +2749,16 @@
           <a:cs typeface="+mn-cs"/>
         </a:defRPr>
       </a:lvl2pPr>
-      <a:lvl3pPr marL="1133856" indent="-228600" algn="l" rtl="0" eaLnBrk="1" latinLnBrk="0" hangingPunct="1">
+      <a:lvl3pPr marL="857250" indent="-171450" algn="l" defTabSz="685800" rtl="0" eaLnBrk="1" latinLnBrk="0" hangingPunct="1">
+        <a:lnSpc>
+          <a:spcPct val="90000"/>
+        </a:lnSpc>
         <a:spcBef>
-          <a:spcPct val="20000"/>
+          <a:spcPts val="375"/>
         </a:spcBef>
-        <a:buClr>
-          <a:schemeClr val="tx1"/>
-        </a:buClr>
-        <a:buSzPct val="95000"/>
-        <a:buFont typeface="Wingdings"/>
-        <a:buChar char=""/>
-        <a:defRPr kumimoji="0" sz="2200" kern="1200">
+        <a:buFont typeface="Arial" panose="020B0604020202020204" pitchFamily="34" charset="0"/>
+        <a:buChar char="•"/>
+        <a:defRPr sz="1500" kern="1200">
           <a:solidFill>
             <a:schemeClr val="tx1"/>
           </a:solidFill>
@@ -2835,17 +2767,16 @@
           <a:cs typeface="+mn-cs"/>
         </a:defRPr>
       </a:lvl3pPr>
-      <a:lvl4pPr marL="1353312" indent="-182880" algn="l" rtl="0" eaLnBrk="1" latinLnBrk="0" hangingPunct="1">
+      <a:lvl4pPr marL="1200150" indent="-171450" algn="l" defTabSz="685800" rtl="0" eaLnBrk="1" latinLnBrk="0" hangingPunct="1">
+        <a:lnSpc>
+          <a:spcPct val="90000"/>
+        </a:lnSpc>
         <a:spcBef>
-          <a:spcPct val="20000"/>
+          <a:spcPts val="375"/>
         </a:spcBef>
-        <a:buClr>
-          <a:schemeClr val="tx1"/>
-        </a:buClr>
-        <a:buSzPct val="100000"/>
-        <a:buFont typeface="Wingdings 3"/>
-        <a:buChar char=""/>
-        <a:defRPr kumimoji="0" sz="2000" kern="1200">
+        <a:buFont typeface="Arial" panose="020B0604020202020204" pitchFamily="34" charset="0"/>
+        <a:buChar char="•"/>
+        <a:defRPr sz="1350" kern="1200">
           <a:solidFill>
             <a:schemeClr val="tx1"/>
           </a:solidFill>
@@ -2854,16 +2785,16 @@
           <a:cs typeface="+mn-cs"/>
         </a:defRPr>
       </a:lvl4pPr>
-      <a:lvl5pPr marL="1545336" indent="-182880" algn="l" rtl="0" eaLnBrk="1" latinLnBrk="0" hangingPunct="1">
+      <a:lvl5pPr marL="1543050" indent="-171450" algn="l" defTabSz="685800" rtl="0" eaLnBrk="1" latinLnBrk="0" hangingPunct="1">
+        <a:lnSpc>
+          <a:spcPct val="90000"/>
+        </a:lnSpc>
         <a:spcBef>
-          <a:spcPct val="20000"/>
+          <a:spcPts val="375"/>
         </a:spcBef>
-        <a:buClr>
-          <a:schemeClr val="tx1"/>
-        </a:buClr>
-        <a:buFont typeface="Wingdings 2"/>
-        <a:buChar char=""/>
-        <a:defRPr kumimoji="0" sz="2000" kern="1200">
+        <a:buFont typeface="Arial" panose="020B0604020202020204" pitchFamily="34" charset="0"/>
+        <a:buChar char="•"/>
+        <a:defRPr sz="1350" kern="1200">
           <a:solidFill>
             <a:schemeClr val="tx1"/>
           </a:solidFill>
@@ -2872,16 +2803,16 @@
           <a:cs typeface="+mn-cs"/>
         </a:defRPr>
       </a:lvl5pPr>
-      <a:lvl6pPr marL="1764792" indent="-182880" algn="l" rtl="0" eaLnBrk="1" latinLnBrk="0" hangingPunct="1">
+      <a:lvl6pPr marL="1885950" indent="-171450" algn="l" defTabSz="685800" rtl="0" eaLnBrk="1" latinLnBrk="0" hangingPunct="1">
+        <a:lnSpc>
+          <a:spcPct val="90000"/>
+        </a:lnSpc>
         <a:spcBef>
-          <a:spcPct val="20000"/>
+          <a:spcPts val="375"/>
         </a:spcBef>
-        <a:buClr>
-          <a:schemeClr val="tx1"/>
-        </a:buClr>
-        <a:buFont typeface="Wingdings 3"/>
-        <a:buChar char=""/>
-        <a:defRPr kumimoji="0" sz="1800" kern="1200">
+        <a:buFont typeface="Arial" panose="020B0604020202020204" pitchFamily="34" charset="0"/>
+        <a:buChar char="•"/>
+        <a:defRPr sz="1350" kern="1200">
           <a:solidFill>
             <a:schemeClr val="tx1"/>
           </a:solidFill>
@@ -2890,16 +2821,16 @@
           <a:cs typeface="+mn-cs"/>
         </a:defRPr>
       </a:lvl6pPr>
-      <a:lvl7pPr marL="1965960" indent="-182880" algn="l" rtl="0" eaLnBrk="1" latinLnBrk="0" hangingPunct="1">
+      <a:lvl7pPr marL="2228850" indent="-171450" algn="l" defTabSz="685800" rtl="0" eaLnBrk="1" latinLnBrk="0" hangingPunct="1">
+        <a:lnSpc>
+          <a:spcPct val="90000"/>
+        </a:lnSpc>
         <a:spcBef>
-          <a:spcPct val="20000"/>
+          <a:spcPts val="375"/>
         </a:spcBef>
-        <a:buClr>
-          <a:schemeClr val="tx1"/>
-        </a:buClr>
-        <a:buFont typeface="Wingdings 2"/>
-        <a:buChar char=""/>
-        <a:defRPr kumimoji="0" sz="1600" kern="1200">
+        <a:buFont typeface="Arial" panose="020B0604020202020204" pitchFamily="34" charset="0"/>
+        <a:buChar char="•"/>
+        <a:defRPr sz="1350" kern="1200">
           <a:solidFill>
             <a:schemeClr val="tx1"/>
           </a:solidFill>
@@ -2908,16 +2839,16 @@
           <a:cs typeface="+mn-cs"/>
         </a:defRPr>
       </a:lvl7pPr>
-      <a:lvl8pPr marL="2167128" indent="-182880" algn="l" rtl="0" eaLnBrk="1" latinLnBrk="0" hangingPunct="1">
+      <a:lvl8pPr marL="2571750" indent="-171450" algn="l" defTabSz="685800" rtl="0" eaLnBrk="1" latinLnBrk="0" hangingPunct="1">
+        <a:lnSpc>
+          <a:spcPct val="90000"/>
+        </a:lnSpc>
         <a:spcBef>
-          <a:spcPct val="20000"/>
+          <a:spcPts val="375"/>
         </a:spcBef>
-        <a:buClr>
-          <a:schemeClr val="tx1"/>
-        </a:buClr>
-        <a:buFont typeface="Wingdings 2"/>
-        <a:buChar char=""/>
-        <a:defRPr kumimoji="0" sz="1400" kern="1200">
+        <a:buFont typeface="Arial" panose="020B0604020202020204" pitchFamily="34" charset="0"/>
+        <a:buChar char="•"/>
+        <a:defRPr sz="1350" kern="1200">
           <a:solidFill>
             <a:schemeClr val="tx1"/>
           </a:solidFill>
@@ -2926,16 +2857,16 @@
           <a:cs typeface="+mn-cs"/>
         </a:defRPr>
       </a:lvl8pPr>
-      <a:lvl9pPr marL="2368296" indent="-182880" algn="l" rtl="0" eaLnBrk="1" latinLnBrk="0" hangingPunct="1">
+      <a:lvl9pPr marL="2914650" indent="-171450" algn="l" defTabSz="685800" rtl="0" eaLnBrk="1" latinLnBrk="0" hangingPunct="1">
+        <a:lnSpc>
+          <a:spcPct val="90000"/>
+        </a:lnSpc>
         <a:spcBef>
-          <a:spcPct val="20000"/>
+          <a:spcPts val="375"/>
         </a:spcBef>
-        <a:buClr>
-          <a:schemeClr val="tx1"/>
-        </a:buClr>
-        <a:buFont typeface="Wingdings 2"/>
-        <a:buChar char=""/>
-        <a:defRPr kumimoji="0" sz="1400" kern="1200" baseline="0">
+        <a:buFont typeface="Arial" panose="020B0604020202020204" pitchFamily="34" charset="0"/>
+        <a:buChar char="•"/>
+        <a:defRPr sz="1350" kern="1200">
           <a:solidFill>
             <a:schemeClr val="tx1"/>
           </a:solidFill>
@@ -2946,8 +2877,11 @@
       </a:lvl9pPr>
     </p:bodyStyle>
     <p:otherStyle>
-      <a:lvl1pPr marL="0" algn="l" rtl="0" eaLnBrk="1" latinLnBrk="0" hangingPunct="1">
-        <a:defRPr kumimoji="0" kern="1200">
+      <a:defPPr>
+        <a:defRPr lang="de-DE"/>
+      </a:defPPr>
+      <a:lvl1pPr marL="0" algn="l" defTabSz="685800" rtl="0" eaLnBrk="1" latinLnBrk="0" hangingPunct="1">
+        <a:defRPr sz="1350" kern="1200">
           <a:solidFill>
             <a:schemeClr val="tx1"/>
           </a:solidFill>
@@ -2956,8 +2890,8 @@
           <a:cs typeface="+mn-cs"/>
         </a:defRPr>
       </a:lvl1pPr>
-      <a:lvl2pPr marL="457200" algn="l" rtl="0" eaLnBrk="1" latinLnBrk="0" hangingPunct="1">
-        <a:defRPr kumimoji="0" kern="1200">
+      <a:lvl2pPr marL="342900" algn="l" defTabSz="685800" rtl="0" eaLnBrk="1" latinLnBrk="0" hangingPunct="1">
+        <a:defRPr sz="1350" kern="1200">
           <a:solidFill>
             <a:schemeClr val="tx1"/>
           </a:solidFill>
@@ -2966,8 +2900,8 @@
           <a:cs typeface="+mn-cs"/>
         </a:defRPr>
       </a:lvl2pPr>
-      <a:lvl3pPr marL="914400" algn="l" rtl="0" eaLnBrk="1" latinLnBrk="0" hangingPunct="1">
-        <a:defRPr kumimoji="0" kern="1200">
+      <a:lvl3pPr marL="685800" algn="l" defTabSz="685800" rtl="0" eaLnBrk="1" latinLnBrk="0" hangingPunct="1">
+        <a:defRPr sz="1350" kern="1200">
           <a:solidFill>
             <a:schemeClr val="tx1"/>
           </a:solidFill>
@@ -2976,8 +2910,8 @@
           <a:cs typeface="+mn-cs"/>
         </a:defRPr>
       </a:lvl3pPr>
-      <a:lvl4pPr marL="1371600" algn="l" rtl="0" eaLnBrk="1" latinLnBrk="0" hangingPunct="1">
-        <a:defRPr kumimoji="0" kern="1200">
+      <a:lvl4pPr marL="1028700" algn="l" defTabSz="685800" rtl="0" eaLnBrk="1" latinLnBrk="0" hangingPunct="1">
+        <a:defRPr sz="1350" kern="1200">
           <a:solidFill>
             <a:schemeClr val="tx1"/>
           </a:solidFill>
@@ -2986,8 +2920,8 @@
           <a:cs typeface="+mn-cs"/>
         </a:defRPr>
       </a:lvl4pPr>
-      <a:lvl5pPr marL="1828800" algn="l" rtl="0" eaLnBrk="1" latinLnBrk="0" hangingPunct="1">
-        <a:defRPr kumimoji="0" kern="1200">
+      <a:lvl5pPr marL="1371600" algn="l" defTabSz="685800" rtl="0" eaLnBrk="1" latinLnBrk="0" hangingPunct="1">
+        <a:defRPr sz="1350" kern="1200">
           <a:solidFill>
             <a:schemeClr val="tx1"/>
           </a:solidFill>
@@ -2996,8 +2930,8 @@
           <a:cs typeface="+mn-cs"/>
         </a:defRPr>
       </a:lvl5pPr>
-      <a:lvl6pPr marL="2286000" algn="l" rtl="0" eaLnBrk="1" latinLnBrk="0" hangingPunct="1">
-        <a:defRPr kumimoji="0" kern="1200">
+      <a:lvl6pPr marL="1714500" algn="l" defTabSz="685800" rtl="0" eaLnBrk="1" latinLnBrk="0" hangingPunct="1">
+        <a:defRPr sz="1350" kern="1200">
           <a:solidFill>
             <a:schemeClr val="tx1"/>
           </a:solidFill>
@@ -3006,8 +2940,8 @@
           <a:cs typeface="+mn-cs"/>
         </a:defRPr>
       </a:lvl6pPr>
-      <a:lvl7pPr marL="2743200" algn="l" rtl="0" eaLnBrk="1" latinLnBrk="0" hangingPunct="1">
-        <a:defRPr kumimoji="0" kern="1200">
+      <a:lvl7pPr marL="2057400" algn="l" defTabSz="685800" rtl="0" eaLnBrk="1" latinLnBrk="0" hangingPunct="1">
+        <a:defRPr sz="1350" kern="1200">
           <a:solidFill>
             <a:schemeClr val="tx1"/>
           </a:solidFill>
@@ -3016,8 +2950,8 @@
           <a:cs typeface="+mn-cs"/>
         </a:defRPr>
       </a:lvl7pPr>
-      <a:lvl8pPr marL="3200400" algn="l" rtl="0" eaLnBrk="1" latinLnBrk="0" hangingPunct="1">
-        <a:defRPr kumimoji="0" kern="1200">
+      <a:lvl8pPr marL="2400300" algn="l" defTabSz="685800" rtl="0" eaLnBrk="1" latinLnBrk="0" hangingPunct="1">
+        <a:defRPr sz="1350" kern="1200">
           <a:solidFill>
             <a:schemeClr val="tx1"/>
           </a:solidFill>
@@ -3026,8 +2960,8 @@
           <a:cs typeface="+mn-cs"/>
         </a:defRPr>
       </a:lvl8pPr>
-      <a:lvl9pPr marL="3657600" algn="l" rtl="0" eaLnBrk="1" latinLnBrk="0" hangingPunct="1">
-        <a:defRPr kumimoji="0" kern="1200">
+      <a:lvl9pPr marL="2743200" algn="l" defTabSz="685800" rtl="0" eaLnBrk="1" latinLnBrk="0" hangingPunct="1">
+        <a:defRPr sz="1350" kern="1200">
           <a:solidFill>
             <a:schemeClr val="tx1"/>
           </a:solidFill>
@@ -3108,7 +3042,7 @@
                 <a:latin typeface="Arial" panose="020B0604020202020204" pitchFamily="34" charset="0"/>
                 <a:cs typeface="Arial" panose="020B0604020202020204" pitchFamily="34" charset="0"/>
               </a:rPr>
-              <a:t>eineR</a:t>
+              <a:t>einer</a:t>
             </a:r>
             <a:r>
               <a:rPr lang="en-US" dirty="0" smtClean="0">
@@ -3167,7 +3101,7 @@
         </p:spPr>
         <p:txBody>
           <a:bodyPr>
-            <a:normAutofit lnSpcReduction="10000"/>
+            <a:normAutofit fontScale="92500" lnSpcReduction="20000"/>
           </a:bodyPr>
           <a:lstStyle/>
           <a:p>
@@ -3295,6 +3229,13 @@
               <a:t>		</a:t>
             </a:r>
             <a:r>
+              <a:rPr lang="en-US" sz="1800" dirty="0" smtClean="0">
+                <a:latin typeface="Arial" panose="020B0604020202020204" pitchFamily="34" charset="0"/>
+                <a:cs typeface="Arial" panose="020B0604020202020204" pitchFamily="34" charset="0"/>
+              </a:rPr>
+              <a:t>	</a:t>
+            </a:r>
+            <a:r>
               <a:rPr lang="en-US" sz="1800" dirty="0" err="1" smtClean="0">
                 <a:latin typeface="Arial" panose="020B0604020202020204" pitchFamily="34" charset="0"/>
                 <a:cs typeface="Arial" panose="020B0604020202020204" pitchFamily="34" charset="0"/>
@@ -3323,6 +3264,13 @@
               <a:t>		</a:t>
             </a:r>
             <a:r>
+              <a:rPr lang="en-US" sz="1800" dirty="0" smtClean="0">
+                <a:latin typeface="Arial" panose="020B0604020202020204" pitchFamily="34" charset="0"/>
+                <a:cs typeface="Arial" panose="020B0604020202020204" pitchFamily="34" charset="0"/>
+              </a:rPr>
+              <a:t>	</a:t>
+            </a:r>
+            <a:r>
               <a:rPr lang="en-US" sz="1800" dirty="0" err="1" smtClean="0">
                 <a:latin typeface="Arial" panose="020B0604020202020204" pitchFamily="34" charset="0"/>
                 <a:cs typeface="Arial" panose="020B0604020202020204" pitchFamily="34" charset="0"/>
@@ -3351,18 +3299,18 @@
               <a:t>Schönebeck</a:t>
             </a:r>
             <a:r>
-              <a:rPr lang="en-US" sz="1800">
+              <a:rPr lang="en-US" sz="1800" dirty="0">
                 <a:latin typeface="Arial" panose="020B0604020202020204" pitchFamily="34" charset="0"/>
                 <a:cs typeface="Arial" panose="020B0604020202020204" pitchFamily="34" charset="0"/>
               </a:rPr>
               <a:t>	</a:t>
             </a:r>
             <a:r>
-              <a:rPr lang="en-US" sz="1800" smtClean="0">
-                <a:latin typeface="Arial" panose="020B0604020202020204" pitchFamily="34" charset="0"/>
-                <a:cs typeface="Arial" panose="020B0604020202020204" pitchFamily="34" charset="0"/>
-              </a:rPr>
-              <a:t>139952</a:t>
+              <a:rPr lang="en-US" sz="1800" dirty="0" smtClean="0">
+                <a:latin typeface="Arial" panose="020B0604020202020204" pitchFamily="34" charset="0"/>
+                <a:cs typeface="Arial" panose="020B0604020202020204" pitchFamily="34" charset="0"/>
+              </a:rPr>
+              <a:t>	139952</a:t>
             </a:r>
             <a:endParaRPr lang="en-US" sz="1800" dirty="0" smtClean="0">
               <a:latin typeface="Arial" panose="020B0604020202020204" pitchFamily="34" charset="0"/>
@@ -3638,64 +3586,64 @@
         <p:spPr>
           <a:xfrm>
             <a:off x="381000" y="533400"/>
-            <a:ext cx="8229600" cy="1676400"/>
+            <a:ext cx="8229600" cy="990600"/>
           </a:xfrm>
         </p:spPr>
         <p:txBody>
           <a:bodyPr>
-            <a:normAutofit fontScale="90000"/>
+            <a:normAutofit/>
           </a:bodyPr>
           <a:lstStyle/>
           <a:p>
             <a:r>
-              <a:rPr lang="en-GB" dirty="0" smtClean="0">
-                <a:solidFill>
-                  <a:schemeClr val="tx1"/>
-                </a:solidFill>
-                <a:latin typeface="Arial" panose="020B0604020202020204" pitchFamily="34" charset="0"/>
-                <a:cs typeface="Arial" panose="020B0604020202020204" pitchFamily="34" charset="0"/>
-              </a:rPr>
-              <a:t>Online </a:t>
-            </a:r>
-            <a:r>
-              <a:rPr lang="en-GB" dirty="0">
-                <a:solidFill>
-                  <a:schemeClr val="tx1"/>
-                </a:solidFill>
-                <a:latin typeface="Arial" panose="020B0604020202020204" pitchFamily="34" charset="0"/>
-                <a:cs typeface="Arial" panose="020B0604020202020204" pitchFamily="34" charset="0"/>
-              </a:rPr>
-              <a:t>Certificate Status </a:t>
-            </a:r>
-            <a:r>
-              <a:rPr lang="en-GB" dirty="0" smtClean="0">
-                <a:solidFill>
-                  <a:schemeClr val="tx1"/>
-                </a:solidFill>
-                <a:latin typeface="Arial" panose="020B0604020202020204" pitchFamily="34" charset="0"/>
-                <a:cs typeface="Arial" panose="020B0604020202020204" pitchFamily="34" charset="0"/>
-              </a:rPr>
-              <a:t>Protocol</a:t>
+              <a:rPr lang="de-DE" dirty="0" err="1">
+                <a:latin typeface="Arial" panose="020B0604020202020204" pitchFamily="34" charset="0"/>
+                <a:cs typeface="Arial" panose="020B0604020202020204" pitchFamily="34" charset="0"/>
+              </a:rPr>
+              <a:t>Certificate</a:t>
+            </a:r>
+            <a:r>
+              <a:rPr lang="de-DE" dirty="0">
+                <a:latin typeface="Arial" panose="020B0604020202020204" pitchFamily="34" charset="0"/>
+                <a:cs typeface="Arial" panose="020B0604020202020204" pitchFamily="34" charset="0"/>
+              </a:rPr>
+              <a:t> </a:t>
+            </a:r>
+            <a:r>
+              <a:rPr lang="de-DE" dirty="0" err="1">
+                <a:latin typeface="Arial" panose="020B0604020202020204" pitchFamily="34" charset="0"/>
+                <a:cs typeface="Arial" panose="020B0604020202020204" pitchFamily="34" charset="0"/>
+              </a:rPr>
+              <a:t>Revocation</a:t>
+            </a:r>
+            <a:r>
+              <a:rPr lang="de-DE" dirty="0">
+                <a:latin typeface="Arial" panose="020B0604020202020204" pitchFamily="34" charset="0"/>
+                <a:cs typeface="Arial" panose="020B0604020202020204" pitchFamily="34" charset="0"/>
+              </a:rPr>
+              <a:t> </a:t>
+            </a:r>
+            <a:r>
+              <a:rPr lang="de-DE" dirty="0" smtClean="0">
+                <a:latin typeface="Arial" panose="020B0604020202020204" pitchFamily="34" charset="0"/>
+                <a:cs typeface="Arial" panose="020B0604020202020204" pitchFamily="34" charset="0"/>
+              </a:rPr>
+              <a:t>List</a:t>
             </a:r>
             <a:r>
               <a:rPr lang="de-DE" noProof="1">
-                <a:solidFill>
-                  <a:schemeClr val="tx1"/>
-                </a:solidFill>
-                <a:latin typeface="Arial" panose="020B0604020202020204" pitchFamily="34" charset="0"/>
-                <a:cs typeface="Arial" panose="020B0604020202020204" pitchFamily="34" charset="0"/>
-              </a:rPr>
-              <a:t/>
-            </a:r>
-            <a:br>
-              <a:rPr lang="de-DE" noProof="1">
-                <a:solidFill>
-                  <a:schemeClr val="tx1"/>
-                </a:solidFill>
-                <a:latin typeface="Arial" panose="020B0604020202020204" pitchFamily="34" charset="0"/>
-                <a:cs typeface="Arial" panose="020B0604020202020204" pitchFamily="34" charset="0"/>
-              </a:rPr>
-            </a:br>
+                <a:latin typeface="Arial" panose="020B0604020202020204" pitchFamily="34" charset="0"/>
+                <a:cs typeface="Arial" panose="020B0604020202020204" pitchFamily="34" charset="0"/>
+              </a:rPr>
+              <a:t> </a:t>
+            </a:r>
+            <a:r>
+              <a:rPr lang="de-DE" noProof="1" smtClean="0">
+                <a:latin typeface="Arial" panose="020B0604020202020204" pitchFamily="34" charset="0"/>
+                <a:cs typeface="Arial" panose="020B0604020202020204" pitchFamily="34" charset="0"/>
+              </a:rPr>
+              <a:t>(</a:t>
+            </a:r>
             <a:r>
               <a:rPr lang="en-US" dirty="0" smtClean="0">
                 <a:solidFill>
@@ -3704,7 +3652,7 @@
                 <a:latin typeface="Arial" panose="020B0604020202020204" pitchFamily="34" charset="0"/>
                 <a:cs typeface="Arial" panose="020B0604020202020204" pitchFamily="34" charset="0"/>
               </a:rPr>
-              <a:t>OCSP</a:t>
+              <a:t>CRL)</a:t>
             </a:r>
             <a:endParaRPr lang="en-GB" dirty="0">
               <a:solidFill>
@@ -4070,7 +4018,7 @@
     </p:spTree>
     <p:extLst>
       <p:ext uri="{BB962C8B-B14F-4D97-AF65-F5344CB8AC3E}">
-        <p14:creationId xmlns:p14="http://schemas.microsoft.com/office/powerpoint/2010/main" val="141236761"/>
+        <p14:creationId xmlns:p14="http://schemas.microsoft.com/office/powerpoint/2010/main" val="1537429932"/>
       </p:ext>
     </p:extLst>
   </p:cSld>
@@ -4080,7 +4028,7 @@
 </p:sld>
 </file>
 
-<file path=ppt/slides/slide2.xml><?xml version="1.0" encoding="utf-8"?>
+<file path=ppt/slides/slide11.xml><?xml version="1.0" encoding="utf-8"?>
 <p:sld xmlns:a="http://schemas.openxmlformats.org/drawingml/2006/main" xmlns:r="http://schemas.openxmlformats.org/officeDocument/2006/relationships" xmlns:p="http://schemas.openxmlformats.org/presentationml/2006/main">
   <p:cSld>
     <p:spTree>
@@ -4109,206 +4057,27 @@
         </p:nvSpPr>
         <p:spPr>
           <a:xfrm>
-            <a:off x="462232" y="415180"/>
-            <a:ext cx="8229600" cy="1143000"/>
+            <a:off x="381000" y="533400"/>
+            <a:ext cx="8229600" cy="990600"/>
           </a:xfrm>
         </p:spPr>
         <p:txBody>
-          <a:bodyPr/>
+          <a:bodyPr>
+            <a:normAutofit/>
+          </a:bodyPr>
           <a:lstStyle/>
           <a:p>
             <a:r>
-              <a:rPr lang="en-US" dirty="0" err="1" smtClean="0">
-                <a:solidFill>
-                  <a:schemeClr val="tx1"/>
-                </a:solidFill>
-              </a:rPr>
-              <a:t>Inhalt</a:t>
+              <a:rPr lang="de-DE" dirty="0" smtClean="0">
+                <a:latin typeface="Arial" panose="020B0604020202020204" pitchFamily="34" charset="0"/>
+                <a:cs typeface="Arial" panose="020B0604020202020204" pitchFamily="34" charset="0"/>
+              </a:rPr>
+              <a:t>Zertifikatsüberprüfung anfordern</a:t>
             </a:r>
             <a:endParaRPr lang="en-GB" dirty="0">
               <a:solidFill>
                 <a:schemeClr val="tx1"/>
               </a:solidFill>
-            </a:endParaRPr>
-          </a:p>
-        </p:txBody>
-      </p:sp>
-      <p:sp>
-        <p:nvSpPr>
-          <p:cNvPr id="3" name="Inhaltsplatzhalter 2"/>
-          <p:cNvSpPr>
-            <a:spLocks noGrp="1"/>
-          </p:cNvSpPr>
-          <p:nvPr>
-            <p:ph idx="1"/>
-          </p:nvPr>
-        </p:nvSpPr>
-        <p:spPr/>
-        <p:txBody>
-          <a:bodyPr/>
-          <a:lstStyle/>
-          <a:p>
-            <a:pPr>
-              <a:buClr>
-                <a:schemeClr val="tx1"/>
-              </a:buClr>
-              <a:buFont typeface="Wingdings" panose="05000000000000000000" pitchFamily="2" charset="2"/>
-              <a:buChar char="Ø"/>
-            </a:pPr>
-            <a:r>
-              <a:rPr lang="de-DE" noProof="1" smtClean="0">
-                <a:latin typeface="Arial" panose="020B0604020202020204" pitchFamily="34" charset="0"/>
-                <a:cs typeface="Arial" panose="020B0604020202020204" pitchFamily="34" charset="0"/>
-              </a:rPr>
-              <a:t>1)</a:t>
-            </a:r>
-            <a:r>
-              <a:rPr lang="de-DE" noProof="1">
-                <a:latin typeface="Arial" panose="020B0604020202020204" pitchFamily="34" charset="0"/>
-                <a:cs typeface="Arial" panose="020B0604020202020204" pitchFamily="34" charset="0"/>
-              </a:rPr>
-              <a:t>	</a:t>
-            </a:r>
-            <a:r>
-              <a:rPr lang="de-DE" noProof="1" smtClean="0">
-                <a:latin typeface="Arial" panose="020B0604020202020204" pitchFamily="34" charset="0"/>
-                <a:cs typeface="Arial" panose="020B0604020202020204" pitchFamily="34" charset="0"/>
-              </a:rPr>
-              <a:t>Einführung</a:t>
-            </a:r>
-          </a:p>
-          <a:p>
-            <a:pPr>
-              <a:buClr>
-                <a:schemeClr val="tx1"/>
-              </a:buClr>
-              <a:buFont typeface="Wingdings" panose="05000000000000000000" pitchFamily="2" charset="2"/>
-              <a:buChar char="Ø"/>
-            </a:pPr>
-            <a:r>
-              <a:rPr lang="de-DE" noProof="1" smtClean="0">
-                <a:latin typeface="Arial" panose="020B0604020202020204" pitchFamily="34" charset="0"/>
-                <a:cs typeface="Arial" panose="020B0604020202020204" pitchFamily="34" charset="0"/>
-              </a:rPr>
-              <a:t>2)	Registrierung</a:t>
-            </a:r>
-          </a:p>
-          <a:p>
-            <a:pPr>
-              <a:buClr>
-                <a:schemeClr val="tx1"/>
-              </a:buClr>
-              <a:buFont typeface="Wingdings" panose="05000000000000000000" pitchFamily="2" charset="2"/>
-              <a:buChar char="Ø"/>
-            </a:pPr>
-            <a:r>
-              <a:rPr lang="de-DE" noProof="1" smtClean="0">
-                <a:latin typeface="Arial" panose="020B0604020202020204" pitchFamily="34" charset="0"/>
-                <a:cs typeface="Arial" panose="020B0604020202020204" pitchFamily="34" charset="0"/>
-              </a:rPr>
-              <a:t>3)	Validierung</a:t>
-            </a:r>
-          </a:p>
-          <a:p>
-            <a:pPr>
-              <a:buClr>
-                <a:schemeClr val="tx1"/>
-              </a:buClr>
-              <a:buFont typeface="Wingdings" panose="05000000000000000000" pitchFamily="2" charset="2"/>
-              <a:buChar char="Ø"/>
-            </a:pPr>
-            <a:r>
-              <a:rPr lang="de-DE" noProof="1" smtClean="0">
-                <a:latin typeface="Arial" panose="020B0604020202020204" pitchFamily="34" charset="0"/>
-                <a:cs typeface="Arial" panose="020B0604020202020204" pitchFamily="34" charset="0"/>
-              </a:rPr>
-              <a:t>4)	Request</a:t>
-            </a:r>
-          </a:p>
-          <a:p>
-            <a:pPr>
-              <a:buClr>
-                <a:schemeClr val="tx1"/>
-              </a:buClr>
-              <a:buFont typeface="Wingdings" panose="05000000000000000000" pitchFamily="2" charset="2"/>
-              <a:buChar char="Ø"/>
-            </a:pPr>
-            <a:r>
-              <a:rPr lang="en-US" noProof="1" smtClean="0">
-                <a:latin typeface="Arial" panose="020B0604020202020204" pitchFamily="34" charset="0"/>
-                <a:cs typeface="Arial" panose="020B0604020202020204" pitchFamily="34" charset="0"/>
-              </a:rPr>
-              <a:t>5)	Certification Authority (CA)</a:t>
-            </a:r>
-            <a:endParaRPr lang="de-DE" noProof="1" smtClean="0">
-              <a:latin typeface="Arial" panose="020B0604020202020204" pitchFamily="34" charset="0"/>
-              <a:cs typeface="Arial" panose="020B0604020202020204" pitchFamily="34" charset="0"/>
-            </a:endParaRPr>
-          </a:p>
-          <a:p>
-            <a:pPr>
-              <a:buClr>
-                <a:schemeClr val="tx1"/>
-              </a:buClr>
-              <a:buFont typeface="Wingdings" panose="05000000000000000000" pitchFamily="2" charset="2"/>
-              <a:buChar char="Ø"/>
-            </a:pPr>
-            <a:r>
-              <a:rPr lang="de-DE" noProof="1" smtClean="0">
-                <a:latin typeface="Arial" panose="020B0604020202020204" pitchFamily="34" charset="0"/>
-                <a:cs typeface="Arial" panose="020B0604020202020204" pitchFamily="34" charset="0"/>
-              </a:rPr>
-              <a:t>5)	Datenbanken &amp; Schnittstellen zur CA</a:t>
-            </a:r>
-          </a:p>
-          <a:p>
-            <a:pPr>
-              <a:buClr>
-                <a:schemeClr val="tx1"/>
-              </a:buClr>
-              <a:buFont typeface="Wingdings" panose="05000000000000000000" pitchFamily="2" charset="2"/>
-              <a:buChar char="Ø"/>
-            </a:pPr>
-            <a:r>
-              <a:rPr lang="de-DE" noProof="1" smtClean="0">
-                <a:latin typeface="Arial" panose="020B0604020202020204" pitchFamily="34" charset="0"/>
-                <a:cs typeface="Arial" panose="020B0604020202020204" pitchFamily="34" charset="0"/>
-              </a:rPr>
-              <a:t>6)	Validation Authority (VA) </a:t>
-            </a:r>
-          </a:p>
-          <a:p>
-            <a:pPr>
-              <a:buClr>
-                <a:schemeClr val="tx1"/>
-              </a:buClr>
-              <a:buFont typeface="Wingdings" panose="05000000000000000000" pitchFamily="2" charset="2"/>
-              <a:buChar char="Ø"/>
-            </a:pPr>
-            <a:r>
-              <a:rPr lang="de-DE" noProof="1" smtClean="0">
-                <a:latin typeface="Arial" panose="020B0604020202020204" pitchFamily="34" charset="0"/>
-                <a:cs typeface="Arial" panose="020B0604020202020204" pitchFamily="34" charset="0"/>
-              </a:rPr>
-              <a:t>7)	</a:t>
-            </a:r>
-            <a:r>
-              <a:rPr lang="en-GB" dirty="0">
-                <a:latin typeface="Arial" panose="020B0604020202020204" pitchFamily="34" charset="0"/>
-                <a:cs typeface="Arial" panose="020B0604020202020204" pitchFamily="34" charset="0"/>
-              </a:rPr>
-              <a:t>Online Certificate Status </a:t>
-            </a:r>
-            <a:r>
-              <a:rPr lang="en-GB" dirty="0" smtClean="0">
-                <a:latin typeface="Arial" panose="020B0604020202020204" pitchFamily="34" charset="0"/>
-                <a:cs typeface="Arial" panose="020B0604020202020204" pitchFamily="34" charset="0"/>
-              </a:rPr>
-              <a:t>Protocol (OCSP)</a:t>
-            </a:r>
-            <a:endParaRPr lang="de-DE" noProof="1">
-              <a:latin typeface="Arial" panose="020B0604020202020204" pitchFamily="34" charset="0"/>
-              <a:cs typeface="Arial" panose="020B0604020202020204" pitchFamily="34" charset="0"/>
             </a:endParaRPr>
           </a:p>
         </p:txBody>
@@ -4464,6 +4233,1504 @@
           </a:p>
         </p:txBody>
       </p:sp>
+      <p:sp>
+        <p:nvSpPr>
+          <p:cNvPr id="7" name="Inhaltsplatzhalter 2"/>
+          <p:cNvSpPr txBox="1">
+            <a:spLocks/>
+          </p:cNvSpPr>
+          <p:nvPr/>
+        </p:nvSpPr>
+        <p:spPr>
+          <a:xfrm>
+            <a:off x="136566" y="1371600"/>
+            <a:ext cx="8229600" cy="4709160"/>
+          </a:xfrm>
+          <a:prstGeom prst="rect">
+            <a:avLst/>
+          </a:prstGeom>
+        </p:spPr>
+        <p:txBody>
+          <a:bodyPr vert="horz">
+            <a:normAutofit/>
+          </a:bodyPr>
+          <a:lstStyle>
+            <a:lvl1pPr marL="548640" indent="-411480" algn="l" rtl="0" eaLnBrk="1" latinLnBrk="0" hangingPunct="1">
+              <a:spcBef>
+                <a:spcPct val="20000"/>
+              </a:spcBef>
+              <a:buClr>
+                <a:schemeClr val="tx1">
+                  <a:shade val="95000"/>
+                </a:schemeClr>
+              </a:buClr>
+              <a:buSzPct val="65000"/>
+              <a:buFont typeface="Wingdings 2"/>
+              <a:buChar char=""/>
+              <a:defRPr kumimoji="0" sz="2800" kern="1200">
+                <a:solidFill>
+                  <a:schemeClr val="tx1"/>
+                </a:solidFill>
+                <a:latin typeface="+mn-lt"/>
+                <a:ea typeface="+mn-ea"/>
+                <a:cs typeface="+mn-cs"/>
+              </a:defRPr>
+            </a:lvl1pPr>
+            <a:lvl2pPr marL="868680" indent="-283464" algn="l" rtl="0" eaLnBrk="1" latinLnBrk="0" hangingPunct="1">
+              <a:spcBef>
+                <a:spcPct val="20000"/>
+              </a:spcBef>
+              <a:buClr>
+                <a:schemeClr val="tx1"/>
+              </a:buClr>
+              <a:buSzPct val="80000"/>
+              <a:buFont typeface="Wingdings 2"/>
+              <a:buChar char=""/>
+              <a:defRPr kumimoji="0" sz="2400" kern="1200">
+                <a:solidFill>
+                  <a:schemeClr val="tx1"/>
+                </a:solidFill>
+                <a:latin typeface="+mn-lt"/>
+                <a:ea typeface="+mn-ea"/>
+                <a:cs typeface="+mn-cs"/>
+              </a:defRPr>
+            </a:lvl2pPr>
+            <a:lvl3pPr marL="1133856" indent="-228600" algn="l" rtl="0" eaLnBrk="1" latinLnBrk="0" hangingPunct="1">
+              <a:spcBef>
+                <a:spcPct val="20000"/>
+              </a:spcBef>
+              <a:buClr>
+                <a:schemeClr val="tx1"/>
+              </a:buClr>
+              <a:buSzPct val="95000"/>
+              <a:buFont typeface="Wingdings"/>
+              <a:buChar char=""/>
+              <a:defRPr kumimoji="0" sz="2200" kern="1200">
+                <a:solidFill>
+                  <a:schemeClr val="tx1"/>
+                </a:solidFill>
+                <a:latin typeface="+mn-lt"/>
+                <a:ea typeface="+mn-ea"/>
+                <a:cs typeface="+mn-cs"/>
+              </a:defRPr>
+            </a:lvl3pPr>
+            <a:lvl4pPr marL="1353312" indent="-182880" algn="l" rtl="0" eaLnBrk="1" latinLnBrk="0" hangingPunct="1">
+              <a:spcBef>
+                <a:spcPct val="20000"/>
+              </a:spcBef>
+              <a:buClr>
+                <a:schemeClr val="tx1"/>
+              </a:buClr>
+              <a:buSzPct val="100000"/>
+              <a:buFont typeface="Wingdings 3"/>
+              <a:buChar char=""/>
+              <a:defRPr kumimoji="0" sz="2000" kern="1200">
+                <a:solidFill>
+                  <a:schemeClr val="tx1"/>
+                </a:solidFill>
+                <a:latin typeface="+mn-lt"/>
+                <a:ea typeface="+mn-ea"/>
+                <a:cs typeface="+mn-cs"/>
+              </a:defRPr>
+            </a:lvl4pPr>
+            <a:lvl5pPr marL="1545336" indent="-182880" algn="l" rtl="0" eaLnBrk="1" latinLnBrk="0" hangingPunct="1">
+              <a:spcBef>
+                <a:spcPct val="20000"/>
+              </a:spcBef>
+              <a:buClr>
+                <a:schemeClr val="tx1"/>
+              </a:buClr>
+              <a:buFont typeface="Wingdings 2"/>
+              <a:buChar char=""/>
+              <a:defRPr kumimoji="0" sz="2000" kern="1200">
+                <a:solidFill>
+                  <a:schemeClr val="tx1"/>
+                </a:solidFill>
+                <a:latin typeface="+mn-lt"/>
+                <a:ea typeface="+mn-ea"/>
+                <a:cs typeface="+mn-cs"/>
+              </a:defRPr>
+            </a:lvl5pPr>
+            <a:lvl6pPr marL="1764792" indent="-182880" algn="l" rtl="0" eaLnBrk="1" latinLnBrk="0" hangingPunct="1">
+              <a:spcBef>
+                <a:spcPct val="20000"/>
+              </a:spcBef>
+              <a:buClr>
+                <a:schemeClr val="tx1"/>
+              </a:buClr>
+              <a:buFont typeface="Wingdings 3"/>
+              <a:buChar char=""/>
+              <a:defRPr kumimoji="0" sz="1800" kern="1200">
+                <a:solidFill>
+                  <a:schemeClr val="tx1"/>
+                </a:solidFill>
+                <a:latin typeface="+mn-lt"/>
+                <a:ea typeface="+mn-ea"/>
+                <a:cs typeface="+mn-cs"/>
+              </a:defRPr>
+            </a:lvl6pPr>
+            <a:lvl7pPr marL="1965960" indent="-182880" algn="l" rtl="0" eaLnBrk="1" latinLnBrk="0" hangingPunct="1">
+              <a:spcBef>
+                <a:spcPct val="20000"/>
+              </a:spcBef>
+              <a:buClr>
+                <a:schemeClr val="tx1"/>
+              </a:buClr>
+              <a:buFont typeface="Wingdings 2"/>
+              <a:buChar char=""/>
+              <a:defRPr kumimoji="0" sz="1600" kern="1200">
+                <a:solidFill>
+                  <a:schemeClr val="tx1"/>
+                </a:solidFill>
+                <a:latin typeface="+mn-lt"/>
+                <a:ea typeface="+mn-ea"/>
+                <a:cs typeface="+mn-cs"/>
+              </a:defRPr>
+            </a:lvl7pPr>
+            <a:lvl8pPr marL="2167128" indent="-182880" algn="l" rtl="0" eaLnBrk="1" latinLnBrk="0" hangingPunct="1">
+              <a:spcBef>
+                <a:spcPct val="20000"/>
+              </a:spcBef>
+              <a:buClr>
+                <a:schemeClr val="tx1"/>
+              </a:buClr>
+              <a:buFont typeface="Wingdings 2"/>
+              <a:buChar char=""/>
+              <a:defRPr kumimoji="0" sz="1400" kern="1200">
+                <a:solidFill>
+                  <a:schemeClr val="tx1"/>
+                </a:solidFill>
+                <a:latin typeface="+mn-lt"/>
+                <a:ea typeface="+mn-ea"/>
+                <a:cs typeface="+mn-cs"/>
+              </a:defRPr>
+            </a:lvl8pPr>
+            <a:lvl9pPr marL="2368296" indent="-182880" algn="l" rtl="0" eaLnBrk="1" latinLnBrk="0" hangingPunct="1">
+              <a:spcBef>
+                <a:spcPct val="20000"/>
+              </a:spcBef>
+              <a:buClr>
+                <a:schemeClr val="tx1"/>
+              </a:buClr>
+              <a:buFont typeface="Wingdings 2"/>
+              <a:buChar char=""/>
+              <a:defRPr kumimoji="0" sz="1400" kern="1200" baseline="0">
+                <a:solidFill>
+                  <a:schemeClr val="tx1"/>
+                </a:solidFill>
+                <a:latin typeface="+mn-lt"/>
+                <a:ea typeface="+mn-ea"/>
+                <a:cs typeface="+mn-cs"/>
+              </a:defRPr>
+            </a:lvl9pPr>
+          </a:lstStyle>
+          <a:p>
+            <a:pPr marL="137160" indent="0">
+              <a:buNone/>
+            </a:pPr>
+            <a:endParaRPr lang="de-DE" noProof="1">
+              <a:latin typeface="Arial" panose="020B0604020202020204" pitchFamily="34" charset="0"/>
+              <a:cs typeface="Arial" panose="020B0604020202020204" pitchFamily="34" charset="0"/>
+            </a:endParaRPr>
+          </a:p>
+        </p:txBody>
+      </p:sp>
+    </p:spTree>
+    <p:extLst>
+      <p:ext uri="{BB962C8B-B14F-4D97-AF65-F5344CB8AC3E}">
+        <p14:creationId xmlns:p14="http://schemas.microsoft.com/office/powerpoint/2010/main" val="1175245754"/>
+      </p:ext>
+    </p:extLst>
+  </p:cSld>
+  <p:clrMapOvr>
+    <a:masterClrMapping/>
+  </p:clrMapOvr>
+</p:sld>
+</file>
+
+<file path=ppt/slides/slide12.xml><?xml version="1.0" encoding="utf-8"?>
+<p:sld xmlns:a="http://schemas.openxmlformats.org/drawingml/2006/main" xmlns:r="http://schemas.openxmlformats.org/officeDocument/2006/relationships" xmlns:p="http://schemas.openxmlformats.org/presentationml/2006/main">
+  <p:cSld>
+    <p:spTree>
+      <p:nvGrpSpPr>
+        <p:cNvPr id="1" name=""/>
+        <p:cNvGrpSpPr/>
+        <p:nvPr/>
+      </p:nvGrpSpPr>
+      <p:grpSpPr>
+        <a:xfrm>
+          <a:off x="0" y="0"/>
+          <a:ext cx="0" cy="0"/>
+          <a:chOff x="0" y="0"/>
+          <a:chExt cx="0" cy="0"/>
+        </a:xfrm>
+      </p:grpSpPr>
+      <p:sp>
+        <p:nvSpPr>
+          <p:cNvPr id="2" name="Titel 1"/>
+          <p:cNvSpPr>
+            <a:spLocks noGrp="1"/>
+          </p:cNvSpPr>
+          <p:nvPr>
+            <p:ph type="title"/>
+          </p:nvPr>
+        </p:nvSpPr>
+        <p:spPr/>
+        <p:txBody>
+          <a:bodyPr/>
+          <a:lstStyle/>
+          <a:p>
+            <a:r>
+              <a:rPr lang="en-US" dirty="0" err="1" smtClean="0">
+                <a:solidFill>
+                  <a:schemeClr val="tx1"/>
+                </a:solidFill>
+                <a:latin typeface="Arial" panose="020B0604020202020204" pitchFamily="34" charset="0"/>
+                <a:cs typeface="Arial" panose="020B0604020202020204" pitchFamily="34" charset="0"/>
+              </a:rPr>
+              <a:t>Datenbanken</a:t>
+            </a:r>
+            <a:r>
+              <a:rPr lang="en-US" dirty="0" smtClean="0">
+                <a:solidFill>
+                  <a:schemeClr val="tx1"/>
+                </a:solidFill>
+                <a:latin typeface="Arial" panose="020B0604020202020204" pitchFamily="34" charset="0"/>
+                <a:cs typeface="Arial" panose="020B0604020202020204" pitchFamily="34" charset="0"/>
+              </a:rPr>
+              <a:t> I </a:t>
+            </a:r>
+            <a:endParaRPr lang="en-GB" dirty="0">
+              <a:solidFill>
+                <a:schemeClr val="tx1"/>
+              </a:solidFill>
+            </a:endParaRPr>
+          </a:p>
+        </p:txBody>
+      </p:sp>
+      <p:pic>
+        <p:nvPicPr>
+          <p:cNvPr id="4" name="Picture 2"/>
+          <p:cNvPicPr>
+            <a:picLocks noChangeAspect="1" noChangeArrowheads="1"/>
+          </p:cNvPicPr>
+          <p:nvPr/>
+        </p:nvPicPr>
+        <p:blipFill>
+          <a:blip r:embed="rId2">
+            <a:extLst>
+              <a:ext uri="{BEBA8EAE-BF5A-486C-A8C5-ECC9F3942E4B}">
+                <a14:imgProps xmlns:a14="http://schemas.microsoft.com/office/drawing/2010/main">
+                  <a14:imgLayer r:embed="rId3">
+                    <a14:imgEffect>
+                      <a14:colorTemperature colorTemp="5900"/>
+                    </a14:imgEffect>
+                    <a14:imgEffect>
+                      <a14:saturation sat="0"/>
+                    </a14:imgEffect>
+                  </a14:imgLayer>
+                </a14:imgProps>
+              </a:ext>
+              <a:ext uri="{28A0092B-C50C-407E-A947-70E740481C1C}">
+                <a14:useLocalDpi xmlns:a14="http://schemas.microsoft.com/office/drawing/2010/main" val="0"/>
+              </a:ext>
+            </a:extLst>
+          </a:blip>
+          <a:srcRect/>
+          <a:stretch>
+            <a:fillRect/>
+          </a:stretch>
+        </p:blipFill>
+        <p:spPr bwMode="auto">
+          <a:xfrm>
+            <a:off x="7588333" y="5966604"/>
+            <a:ext cx="1555667" cy="914400"/>
+          </a:xfrm>
+          <a:prstGeom prst="rect">
+            <a:avLst/>
+          </a:prstGeom>
+          <a:ln>
+            <a:noFill/>
+          </a:ln>
+        </p:spPr>
+      </p:pic>
+      <p:sp>
+        <p:nvSpPr>
+          <p:cNvPr id="6" name="Textfeld 5"/>
+          <p:cNvSpPr txBox="1"/>
+          <p:nvPr/>
+        </p:nvSpPr>
+        <p:spPr>
+          <a:xfrm>
+            <a:off x="10064" y="76200"/>
+            <a:ext cx="9133936" cy="646331"/>
+          </a:xfrm>
+          <a:prstGeom prst="rect">
+            <a:avLst/>
+          </a:prstGeom>
+          <a:noFill/>
+        </p:spPr>
+        <p:txBody>
+          <a:bodyPr wrap="square" rtlCol="0">
+            <a:spAutoFit/>
+          </a:bodyPr>
+          <a:lstStyle/>
+          <a:p>
+            <a:r>
+              <a:rPr lang="en-US" dirty="0" smtClean="0">
+                <a:latin typeface="Arial" panose="020B0604020202020204" pitchFamily="34" charset="0"/>
+                <a:cs typeface="Arial" panose="020B0604020202020204" pitchFamily="34" charset="0"/>
+              </a:rPr>
+              <a:t>FH-Bielefeld 		   </a:t>
+            </a:r>
+            <a:r>
+              <a:rPr lang="en-US" dirty="0" err="1" smtClean="0">
+                <a:latin typeface="Arial" panose="020B0604020202020204" pitchFamily="34" charset="0"/>
+                <a:cs typeface="Arial" panose="020B0604020202020204" pitchFamily="34" charset="0"/>
+              </a:rPr>
+              <a:t>Sommersemester</a:t>
+            </a:r>
+            <a:r>
+              <a:rPr lang="en-US" dirty="0" smtClean="0">
+                <a:latin typeface="Arial" panose="020B0604020202020204" pitchFamily="34" charset="0"/>
+                <a:cs typeface="Arial" panose="020B0604020202020204" pitchFamily="34" charset="0"/>
+              </a:rPr>
+              <a:t> 2015	               PKI: </a:t>
+            </a:r>
+            <a:r>
+              <a:rPr lang="en-GB" dirty="0" err="1" smtClean="0">
+                <a:latin typeface="Arial" panose="020B0604020202020204" pitchFamily="34" charset="0"/>
+                <a:cs typeface="Arial" panose="020B0604020202020204" pitchFamily="34" charset="0"/>
+              </a:rPr>
+              <a:t>Prof.</a:t>
+            </a:r>
+            <a:r>
+              <a:rPr lang="en-GB" spc="-30" dirty="0" smtClean="0">
+                <a:latin typeface="Arial" panose="020B0604020202020204" pitchFamily="34" charset="0"/>
+                <a:cs typeface="Arial" panose="020B0604020202020204" pitchFamily="34" charset="0"/>
+              </a:rPr>
+              <a:t> </a:t>
+            </a:r>
+            <a:r>
+              <a:rPr lang="en-GB" dirty="0" err="1" smtClean="0">
+                <a:latin typeface="Arial" panose="020B0604020202020204" pitchFamily="34" charset="0"/>
+                <a:cs typeface="Arial" panose="020B0604020202020204" pitchFamily="34" charset="0"/>
+              </a:rPr>
+              <a:t>Dr.</a:t>
+            </a:r>
+            <a:r>
+              <a:rPr lang="en-GB" spc="-40" dirty="0" smtClean="0">
+                <a:latin typeface="Arial" panose="020B0604020202020204" pitchFamily="34" charset="0"/>
+                <a:cs typeface="Arial" panose="020B0604020202020204" pitchFamily="34" charset="0"/>
+              </a:rPr>
+              <a:t> </a:t>
+            </a:r>
+            <a:r>
+              <a:rPr lang="en-GB" dirty="0" smtClean="0">
+                <a:latin typeface="Arial" panose="020B0604020202020204" pitchFamily="34" charset="0"/>
+                <a:cs typeface="Arial" panose="020B0604020202020204" pitchFamily="34" charset="0"/>
+              </a:rPr>
+              <a:t>Chr.</a:t>
+            </a:r>
+            <a:r>
+              <a:rPr lang="en-GB" spc="-40" dirty="0" smtClean="0">
+                <a:latin typeface="Arial" panose="020B0604020202020204" pitchFamily="34" charset="0"/>
+                <a:cs typeface="Arial" panose="020B0604020202020204" pitchFamily="34" charset="0"/>
+              </a:rPr>
+              <a:t> </a:t>
+            </a:r>
+            <a:r>
+              <a:rPr lang="en-GB" dirty="0" err="1" smtClean="0">
+                <a:latin typeface="Arial" panose="020B0604020202020204" pitchFamily="34" charset="0"/>
+                <a:cs typeface="Arial" panose="020B0604020202020204" pitchFamily="34" charset="0"/>
+              </a:rPr>
+              <a:t>Thiel</a:t>
+            </a:r>
+            <a:endParaRPr lang="en-GB" dirty="0" smtClean="0">
+              <a:latin typeface="Arial" panose="020B0604020202020204" pitchFamily="34" charset="0"/>
+              <a:cs typeface="Arial" panose="020B0604020202020204" pitchFamily="34" charset="0"/>
+            </a:endParaRPr>
+          </a:p>
+          <a:p>
+            <a:endParaRPr lang="en-GB" dirty="0">
+              <a:latin typeface="Arial" panose="020B0604020202020204" pitchFamily="34" charset="0"/>
+              <a:cs typeface="Arial" panose="020B0604020202020204" pitchFamily="34" charset="0"/>
+            </a:endParaRPr>
+          </a:p>
+        </p:txBody>
+      </p:sp>
+      <p:sp>
+        <p:nvSpPr>
+          <p:cNvPr id="7" name="Inhaltsplatzhalter 2"/>
+          <p:cNvSpPr txBox="1">
+            <a:spLocks/>
+          </p:cNvSpPr>
+          <p:nvPr/>
+        </p:nvSpPr>
+        <p:spPr>
+          <a:xfrm>
+            <a:off x="136566" y="1371600"/>
+            <a:ext cx="8229600" cy="4709160"/>
+          </a:xfrm>
+          <a:prstGeom prst="rect">
+            <a:avLst/>
+          </a:prstGeom>
+        </p:spPr>
+        <p:txBody>
+          <a:bodyPr vert="horz">
+            <a:normAutofit/>
+          </a:bodyPr>
+          <a:lstStyle>
+            <a:lvl1pPr marL="548640" indent="-411480" algn="l" rtl="0" eaLnBrk="1" latinLnBrk="0" hangingPunct="1">
+              <a:spcBef>
+                <a:spcPct val="20000"/>
+              </a:spcBef>
+              <a:buClr>
+                <a:schemeClr val="tx1">
+                  <a:shade val="95000"/>
+                </a:schemeClr>
+              </a:buClr>
+              <a:buSzPct val="65000"/>
+              <a:buFont typeface="Wingdings 2"/>
+              <a:buChar char=""/>
+              <a:defRPr kumimoji="0" sz="2800" kern="1200">
+                <a:solidFill>
+                  <a:schemeClr val="tx1"/>
+                </a:solidFill>
+                <a:latin typeface="+mn-lt"/>
+                <a:ea typeface="+mn-ea"/>
+                <a:cs typeface="+mn-cs"/>
+              </a:defRPr>
+            </a:lvl1pPr>
+            <a:lvl2pPr marL="868680" indent="-283464" algn="l" rtl="0" eaLnBrk="1" latinLnBrk="0" hangingPunct="1">
+              <a:spcBef>
+                <a:spcPct val="20000"/>
+              </a:spcBef>
+              <a:buClr>
+                <a:schemeClr val="tx1"/>
+              </a:buClr>
+              <a:buSzPct val="80000"/>
+              <a:buFont typeface="Wingdings 2"/>
+              <a:buChar char=""/>
+              <a:defRPr kumimoji="0" sz="2400" kern="1200">
+                <a:solidFill>
+                  <a:schemeClr val="tx1"/>
+                </a:solidFill>
+                <a:latin typeface="+mn-lt"/>
+                <a:ea typeface="+mn-ea"/>
+                <a:cs typeface="+mn-cs"/>
+              </a:defRPr>
+            </a:lvl2pPr>
+            <a:lvl3pPr marL="1133856" indent="-228600" algn="l" rtl="0" eaLnBrk="1" latinLnBrk="0" hangingPunct="1">
+              <a:spcBef>
+                <a:spcPct val="20000"/>
+              </a:spcBef>
+              <a:buClr>
+                <a:schemeClr val="tx1"/>
+              </a:buClr>
+              <a:buSzPct val="95000"/>
+              <a:buFont typeface="Wingdings"/>
+              <a:buChar char=""/>
+              <a:defRPr kumimoji="0" sz="2200" kern="1200">
+                <a:solidFill>
+                  <a:schemeClr val="tx1"/>
+                </a:solidFill>
+                <a:latin typeface="+mn-lt"/>
+                <a:ea typeface="+mn-ea"/>
+                <a:cs typeface="+mn-cs"/>
+              </a:defRPr>
+            </a:lvl3pPr>
+            <a:lvl4pPr marL="1353312" indent="-182880" algn="l" rtl="0" eaLnBrk="1" latinLnBrk="0" hangingPunct="1">
+              <a:spcBef>
+                <a:spcPct val="20000"/>
+              </a:spcBef>
+              <a:buClr>
+                <a:schemeClr val="tx1"/>
+              </a:buClr>
+              <a:buSzPct val="100000"/>
+              <a:buFont typeface="Wingdings 3"/>
+              <a:buChar char=""/>
+              <a:defRPr kumimoji="0" sz="2000" kern="1200">
+                <a:solidFill>
+                  <a:schemeClr val="tx1"/>
+                </a:solidFill>
+                <a:latin typeface="+mn-lt"/>
+                <a:ea typeface="+mn-ea"/>
+                <a:cs typeface="+mn-cs"/>
+              </a:defRPr>
+            </a:lvl4pPr>
+            <a:lvl5pPr marL="1545336" indent="-182880" algn="l" rtl="0" eaLnBrk="1" latinLnBrk="0" hangingPunct="1">
+              <a:spcBef>
+                <a:spcPct val="20000"/>
+              </a:spcBef>
+              <a:buClr>
+                <a:schemeClr val="tx1"/>
+              </a:buClr>
+              <a:buFont typeface="Wingdings 2"/>
+              <a:buChar char=""/>
+              <a:defRPr kumimoji="0" sz="2000" kern="1200">
+                <a:solidFill>
+                  <a:schemeClr val="tx1"/>
+                </a:solidFill>
+                <a:latin typeface="+mn-lt"/>
+                <a:ea typeface="+mn-ea"/>
+                <a:cs typeface="+mn-cs"/>
+              </a:defRPr>
+            </a:lvl5pPr>
+            <a:lvl6pPr marL="1764792" indent="-182880" algn="l" rtl="0" eaLnBrk="1" latinLnBrk="0" hangingPunct="1">
+              <a:spcBef>
+                <a:spcPct val="20000"/>
+              </a:spcBef>
+              <a:buClr>
+                <a:schemeClr val="tx1"/>
+              </a:buClr>
+              <a:buFont typeface="Wingdings 3"/>
+              <a:buChar char=""/>
+              <a:defRPr kumimoji="0" sz="1800" kern="1200">
+                <a:solidFill>
+                  <a:schemeClr val="tx1"/>
+                </a:solidFill>
+                <a:latin typeface="+mn-lt"/>
+                <a:ea typeface="+mn-ea"/>
+                <a:cs typeface="+mn-cs"/>
+              </a:defRPr>
+            </a:lvl6pPr>
+            <a:lvl7pPr marL="1965960" indent="-182880" algn="l" rtl="0" eaLnBrk="1" latinLnBrk="0" hangingPunct="1">
+              <a:spcBef>
+                <a:spcPct val="20000"/>
+              </a:spcBef>
+              <a:buClr>
+                <a:schemeClr val="tx1"/>
+              </a:buClr>
+              <a:buFont typeface="Wingdings 2"/>
+              <a:buChar char=""/>
+              <a:defRPr kumimoji="0" sz="1600" kern="1200">
+                <a:solidFill>
+                  <a:schemeClr val="tx1"/>
+                </a:solidFill>
+                <a:latin typeface="+mn-lt"/>
+                <a:ea typeface="+mn-ea"/>
+                <a:cs typeface="+mn-cs"/>
+              </a:defRPr>
+            </a:lvl7pPr>
+            <a:lvl8pPr marL="2167128" indent="-182880" algn="l" rtl="0" eaLnBrk="1" latinLnBrk="0" hangingPunct="1">
+              <a:spcBef>
+                <a:spcPct val="20000"/>
+              </a:spcBef>
+              <a:buClr>
+                <a:schemeClr val="tx1"/>
+              </a:buClr>
+              <a:buFont typeface="Wingdings 2"/>
+              <a:buChar char=""/>
+              <a:defRPr kumimoji="0" sz="1400" kern="1200">
+                <a:solidFill>
+                  <a:schemeClr val="tx1"/>
+                </a:solidFill>
+                <a:latin typeface="+mn-lt"/>
+                <a:ea typeface="+mn-ea"/>
+                <a:cs typeface="+mn-cs"/>
+              </a:defRPr>
+            </a:lvl8pPr>
+            <a:lvl9pPr marL="2368296" indent="-182880" algn="l" rtl="0" eaLnBrk="1" latinLnBrk="0" hangingPunct="1">
+              <a:spcBef>
+                <a:spcPct val="20000"/>
+              </a:spcBef>
+              <a:buClr>
+                <a:schemeClr val="tx1"/>
+              </a:buClr>
+              <a:buFont typeface="Wingdings 2"/>
+              <a:buChar char=""/>
+              <a:defRPr kumimoji="0" sz="1400" kern="1200" baseline="0">
+                <a:solidFill>
+                  <a:schemeClr val="tx1"/>
+                </a:solidFill>
+                <a:latin typeface="+mn-lt"/>
+                <a:ea typeface="+mn-ea"/>
+                <a:cs typeface="+mn-cs"/>
+              </a:defRPr>
+            </a:lvl9pPr>
+          </a:lstStyle>
+          <a:p>
+            <a:pPr marL="137160" indent="0">
+              <a:buNone/>
+            </a:pPr>
+            <a:endParaRPr lang="de-DE" noProof="1">
+              <a:latin typeface="Arial" panose="020B0604020202020204" pitchFamily="34" charset="0"/>
+              <a:cs typeface="Arial" panose="020B0604020202020204" pitchFamily="34" charset="0"/>
+            </a:endParaRPr>
+          </a:p>
+        </p:txBody>
+      </p:sp>
+    </p:spTree>
+    <p:extLst>
+      <p:ext uri="{BB962C8B-B14F-4D97-AF65-F5344CB8AC3E}">
+        <p14:creationId xmlns:p14="http://schemas.microsoft.com/office/powerpoint/2010/main" val="2334749360"/>
+      </p:ext>
+    </p:extLst>
+  </p:cSld>
+  <p:clrMapOvr>
+    <a:masterClrMapping/>
+  </p:clrMapOvr>
+</p:sld>
+</file>
+
+<file path=ppt/slides/slide13.xml><?xml version="1.0" encoding="utf-8"?>
+<p:sld xmlns:a="http://schemas.openxmlformats.org/drawingml/2006/main" xmlns:r="http://schemas.openxmlformats.org/officeDocument/2006/relationships" xmlns:p="http://schemas.openxmlformats.org/presentationml/2006/main">
+  <p:cSld>
+    <p:spTree>
+      <p:nvGrpSpPr>
+        <p:cNvPr id="1" name=""/>
+        <p:cNvGrpSpPr/>
+        <p:nvPr/>
+      </p:nvGrpSpPr>
+      <p:grpSpPr>
+        <a:xfrm>
+          <a:off x="0" y="0"/>
+          <a:ext cx="0" cy="0"/>
+          <a:chOff x="0" y="0"/>
+          <a:chExt cx="0" cy="0"/>
+        </a:xfrm>
+      </p:grpSpPr>
+      <p:sp>
+        <p:nvSpPr>
+          <p:cNvPr id="2" name="Titel 1"/>
+          <p:cNvSpPr>
+            <a:spLocks noGrp="1"/>
+          </p:cNvSpPr>
+          <p:nvPr>
+            <p:ph type="title"/>
+          </p:nvPr>
+        </p:nvSpPr>
+        <p:spPr>
+          <a:xfrm>
+            <a:off x="381000" y="533400"/>
+            <a:ext cx="8229600" cy="1143000"/>
+          </a:xfrm>
+        </p:spPr>
+        <p:txBody>
+          <a:bodyPr>
+            <a:normAutofit/>
+          </a:bodyPr>
+          <a:lstStyle/>
+          <a:p>
+            <a:r>
+              <a:rPr lang="en-US" dirty="0" err="1" smtClean="0">
+                <a:solidFill>
+                  <a:schemeClr val="tx1"/>
+                </a:solidFill>
+                <a:latin typeface="Arial" panose="020B0604020202020204" pitchFamily="34" charset="0"/>
+                <a:cs typeface="Arial" panose="020B0604020202020204" pitchFamily="34" charset="0"/>
+              </a:rPr>
+              <a:t>Datenbanken</a:t>
+            </a:r>
+            <a:r>
+              <a:rPr lang="en-US" dirty="0" smtClean="0">
+                <a:solidFill>
+                  <a:schemeClr val="tx1"/>
+                </a:solidFill>
+                <a:latin typeface="Arial" panose="020B0604020202020204" pitchFamily="34" charset="0"/>
+                <a:cs typeface="Arial" panose="020B0604020202020204" pitchFamily="34" charset="0"/>
+              </a:rPr>
+              <a:t> II – </a:t>
+            </a:r>
+            <a:r>
+              <a:rPr lang="en-US" dirty="0" err="1" smtClean="0">
+                <a:solidFill>
+                  <a:schemeClr val="tx1"/>
+                </a:solidFill>
+                <a:latin typeface="Arial" panose="020B0604020202020204" pitchFamily="34" charset="0"/>
+                <a:cs typeface="Arial" panose="020B0604020202020204" pitchFamily="34" charset="0"/>
+              </a:rPr>
+              <a:t>Schnittstellen</a:t>
+            </a:r>
+            <a:r>
+              <a:rPr lang="en-US" dirty="0" smtClean="0">
+                <a:solidFill>
+                  <a:schemeClr val="tx1"/>
+                </a:solidFill>
+                <a:latin typeface="Arial" panose="020B0604020202020204" pitchFamily="34" charset="0"/>
+                <a:cs typeface="Arial" panose="020B0604020202020204" pitchFamily="34" charset="0"/>
+              </a:rPr>
+              <a:t> </a:t>
+            </a:r>
+            <a:r>
+              <a:rPr lang="en-US" dirty="0" err="1" smtClean="0">
+                <a:solidFill>
+                  <a:schemeClr val="tx1"/>
+                </a:solidFill>
+                <a:latin typeface="Arial" panose="020B0604020202020204" pitchFamily="34" charset="0"/>
+                <a:cs typeface="Arial" panose="020B0604020202020204" pitchFamily="34" charset="0"/>
+              </a:rPr>
+              <a:t>zur</a:t>
+            </a:r>
+            <a:r>
+              <a:rPr lang="en-US" dirty="0" smtClean="0">
+                <a:solidFill>
+                  <a:schemeClr val="tx1"/>
+                </a:solidFill>
+                <a:latin typeface="Arial" panose="020B0604020202020204" pitchFamily="34" charset="0"/>
+                <a:cs typeface="Arial" panose="020B0604020202020204" pitchFamily="34" charset="0"/>
+              </a:rPr>
+              <a:t> CA</a:t>
+            </a:r>
+            <a:endParaRPr lang="en-GB" dirty="0">
+              <a:solidFill>
+                <a:schemeClr val="tx1"/>
+              </a:solidFill>
+            </a:endParaRPr>
+          </a:p>
+        </p:txBody>
+      </p:sp>
+      <p:pic>
+        <p:nvPicPr>
+          <p:cNvPr id="4" name="Picture 2"/>
+          <p:cNvPicPr>
+            <a:picLocks noChangeAspect="1" noChangeArrowheads="1"/>
+          </p:cNvPicPr>
+          <p:nvPr/>
+        </p:nvPicPr>
+        <p:blipFill>
+          <a:blip r:embed="rId2">
+            <a:extLst>
+              <a:ext uri="{BEBA8EAE-BF5A-486C-A8C5-ECC9F3942E4B}">
+                <a14:imgProps xmlns:a14="http://schemas.microsoft.com/office/drawing/2010/main">
+                  <a14:imgLayer r:embed="rId3">
+                    <a14:imgEffect>
+                      <a14:colorTemperature colorTemp="5900"/>
+                    </a14:imgEffect>
+                    <a14:imgEffect>
+                      <a14:saturation sat="0"/>
+                    </a14:imgEffect>
+                  </a14:imgLayer>
+                </a14:imgProps>
+              </a:ext>
+              <a:ext uri="{28A0092B-C50C-407E-A947-70E740481C1C}">
+                <a14:useLocalDpi xmlns:a14="http://schemas.microsoft.com/office/drawing/2010/main" val="0"/>
+              </a:ext>
+            </a:extLst>
+          </a:blip>
+          <a:srcRect/>
+          <a:stretch>
+            <a:fillRect/>
+          </a:stretch>
+        </p:blipFill>
+        <p:spPr bwMode="auto">
+          <a:xfrm>
+            <a:off x="7588333" y="5966604"/>
+            <a:ext cx="1555667" cy="914400"/>
+          </a:xfrm>
+          <a:prstGeom prst="rect">
+            <a:avLst/>
+          </a:prstGeom>
+          <a:ln>
+            <a:noFill/>
+          </a:ln>
+        </p:spPr>
+      </p:pic>
+      <p:sp>
+        <p:nvSpPr>
+          <p:cNvPr id="6" name="Textfeld 5"/>
+          <p:cNvSpPr txBox="1"/>
+          <p:nvPr/>
+        </p:nvSpPr>
+        <p:spPr>
+          <a:xfrm>
+            <a:off x="10064" y="76200"/>
+            <a:ext cx="9133936" cy="646331"/>
+          </a:xfrm>
+          <a:prstGeom prst="rect">
+            <a:avLst/>
+          </a:prstGeom>
+          <a:noFill/>
+        </p:spPr>
+        <p:txBody>
+          <a:bodyPr wrap="square" rtlCol="0">
+            <a:spAutoFit/>
+          </a:bodyPr>
+          <a:lstStyle/>
+          <a:p>
+            <a:r>
+              <a:rPr lang="en-US" dirty="0" smtClean="0">
+                <a:latin typeface="Arial" panose="020B0604020202020204" pitchFamily="34" charset="0"/>
+                <a:cs typeface="Arial" panose="020B0604020202020204" pitchFamily="34" charset="0"/>
+              </a:rPr>
+              <a:t>FH-Bielefeld 		   </a:t>
+            </a:r>
+            <a:r>
+              <a:rPr lang="en-US" dirty="0" err="1" smtClean="0">
+                <a:latin typeface="Arial" panose="020B0604020202020204" pitchFamily="34" charset="0"/>
+                <a:cs typeface="Arial" panose="020B0604020202020204" pitchFamily="34" charset="0"/>
+              </a:rPr>
+              <a:t>Sommersemester</a:t>
+            </a:r>
+            <a:r>
+              <a:rPr lang="en-US" dirty="0" smtClean="0">
+                <a:latin typeface="Arial" panose="020B0604020202020204" pitchFamily="34" charset="0"/>
+                <a:cs typeface="Arial" panose="020B0604020202020204" pitchFamily="34" charset="0"/>
+              </a:rPr>
+              <a:t> 2015	               PKI: </a:t>
+            </a:r>
+            <a:r>
+              <a:rPr lang="en-GB" dirty="0" err="1" smtClean="0">
+                <a:latin typeface="Arial" panose="020B0604020202020204" pitchFamily="34" charset="0"/>
+                <a:cs typeface="Arial" panose="020B0604020202020204" pitchFamily="34" charset="0"/>
+              </a:rPr>
+              <a:t>Prof.</a:t>
+            </a:r>
+            <a:r>
+              <a:rPr lang="en-GB" spc="-30" dirty="0" smtClean="0">
+                <a:latin typeface="Arial" panose="020B0604020202020204" pitchFamily="34" charset="0"/>
+                <a:cs typeface="Arial" panose="020B0604020202020204" pitchFamily="34" charset="0"/>
+              </a:rPr>
+              <a:t> </a:t>
+            </a:r>
+            <a:r>
+              <a:rPr lang="en-GB" dirty="0" err="1" smtClean="0">
+                <a:latin typeface="Arial" panose="020B0604020202020204" pitchFamily="34" charset="0"/>
+                <a:cs typeface="Arial" panose="020B0604020202020204" pitchFamily="34" charset="0"/>
+              </a:rPr>
+              <a:t>Dr.</a:t>
+            </a:r>
+            <a:r>
+              <a:rPr lang="en-GB" spc="-40" dirty="0" smtClean="0">
+                <a:latin typeface="Arial" panose="020B0604020202020204" pitchFamily="34" charset="0"/>
+                <a:cs typeface="Arial" panose="020B0604020202020204" pitchFamily="34" charset="0"/>
+              </a:rPr>
+              <a:t> </a:t>
+            </a:r>
+            <a:r>
+              <a:rPr lang="en-GB" dirty="0" smtClean="0">
+                <a:latin typeface="Arial" panose="020B0604020202020204" pitchFamily="34" charset="0"/>
+                <a:cs typeface="Arial" panose="020B0604020202020204" pitchFamily="34" charset="0"/>
+              </a:rPr>
+              <a:t>Chr.</a:t>
+            </a:r>
+            <a:r>
+              <a:rPr lang="en-GB" spc="-40" dirty="0" smtClean="0">
+                <a:latin typeface="Arial" panose="020B0604020202020204" pitchFamily="34" charset="0"/>
+                <a:cs typeface="Arial" panose="020B0604020202020204" pitchFamily="34" charset="0"/>
+              </a:rPr>
+              <a:t> </a:t>
+            </a:r>
+            <a:r>
+              <a:rPr lang="en-GB" dirty="0" err="1" smtClean="0">
+                <a:latin typeface="Arial" panose="020B0604020202020204" pitchFamily="34" charset="0"/>
+                <a:cs typeface="Arial" panose="020B0604020202020204" pitchFamily="34" charset="0"/>
+              </a:rPr>
+              <a:t>Thiel</a:t>
+            </a:r>
+            <a:endParaRPr lang="en-GB" dirty="0" smtClean="0">
+              <a:latin typeface="Arial" panose="020B0604020202020204" pitchFamily="34" charset="0"/>
+              <a:cs typeface="Arial" panose="020B0604020202020204" pitchFamily="34" charset="0"/>
+            </a:endParaRPr>
+          </a:p>
+          <a:p>
+            <a:endParaRPr lang="en-GB" dirty="0">
+              <a:latin typeface="Arial" panose="020B0604020202020204" pitchFamily="34" charset="0"/>
+              <a:cs typeface="Arial" panose="020B0604020202020204" pitchFamily="34" charset="0"/>
+            </a:endParaRPr>
+          </a:p>
+        </p:txBody>
+      </p:sp>
+      <p:sp>
+        <p:nvSpPr>
+          <p:cNvPr id="7" name="Inhaltsplatzhalter 2"/>
+          <p:cNvSpPr txBox="1">
+            <a:spLocks/>
+          </p:cNvSpPr>
+          <p:nvPr/>
+        </p:nvSpPr>
+        <p:spPr>
+          <a:xfrm>
+            <a:off x="136566" y="1371600"/>
+            <a:ext cx="8229600" cy="4709160"/>
+          </a:xfrm>
+          <a:prstGeom prst="rect">
+            <a:avLst/>
+          </a:prstGeom>
+        </p:spPr>
+        <p:txBody>
+          <a:bodyPr vert="horz">
+            <a:normAutofit/>
+          </a:bodyPr>
+          <a:lstStyle>
+            <a:lvl1pPr marL="548640" indent="-411480" algn="l" rtl="0" eaLnBrk="1" latinLnBrk="0" hangingPunct="1">
+              <a:spcBef>
+                <a:spcPct val="20000"/>
+              </a:spcBef>
+              <a:buClr>
+                <a:schemeClr val="tx1">
+                  <a:shade val="95000"/>
+                </a:schemeClr>
+              </a:buClr>
+              <a:buSzPct val="65000"/>
+              <a:buFont typeface="Wingdings 2"/>
+              <a:buChar char=""/>
+              <a:defRPr kumimoji="0" sz="2800" kern="1200">
+                <a:solidFill>
+                  <a:schemeClr val="tx1"/>
+                </a:solidFill>
+                <a:latin typeface="+mn-lt"/>
+                <a:ea typeface="+mn-ea"/>
+                <a:cs typeface="+mn-cs"/>
+              </a:defRPr>
+            </a:lvl1pPr>
+            <a:lvl2pPr marL="868680" indent="-283464" algn="l" rtl="0" eaLnBrk="1" latinLnBrk="0" hangingPunct="1">
+              <a:spcBef>
+                <a:spcPct val="20000"/>
+              </a:spcBef>
+              <a:buClr>
+                <a:schemeClr val="tx1"/>
+              </a:buClr>
+              <a:buSzPct val="80000"/>
+              <a:buFont typeface="Wingdings 2"/>
+              <a:buChar char=""/>
+              <a:defRPr kumimoji="0" sz="2400" kern="1200">
+                <a:solidFill>
+                  <a:schemeClr val="tx1"/>
+                </a:solidFill>
+                <a:latin typeface="+mn-lt"/>
+                <a:ea typeface="+mn-ea"/>
+                <a:cs typeface="+mn-cs"/>
+              </a:defRPr>
+            </a:lvl2pPr>
+            <a:lvl3pPr marL="1133856" indent="-228600" algn="l" rtl="0" eaLnBrk="1" latinLnBrk="0" hangingPunct="1">
+              <a:spcBef>
+                <a:spcPct val="20000"/>
+              </a:spcBef>
+              <a:buClr>
+                <a:schemeClr val="tx1"/>
+              </a:buClr>
+              <a:buSzPct val="95000"/>
+              <a:buFont typeface="Wingdings"/>
+              <a:buChar char=""/>
+              <a:defRPr kumimoji="0" sz="2200" kern="1200">
+                <a:solidFill>
+                  <a:schemeClr val="tx1"/>
+                </a:solidFill>
+                <a:latin typeface="+mn-lt"/>
+                <a:ea typeface="+mn-ea"/>
+                <a:cs typeface="+mn-cs"/>
+              </a:defRPr>
+            </a:lvl3pPr>
+            <a:lvl4pPr marL="1353312" indent="-182880" algn="l" rtl="0" eaLnBrk="1" latinLnBrk="0" hangingPunct="1">
+              <a:spcBef>
+                <a:spcPct val="20000"/>
+              </a:spcBef>
+              <a:buClr>
+                <a:schemeClr val="tx1"/>
+              </a:buClr>
+              <a:buSzPct val="100000"/>
+              <a:buFont typeface="Wingdings 3"/>
+              <a:buChar char=""/>
+              <a:defRPr kumimoji="0" sz="2000" kern="1200">
+                <a:solidFill>
+                  <a:schemeClr val="tx1"/>
+                </a:solidFill>
+                <a:latin typeface="+mn-lt"/>
+                <a:ea typeface="+mn-ea"/>
+                <a:cs typeface="+mn-cs"/>
+              </a:defRPr>
+            </a:lvl4pPr>
+            <a:lvl5pPr marL="1545336" indent="-182880" algn="l" rtl="0" eaLnBrk="1" latinLnBrk="0" hangingPunct="1">
+              <a:spcBef>
+                <a:spcPct val="20000"/>
+              </a:spcBef>
+              <a:buClr>
+                <a:schemeClr val="tx1"/>
+              </a:buClr>
+              <a:buFont typeface="Wingdings 2"/>
+              <a:buChar char=""/>
+              <a:defRPr kumimoji="0" sz="2000" kern="1200">
+                <a:solidFill>
+                  <a:schemeClr val="tx1"/>
+                </a:solidFill>
+                <a:latin typeface="+mn-lt"/>
+                <a:ea typeface="+mn-ea"/>
+                <a:cs typeface="+mn-cs"/>
+              </a:defRPr>
+            </a:lvl5pPr>
+            <a:lvl6pPr marL="1764792" indent="-182880" algn="l" rtl="0" eaLnBrk="1" latinLnBrk="0" hangingPunct="1">
+              <a:spcBef>
+                <a:spcPct val="20000"/>
+              </a:spcBef>
+              <a:buClr>
+                <a:schemeClr val="tx1"/>
+              </a:buClr>
+              <a:buFont typeface="Wingdings 3"/>
+              <a:buChar char=""/>
+              <a:defRPr kumimoji="0" sz="1800" kern="1200">
+                <a:solidFill>
+                  <a:schemeClr val="tx1"/>
+                </a:solidFill>
+                <a:latin typeface="+mn-lt"/>
+                <a:ea typeface="+mn-ea"/>
+                <a:cs typeface="+mn-cs"/>
+              </a:defRPr>
+            </a:lvl6pPr>
+            <a:lvl7pPr marL="1965960" indent="-182880" algn="l" rtl="0" eaLnBrk="1" latinLnBrk="0" hangingPunct="1">
+              <a:spcBef>
+                <a:spcPct val="20000"/>
+              </a:spcBef>
+              <a:buClr>
+                <a:schemeClr val="tx1"/>
+              </a:buClr>
+              <a:buFont typeface="Wingdings 2"/>
+              <a:buChar char=""/>
+              <a:defRPr kumimoji="0" sz="1600" kern="1200">
+                <a:solidFill>
+                  <a:schemeClr val="tx1"/>
+                </a:solidFill>
+                <a:latin typeface="+mn-lt"/>
+                <a:ea typeface="+mn-ea"/>
+                <a:cs typeface="+mn-cs"/>
+              </a:defRPr>
+            </a:lvl7pPr>
+            <a:lvl8pPr marL="2167128" indent="-182880" algn="l" rtl="0" eaLnBrk="1" latinLnBrk="0" hangingPunct="1">
+              <a:spcBef>
+                <a:spcPct val="20000"/>
+              </a:spcBef>
+              <a:buClr>
+                <a:schemeClr val="tx1"/>
+              </a:buClr>
+              <a:buFont typeface="Wingdings 2"/>
+              <a:buChar char=""/>
+              <a:defRPr kumimoji="0" sz="1400" kern="1200">
+                <a:solidFill>
+                  <a:schemeClr val="tx1"/>
+                </a:solidFill>
+                <a:latin typeface="+mn-lt"/>
+                <a:ea typeface="+mn-ea"/>
+                <a:cs typeface="+mn-cs"/>
+              </a:defRPr>
+            </a:lvl8pPr>
+            <a:lvl9pPr marL="2368296" indent="-182880" algn="l" rtl="0" eaLnBrk="1" latinLnBrk="0" hangingPunct="1">
+              <a:spcBef>
+                <a:spcPct val="20000"/>
+              </a:spcBef>
+              <a:buClr>
+                <a:schemeClr val="tx1"/>
+              </a:buClr>
+              <a:buFont typeface="Wingdings 2"/>
+              <a:buChar char=""/>
+              <a:defRPr kumimoji="0" sz="1400" kern="1200" baseline="0">
+                <a:solidFill>
+                  <a:schemeClr val="tx1"/>
+                </a:solidFill>
+                <a:latin typeface="+mn-lt"/>
+                <a:ea typeface="+mn-ea"/>
+                <a:cs typeface="+mn-cs"/>
+              </a:defRPr>
+            </a:lvl9pPr>
+          </a:lstStyle>
+          <a:p>
+            <a:pPr marL="137160" indent="0">
+              <a:buNone/>
+            </a:pPr>
+            <a:endParaRPr lang="de-DE" noProof="1">
+              <a:latin typeface="Arial" panose="020B0604020202020204" pitchFamily="34" charset="0"/>
+              <a:cs typeface="Arial" panose="020B0604020202020204" pitchFamily="34" charset="0"/>
+            </a:endParaRPr>
+          </a:p>
+        </p:txBody>
+      </p:sp>
+    </p:spTree>
+    <p:extLst>
+      <p:ext uri="{BB962C8B-B14F-4D97-AF65-F5344CB8AC3E}">
+        <p14:creationId xmlns:p14="http://schemas.microsoft.com/office/powerpoint/2010/main" val="2779251827"/>
+      </p:ext>
+    </p:extLst>
+  </p:cSld>
+  <p:clrMapOvr>
+    <a:masterClrMapping/>
+  </p:clrMapOvr>
+</p:sld>
+</file>
+
+<file path=ppt/slides/slide2.xml><?xml version="1.0" encoding="utf-8"?>
+<p:sld xmlns:a="http://schemas.openxmlformats.org/drawingml/2006/main" xmlns:r="http://schemas.openxmlformats.org/officeDocument/2006/relationships" xmlns:p="http://schemas.openxmlformats.org/presentationml/2006/main">
+  <p:cSld>
+    <p:spTree>
+      <p:nvGrpSpPr>
+        <p:cNvPr id="1" name=""/>
+        <p:cNvGrpSpPr/>
+        <p:nvPr/>
+      </p:nvGrpSpPr>
+      <p:grpSpPr>
+        <a:xfrm>
+          <a:off x="0" y="0"/>
+          <a:ext cx="0" cy="0"/>
+          <a:chOff x="0" y="0"/>
+          <a:chExt cx="0" cy="0"/>
+        </a:xfrm>
+      </p:grpSpPr>
+      <p:sp>
+        <p:nvSpPr>
+          <p:cNvPr id="2" name="Titel 1"/>
+          <p:cNvSpPr>
+            <a:spLocks noGrp="1"/>
+          </p:cNvSpPr>
+          <p:nvPr>
+            <p:ph type="title"/>
+          </p:nvPr>
+        </p:nvSpPr>
+        <p:spPr>
+          <a:xfrm>
+            <a:off x="462232" y="415180"/>
+            <a:ext cx="8229600" cy="1143000"/>
+          </a:xfrm>
+        </p:spPr>
+        <p:txBody>
+          <a:bodyPr/>
+          <a:lstStyle/>
+          <a:p>
+            <a:r>
+              <a:rPr lang="en-US" dirty="0" err="1" smtClean="0">
+                <a:solidFill>
+                  <a:schemeClr val="tx1"/>
+                </a:solidFill>
+              </a:rPr>
+              <a:t>Inhalt</a:t>
+            </a:r>
+            <a:endParaRPr lang="en-GB" dirty="0">
+              <a:solidFill>
+                <a:schemeClr val="tx1"/>
+              </a:solidFill>
+            </a:endParaRPr>
+          </a:p>
+        </p:txBody>
+      </p:sp>
+      <p:sp>
+        <p:nvSpPr>
+          <p:cNvPr id="3" name="Inhaltsplatzhalter 2"/>
+          <p:cNvSpPr>
+            <a:spLocks noGrp="1"/>
+          </p:cNvSpPr>
+          <p:nvPr>
+            <p:ph idx="1"/>
+          </p:nvPr>
+        </p:nvSpPr>
+        <p:spPr/>
+        <p:txBody>
+          <a:bodyPr/>
+          <a:lstStyle/>
+          <a:p>
+            <a:pPr>
+              <a:buClr>
+                <a:schemeClr val="tx1"/>
+              </a:buClr>
+              <a:buFont typeface="Wingdings" panose="05000000000000000000" pitchFamily="2" charset="2"/>
+              <a:buChar char="Ø"/>
+            </a:pPr>
+            <a:r>
+              <a:rPr lang="de-DE" noProof="1" smtClean="0">
+                <a:latin typeface="Arial" panose="020B0604020202020204" pitchFamily="34" charset="0"/>
+                <a:cs typeface="Arial" panose="020B0604020202020204" pitchFamily="34" charset="0"/>
+              </a:rPr>
+              <a:t>1)</a:t>
+            </a:r>
+            <a:r>
+              <a:rPr lang="de-DE" noProof="1">
+                <a:latin typeface="Arial" panose="020B0604020202020204" pitchFamily="34" charset="0"/>
+                <a:cs typeface="Arial" panose="020B0604020202020204" pitchFamily="34" charset="0"/>
+              </a:rPr>
+              <a:t>	</a:t>
+            </a:r>
+            <a:r>
+              <a:rPr lang="de-DE" noProof="1" smtClean="0">
+                <a:latin typeface="Arial" panose="020B0604020202020204" pitchFamily="34" charset="0"/>
+                <a:cs typeface="Arial" panose="020B0604020202020204" pitchFamily="34" charset="0"/>
+              </a:rPr>
+              <a:t>Einführung</a:t>
+            </a:r>
+          </a:p>
+          <a:p>
+            <a:pPr>
+              <a:buClr>
+                <a:schemeClr val="tx1"/>
+              </a:buClr>
+              <a:buFont typeface="Wingdings" panose="05000000000000000000" pitchFamily="2" charset="2"/>
+              <a:buChar char="Ø"/>
+            </a:pPr>
+            <a:r>
+              <a:rPr lang="de-DE" noProof="1" smtClean="0">
+                <a:latin typeface="Arial" panose="020B0604020202020204" pitchFamily="34" charset="0"/>
+                <a:cs typeface="Arial" panose="020B0604020202020204" pitchFamily="34" charset="0"/>
+              </a:rPr>
+              <a:t>2)	Registrierung</a:t>
+            </a:r>
+          </a:p>
+          <a:p>
+            <a:pPr>
+              <a:buClr>
+                <a:schemeClr val="tx1"/>
+              </a:buClr>
+              <a:buFont typeface="Wingdings" panose="05000000000000000000" pitchFamily="2" charset="2"/>
+              <a:buChar char="Ø"/>
+            </a:pPr>
+            <a:r>
+              <a:rPr lang="de-DE" noProof="1" smtClean="0">
+                <a:latin typeface="Arial" panose="020B0604020202020204" pitchFamily="34" charset="0"/>
+                <a:cs typeface="Arial" panose="020B0604020202020204" pitchFamily="34" charset="0"/>
+              </a:rPr>
+              <a:t>3)	Validierung</a:t>
+            </a:r>
+          </a:p>
+          <a:p>
+            <a:pPr>
+              <a:buClr>
+                <a:schemeClr val="tx1"/>
+              </a:buClr>
+              <a:buFont typeface="Wingdings" panose="05000000000000000000" pitchFamily="2" charset="2"/>
+              <a:buChar char="Ø"/>
+            </a:pPr>
+            <a:r>
+              <a:rPr lang="de-DE" noProof="1" smtClean="0">
+                <a:latin typeface="Arial" panose="020B0604020202020204" pitchFamily="34" charset="0"/>
+                <a:cs typeface="Arial" panose="020B0604020202020204" pitchFamily="34" charset="0"/>
+              </a:rPr>
+              <a:t>4)	Request</a:t>
+            </a:r>
+          </a:p>
+          <a:p>
+            <a:pPr>
+              <a:buClr>
+                <a:schemeClr val="tx1"/>
+              </a:buClr>
+              <a:buFont typeface="Wingdings" panose="05000000000000000000" pitchFamily="2" charset="2"/>
+              <a:buChar char="Ø"/>
+            </a:pPr>
+            <a:r>
+              <a:rPr lang="en-US" noProof="1" smtClean="0">
+                <a:latin typeface="Arial" panose="020B0604020202020204" pitchFamily="34" charset="0"/>
+                <a:cs typeface="Arial" panose="020B0604020202020204" pitchFamily="34" charset="0"/>
+              </a:rPr>
+              <a:t>5)	Certification Authority (CA)</a:t>
+            </a:r>
+            <a:endParaRPr lang="de-DE" noProof="1" smtClean="0">
+              <a:latin typeface="Arial" panose="020B0604020202020204" pitchFamily="34" charset="0"/>
+              <a:cs typeface="Arial" panose="020B0604020202020204" pitchFamily="34" charset="0"/>
+            </a:endParaRPr>
+          </a:p>
+          <a:p>
+            <a:pPr>
+              <a:buClr>
+                <a:schemeClr val="tx1"/>
+              </a:buClr>
+              <a:buFont typeface="Wingdings" panose="05000000000000000000" pitchFamily="2" charset="2"/>
+              <a:buChar char="Ø"/>
+            </a:pPr>
+            <a:r>
+              <a:rPr lang="de-DE" noProof="1" smtClean="0">
+                <a:latin typeface="Arial" panose="020B0604020202020204" pitchFamily="34" charset="0"/>
+                <a:cs typeface="Arial" panose="020B0604020202020204" pitchFamily="34" charset="0"/>
+              </a:rPr>
+              <a:t>5)	Datenbanken &amp; Schnittstellen zur CA</a:t>
+            </a:r>
+          </a:p>
+          <a:p>
+            <a:pPr>
+              <a:buClr>
+                <a:schemeClr val="tx1"/>
+              </a:buClr>
+              <a:buFont typeface="Wingdings" panose="05000000000000000000" pitchFamily="2" charset="2"/>
+              <a:buChar char="Ø"/>
+            </a:pPr>
+            <a:r>
+              <a:rPr lang="de-DE" noProof="1" smtClean="0">
+                <a:latin typeface="Arial" panose="020B0604020202020204" pitchFamily="34" charset="0"/>
+                <a:cs typeface="Arial" panose="020B0604020202020204" pitchFamily="34" charset="0"/>
+              </a:rPr>
+              <a:t>6)	Validation Authority (VA) </a:t>
+            </a:r>
+          </a:p>
+          <a:p>
+            <a:pPr>
+              <a:buClr>
+                <a:schemeClr val="tx1"/>
+              </a:buClr>
+              <a:buFont typeface="Wingdings" panose="05000000000000000000" pitchFamily="2" charset="2"/>
+              <a:buChar char="Ø"/>
+            </a:pPr>
+            <a:r>
+              <a:rPr lang="de-DE" noProof="1" smtClean="0">
+                <a:latin typeface="Arial" panose="020B0604020202020204" pitchFamily="34" charset="0"/>
+                <a:cs typeface="Arial" panose="020B0604020202020204" pitchFamily="34" charset="0"/>
+              </a:rPr>
+              <a:t>7)	</a:t>
+            </a:r>
+            <a:r>
+              <a:rPr lang="en-GB" dirty="0">
+                <a:latin typeface="Arial" panose="020B0604020202020204" pitchFamily="34" charset="0"/>
+                <a:cs typeface="Arial" panose="020B0604020202020204" pitchFamily="34" charset="0"/>
+              </a:rPr>
+              <a:t>Online Certificate Status </a:t>
+            </a:r>
+            <a:r>
+              <a:rPr lang="en-GB" dirty="0" smtClean="0">
+                <a:latin typeface="Arial" panose="020B0604020202020204" pitchFamily="34" charset="0"/>
+                <a:cs typeface="Arial" panose="020B0604020202020204" pitchFamily="34" charset="0"/>
+              </a:rPr>
+              <a:t>Protocol (OCSP)</a:t>
+            </a:r>
+            <a:endParaRPr lang="de-DE" noProof="1">
+              <a:latin typeface="Arial" panose="020B0604020202020204" pitchFamily="34" charset="0"/>
+              <a:cs typeface="Arial" panose="020B0604020202020204" pitchFamily="34" charset="0"/>
+            </a:endParaRPr>
+          </a:p>
+        </p:txBody>
+      </p:sp>
+      <p:pic>
+        <p:nvPicPr>
+          <p:cNvPr id="4" name="Picture 2"/>
+          <p:cNvPicPr>
+            <a:picLocks noChangeAspect="1" noChangeArrowheads="1"/>
+          </p:cNvPicPr>
+          <p:nvPr/>
+        </p:nvPicPr>
+        <p:blipFill>
+          <a:blip r:embed="rId2">
+            <a:extLst>
+              <a:ext uri="{BEBA8EAE-BF5A-486C-A8C5-ECC9F3942E4B}">
+                <a14:imgProps xmlns:a14="http://schemas.microsoft.com/office/drawing/2010/main">
+                  <a14:imgLayer r:embed="rId3">
+                    <a14:imgEffect>
+                      <a14:colorTemperature colorTemp="5900"/>
+                    </a14:imgEffect>
+                    <a14:imgEffect>
+                      <a14:saturation sat="0"/>
+                    </a14:imgEffect>
+                  </a14:imgLayer>
+                </a14:imgProps>
+              </a:ext>
+              <a:ext uri="{28A0092B-C50C-407E-A947-70E740481C1C}">
+                <a14:useLocalDpi xmlns:a14="http://schemas.microsoft.com/office/drawing/2010/main" val="0"/>
+              </a:ext>
+            </a:extLst>
+          </a:blip>
+          <a:srcRect/>
+          <a:stretch>
+            <a:fillRect/>
+          </a:stretch>
+        </p:blipFill>
+        <p:spPr bwMode="auto">
+          <a:xfrm>
+            <a:off x="7588333" y="5966604"/>
+            <a:ext cx="1555667" cy="914400"/>
+          </a:xfrm>
+          <a:prstGeom prst="rect">
+            <a:avLst/>
+          </a:prstGeom>
+          <a:ln>
+            <a:noFill/>
+          </a:ln>
+        </p:spPr>
+      </p:pic>
+      <p:sp>
+        <p:nvSpPr>
+          <p:cNvPr id="6" name="Textfeld 5"/>
+          <p:cNvSpPr txBox="1"/>
+          <p:nvPr/>
+        </p:nvSpPr>
+        <p:spPr>
+          <a:xfrm>
+            <a:off x="10064" y="76200"/>
+            <a:ext cx="9133936" cy="646331"/>
+          </a:xfrm>
+          <a:prstGeom prst="rect">
+            <a:avLst/>
+          </a:prstGeom>
+          <a:noFill/>
+        </p:spPr>
+        <p:txBody>
+          <a:bodyPr wrap="square" rtlCol="0">
+            <a:spAutoFit/>
+          </a:bodyPr>
+          <a:lstStyle/>
+          <a:p>
+            <a:r>
+              <a:rPr lang="en-US" dirty="0" smtClean="0">
+                <a:latin typeface="Arial" panose="020B0604020202020204" pitchFamily="34" charset="0"/>
+                <a:cs typeface="Arial" panose="020B0604020202020204" pitchFamily="34" charset="0"/>
+              </a:rPr>
+              <a:t>FH-Bielefeld 		   </a:t>
+            </a:r>
+            <a:r>
+              <a:rPr lang="en-US" dirty="0" err="1" smtClean="0">
+                <a:latin typeface="Arial" panose="020B0604020202020204" pitchFamily="34" charset="0"/>
+                <a:cs typeface="Arial" panose="020B0604020202020204" pitchFamily="34" charset="0"/>
+              </a:rPr>
+              <a:t>Sommersemester</a:t>
+            </a:r>
+            <a:r>
+              <a:rPr lang="en-US" dirty="0" smtClean="0">
+                <a:latin typeface="Arial" panose="020B0604020202020204" pitchFamily="34" charset="0"/>
+                <a:cs typeface="Arial" panose="020B0604020202020204" pitchFamily="34" charset="0"/>
+              </a:rPr>
+              <a:t> 2015	               PKI: </a:t>
+            </a:r>
+            <a:r>
+              <a:rPr lang="en-GB" dirty="0" err="1" smtClean="0">
+                <a:latin typeface="Arial" panose="020B0604020202020204" pitchFamily="34" charset="0"/>
+                <a:cs typeface="Arial" panose="020B0604020202020204" pitchFamily="34" charset="0"/>
+              </a:rPr>
+              <a:t>Prof.</a:t>
+            </a:r>
+            <a:r>
+              <a:rPr lang="en-GB" spc="-30" dirty="0" smtClean="0">
+                <a:latin typeface="Arial" panose="020B0604020202020204" pitchFamily="34" charset="0"/>
+                <a:cs typeface="Arial" panose="020B0604020202020204" pitchFamily="34" charset="0"/>
+              </a:rPr>
+              <a:t> </a:t>
+            </a:r>
+            <a:r>
+              <a:rPr lang="en-GB" dirty="0" err="1" smtClean="0">
+                <a:latin typeface="Arial" panose="020B0604020202020204" pitchFamily="34" charset="0"/>
+                <a:cs typeface="Arial" panose="020B0604020202020204" pitchFamily="34" charset="0"/>
+              </a:rPr>
+              <a:t>Dr.</a:t>
+            </a:r>
+            <a:r>
+              <a:rPr lang="en-GB" spc="-40" dirty="0" smtClean="0">
+                <a:latin typeface="Arial" panose="020B0604020202020204" pitchFamily="34" charset="0"/>
+                <a:cs typeface="Arial" panose="020B0604020202020204" pitchFamily="34" charset="0"/>
+              </a:rPr>
+              <a:t> </a:t>
+            </a:r>
+            <a:r>
+              <a:rPr lang="en-GB" dirty="0" smtClean="0">
+                <a:latin typeface="Arial" panose="020B0604020202020204" pitchFamily="34" charset="0"/>
+                <a:cs typeface="Arial" panose="020B0604020202020204" pitchFamily="34" charset="0"/>
+              </a:rPr>
+              <a:t>Chr.</a:t>
+            </a:r>
+            <a:r>
+              <a:rPr lang="en-GB" spc="-40" dirty="0" smtClean="0">
+                <a:latin typeface="Arial" panose="020B0604020202020204" pitchFamily="34" charset="0"/>
+                <a:cs typeface="Arial" panose="020B0604020202020204" pitchFamily="34" charset="0"/>
+              </a:rPr>
+              <a:t> </a:t>
+            </a:r>
+            <a:r>
+              <a:rPr lang="en-GB" dirty="0" err="1" smtClean="0">
+                <a:latin typeface="Arial" panose="020B0604020202020204" pitchFamily="34" charset="0"/>
+                <a:cs typeface="Arial" panose="020B0604020202020204" pitchFamily="34" charset="0"/>
+              </a:rPr>
+              <a:t>Thiel</a:t>
+            </a:r>
+            <a:endParaRPr lang="en-GB" dirty="0" smtClean="0">
+              <a:latin typeface="Arial" panose="020B0604020202020204" pitchFamily="34" charset="0"/>
+              <a:cs typeface="Arial" panose="020B0604020202020204" pitchFamily="34" charset="0"/>
+            </a:endParaRPr>
+          </a:p>
+          <a:p>
+            <a:endParaRPr lang="en-GB" dirty="0">
+              <a:latin typeface="Arial" panose="020B0604020202020204" pitchFamily="34" charset="0"/>
+              <a:cs typeface="Arial" panose="020B0604020202020204" pitchFamily="34" charset="0"/>
+            </a:endParaRPr>
+          </a:p>
+        </p:txBody>
+      </p:sp>
     </p:spTree>
     <p:extLst>
       <p:ext uri="{BB962C8B-B14F-4D97-AF65-F5344CB8AC3E}">
@@ -4494,6 +5761,39 @@
           <a:chExt cx="0" cy="0"/>
         </a:xfrm>
       </p:grpSpPr>
+      <p:sp>
+        <p:nvSpPr>
+          <p:cNvPr id="2" name="Titel 1"/>
+          <p:cNvSpPr>
+            <a:spLocks noGrp="1"/>
+          </p:cNvSpPr>
+          <p:nvPr>
+            <p:ph type="title"/>
+          </p:nvPr>
+        </p:nvSpPr>
+        <p:spPr/>
+        <p:txBody>
+          <a:bodyPr/>
+          <a:lstStyle/>
+          <a:p>
+            <a:r>
+              <a:rPr lang="en-US" dirty="0" err="1">
+                <a:solidFill>
+                  <a:schemeClr val="tx1"/>
+                </a:solidFill>
+                <a:latin typeface="Arial" panose="020B0604020202020204" pitchFamily="34" charset="0"/>
+                <a:cs typeface="Arial" panose="020B0604020202020204" pitchFamily="34" charset="0"/>
+              </a:rPr>
+              <a:t>Einführung</a:t>
+            </a:r>
+            <a:endParaRPr lang="en-GB" dirty="0">
+              <a:solidFill>
+                <a:schemeClr val="tx1"/>
+              </a:solidFill>
+            </a:endParaRPr>
+          </a:p>
+        </p:txBody>
+      </p:sp>
       <p:pic>
         <p:nvPicPr>
           <p:cNvPr id="2050" name="Picture 2"/>
@@ -4512,15 +5812,14 @@
               </a:ext>
             </a:extLst>
           </a:blip>
-          <a:srcRect/>
           <a:stretch>
             <a:fillRect/>
           </a:stretch>
         </p:blipFill>
         <p:spPr bwMode="auto">
           <a:xfrm>
-            <a:off x="228600" y="1905000"/>
-            <a:ext cx="7494567" cy="4747404"/>
+            <a:off x="1137344" y="1825625"/>
+            <a:ext cx="6869312" cy="4351338"/>
           </a:xfrm>
           <a:prstGeom prst="rect">
             <a:avLst/>
@@ -4531,39 +5830,6 @@
           </a:ln>
         </p:spPr>
       </p:pic>
-      <p:sp>
-        <p:nvSpPr>
-          <p:cNvPr id="2" name="Titel 1"/>
-          <p:cNvSpPr>
-            <a:spLocks noGrp="1"/>
-          </p:cNvSpPr>
-          <p:nvPr>
-            <p:ph type="title"/>
-          </p:nvPr>
-        </p:nvSpPr>
-        <p:spPr/>
-        <p:txBody>
-          <a:bodyPr/>
-          <a:lstStyle/>
-          <a:p>
-            <a:r>
-              <a:rPr lang="en-US" dirty="0" err="1">
-                <a:solidFill>
-                  <a:schemeClr val="tx1"/>
-                </a:solidFill>
-                <a:latin typeface="Arial" panose="020B0604020202020204" pitchFamily="34" charset="0"/>
-                <a:cs typeface="Arial" panose="020B0604020202020204" pitchFamily="34" charset="0"/>
-              </a:rPr>
-              <a:t>Einführung</a:t>
-            </a:r>
-            <a:endParaRPr lang="en-GB" dirty="0">
-              <a:solidFill>
-                <a:schemeClr val="tx1"/>
-              </a:solidFill>
-            </a:endParaRPr>
-          </a:p>
-        </p:txBody>
-      </p:sp>
       <p:pic>
         <p:nvPicPr>
           <p:cNvPr id="4" name="Picture 2"/>
@@ -4970,14 +6236,14 @@
           <a:lstStyle/>
           <a:p>
             <a:r>
-              <a:rPr lang="en-US" dirty="0" err="1" smtClean="0">
-                <a:solidFill>
-                  <a:schemeClr val="tx1"/>
-                </a:solidFill>
-                <a:latin typeface="Arial" panose="020B0604020202020204" pitchFamily="34" charset="0"/>
-                <a:cs typeface="Arial" panose="020B0604020202020204" pitchFamily="34" charset="0"/>
-              </a:rPr>
-              <a:t>Registrierung</a:t>
+              <a:rPr lang="en-US" dirty="0" smtClean="0">
+                <a:solidFill>
+                  <a:schemeClr val="tx1"/>
+                </a:solidFill>
+                <a:latin typeface="Arial" panose="020B0604020202020204" pitchFamily="34" charset="0"/>
+                <a:cs typeface="Arial" panose="020B0604020202020204" pitchFamily="34" charset="0"/>
+              </a:rPr>
+              <a:t>Registration Authority (RA)</a:t>
             </a:r>
             <a:endParaRPr lang="en-GB" dirty="0">
               <a:solidFill>
@@ -5340,6 +6606,93 @@
           </a:p>
         </p:txBody>
       </p:sp>
+      <p:sp>
+        <p:nvSpPr>
+          <p:cNvPr id="3" name="Textfeld 2"/>
+          <p:cNvSpPr txBox="1"/>
+          <p:nvPr/>
+        </p:nvSpPr>
+        <p:spPr>
+          <a:xfrm>
+            <a:off x="685800" y="1524000"/>
+            <a:ext cx="6705600" cy="2400657"/>
+          </a:xfrm>
+          <a:prstGeom prst="rect">
+            <a:avLst/>
+          </a:prstGeom>
+          <a:noFill/>
+        </p:spPr>
+        <p:txBody>
+          <a:bodyPr wrap="square" rtlCol="0">
+            <a:spAutoFit/>
+          </a:bodyPr>
+          <a:lstStyle/>
+          <a:p>
+            <a:pPr marL="285750" indent="-285750">
+              <a:spcBef>
+                <a:spcPts val="1200"/>
+              </a:spcBef>
+              <a:spcAft>
+                <a:spcPts val="1200"/>
+              </a:spcAft>
+              <a:buFontTx/>
+              <a:buChar char="-"/>
+            </a:pPr>
+            <a:r>
+              <a:rPr lang="de-DE" dirty="0" smtClean="0"/>
+              <a:t>Dienststelle für Anfragenerstellung digitaler Zertifikate</a:t>
+            </a:r>
+          </a:p>
+          <a:p>
+            <a:pPr marL="285750" indent="-285750">
+              <a:spcBef>
+                <a:spcPts val="1200"/>
+              </a:spcBef>
+              <a:spcAft>
+                <a:spcPts val="1200"/>
+              </a:spcAft>
+              <a:buFontTx/>
+              <a:buChar char="-"/>
+            </a:pPr>
+            <a:r>
+              <a:rPr lang="de-DE" dirty="0" smtClean="0"/>
+              <a:t>Prüft die Richtigkeit der Eingabedaten</a:t>
+            </a:r>
+          </a:p>
+          <a:p>
+            <a:pPr marL="285750" indent="-285750">
+              <a:spcBef>
+                <a:spcPts val="1200"/>
+              </a:spcBef>
+              <a:spcAft>
+                <a:spcPts val="1200"/>
+              </a:spcAft>
+              <a:buFontTx/>
+              <a:buChar char="-"/>
+            </a:pPr>
+            <a:r>
+              <a:rPr lang="de-DE" dirty="0" smtClean="0"/>
+              <a:t>Genehmigt den Zertifizierungsantrag</a:t>
+            </a:r>
+          </a:p>
+          <a:p>
+            <a:pPr marL="285750" indent="-285750">
+              <a:spcBef>
+                <a:spcPts val="1200"/>
+              </a:spcBef>
+              <a:spcAft>
+                <a:spcPts val="1200"/>
+              </a:spcAft>
+              <a:buFontTx/>
+              <a:buChar char="-"/>
+            </a:pPr>
+            <a:r>
+              <a:rPr lang="de-DE" dirty="0" smtClean="0"/>
+              <a:t>Zertifizierungsstelle signiert nach erfolgreicher  Genehmigung den Antrag</a:t>
+            </a:r>
+          </a:p>
+        </p:txBody>
+      </p:sp>
     </p:spTree>
     <p:extLst>
       <p:ext uri="{BB962C8B-B14F-4D97-AF65-F5344CB8AC3E}">
@@ -5386,14 +6739,18 @@
           <a:lstStyle/>
           <a:p>
             <a:r>
-              <a:rPr lang="en-US" dirty="0" err="1" smtClean="0">
-                <a:solidFill>
-                  <a:schemeClr val="tx1"/>
-                </a:solidFill>
-                <a:latin typeface="Arial" panose="020B0604020202020204" pitchFamily="34" charset="0"/>
-                <a:cs typeface="Arial" panose="020B0604020202020204" pitchFamily="34" charset="0"/>
-              </a:rPr>
-              <a:t>Validierung</a:t>
+              <a:rPr lang="en-US" dirty="0">
+                <a:latin typeface="Arial" panose="020B0604020202020204" pitchFamily="34" charset="0"/>
+                <a:cs typeface="Arial" panose="020B0604020202020204" pitchFamily="34" charset="0"/>
+              </a:rPr>
+              <a:t>Registration </a:t>
+            </a:r>
+            <a:r>
+              <a:rPr lang="en-US" dirty="0" smtClean="0">
+                <a:latin typeface="Arial" panose="020B0604020202020204" pitchFamily="34" charset="0"/>
+                <a:cs typeface="Arial" panose="020B0604020202020204" pitchFamily="34" charset="0"/>
+              </a:rPr>
+              <a:t>Authority (RA)</a:t>
             </a:r>
             <a:endParaRPr lang="en-GB" dirty="0">
               <a:solidFill>
@@ -5756,10 +7113,72 @@
           </a:p>
         </p:txBody>
       </p:sp>
+      <p:sp>
+        <p:nvSpPr>
+          <p:cNvPr id="3" name="Textfeld 2"/>
+          <p:cNvSpPr txBox="1"/>
+          <p:nvPr/>
+        </p:nvSpPr>
+        <p:spPr>
+          <a:xfrm>
+            <a:off x="685800" y="1524000"/>
+            <a:ext cx="6705600" cy="369332"/>
+          </a:xfrm>
+          <a:prstGeom prst="rect">
+            <a:avLst/>
+          </a:prstGeom>
+          <a:noFill/>
+        </p:spPr>
+        <p:txBody>
+          <a:bodyPr wrap="square" rtlCol="0">
+            <a:spAutoFit/>
+          </a:bodyPr>
+          <a:lstStyle/>
+          <a:p>
+            <a:pPr marL="285750" indent="-285750">
+              <a:buFontTx/>
+              <a:buChar char="-"/>
+            </a:pPr>
+            <a:r>
+              <a:rPr lang="de-DE" dirty="0" smtClean="0"/>
+              <a:t>Anfragenerstellung / Website-Formular:</a:t>
+            </a:r>
+          </a:p>
+        </p:txBody>
+      </p:sp>
+      <p:pic>
+        <p:nvPicPr>
+          <p:cNvPr id="8" name="Grafik 7"/>
+          <p:cNvPicPr>
+            <a:picLocks noChangeAspect="1"/>
+          </p:cNvPicPr>
+          <p:nvPr/>
+        </p:nvPicPr>
+        <p:blipFill rotWithShape="1">
+          <a:blip r:embed="rId4">
+            <a:extLst>
+              <a:ext uri="{28A0092B-C50C-407E-A947-70E740481C1C}">
+                <a14:useLocalDpi xmlns:a14="http://schemas.microsoft.com/office/drawing/2010/main" val="0"/>
+              </a:ext>
+            </a:extLst>
+          </a:blip>
+          <a:srcRect r="9647"/>
+          <a:stretch/>
+        </p:blipFill>
+        <p:spPr>
+          <a:xfrm>
+            <a:off x="1043050" y="1893332"/>
+            <a:ext cx="2819400" cy="4447395"/>
+          </a:xfrm>
+          <a:prstGeom prst="rect">
+            <a:avLst/>
+          </a:prstGeom>
+        </p:spPr>
+      </p:pic>
     </p:spTree>
     <p:extLst>
       <p:ext uri="{BB962C8B-B14F-4D97-AF65-F5344CB8AC3E}">
-        <p14:creationId xmlns:p14="http://schemas.microsoft.com/office/powerpoint/2010/main" val="2334749360"/>
+        <p14:creationId xmlns:p14="http://schemas.microsoft.com/office/powerpoint/2010/main" val="1180047348"/>
       </p:ext>
     </p:extLst>
   </p:cSld>
@@ -5796,20 +7215,50 @@
             <p:ph type="title"/>
           </p:nvPr>
         </p:nvSpPr>
-        <p:spPr/>
+        <p:spPr>
+          <a:xfrm>
+            <a:off x="633682" y="212149"/>
+            <a:ext cx="7886700" cy="1325563"/>
+          </a:xfrm>
+        </p:spPr>
         <p:txBody>
           <a:bodyPr/>
           <a:lstStyle/>
           <a:p>
             <a:r>
+              <a:rPr lang="en-US" dirty="0" err="1" smtClean="0">
+                <a:latin typeface="Arial" panose="020B0604020202020204" pitchFamily="34" charset="0"/>
+                <a:cs typeface="Arial" panose="020B0604020202020204" pitchFamily="34" charset="0"/>
+              </a:rPr>
+              <a:t>Struktur</a:t>
+            </a:r>
+            <a:r>
               <a:rPr lang="en-US" dirty="0" smtClean="0">
-                <a:solidFill>
-                  <a:schemeClr val="tx1"/>
-                </a:solidFill>
-                <a:latin typeface="Arial" panose="020B0604020202020204" pitchFamily="34" charset="0"/>
-                <a:cs typeface="Arial" panose="020B0604020202020204" pitchFamily="34" charset="0"/>
-              </a:rPr>
-              <a:t>Request</a:t>
+                <a:latin typeface="Arial" panose="020B0604020202020204" pitchFamily="34" charset="0"/>
+                <a:cs typeface="Arial" panose="020B0604020202020204" pitchFamily="34" charset="0"/>
+              </a:rPr>
+              <a:t> </a:t>
+            </a:r>
+            <a:r>
+              <a:rPr lang="en-US" dirty="0" err="1" smtClean="0">
+                <a:latin typeface="Arial" panose="020B0604020202020204" pitchFamily="34" charset="0"/>
+                <a:cs typeface="Arial" panose="020B0604020202020204" pitchFamily="34" charset="0"/>
+              </a:rPr>
+              <a:t>eines</a:t>
+            </a:r>
+            <a:r>
+              <a:rPr lang="en-US" dirty="0" smtClean="0">
+                <a:latin typeface="Arial" panose="020B0604020202020204" pitchFamily="34" charset="0"/>
+                <a:cs typeface="Arial" panose="020B0604020202020204" pitchFamily="34" charset="0"/>
+              </a:rPr>
+              <a:t> X509 v3. </a:t>
+            </a:r>
+            <a:r>
+              <a:rPr lang="en-US" dirty="0" err="1" smtClean="0">
+                <a:latin typeface="Arial" panose="020B0604020202020204" pitchFamily="34" charset="0"/>
+                <a:cs typeface="Arial" panose="020B0604020202020204" pitchFamily="34" charset="0"/>
+              </a:rPr>
+              <a:t>Zertifikats</a:t>
             </a:r>
             <a:endParaRPr lang="en-GB" dirty="0">
               <a:solidFill>
@@ -6172,10 +7621,285 @@
           </a:p>
         </p:txBody>
       </p:sp>
+      <p:sp>
+        <p:nvSpPr>
+          <p:cNvPr id="3" name="Textfeld 2"/>
+          <p:cNvSpPr txBox="1"/>
+          <p:nvPr/>
+        </p:nvSpPr>
+        <p:spPr>
+          <a:xfrm>
+            <a:off x="642391" y="1143000"/>
+            <a:ext cx="6705600" cy="6186309"/>
+          </a:xfrm>
+          <a:prstGeom prst="rect">
+            <a:avLst/>
+          </a:prstGeom>
+          <a:noFill/>
+        </p:spPr>
+        <p:txBody>
+          <a:bodyPr wrap="square" rtlCol="0">
+            <a:spAutoFit/>
+          </a:bodyPr>
+          <a:lstStyle/>
+          <a:p>
+            <a:pPr marL="285750" indent="-285750">
+              <a:buFontTx/>
+              <a:buChar char="-"/>
+            </a:pPr>
+            <a:r>
+              <a:rPr lang="de-DE" dirty="0" smtClean="0"/>
+              <a:t>Version</a:t>
+            </a:r>
+          </a:p>
+          <a:p>
+            <a:pPr marL="285750" indent="-285750">
+              <a:buFontTx/>
+              <a:buChar char="-"/>
+            </a:pPr>
+            <a:r>
+              <a:rPr lang="de-DE" dirty="0" smtClean="0"/>
+              <a:t>Seriennummer</a:t>
+            </a:r>
+            <a:endParaRPr lang="de-DE" dirty="0"/>
+          </a:p>
+          <a:p>
+            <a:pPr marL="285750" indent="-285750">
+              <a:buFontTx/>
+              <a:buChar char="-"/>
+            </a:pPr>
+            <a:r>
+              <a:rPr lang="de-DE" dirty="0" smtClean="0"/>
+              <a:t>Algorithmen-ID</a:t>
+            </a:r>
+            <a:endParaRPr lang="de-DE" dirty="0"/>
+          </a:p>
+          <a:p>
+            <a:pPr marL="285750" indent="-285750">
+              <a:buFontTx/>
+              <a:buChar char="-"/>
+            </a:pPr>
+            <a:r>
+              <a:rPr lang="de-DE" dirty="0" smtClean="0"/>
+              <a:t>Aussteller</a:t>
+            </a:r>
+            <a:endParaRPr lang="de-DE" dirty="0"/>
+          </a:p>
+          <a:p>
+            <a:pPr marL="742950" lvl="1" indent="-285750">
+              <a:buFontTx/>
+              <a:buChar char="-"/>
+            </a:pPr>
+            <a:r>
+              <a:rPr lang="de-DE" dirty="0" smtClean="0"/>
+              <a:t>Land/Region</a:t>
+            </a:r>
+            <a:endParaRPr lang="de-DE" dirty="0"/>
+          </a:p>
+          <a:p>
+            <a:pPr marL="742950" lvl="1" indent="-285750">
+              <a:buFontTx/>
+              <a:buChar char="-"/>
+            </a:pPr>
+            <a:r>
+              <a:rPr lang="de-DE" dirty="0" smtClean="0"/>
+              <a:t>Bundesland/Kanton</a:t>
+            </a:r>
+            <a:endParaRPr lang="de-DE" dirty="0"/>
+          </a:p>
+          <a:p>
+            <a:pPr marL="742950" lvl="1" indent="-285750">
+              <a:buFontTx/>
+              <a:buChar char="-"/>
+            </a:pPr>
+            <a:r>
+              <a:rPr lang="de-DE" dirty="0" smtClean="0"/>
+              <a:t>Ort</a:t>
+            </a:r>
+            <a:endParaRPr lang="de-DE" dirty="0"/>
+          </a:p>
+          <a:p>
+            <a:pPr marL="742950" lvl="1" indent="-285750">
+              <a:buFontTx/>
+              <a:buChar char="-"/>
+            </a:pPr>
+            <a:r>
+              <a:rPr lang="de-DE" dirty="0" smtClean="0"/>
+              <a:t>Organisationseinheit</a:t>
+            </a:r>
+            <a:endParaRPr lang="de-DE" dirty="0"/>
+          </a:p>
+          <a:p>
+            <a:pPr marL="742950" lvl="1" indent="-285750">
+              <a:buFontTx/>
+              <a:buChar char="-"/>
+            </a:pPr>
+            <a:r>
+              <a:rPr lang="de-DE" dirty="0" smtClean="0"/>
+              <a:t>Organisation</a:t>
+            </a:r>
+            <a:endParaRPr lang="de-DE" dirty="0"/>
+          </a:p>
+          <a:p>
+            <a:pPr marL="742950" lvl="1" indent="-285750">
+              <a:buFontTx/>
+              <a:buChar char="-"/>
+            </a:pPr>
+            <a:r>
+              <a:rPr lang="de-DE" dirty="0" smtClean="0"/>
+              <a:t>Gemeinsamer Name</a:t>
+            </a:r>
+          </a:p>
+          <a:p>
+            <a:pPr marL="285750" indent="-285750">
+              <a:buFontTx/>
+              <a:buChar char="-"/>
+            </a:pPr>
+            <a:r>
+              <a:rPr lang="de-DE" dirty="0" smtClean="0"/>
+              <a:t>Gültigkeit (von, bis)</a:t>
+            </a:r>
+            <a:endParaRPr lang="de-DE" dirty="0"/>
+          </a:p>
+          <a:p>
+            <a:pPr marL="285750" indent="-285750">
+              <a:buFontTx/>
+              <a:buChar char="-"/>
+            </a:pPr>
+            <a:r>
+              <a:rPr lang="de-DE" dirty="0" smtClean="0"/>
+              <a:t>Zertifikatinhaber</a:t>
+            </a:r>
+            <a:endParaRPr lang="de-DE" dirty="0"/>
+          </a:p>
+          <a:p>
+            <a:pPr marL="285750" indent="-285750">
+              <a:buFontTx/>
+              <a:buChar char="-"/>
+            </a:pPr>
+            <a:r>
+              <a:rPr lang="de-DE" dirty="0" smtClean="0"/>
+              <a:t>Zertifikatinhaber-Schlüsselinformationen</a:t>
+            </a:r>
+            <a:endParaRPr lang="de-DE" dirty="0"/>
+          </a:p>
+          <a:p>
+            <a:pPr marL="742950" lvl="1" indent="-285750">
+              <a:buFontTx/>
+              <a:buChar char="-"/>
+            </a:pPr>
+            <a:r>
+              <a:rPr lang="de-DE" dirty="0" smtClean="0"/>
+              <a:t>Public-Key-Algorithmus</a:t>
+            </a:r>
+            <a:endParaRPr lang="de-DE" dirty="0"/>
+          </a:p>
+          <a:p>
+            <a:pPr marL="742950" lvl="1" indent="-285750">
+              <a:buFontTx/>
+              <a:buChar char="-"/>
+            </a:pPr>
+            <a:r>
+              <a:rPr lang="de-DE" dirty="0" smtClean="0"/>
+              <a:t>Public </a:t>
+            </a:r>
+            <a:r>
+              <a:rPr lang="de-DE" dirty="0"/>
+              <a:t>Key des </a:t>
+            </a:r>
+            <a:r>
+              <a:rPr lang="de-DE" dirty="0" smtClean="0"/>
+              <a:t>Zertifikatinhabers</a:t>
+            </a:r>
+          </a:p>
+          <a:p>
+            <a:pPr marL="285750" indent="-285750">
+              <a:buFontTx/>
+              <a:buChar char="-"/>
+            </a:pPr>
+            <a:r>
+              <a:rPr lang="de-DE" dirty="0" smtClean="0"/>
+              <a:t>Eindeutige </a:t>
+            </a:r>
+            <a:r>
+              <a:rPr lang="de-DE" dirty="0"/>
+              <a:t>ID des Ausstellers (</a:t>
+            </a:r>
+            <a:r>
+              <a:rPr lang="de-DE" dirty="0" smtClean="0"/>
+              <a:t>optional)</a:t>
+            </a:r>
+          </a:p>
+          <a:p>
+            <a:pPr marL="285750" indent="-285750">
+              <a:buFontTx/>
+              <a:buChar char="-"/>
+            </a:pPr>
+            <a:r>
+              <a:rPr lang="de-DE" dirty="0" smtClean="0"/>
+              <a:t>Eindeutige </a:t>
+            </a:r>
+            <a:r>
+              <a:rPr lang="de-DE" dirty="0"/>
+              <a:t>ID des Inhabers (</a:t>
+            </a:r>
+            <a:r>
+              <a:rPr lang="de-DE" dirty="0" smtClean="0"/>
+              <a:t>optional)</a:t>
+            </a:r>
+          </a:p>
+          <a:p>
+            <a:pPr marL="285750" indent="-285750">
+              <a:buFontTx/>
+              <a:buChar char="-"/>
+            </a:pPr>
+            <a:r>
+              <a:rPr lang="de-DE" dirty="0" smtClean="0"/>
+              <a:t>Erweiterungen</a:t>
+            </a:r>
+          </a:p>
+          <a:p>
+            <a:pPr marL="285750" indent="-285750">
+              <a:buFontTx/>
+              <a:buChar char="-"/>
+            </a:pPr>
+            <a:r>
+              <a:rPr lang="de-DE" dirty="0" smtClean="0"/>
+              <a:t>Zertifikat-Signaturalgorithmus</a:t>
+            </a:r>
+            <a:endParaRPr lang="de-DE" dirty="0"/>
+          </a:p>
+          <a:p>
+            <a:pPr marL="285750" indent="-285750">
+              <a:buFontTx/>
+              <a:buChar char="-"/>
+            </a:pPr>
+            <a:r>
+              <a:rPr lang="de-DE" dirty="0" smtClean="0"/>
+              <a:t>Zertifikat-Signatur</a:t>
+            </a:r>
+            <a:endParaRPr lang="de-DE" dirty="0"/>
+          </a:p>
+          <a:p>
+            <a:pPr marL="285750" indent="-285750">
+              <a:buFontTx/>
+              <a:buChar char="-"/>
+            </a:pPr>
+            <a:endParaRPr lang="de-DE" dirty="0"/>
+          </a:p>
+          <a:p>
+            <a:pPr marL="285750" indent="-285750">
+              <a:buFontTx/>
+              <a:buChar char="-"/>
+            </a:pPr>
+            <a:endParaRPr lang="de-DE" dirty="0" smtClean="0"/>
+          </a:p>
+        </p:txBody>
+      </p:sp>
     </p:spTree>
     <p:extLst>
       <p:ext uri="{BB962C8B-B14F-4D97-AF65-F5344CB8AC3E}">
-        <p14:creationId xmlns:p14="http://schemas.microsoft.com/office/powerpoint/2010/main" val="2334749360"/>
+        <p14:creationId xmlns:p14="http://schemas.microsoft.com/office/powerpoint/2010/main" val="139507492"/>
       </p:ext>
     </p:extLst>
   </p:cSld>
@@ -6218,24 +7942,8 @@
           <a:lstStyle/>
           <a:p>
             <a:r>
-              <a:rPr lang="en-US" dirty="0" err="1" smtClean="0">
-                <a:solidFill>
-                  <a:schemeClr val="tx1"/>
-                </a:solidFill>
-                <a:latin typeface="Arial" panose="020B0604020202020204" pitchFamily="34" charset="0"/>
-                <a:cs typeface="Arial" panose="020B0604020202020204" pitchFamily="34" charset="0"/>
-              </a:rPr>
-              <a:t>Datenbanken</a:t>
-            </a:r>
-            <a:r>
-              <a:rPr lang="en-US" dirty="0" smtClean="0">
-                <a:solidFill>
-                  <a:schemeClr val="tx1"/>
-                </a:solidFill>
-                <a:latin typeface="Arial" panose="020B0604020202020204" pitchFamily="34" charset="0"/>
-                <a:cs typeface="Arial" panose="020B0604020202020204" pitchFamily="34" charset="0"/>
-              </a:rPr>
-              <a:t> I </a:t>
+              <a:rPr lang="de-DE" b="1" dirty="0" smtClean="0"/>
+              <a:t>Validation Authority (VA)</a:t>
             </a:r>
             <a:endParaRPr lang="en-GB" dirty="0">
               <a:solidFill>
@@ -6598,6 +8306,124 @@
           </a:p>
         </p:txBody>
       </p:sp>
+      <p:sp>
+        <p:nvSpPr>
+          <p:cNvPr id="3" name="Textfeld 2"/>
+          <p:cNvSpPr txBox="1"/>
+          <p:nvPr/>
+        </p:nvSpPr>
+        <p:spPr>
+          <a:xfrm>
+            <a:off x="628650" y="1503488"/>
+            <a:ext cx="5772150" cy="3693319"/>
+          </a:xfrm>
+          <a:prstGeom prst="rect">
+            <a:avLst/>
+          </a:prstGeom>
+          <a:noFill/>
+        </p:spPr>
+        <p:txBody>
+          <a:bodyPr wrap="square" rtlCol="0">
+            <a:spAutoFit/>
+          </a:bodyPr>
+          <a:lstStyle/>
+          <a:p>
+            <a:pPr marL="285750" indent="-285750">
+              <a:buFontTx/>
+              <a:buChar char="-"/>
+            </a:pPr>
+            <a:r>
+              <a:rPr lang="de-DE" dirty="0" smtClean="0"/>
+              <a:t>Service zur Validierung von Zertifizierungsanträgen</a:t>
+            </a:r>
+          </a:p>
+          <a:p>
+            <a:pPr marL="285750" indent="-285750">
+              <a:buFontTx/>
+              <a:buChar char="-"/>
+            </a:pPr>
+            <a:endParaRPr lang="de-DE" dirty="0"/>
+          </a:p>
+          <a:p>
+            <a:pPr marL="285750" indent="-285750">
+              <a:buFontTx/>
+              <a:buChar char="-"/>
+            </a:pPr>
+            <a:r>
+              <a:rPr lang="de-DE" dirty="0" smtClean="0"/>
+              <a:t> Validierungswege:</a:t>
+            </a:r>
+          </a:p>
+          <a:p>
+            <a:pPr marL="742950" lvl="1" indent="-285750">
+              <a:buFontTx/>
+              <a:buChar char="-"/>
+            </a:pPr>
+            <a:r>
+              <a:rPr lang="de-DE" dirty="0" smtClean="0"/>
+              <a:t>OCSP</a:t>
+            </a:r>
+          </a:p>
+          <a:p>
+            <a:pPr marL="742950" lvl="1" indent="-285750">
+              <a:buFontTx/>
+              <a:buChar char="-"/>
+            </a:pPr>
+            <a:r>
+              <a:rPr lang="de-DE" dirty="0" smtClean="0"/>
+              <a:t>CRL</a:t>
+            </a:r>
+          </a:p>
+          <a:p>
+            <a:pPr marL="285750" indent="-285750">
+              <a:buFontTx/>
+              <a:buChar char="-"/>
+            </a:pPr>
+            <a:endParaRPr lang="de-DE" dirty="0" smtClean="0"/>
+          </a:p>
+          <a:p>
+            <a:pPr marL="285750" indent="-285750">
+              <a:buFontTx/>
+              <a:buChar char="-"/>
+            </a:pPr>
+            <a:r>
+              <a:rPr lang="de-DE" dirty="0" smtClean="0"/>
+              <a:t>Zertifikat in Sperrliste -&gt; Zertifikat gesperrt</a:t>
+            </a:r>
+          </a:p>
+          <a:p>
+            <a:endParaRPr lang="de-DE" dirty="0" smtClean="0"/>
+          </a:p>
+          <a:p>
+            <a:pPr marL="285750" indent="-285750">
+              <a:buFontTx/>
+              <a:buChar char="-"/>
+            </a:pPr>
+            <a:r>
+              <a:rPr lang="de-DE" dirty="0" smtClean="0"/>
+              <a:t>Zertifikat nicht in Sperrliste-&gt; Zertifikat</a:t>
+            </a:r>
+          </a:p>
+          <a:p>
+            <a:endParaRPr lang="de-DE" dirty="0" smtClean="0"/>
+          </a:p>
+          <a:p>
+            <a:pPr marL="285750" indent="-285750">
+              <a:buFontTx/>
+              <a:buChar char="-"/>
+            </a:pPr>
+            <a:r>
+              <a:rPr lang="de-DE" dirty="0" smtClean="0"/>
+              <a:t>Häufigkeit der Aktualisierung der Sperrliste beeinflusst die Sicherheit und Genauigkeit der Validierung</a:t>
+            </a:r>
+            <a:endParaRPr lang="de-DE" dirty="0"/>
+          </a:p>
+          <a:p>
+            <a:pPr lvl="1"/>
+            <a:endParaRPr lang="de-DE" dirty="0" smtClean="0"/>
+          </a:p>
+        </p:txBody>
+      </p:sp>
     </p:spTree>
     <p:extLst>
       <p:ext uri="{BB962C8B-B14F-4D97-AF65-F5344CB8AC3E}">
@@ -6638,77 +8464,14 @@
             <p:ph type="title"/>
           </p:nvPr>
         </p:nvSpPr>
-        <p:spPr>
-          <a:xfrm>
-            <a:off x="381000" y="533400"/>
-            <a:ext cx="8229600" cy="1143000"/>
-          </a:xfrm>
-        </p:spPr>
-        <p:txBody>
-          <a:bodyPr>
-            <a:normAutofit fontScale="90000"/>
-          </a:bodyPr>
+        <p:spPr/>
+        <p:txBody>
+          <a:bodyPr/>
           <a:lstStyle/>
           <a:p>
             <a:r>
-              <a:rPr lang="en-US" dirty="0" err="1" smtClean="0">
-                <a:solidFill>
-                  <a:schemeClr val="tx1"/>
-                </a:solidFill>
-                <a:latin typeface="Arial" panose="020B0604020202020204" pitchFamily="34" charset="0"/>
-                <a:cs typeface="Arial" panose="020B0604020202020204" pitchFamily="34" charset="0"/>
-              </a:rPr>
-              <a:t>Datenbanken</a:t>
-            </a:r>
-            <a:r>
-              <a:rPr lang="en-US" dirty="0" smtClean="0">
-                <a:solidFill>
-                  <a:schemeClr val="tx1"/>
-                </a:solidFill>
-                <a:latin typeface="Arial" panose="020B0604020202020204" pitchFamily="34" charset="0"/>
-                <a:cs typeface="Arial" panose="020B0604020202020204" pitchFamily="34" charset="0"/>
-              </a:rPr>
-              <a:t> II – </a:t>
-            </a:r>
-            <a:r>
-              <a:rPr lang="en-US" dirty="0" err="1" smtClean="0">
-                <a:solidFill>
-                  <a:schemeClr val="tx1"/>
-                </a:solidFill>
-                <a:latin typeface="Arial" panose="020B0604020202020204" pitchFamily="34" charset="0"/>
-                <a:cs typeface="Arial" panose="020B0604020202020204" pitchFamily="34" charset="0"/>
-              </a:rPr>
-              <a:t>Schnittstellen</a:t>
-            </a:r>
-            <a:r>
-              <a:rPr lang="en-US" dirty="0" smtClean="0">
-                <a:solidFill>
-                  <a:schemeClr val="tx1"/>
-                </a:solidFill>
-                <a:latin typeface="Arial" panose="020B0604020202020204" pitchFamily="34" charset="0"/>
-                <a:cs typeface="Arial" panose="020B0604020202020204" pitchFamily="34" charset="0"/>
-              </a:rPr>
-              <a:t> </a:t>
-            </a:r>
-            <a:r>
-              <a:rPr lang="en-US" dirty="0" err="1" smtClean="0">
-                <a:solidFill>
-                  <a:schemeClr val="tx1"/>
-                </a:solidFill>
-                <a:latin typeface="Arial" panose="020B0604020202020204" pitchFamily="34" charset="0"/>
-                <a:cs typeface="Arial" panose="020B0604020202020204" pitchFamily="34" charset="0"/>
-              </a:rPr>
-              <a:t>zur</a:t>
-            </a:r>
-            <a:r>
-              <a:rPr lang="en-US" dirty="0" smtClean="0">
-                <a:solidFill>
-                  <a:schemeClr val="tx1"/>
-                </a:solidFill>
-                <a:latin typeface="Arial" panose="020B0604020202020204" pitchFamily="34" charset="0"/>
-                <a:cs typeface="Arial" panose="020B0604020202020204" pitchFamily="34" charset="0"/>
-              </a:rPr>
-              <a:t> CA</a:t>
+              <a:rPr lang="de-DE" b="1" dirty="0" smtClean="0"/>
+              <a:t>Validation Authority (VA)</a:t>
             </a:r>
             <a:endParaRPr lang="en-GB" dirty="0">
               <a:solidFill>
@@ -7071,10 +8834,80 @@
           </a:p>
         </p:txBody>
       </p:sp>
+      <p:pic>
+        <p:nvPicPr>
+          <p:cNvPr id="5" name="Grafik 4"/>
+          <p:cNvPicPr>
+            <a:picLocks noChangeAspect="1"/>
+          </p:cNvPicPr>
+          <p:nvPr/>
+        </p:nvPicPr>
+        <p:blipFill>
+          <a:blip r:embed="rId4">
+            <a:extLst>
+              <a:ext uri="{28A0092B-C50C-407E-A947-70E740481C1C}">
+                <a14:useLocalDpi xmlns:a14="http://schemas.microsoft.com/office/drawing/2010/main" val="0"/>
+              </a:ext>
+            </a:extLst>
+          </a:blip>
+          <a:stretch>
+            <a:fillRect/>
+          </a:stretch>
+        </p:blipFill>
+        <p:spPr>
+          <a:xfrm>
+            <a:off x="628650" y="2182304"/>
+            <a:ext cx="2911674" cy="731896"/>
+          </a:xfrm>
+          <a:prstGeom prst="rect">
+            <a:avLst/>
+          </a:prstGeom>
+        </p:spPr>
+      </p:pic>
+      <p:sp>
+        <p:nvSpPr>
+          <p:cNvPr id="8" name="Textfeld 7"/>
+          <p:cNvSpPr txBox="1"/>
+          <p:nvPr/>
+        </p:nvSpPr>
+        <p:spPr>
+          <a:xfrm>
+            <a:off x="628650" y="3251283"/>
+            <a:ext cx="5772150" cy="923330"/>
+          </a:xfrm>
+          <a:prstGeom prst="rect">
+            <a:avLst/>
+          </a:prstGeom>
+          <a:noFill/>
+        </p:spPr>
+        <p:txBody>
+          <a:bodyPr wrap="square" rtlCol="0">
+            <a:spAutoFit/>
+          </a:bodyPr>
+          <a:lstStyle/>
+          <a:p>
+            <a:pPr marL="285750" indent="-285750">
+              <a:buFontTx/>
+              <a:buChar char="-"/>
+            </a:pPr>
+            <a:r>
+              <a:rPr lang="de-DE" dirty="0" smtClean="0"/>
+              <a:t>Zur Simulation einer Validierung wird in diesem Projekt das Zertifikat manuell freigegeben oder abgewiesen</a:t>
+            </a:r>
+          </a:p>
+          <a:p>
+            <a:pPr marL="285750" indent="-285750">
+              <a:buFontTx/>
+              <a:buChar char="-"/>
+            </a:pPr>
+            <a:endParaRPr lang="de-DE" dirty="0"/>
+          </a:p>
+        </p:txBody>
+      </p:sp>
     </p:spTree>
     <p:extLst>
       <p:ext uri="{BB962C8B-B14F-4D97-AF65-F5344CB8AC3E}">
-        <p14:creationId xmlns:p14="http://schemas.microsoft.com/office/powerpoint/2010/main" val="2779251827"/>
+        <p14:creationId xmlns:p14="http://schemas.microsoft.com/office/powerpoint/2010/main" val="134812526"/>
       </p:ext>
     </p:extLst>
   </p:cSld>
@@ -7114,7 +8947,7 @@
         <p:spPr>
           <a:xfrm>
             <a:off x="381000" y="533400"/>
-            <a:ext cx="8229600" cy="1143000"/>
+            <a:ext cx="8229600" cy="838200"/>
           </a:xfrm>
         </p:spPr>
         <p:txBody>
@@ -7124,6 +8957,50 @@
           <a:lstStyle/>
           <a:p>
             <a:r>
+              <a:rPr lang="en-GB" dirty="0" smtClean="0">
+                <a:solidFill>
+                  <a:schemeClr val="tx1"/>
+                </a:solidFill>
+                <a:latin typeface="Arial" panose="020B0604020202020204" pitchFamily="34" charset="0"/>
+                <a:cs typeface="Arial" panose="020B0604020202020204" pitchFamily="34" charset="0"/>
+              </a:rPr>
+              <a:t>Online </a:t>
+            </a:r>
+            <a:r>
+              <a:rPr lang="en-GB" dirty="0">
+                <a:solidFill>
+                  <a:schemeClr val="tx1"/>
+                </a:solidFill>
+                <a:latin typeface="Arial" panose="020B0604020202020204" pitchFamily="34" charset="0"/>
+                <a:cs typeface="Arial" panose="020B0604020202020204" pitchFamily="34" charset="0"/>
+              </a:rPr>
+              <a:t>Certificate Status </a:t>
+            </a:r>
+            <a:r>
+              <a:rPr lang="en-GB" dirty="0" smtClean="0">
+                <a:solidFill>
+                  <a:schemeClr val="tx1"/>
+                </a:solidFill>
+                <a:latin typeface="Arial" panose="020B0604020202020204" pitchFamily="34" charset="0"/>
+                <a:cs typeface="Arial" panose="020B0604020202020204" pitchFamily="34" charset="0"/>
+              </a:rPr>
+              <a:t>Protocol</a:t>
+            </a:r>
+            <a:r>
+              <a:rPr lang="de-DE" noProof="1">
+                <a:latin typeface="Arial" panose="020B0604020202020204" pitchFamily="34" charset="0"/>
+                <a:cs typeface="Arial" panose="020B0604020202020204" pitchFamily="34" charset="0"/>
+              </a:rPr>
+              <a:t> </a:t>
+            </a:r>
+            <a:r>
+              <a:rPr lang="de-DE" noProof="1" smtClean="0">
+                <a:latin typeface="Arial" panose="020B0604020202020204" pitchFamily="34" charset="0"/>
+                <a:cs typeface="Arial" panose="020B0604020202020204" pitchFamily="34" charset="0"/>
+              </a:rPr>
+              <a:t>(</a:t>
+            </a:r>
+            <a:r>
               <a:rPr lang="en-US" dirty="0" smtClean="0">
                 <a:solidFill>
                   <a:schemeClr val="tx1"/>
@@ -7131,7 +9008,7 @@
                 <a:latin typeface="Arial" panose="020B0604020202020204" pitchFamily="34" charset="0"/>
                 <a:cs typeface="Arial" panose="020B0604020202020204" pitchFamily="34" charset="0"/>
               </a:rPr>
-              <a:t>Validation Authority (VA)</a:t>
+              <a:t>OCSP)</a:t>
             </a:r>
             <a:endParaRPr lang="en-GB" dirty="0">
               <a:solidFill>
@@ -7497,7 +9374,7 @@
     </p:spTree>
     <p:extLst>
       <p:ext uri="{BB962C8B-B14F-4D97-AF65-F5344CB8AC3E}">
-        <p14:creationId xmlns:p14="http://schemas.microsoft.com/office/powerpoint/2010/main" val="4151940976"/>
+        <p14:creationId xmlns:p14="http://schemas.microsoft.com/office/powerpoint/2010/main" val="141236761"/>
       </p:ext>
     </p:extLst>
   </p:cSld>
@@ -7508,9 +9385,9 @@
 </file>
 
 <file path=ppt/theme/theme1.xml><?xml version="1.0" encoding="utf-8"?>
-<a:theme xmlns:a="http://schemas.openxmlformats.org/drawingml/2006/main" name="Ananke">
+<a:theme xmlns:a="http://schemas.openxmlformats.org/drawingml/2006/main" name="Office Theme">
   <a:themeElements>
-    <a:clrScheme name="Ananke">
+    <a:clrScheme name="Office">
       <a:dk1>
         <a:sysClr val="windowText" lastClr="000000"/>
       </a:dk1>
@@ -7518,87 +9395,48 @@
         <a:sysClr val="window" lastClr="FFFFFF"/>
       </a:lt1>
       <a:dk2>
-        <a:srgbClr val="69676D"/>
+        <a:srgbClr val="44546A"/>
       </a:dk2>
       <a:lt2>
-        <a:srgbClr val="C9C2D1"/>
+        <a:srgbClr val="E7E6E6"/>
       </a:lt2>
       <a:accent1>
-        <a:srgbClr val="CEB966"/>
+        <a:srgbClr val="5B9BD5"/>
       </a:accent1>
       <a:accent2>
-        <a:srgbClr val="9CB084"/>
+        <a:srgbClr val="ED7D31"/>
       </a:accent2>
       <a:accent3>
-        <a:srgbClr val="6BB1C9"/>
+        <a:srgbClr val="A5A5A5"/>
       </a:accent3>
       <a:accent4>
-        <a:srgbClr val="6585CF"/>
+        <a:srgbClr val="FFC000"/>
       </a:accent4>
       <a:accent5>
-        <a:srgbClr val="7E6BC9"/>
+        <a:srgbClr val="4472C4"/>
       </a:accent5>
       <a:accent6>
-        <a:srgbClr val="A379BB"/>
+        <a:srgbClr val="70AD47"/>
       </a:accent6>
       <a:hlink>
-        <a:srgbClr val="410082"/>
+        <a:srgbClr val="0563C1"/>
       </a:hlink>
       <a:folHlink>
-        <a:srgbClr val="932968"/>
+        <a:srgbClr val="954F72"/>
       </a:folHlink>
     </a:clrScheme>
-    <a:fontScheme name="Ananke">
+    <a:fontScheme name="Office">
       <a:majorFont>
-        <a:latin typeface="Lucida Sans"/>
+        <a:latin typeface="Calibri Light" panose="020F0302020204030204"/>
         <a:ea typeface=""/>
         <a:cs typeface=""/>
-        <a:font script="Grek" typeface="Arial"/>
-        <a:font script="Cyrl" typeface="Arial"/>
-        <a:font script="Jpan" typeface="HG丸ｺﾞｼｯｸM-PRO"/>
-        <a:font script="Hang" typeface="휴먼옛체"/>
-        <a:font script="Hans" typeface="黑体"/>
-        <a:font script="Hant" typeface="微軟正黑體"/>
-        <a:font script="Arab" typeface="Tahoma"/>
-        <a:font script="Hebr" typeface="Levenim MT"/>
-        <a:font script="Thai" typeface="FreesiaUPC"/>
-        <a:font script="Ethi" typeface="Nyala"/>
-        <a:font script="Beng" typeface="Vrinda"/>
-        <a:font script="Gujr" typeface="Shruti"/>
-        <a:font script="Khmr" typeface="DaunPenh"/>
-        <a:font script="Knda" typeface="Tunga"/>
-        <a:font script="Guru" typeface="Raavi"/>
-        <a:font script="Cans" typeface="Euphemia"/>
-        <a:font script="Cher" typeface="Plantagenet Cherokee"/>
-        <a:font script="Yiii" typeface="Microsoft Yi Baiti"/>
-        <a:font script="Tibt" typeface="Microsoft Himalaya"/>
-        <a:font script="Thaa" typeface="MV Boli"/>
-        <a:font script="Deva" typeface="Mangal"/>
-        <a:font script="Telu" typeface="Gautami"/>
-        <a:font script="Taml" typeface="Latha"/>
-        <a:font script="Syrc" typeface="Estrangelo Edessa"/>
-        <a:font script="Orya" typeface="Kalinga"/>
-        <a:font script="Mlym" typeface="Kartika"/>
-        <a:font script="Laoo" typeface="DokChampa"/>
-        <a:font script="Sinh" typeface="Iskoola Pota"/>
-        <a:font script="Mong" typeface="Mongolian Baiti"/>
-        <a:font script="Viet" typeface="Tahoma"/>
-        <a:font script="Uigh" typeface="Microsoft Uighur"/>
-        <a:font script="Geor" typeface="Sylfaen"/>
-      </a:majorFont>
-      <a:minorFont>
-        <a:latin typeface="Book Antiqua"/>
-        <a:ea typeface=""/>
-        <a:cs typeface=""/>
-        <a:font script="Grek" typeface="Times New Roman"/>
-        <a:font script="Cyrl" typeface="Times New Roman"/>
-        <a:font script="Jpan" typeface="HG明朝B"/>
-        <a:font script="Hang" typeface="돋움"/>
+        <a:font script="Jpan" typeface="ＭＳ Ｐゴシック"/>
+        <a:font script="Hang" typeface="맑은 고딕"/>
         <a:font script="Hans" typeface="宋体"/>
         <a:font script="Hant" typeface="新細明體"/>
         <a:font script="Arab" typeface="Times New Roman"/>
-        <a:font script="Hebr" typeface="David"/>
-        <a:font script="Thai" typeface="EucrosiaUPC"/>
+        <a:font script="Hebr" typeface="Times New Roman"/>
+        <a:font script="Thai" typeface="Angsana New"/>
         <a:font script="Ethi" typeface="Nyala"/>
         <a:font script="Beng" typeface="Vrinda"/>
         <a:font script="Gujr" typeface="Shruti"/>
@@ -7622,133 +9460,45 @@
         <a:font script="Viet" typeface="Times New Roman"/>
         <a:font script="Uigh" typeface="Microsoft Uighur"/>
         <a:font script="Geor" typeface="Sylfaen"/>
+      </a:majorFont>
+      <a:minorFont>
+        <a:latin typeface="Calibri" panose="020F0502020204030204"/>
+        <a:ea typeface=""/>
+        <a:cs typeface=""/>
+        <a:font script="Jpan" typeface="ＭＳ Ｐゴシック"/>
+        <a:font script="Hang" typeface="맑은 고딕"/>
+        <a:font script="Hans" typeface="宋体"/>
+        <a:font script="Hant" typeface="新細明體"/>
+        <a:font script="Arab" typeface="Arial"/>
+        <a:font script="Hebr" typeface="Arial"/>
+        <a:font script="Thai" typeface="Cordia New"/>
+        <a:font script="Ethi" typeface="Nyala"/>
+        <a:font script="Beng" typeface="Vrinda"/>
+        <a:font script="Gujr" typeface="Shruti"/>
+        <a:font script="Khmr" typeface="DaunPenh"/>
+        <a:font script="Knda" typeface="Tunga"/>
+        <a:font script="Guru" typeface="Raavi"/>
+        <a:font script="Cans" typeface="Euphemia"/>
+        <a:font script="Cher" typeface="Plantagenet Cherokee"/>
+        <a:font script="Yiii" typeface="Microsoft Yi Baiti"/>
+        <a:font script="Tibt" typeface="Microsoft Himalaya"/>
+        <a:font script="Thaa" typeface="MV Boli"/>
+        <a:font script="Deva" typeface="Mangal"/>
+        <a:font script="Telu" typeface="Gautami"/>
+        <a:font script="Taml" typeface="Latha"/>
+        <a:font script="Syrc" typeface="Estrangelo Edessa"/>
+        <a:font script="Orya" typeface="Kalinga"/>
+        <a:font script="Mlym" typeface="Kartika"/>
+        <a:font script="Laoo" typeface="DokChampa"/>
+        <a:font script="Sinh" typeface="Iskoola Pota"/>
+        <a:font script="Mong" typeface="Mongolian Baiti"/>
+        <a:font script="Viet" typeface="Arial"/>
+        <a:font script="Uigh" typeface="Microsoft Uighur"/>
+        <a:font script="Geor" typeface="Sylfaen"/>
       </a:minorFont>
     </a:fontScheme>
-    <a:fmtScheme name="Ananke">
+    <a:fmtScheme name="Office">
       <a:fillStyleLst>
-        <a:solidFill>
-          <a:schemeClr val="phClr"/>
-        </a:solidFill>
-        <a:gradFill rotWithShape="1">
-          <a:gsLst>
-            <a:gs pos="20000">
-              <a:schemeClr val="phClr">
-                <a:tint val="9000"/>
-              </a:schemeClr>
-            </a:gs>
-            <a:gs pos="100000">
-              <a:schemeClr val="phClr">
-                <a:tint val="70000"/>
-                <a:satMod val="100000"/>
-              </a:schemeClr>
-            </a:gs>
-          </a:gsLst>
-          <a:path path="circle">
-            <a:fillToRect l="-15000" t="-15000" r="115000" b="115000"/>
-          </a:path>
-        </a:gradFill>
-        <a:gradFill rotWithShape="1">
-          <a:gsLst>
-            <a:gs pos="0">
-              <a:schemeClr val="phClr">
-                <a:shade val="60000"/>
-              </a:schemeClr>
-            </a:gs>
-            <a:gs pos="33000">
-              <a:schemeClr val="phClr">
-                <a:tint val="86500"/>
-              </a:schemeClr>
-            </a:gs>
-            <a:gs pos="46750">
-              <a:schemeClr val="phClr">
-                <a:tint val="71000"/>
-                <a:satMod val="112000"/>
-              </a:schemeClr>
-            </a:gs>
-            <a:gs pos="53000">
-              <a:schemeClr val="phClr">
-                <a:tint val="71000"/>
-                <a:satMod val="112000"/>
-              </a:schemeClr>
-            </a:gs>
-            <a:gs pos="68000">
-              <a:schemeClr val="phClr">
-                <a:tint val="86000"/>
-              </a:schemeClr>
-            </a:gs>
-            <a:gs pos="100000">
-              <a:schemeClr val="phClr">
-                <a:shade val="60000"/>
-              </a:schemeClr>
-            </a:gs>
-          </a:gsLst>
-          <a:lin ang="8350000" scaled="1"/>
-        </a:gradFill>
-      </a:fillStyleLst>
-      <a:lnStyleLst>
-        <a:ln w="9525" cap="flat" cmpd="sng" algn="ctr">
-          <a:solidFill>
-            <a:schemeClr val="phClr">
-              <a:shade val="48000"/>
-              <a:satMod val="110000"/>
-            </a:schemeClr>
-          </a:solidFill>
-          <a:prstDash val="solid"/>
-        </a:ln>
-        <a:ln w="25400" cap="flat" cmpd="sng" algn="ctr">
-          <a:solidFill>
-            <a:schemeClr val="phClr"/>
-          </a:solidFill>
-          <a:prstDash val="solid"/>
-        </a:ln>
-        <a:ln w="38100" cap="flat" cmpd="sng" algn="ctr">
-          <a:solidFill>
-            <a:schemeClr val="phClr"/>
-          </a:solidFill>
-          <a:prstDash val="solid"/>
-        </a:ln>
-      </a:lnStyleLst>
-      <a:effectStyleLst>
-        <a:effectStyle>
-          <a:effectLst>
-            <a:outerShdw blurRad="130000" dist="101600" dir="2700000" algn="tl" rotWithShape="0">
-              <a:srgbClr val="000000">
-                <a:alpha val="35000"/>
-              </a:srgbClr>
-            </a:outerShdw>
-          </a:effectLst>
-        </a:effectStyle>
-        <a:effectStyle>
-          <a:effectLst>
-            <a:outerShdw blurRad="190500" dist="228600" dir="2700000" sy="90000" rotWithShape="0">
-              <a:srgbClr val="000000">
-                <a:alpha val="25500"/>
-              </a:srgbClr>
-            </a:outerShdw>
-          </a:effectLst>
-        </a:effectStyle>
-        <a:effectStyle>
-          <a:effectLst>
-            <a:outerShdw blurRad="190500" dist="228600" dir="2700000" sy="90000" rotWithShape="0">
-              <a:srgbClr val="000000">
-                <a:alpha val="25500"/>
-              </a:srgbClr>
-            </a:outerShdw>
-          </a:effectLst>
-          <a:scene3d>
-            <a:camera prst="orthographicFront" fov="0">
-              <a:rot lat="0" lon="0" rev="0"/>
-            </a:camera>
-            <a:lightRig rig="soft" dir="tl">
-              <a:rot lat="0" lon="0" rev="20100000"/>
-            </a:lightRig>
-          </a:scene3d>
-          <a:sp3d>
-            <a:bevelT w="50800" h="50800"/>
-          </a:sp3d>
-        </a:effectStyle>
-      </a:effectStyleLst>
-      <a:bgFillStyleLst>
         <a:solidFill>
           <a:schemeClr val="phClr"/>
         </a:solidFill>
@@ -7756,42 +9506,141 @@
           <a:gsLst>
             <a:gs pos="0">
               <a:schemeClr val="phClr">
-                <a:tint val="50000"/>
-                <a:satMod val="180000"/>
+                <a:lumMod val="110000"/>
+                <a:satMod val="105000"/>
+                <a:tint val="67000"/>
+              </a:schemeClr>
+            </a:gs>
+            <a:gs pos="50000">
+              <a:schemeClr val="phClr">
+                <a:lumMod val="105000"/>
+                <a:satMod val="103000"/>
+                <a:tint val="73000"/>
               </a:schemeClr>
             </a:gs>
             <a:gs pos="100000">
               <a:schemeClr val="phClr">
-                <a:shade val="45000"/>
+                <a:lumMod val="105000"/>
+                <a:satMod val="109000"/>
+                <a:tint val="81000"/>
+              </a:schemeClr>
+            </a:gs>
+          </a:gsLst>
+          <a:lin ang="5400000" scaled="0"/>
+        </a:gradFill>
+        <a:gradFill rotWithShape="1">
+          <a:gsLst>
+            <a:gs pos="0">
+              <a:schemeClr val="phClr">
+                <a:satMod val="103000"/>
+                <a:lumMod val="102000"/>
+                <a:tint val="94000"/>
+              </a:schemeClr>
+            </a:gs>
+            <a:gs pos="50000">
+              <a:schemeClr val="phClr">
+                <a:satMod val="110000"/>
+                <a:lumMod val="100000"/>
+                <a:shade val="100000"/>
+              </a:schemeClr>
+            </a:gs>
+            <a:gs pos="100000">
+              <a:schemeClr val="phClr">
+                <a:lumMod val="99000"/>
+                <a:satMod val="120000"/>
+                <a:shade val="78000"/>
+              </a:schemeClr>
+            </a:gs>
+          </a:gsLst>
+          <a:lin ang="5400000" scaled="0"/>
+        </a:gradFill>
+      </a:fillStyleLst>
+      <a:lnStyleLst>
+        <a:ln w="6350" cap="flat" cmpd="sng" algn="ctr">
+          <a:solidFill>
+            <a:schemeClr val="phClr"/>
+          </a:solidFill>
+          <a:prstDash val="solid"/>
+          <a:miter lim="800000"/>
+        </a:ln>
+        <a:ln w="12700" cap="flat" cmpd="sng" algn="ctr">
+          <a:solidFill>
+            <a:schemeClr val="phClr"/>
+          </a:solidFill>
+          <a:prstDash val="solid"/>
+          <a:miter lim="800000"/>
+        </a:ln>
+        <a:ln w="19050" cap="flat" cmpd="sng" algn="ctr">
+          <a:solidFill>
+            <a:schemeClr val="phClr"/>
+          </a:solidFill>
+          <a:prstDash val="solid"/>
+          <a:miter lim="800000"/>
+        </a:ln>
+      </a:lnStyleLst>
+      <a:effectStyleLst>
+        <a:effectStyle>
+          <a:effectLst/>
+        </a:effectStyle>
+        <a:effectStyle>
+          <a:effectLst/>
+        </a:effectStyle>
+        <a:effectStyle>
+          <a:effectLst>
+            <a:outerShdw blurRad="57150" dist="19050" dir="5400000" algn="ctr" rotWithShape="0">
+              <a:srgbClr val="000000">
+                <a:alpha val="63000"/>
+              </a:srgbClr>
+            </a:outerShdw>
+          </a:effectLst>
+        </a:effectStyle>
+      </a:effectStyleLst>
+      <a:bgFillStyleLst>
+        <a:solidFill>
+          <a:schemeClr val="phClr"/>
+        </a:solidFill>
+        <a:solidFill>
+          <a:schemeClr val="phClr">
+            <a:tint val="95000"/>
+            <a:satMod val="170000"/>
+          </a:schemeClr>
+        </a:solidFill>
+        <a:gradFill rotWithShape="1">
+          <a:gsLst>
+            <a:gs pos="0">
+              <a:schemeClr val="phClr">
+                <a:tint val="93000"/>
+                <a:satMod val="150000"/>
+                <a:shade val="98000"/>
+                <a:lumMod val="102000"/>
+              </a:schemeClr>
+            </a:gs>
+            <a:gs pos="50000">
+              <a:schemeClr val="phClr">
+                <a:tint val="98000"/>
+                <a:satMod val="130000"/>
+                <a:shade val="90000"/>
+                <a:lumMod val="103000"/>
+              </a:schemeClr>
+            </a:gs>
+            <a:gs pos="100000">
+              <a:schemeClr val="phClr">
+                <a:shade val="63000"/>
                 <a:satMod val="120000"/>
               </a:schemeClr>
             </a:gs>
           </a:gsLst>
-          <a:path path="circle">
-            <a:fillToRect r="100000" b="100000"/>
-          </a:path>
+          <a:lin ang="5400000" scaled="0"/>
         </a:gradFill>
-        <a:blipFill>
-          <a:blip xmlns:r="http://schemas.openxmlformats.org/officeDocument/2006/relationships" r:embed="rId1">
-            <a:duotone>
-              <a:schemeClr val="phClr">
-                <a:shade val="3000"/>
-                <a:satMod val="110000"/>
-              </a:schemeClr>
-              <a:schemeClr val="phClr">
-                <a:tint val="60000"/>
-                <a:satMod val="425000"/>
-              </a:schemeClr>
-            </a:duotone>
-          </a:blip>
-          <a:stretch>
-            <a:fillRect/>
-          </a:stretch>
-        </a:blipFill>
       </a:bgFillStyleLst>
     </a:fmtScheme>
   </a:themeElements>
   <a:objectDefaults/>
   <a:extraClrSchemeLst/>
+  <a:extLst>
+    <a:ext uri="{05A4C25C-085E-4340-85A3-A5531E510DB2}">
+      <thm15:themeFamily xmlns:thm15="http://schemas.microsoft.com/office/thememl/2012/main" name="Office Theme" id="{62F939B6-93AF-4DB8-9C6B-D6C7DFDC589F}" vid="{4A3C46E8-61CC-4603-A589-7422A47A8E4A}"/>
+    </a:ext>
+  </a:extLst>
 </a:theme>
 </file>
--- a/Erstellung_einer_PKI.pptx
+++ b/Erstellung_einer_PKI.pptx
@@ -13,9 +13,9 @@
     <p:sldId id="267" r:id="rId7"/>
     <p:sldId id="260" r:id="rId8"/>
     <p:sldId id="268" r:id="rId9"/>
-    <p:sldId id="265" r:id="rId10"/>
-    <p:sldId id="269" r:id="rId11"/>
-    <p:sldId id="270" r:id="rId12"/>
+    <p:sldId id="270" r:id="rId10"/>
+    <p:sldId id="265" r:id="rId11"/>
+    <p:sldId id="269" r:id="rId12"/>
     <p:sldId id="262" r:id="rId13"/>
     <p:sldId id="263" r:id="rId14"/>
   </p:sldIdLst>
@@ -266,7 +266,7 @@
           <a:p>
             <a:fld id="{0C974720-8788-48BE-8FB9-759A7BE32D03}" type="datetimeFigureOut">
               <a:rPr lang="en-GB" smtClean="0"/>
-              <a:t>26/06/2015</a:t>
+              <a:t>02/07/2015</a:t>
             </a:fld>
             <a:endParaRPr lang="en-GB"/>
           </a:p>
@@ -436,7 +436,7 @@
           <a:p>
             <a:fld id="{0C974720-8788-48BE-8FB9-759A7BE32D03}" type="datetimeFigureOut">
               <a:rPr lang="en-GB" smtClean="0"/>
-              <a:t>26/06/2015</a:t>
+              <a:t>02/07/2015</a:t>
             </a:fld>
             <a:endParaRPr lang="en-GB"/>
           </a:p>
@@ -616,7 +616,7 @@
           <a:p>
             <a:fld id="{0C974720-8788-48BE-8FB9-759A7BE32D03}" type="datetimeFigureOut">
               <a:rPr lang="en-GB" smtClean="0"/>
-              <a:t>26/06/2015</a:t>
+              <a:t>02/07/2015</a:t>
             </a:fld>
             <a:endParaRPr lang="en-GB"/>
           </a:p>
@@ -786,7 +786,7 @@
           <a:p>
             <a:fld id="{0C974720-8788-48BE-8FB9-759A7BE32D03}" type="datetimeFigureOut">
               <a:rPr lang="en-GB" smtClean="0"/>
-              <a:t>26/06/2015</a:t>
+              <a:t>02/07/2015</a:t>
             </a:fld>
             <a:endParaRPr lang="en-GB"/>
           </a:p>
@@ -1032,7 +1032,7 @@
           <a:p>
             <a:fld id="{0C974720-8788-48BE-8FB9-759A7BE32D03}" type="datetimeFigureOut">
               <a:rPr lang="en-GB" smtClean="0"/>
-              <a:t>26/06/2015</a:t>
+              <a:t>02/07/2015</a:t>
             </a:fld>
             <a:endParaRPr lang="en-GB"/>
           </a:p>
@@ -1264,7 +1264,7 @@
           <a:p>
             <a:fld id="{0C974720-8788-48BE-8FB9-759A7BE32D03}" type="datetimeFigureOut">
               <a:rPr lang="en-GB" smtClean="0"/>
-              <a:t>26/06/2015</a:t>
+              <a:t>02/07/2015</a:t>
             </a:fld>
             <a:endParaRPr lang="en-GB"/>
           </a:p>
@@ -1631,7 +1631,7 @@
           <a:p>
             <a:fld id="{0C974720-8788-48BE-8FB9-759A7BE32D03}" type="datetimeFigureOut">
               <a:rPr lang="en-GB" smtClean="0"/>
-              <a:t>26/06/2015</a:t>
+              <a:t>02/07/2015</a:t>
             </a:fld>
             <a:endParaRPr lang="en-GB"/>
           </a:p>
@@ -1749,7 +1749,7 @@
           <a:p>
             <a:fld id="{0C974720-8788-48BE-8FB9-759A7BE32D03}" type="datetimeFigureOut">
               <a:rPr lang="en-GB" smtClean="0"/>
-              <a:t>26/06/2015</a:t>
+              <a:t>02/07/2015</a:t>
             </a:fld>
             <a:endParaRPr lang="en-GB"/>
           </a:p>
@@ -1844,7 +1844,7 @@
           <a:p>
             <a:fld id="{0C974720-8788-48BE-8FB9-759A7BE32D03}" type="datetimeFigureOut">
               <a:rPr lang="en-GB" smtClean="0"/>
-              <a:t>26/06/2015</a:t>
+              <a:t>02/07/2015</a:t>
             </a:fld>
             <a:endParaRPr lang="en-GB"/>
           </a:p>
@@ -2121,7 +2121,7 @@
           <a:p>
             <a:fld id="{0C974720-8788-48BE-8FB9-759A7BE32D03}" type="datetimeFigureOut">
               <a:rPr lang="en-GB" smtClean="0"/>
-              <a:t>26/06/2015</a:t>
+              <a:t>02/07/2015</a:t>
             </a:fld>
             <a:endParaRPr lang="en-GB"/>
           </a:p>
@@ -2374,7 +2374,7 @@
           <a:p>
             <a:fld id="{0C974720-8788-48BE-8FB9-759A7BE32D03}" type="datetimeFigureOut">
               <a:rPr lang="en-GB" smtClean="0"/>
-              <a:t>26/06/2015</a:t>
+              <a:t>02/07/2015</a:t>
             </a:fld>
             <a:endParaRPr lang="en-GB"/>
           </a:p>
@@ -2587,7 +2587,7 @@
           <a:p>
             <a:fld id="{0C974720-8788-48BE-8FB9-759A7BE32D03}" type="datetimeFigureOut">
               <a:rPr lang="en-GB" smtClean="0"/>
-              <a:t>26/06/2015</a:t>
+              <a:t>02/07/2015</a:t>
             </a:fld>
             <a:endParaRPr lang="en-GB"/>
           </a:p>
@@ -3312,10 +3312,6 @@
               </a:rPr>
               <a:t>	139952</a:t>
             </a:r>
-            <a:endParaRPr lang="en-US" sz="1800" dirty="0" smtClean="0">
-              <a:latin typeface="Arial" panose="020B0604020202020204" pitchFamily="34" charset="0"/>
-              <a:cs typeface="Arial" panose="020B0604020202020204" pitchFamily="34" charset="0"/>
-            </a:endParaRPr>
           </a:p>
           <a:p>
             <a:pPr algn="l"/>
@@ -3586,7 +3582,7 @@
         <p:spPr>
           <a:xfrm>
             <a:off x="381000" y="533400"/>
-            <a:ext cx="8229600" cy="990600"/>
+            <a:ext cx="8229600" cy="838200"/>
           </a:xfrm>
         </p:spPr>
         <p:txBody>
@@ -3596,48 +3592,43 @@
           <a:lstStyle/>
           <a:p>
             <a:r>
-              <a:rPr lang="de-DE" dirty="0" err="1">
-                <a:latin typeface="Arial" panose="020B0604020202020204" pitchFamily="34" charset="0"/>
-                <a:cs typeface="Arial" panose="020B0604020202020204" pitchFamily="34" charset="0"/>
-              </a:rPr>
-              <a:t>Certificate</a:t>
-            </a:r>
-            <a:r>
-              <a:rPr lang="de-DE" dirty="0">
+              <a:rPr lang="en-GB" dirty="0" smtClean="0">
+                <a:solidFill>
+                  <a:schemeClr val="tx1"/>
+                </a:solidFill>
+                <a:latin typeface="Arial" panose="020B0604020202020204" pitchFamily="34" charset="0"/>
+                <a:cs typeface="Arial" panose="020B0604020202020204" pitchFamily="34" charset="0"/>
+              </a:rPr>
+              <a:t>Online </a:t>
+            </a:r>
+            <a:r>
+              <a:rPr lang="en-GB" dirty="0">
+                <a:solidFill>
+                  <a:schemeClr val="tx1"/>
+                </a:solidFill>
+                <a:latin typeface="Arial" panose="020B0604020202020204" pitchFamily="34" charset="0"/>
+                <a:cs typeface="Arial" panose="020B0604020202020204" pitchFamily="34" charset="0"/>
+              </a:rPr>
+              <a:t>Certificate Status </a:t>
+            </a:r>
+            <a:r>
+              <a:rPr lang="en-GB" dirty="0" smtClean="0">
+                <a:solidFill>
+                  <a:schemeClr val="tx1"/>
+                </a:solidFill>
+                <a:latin typeface="Arial" panose="020B0604020202020204" pitchFamily="34" charset="0"/>
+                <a:cs typeface="Arial" panose="020B0604020202020204" pitchFamily="34" charset="0"/>
+              </a:rPr>
+              <a:t>Protocol</a:t>
+            </a:r>
+            <a:r>
+              <a:rPr lang="de-DE" noProof="1">
                 <a:latin typeface="Arial" panose="020B0604020202020204" pitchFamily="34" charset="0"/>
                 <a:cs typeface="Arial" panose="020B0604020202020204" pitchFamily="34" charset="0"/>
               </a:rPr>
               <a:t> </a:t>
             </a:r>
             <a:r>
-              <a:rPr lang="de-DE" dirty="0" err="1">
-                <a:latin typeface="Arial" panose="020B0604020202020204" pitchFamily="34" charset="0"/>
-                <a:cs typeface="Arial" panose="020B0604020202020204" pitchFamily="34" charset="0"/>
-              </a:rPr>
-              <a:t>Revocation</a:t>
-            </a:r>
-            <a:r>
-              <a:rPr lang="de-DE" dirty="0">
-                <a:latin typeface="Arial" panose="020B0604020202020204" pitchFamily="34" charset="0"/>
-                <a:cs typeface="Arial" panose="020B0604020202020204" pitchFamily="34" charset="0"/>
-              </a:rPr>
-              <a:t> </a:t>
-            </a:r>
-            <a:r>
-              <a:rPr lang="de-DE" dirty="0" smtClean="0">
-                <a:latin typeface="Arial" panose="020B0604020202020204" pitchFamily="34" charset="0"/>
-                <a:cs typeface="Arial" panose="020B0604020202020204" pitchFamily="34" charset="0"/>
-              </a:rPr>
-              <a:t>List</a:t>
-            </a:r>
-            <a:r>
-              <a:rPr lang="de-DE" noProof="1">
-                <a:latin typeface="Arial" panose="020B0604020202020204" pitchFamily="34" charset="0"/>
-                <a:cs typeface="Arial" panose="020B0604020202020204" pitchFamily="34" charset="0"/>
-              </a:rPr>
-              <a:t> </a:t>
-            </a:r>
-            <a:r>
               <a:rPr lang="de-DE" noProof="1" smtClean="0">
                 <a:latin typeface="Arial" panose="020B0604020202020204" pitchFamily="34" charset="0"/>
                 <a:cs typeface="Arial" panose="020B0604020202020204" pitchFamily="34" charset="0"/>
@@ -3652,7 +3643,7 @@
                 <a:latin typeface="Arial" panose="020B0604020202020204" pitchFamily="34" charset="0"/>
                 <a:cs typeface="Arial" panose="020B0604020202020204" pitchFamily="34" charset="0"/>
               </a:rPr>
-              <a:t>CRL)</a:t>
+              <a:t>OCSP)</a:t>
             </a:r>
             <a:endParaRPr lang="en-GB" dirty="0">
               <a:solidFill>
@@ -4015,10 +4006,281 @@
           </a:p>
         </p:txBody>
       </p:sp>
+      <p:sp>
+        <p:nvSpPr>
+          <p:cNvPr id="8" name="Textfeld 7"/>
+          <p:cNvSpPr txBox="1"/>
+          <p:nvPr/>
+        </p:nvSpPr>
+        <p:spPr>
+          <a:xfrm>
+            <a:off x="343188" y="1179731"/>
+            <a:ext cx="8411895" cy="6740307"/>
+          </a:xfrm>
+          <a:prstGeom prst="rect">
+            <a:avLst/>
+          </a:prstGeom>
+          <a:noFill/>
+        </p:spPr>
+        <p:txBody>
+          <a:bodyPr wrap="square" rtlCol="0">
+            <a:spAutoFit/>
+          </a:bodyPr>
+          <a:lstStyle/>
+          <a:p>
+            <a:pPr marL="285750" indent="-285750">
+              <a:buFontTx/>
+              <a:buChar char="-"/>
+            </a:pPr>
+            <a:r>
+              <a:rPr lang="de-DE" dirty="0" smtClean="0"/>
+              <a:t>Netzwerkprotokoll zur Abfragung des Status eines oder mehrerer </a:t>
+            </a:r>
+            <a:r>
+              <a:rPr lang="de-DE" dirty="0"/>
+              <a:t> </a:t>
+            </a:r>
+            <a:r>
+              <a:rPr lang="de-DE" dirty="0" smtClean="0"/>
+              <a:t>X.509-Zertifikate bei einer VA</a:t>
+            </a:r>
+          </a:p>
+          <a:p>
+            <a:pPr marL="285750" indent="-285750">
+              <a:buFontTx/>
+              <a:buChar char="-"/>
+            </a:pPr>
+            <a:endParaRPr lang="de-DE" dirty="0"/>
+          </a:p>
+          <a:p>
+            <a:pPr marL="285750" indent="-285750">
+              <a:buFontTx/>
+              <a:buChar char="-"/>
+            </a:pPr>
+            <a:r>
+              <a:rPr lang="de-DE" dirty="0" smtClean="0"/>
+              <a:t>OSCP-</a:t>
+            </a:r>
+            <a:r>
+              <a:rPr lang="de-DE" dirty="0" err="1" smtClean="0"/>
+              <a:t>Responder</a:t>
+            </a:r>
+            <a:r>
+              <a:rPr lang="de-DE" dirty="0" smtClean="0"/>
+              <a:t> wird i.d.R. vom Herausgeber des Zertifikats betrieben (ZDA)</a:t>
+            </a:r>
+          </a:p>
+          <a:p>
+            <a:pPr marL="285750" indent="-285750">
+              <a:buFontTx/>
+              <a:buChar char="-"/>
+            </a:pPr>
+            <a:endParaRPr lang="de-DE" dirty="0"/>
+          </a:p>
+          <a:p>
+            <a:pPr marL="285750" indent="-285750">
+              <a:buFontTx/>
+              <a:buChar char="-"/>
+            </a:pPr>
+            <a:r>
+              <a:rPr lang="de-DE" dirty="0" smtClean="0"/>
+              <a:t>Kann sekundengenaue Sperrinformationen liefern, hängt von der verwendeten Datenbasis ab</a:t>
+            </a:r>
+          </a:p>
+          <a:p>
+            <a:pPr marL="285750" indent="-285750">
+              <a:buFontTx/>
+              <a:buChar char="-"/>
+            </a:pPr>
+            <a:endParaRPr lang="de-DE" dirty="0"/>
+          </a:p>
+          <a:p>
+            <a:pPr marL="285750" indent="-285750">
+              <a:buFontTx/>
+              <a:buChar char="-"/>
+            </a:pPr>
+            <a:r>
+              <a:rPr lang="de-DE" dirty="0" smtClean="0"/>
+              <a:t>Antworten eines OSCP-</a:t>
+            </a:r>
+            <a:r>
+              <a:rPr lang="de-DE" dirty="0" err="1" smtClean="0"/>
+              <a:t>Responders</a:t>
+            </a:r>
+            <a:endParaRPr lang="de-DE" dirty="0" smtClean="0"/>
+          </a:p>
+          <a:p>
+            <a:pPr marL="742950" lvl="1" indent="-285750">
+              <a:buFontTx/>
+              <a:buChar char="-"/>
+            </a:pPr>
+            <a:r>
+              <a:rPr lang="de-DE" dirty="0"/>
+              <a:t> „</a:t>
+            </a:r>
+            <a:r>
+              <a:rPr lang="de-DE" dirty="0" err="1"/>
+              <a:t>good</a:t>
+            </a:r>
+            <a:r>
+              <a:rPr lang="de-DE" dirty="0" smtClean="0"/>
+              <a:t>“ 	 </a:t>
+            </a:r>
+            <a:r>
+              <a:rPr lang="de-DE" dirty="0" smtClean="0">
+                <a:sym typeface="Wingdings" panose="05000000000000000000" pitchFamily="2" charset="2"/>
+              </a:rPr>
+              <a:t> Zertifikat nicht gesperrt, es kann nicht entnommen werden ob es zwischenzeitlich gesperrt war!</a:t>
+            </a:r>
+          </a:p>
+          <a:p>
+            <a:pPr marL="742950" lvl="1" indent="-285750">
+              <a:buFontTx/>
+              <a:buChar char="-"/>
+            </a:pPr>
+            <a:r>
+              <a:rPr lang="de-DE" dirty="0"/>
+              <a:t> „</a:t>
+            </a:r>
+            <a:r>
+              <a:rPr lang="de-DE" dirty="0" err="1"/>
+              <a:t>revoked</a:t>
+            </a:r>
+            <a:r>
+              <a:rPr lang="de-DE" dirty="0" smtClean="0"/>
+              <a:t>“	 </a:t>
+            </a:r>
+            <a:r>
+              <a:rPr lang="de-DE" dirty="0" smtClean="0">
+                <a:sym typeface="Wingdings" panose="05000000000000000000" pitchFamily="2" charset="2"/>
+              </a:rPr>
+              <a:t> Zertifikat gesperrt, Angabe mit Sperrzeitpunkt</a:t>
+            </a:r>
+          </a:p>
+          <a:p>
+            <a:pPr marL="742950" lvl="1" indent="-285750">
+              <a:buFontTx/>
+              <a:buChar char="-"/>
+            </a:pPr>
+            <a:r>
+              <a:rPr lang="de-DE" dirty="0"/>
+              <a:t> </a:t>
+            </a:r>
+            <a:r>
+              <a:rPr lang="de-DE" dirty="0"/>
+              <a:t>„</a:t>
+            </a:r>
+            <a:r>
+              <a:rPr lang="de-DE" dirty="0" err="1"/>
+              <a:t>unknown</a:t>
+            </a:r>
+            <a:r>
+              <a:rPr lang="de-DE" dirty="0" smtClean="0"/>
+              <a:t>“ </a:t>
+            </a:r>
+            <a:r>
+              <a:rPr lang="de-DE" dirty="0" smtClean="0">
+                <a:sym typeface="Wingdings" panose="05000000000000000000" pitchFamily="2" charset="2"/>
+              </a:rPr>
+              <a:t> Status konnte nicht Ermittelt werden</a:t>
+            </a:r>
+          </a:p>
+          <a:p>
+            <a:pPr marL="742950" lvl="1" indent="-285750">
+              <a:buFontTx/>
+              <a:buChar char="-"/>
+            </a:pPr>
+            <a:r>
+              <a:rPr lang="de-DE" dirty="0" smtClean="0">
+                <a:sym typeface="Wingdings" panose="05000000000000000000" pitchFamily="2" charset="2"/>
+              </a:rPr>
+              <a:t>Alle erfolgreichen Antworten sind digital signiert</a:t>
+            </a:r>
+            <a:endParaRPr lang="de-DE" dirty="0"/>
+          </a:p>
+          <a:p>
+            <a:pPr marL="742950" lvl="1" indent="-285750">
+              <a:buFontTx/>
+              <a:buChar char="-"/>
+            </a:pPr>
+            <a:endParaRPr lang="de-DE" dirty="0" smtClean="0"/>
+          </a:p>
+          <a:p>
+            <a:endParaRPr lang="de-DE" dirty="0"/>
+          </a:p>
+          <a:p>
+            <a:pPr marL="285750" indent="-285750">
+              <a:buFontTx/>
+              <a:buChar char="-"/>
+            </a:pPr>
+            <a:r>
+              <a:rPr lang="de-DE" dirty="0" smtClean="0"/>
+              <a:t>Anwendungsfälle:</a:t>
+            </a:r>
+          </a:p>
+          <a:p>
+            <a:pPr marL="742950" lvl="1" indent="-285750">
+              <a:buFontTx/>
+              <a:buChar char="-"/>
+            </a:pPr>
+            <a:r>
+              <a:rPr lang="de-DE" dirty="0" smtClean="0"/>
+              <a:t>Prüfung digitaler Signaturen</a:t>
+            </a:r>
+          </a:p>
+          <a:p>
+            <a:pPr marL="742950" lvl="1" indent="-285750">
+              <a:buFontTx/>
+              <a:buChar char="-"/>
+            </a:pPr>
+            <a:r>
+              <a:rPr lang="de-DE" b="1" dirty="0"/>
+              <a:t>Authentisierung in </a:t>
+            </a:r>
+            <a:r>
+              <a:rPr lang="de-DE" b="1" dirty="0" smtClean="0"/>
+              <a:t>Kommunikationsprotokollen</a:t>
+            </a:r>
+          </a:p>
+          <a:p>
+            <a:pPr marL="742950" lvl="1" indent="-285750">
+              <a:buFontTx/>
+              <a:buChar char="-"/>
+            </a:pPr>
+            <a:r>
+              <a:rPr lang="de-DE" dirty="0"/>
+              <a:t>Versendung verschlüsselter E-Mails </a:t>
+            </a:r>
+            <a:endParaRPr lang="de-DE" dirty="0" smtClean="0"/>
+          </a:p>
+          <a:p>
+            <a:pPr marL="742950" lvl="1" indent="-285750">
+              <a:buFontTx/>
+              <a:buChar char="-"/>
+            </a:pPr>
+            <a:endParaRPr lang="de-DE" dirty="0"/>
+          </a:p>
+          <a:p>
+            <a:pPr lvl="1"/>
+            <a:endParaRPr lang="de-DE" dirty="0" smtClean="0"/>
+          </a:p>
+          <a:p>
+            <a:pPr marL="742950" lvl="1" indent="-285750">
+              <a:buFontTx/>
+              <a:buChar char="-"/>
+            </a:pPr>
+            <a:endParaRPr lang="de-DE" dirty="0" smtClean="0"/>
+          </a:p>
+          <a:p>
+            <a:pPr lvl="1"/>
+            <a:endParaRPr lang="de-DE" dirty="0" smtClean="0"/>
+          </a:p>
+        </p:txBody>
+      </p:sp>
     </p:spTree>
     <p:extLst>
       <p:ext uri="{BB962C8B-B14F-4D97-AF65-F5344CB8AC3E}">
-        <p14:creationId xmlns:p14="http://schemas.microsoft.com/office/powerpoint/2010/main" val="1537429932"/>
+        <p14:creationId xmlns:p14="http://schemas.microsoft.com/office/powerpoint/2010/main" val="141236761"/>
       </p:ext>
     </p:extLst>
   </p:cSld>
@@ -4068,11 +4330,63 @@
           <a:lstStyle/>
           <a:p>
             <a:r>
+              <a:rPr lang="de-DE" dirty="0" err="1">
+                <a:latin typeface="Arial" panose="020B0604020202020204" pitchFamily="34" charset="0"/>
+                <a:cs typeface="Arial" panose="020B0604020202020204" pitchFamily="34" charset="0"/>
+              </a:rPr>
+              <a:t>Certificate</a:t>
+            </a:r>
+            <a:r>
+              <a:rPr lang="de-DE" dirty="0">
+                <a:latin typeface="Arial" panose="020B0604020202020204" pitchFamily="34" charset="0"/>
+                <a:cs typeface="Arial" panose="020B0604020202020204" pitchFamily="34" charset="0"/>
+              </a:rPr>
+              <a:t> </a:t>
+            </a:r>
+            <a:r>
+              <a:rPr lang="de-DE" dirty="0" err="1">
+                <a:latin typeface="Arial" panose="020B0604020202020204" pitchFamily="34" charset="0"/>
+                <a:cs typeface="Arial" panose="020B0604020202020204" pitchFamily="34" charset="0"/>
+              </a:rPr>
+              <a:t>Revocation</a:t>
+            </a:r>
+            <a:r>
+              <a:rPr lang="de-DE" dirty="0">
+                <a:latin typeface="Arial" panose="020B0604020202020204" pitchFamily="34" charset="0"/>
+                <a:cs typeface="Arial" panose="020B0604020202020204" pitchFamily="34" charset="0"/>
+              </a:rPr>
+              <a:t> </a:t>
+            </a:r>
+            <a:r>
               <a:rPr lang="de-DE" dirty="0" smtClean="0">
                 <a:latin typeface="Arial" panose="020B0604020202020204" pitchFamily="34" charset="0"/>
                 <a:cs typeface="Arial" panose="020B0604020202020204" pitchFamily="34" charset="0"/>
               </a:rPr>
-              <a:t>Zertifikatsüberprüfung anfordern</a:t>
+              <a:t>List</a:t>
+            </a:r>
+            <a:r>
+              <a:rPr lang="de-DE" noProof="1">
+                <a:latin typeface="Arial" panose="020B0604020202020204" pitchFamily="34" charset="0"/>
+                <a:cs typeface="Arial" panose="020B0604020202020204" pitchFamily="34" charset="0"/>
+              </a:rPr>
+              <a:t> </a:t>
+            </a:r>
+            <a:r>
+              <a:rPr lang="de-DE" noProof="1" smtClean="0">
+                <a:latin typeface="Arial" panose="020B0604020202020204" pitchFamily="34" charset="0"/>
+                <a:cs typeface="Arial" panose="020B0604020202020204" pitchFamily="34" charset="0"/>
+              </a:rPr>
+              <a:t>(</a:t>
+            </a:r>
+            <a:r>
+              <a:rPr lang="en-US" dirty="0" smtClean="0">
+                <a:solidFill>
+                  <a:schemeClr val="tx1"/>
+                </a:solidFill>
+                <a:latin typeface="Arial" panose="020B0604020202020204" pitchFamily="34" charset="0"/>
+                <a:cs typeface="Arial" panose="020B0604020202020204" pitchFamily="34" charset="0"/>
+              </a:rPr>
+              <a:t>CRL)</a:t>
             </a:r>
             <a:endParaRPr lang="en-GB" dirty="0">
               <a:solidFill>
@@ -4435,10 +4749,137 @@
           </a:p>
         </p:txBody>
       </p:sp>
+      <p:sp>
+        <p:nvSpPr>
+          <p:cNvPr id="8" name="Textfeld 7"/>
+          <p:cNvSpPr txBox="1"/>
+          <p:nvPr/>
+        </p:nvSpPr>
+        <p:spPr>
+          <a:xfrm>
+            <a:off x="371084" y="1442289"/>
+            <a:ext cx="8411895" cy="3693319"/>
+          </a:xfrm>
+          <a:prstGeom prst="rect">
+            <a:avLst/>
+          </a:prstGeom>
+          <a:noFill/>
+        </p:spPr>
+        <p:txBody>
+          <a:bodyPr wrap="square" rtlCol="0">
+            <a:spAutoFit/>
+          </a:bodyPr>
+          <a:lstStyle/>
+          <a:p>
+            <a:pPr marL="285750" indent="-285750">
+              <a:buFontTx/>
+              <a:buChar char="-"/>
+            </a:pPr>
+            <a:r>
+              <a:rPr lang="de-DE" dirty="0" smtClean="0"/>
+              <a:t>CRL = Sperrliste</a:t>
+            </a:r>
+          </a:p>
+          <a:p>
+            <a:endParaRPr lang="de-DE" dirty="0" smtClean="0"/>
+          </a:p>
+          <a:p>
+            <a:pPr marL="285750" indent="-285750">
+              <a:buFontTx/>
+              <a:buChar char="-"/>
+            </a:pPr>
+            <a:r>
+              <a:rPr lang="de-DE" dirty="0" smtClean="0"/>
+              <a:t>Werden in bestimmten Intervallen (ca. 5-14 Tage) erstellt </a:t>
+            </a:r>
+            <a:r>
+              <a:rPr lang="de-DE" dirty="0" smtClean="0">
+                <a:sym typeface="Wingdings" panose="05000000000000000000" pitchFamily="2" charset="2"/>
+              </a:rPr>
+              <a:t>und sind daher nicht immer aktuell</a:t>
+            </a:r>
+            <a:endParaRPr lang="de-DE" dirty="0" smtClean="0"/>
+          </a:p>
+          <a:p>
+            <a:pPr marL="285750" indent="-285750">
+              <a:buFontTx/>
+              <a:buChar char="-"/>
+            </a:pPr>
+            <a:endParaRPr lang="de-DE" dirty="0" smtClean="0"/>
+          </a:p>
+          <a:p>
+            <a:pPr marL="285750" indent="-285750">
+              <a:buFontTx/>
+              <a:buChar char="-"/>
+            </a:pPr>
+            <a:r>
+              <a:rPr lang="de-DE" dirty="0"/>
+              <a:t>nicht gesperrte Zertifikate </a:t>
+            </a:r>
+            <a:r>
+              <a:rPr lang="de-DE" dirty="0" smtClean="0"/>
+              <a:t>können nicht von </a:t>
+            </a:r>
+            <a:r>
+              <a:rPr lang="de-DE" dirty="0"/>
+              <a:t>gefälschten </a:t>
+            </a:r>
+            <a:r>
+              <a:rPr lang="de-DE" dirty="0" smtClean="0"/>
+              <a:t>Zertifikaten unterschieden werden</a:t>
+            </a:r>
+            <a:r>
+              <a:rPr lang="de-DE" dirty="0"/>
+              <a:t> </a:t>
+            </a:r>
+            <a:endParaRPr lang="de-DE" dirty="0" smtClean="0"/>
+          </a:p>
+          <a:p>
+            <a:pPr marL="285750" indent="-285750">
+              <a:buFontTx/>
+              <a:buChar char="-"/>
+            </a:pPr>
+            <a:endParaRPr lang="de-DE" dirty="0"/>
+          </a:p>
+          <a:p>
+            <a:pPr marL="285750" indent="-285750">
+              <a:buFontTx/>
+              <a:buChar char="-"/>
+            </a:pPr>
+            <a:r>
+              <a:rPr lang="de-DE" dirty="0" smtClean="0"/>
+              <a:t>Entspricht nicht den Forderungen des Signaturgesetzes in Deutschland</a:t>
+            </a:r>
+            <a:endParaRPr lang="de-DE" dirty="0" smtClean="0"/>
+          </a:p>
+          <a:p>
+            <a:pPr marL="742950" lvl="1" indent="-285750">
+              <a:buFontTx/>
+              <a:buChar char="-"/>
+            </a:pPr>
+            <a:endParaRPr lang="de-DE" dirty="0"/>
+          </a:p>
+          <a:p>
+            <a:pPr lvl="1"/>
+            <a:endParaRPr lang="de-DE" dirty="0" smtClean="0"/>
+          </a:p>
+          <a:p>
+            <a:pPr marL="742950" lvl="1" indent="-285750">
+              <a:buFontTx/>
+              <a:buChar char="-"/>
+            </a:pPr>
+            <a:endParaRPr lang="de-DE" dirty="0" smtClean="0"/>
+          </a:p>
+          <a:p>
+            <a:pPr lvl="1"/>
+            <a:endParaRPr lang="de-DE" dirty="0" smtClean="0"/>
+          </a:p>
+        </p:txBody>
+      </p:sp>
     </p:spTree>
     <p:extLst>
       <p:ext uri="{BB962C8B-B14F-4D97-AF65-F5344CB8AC3E}">
-        <p14:creationId xmlns:p14="http://schemas.microsoft.com/office/powerpoint/2010/main" val="1175245754"/>
+        <p14:creationId xmlns:p14="http://schemas.microsoft.com/office/powerpoint/2010/main" val="1537429932"/>
       </p:ext>
     </p:extLst>
   </p:cSld>
@@ -8315,7 +8756,7 @@
         <p:spPr>
           <a:xfrm>
             <a:off x="628650" y="1503488"/>
-            <a:ext cx="5772150" cy="3693319"/>
+            <a:ext cx="5772150" cy="2862322"/>
           </a:xfrm>
           <a:prstGeom prst="rect">
             <a:avLst/>
@@ -8380,29 +8821,6 @@
               <a:buChar char="-"/>
             </a:pPr>
             <a:endParaRPr lang="de-DE" dirty="0" smtClean="0"/>
-          </a:p>
-          <a:p>
-            <a:pPr marL="285750" indent="-285750">
-              <a:buFontTx/>
-              <a:buChar char="-"/>
-            </a:pPr>
-            <a:r>
-              <a:rPr lang="de-DE" dirty="0" smtClean="0"/>
-              <a:t>Zertifikat in Sperrliste -&gt; Zertifikat gesperrt</a:t>
-            </a:r>
-          </a:p>
-          <a:p>
-            <a:endParaRPr lang="de-DE" dirty="0" smtClean="0"/>
-          </a:p>
-          <a:p>
-            <a:pPr marL="285750" indent="-285750">
-              <a:buFontTx/>
-              <a:buChar char="-"/>
-            </a:pPr>
-            <a:r>
-              <a:rPr lang="de-DE" dirty="0" smtClean="0"/>
-              <a:t>Zertifikat nicht in Sperrliste-&gt; Zertifikat</a:t>
-            </a:r>
           </a:p>
           <a:p>
             <a:endParaRPr lang="de-DE" dirty="0" smtClean="0"/>
@@ -8947,7 +9365,7 @@
         <p:spPr>
           <a:xfrm>
             <a:off x="381000" y="533400"/>
-            <a:ext cx="8229600" cy="838200"/>
+            <a:ext cx="8229600" cy="990600"/>
           </a:xfrm>
         </p:spPr>
         <p:txBody>
@@ -8957,58 +9375,11 @@
           <a:lstStyle/>
           <a:p>
             <a:r>
-              <a:rPr lang="en-GB" dirty="0" smtClean="0">
-                <a:solidFill>
-                  <a:schemeClr val="tx1"/>
-                </a:solidFill>
-                <a:latin typeface="Arial" panose="020B0604020202020204" pitchFamily="34" charset="0"/>
-                <a:cs typeface="Arial" panose="020B0604020202020204" pitchFamily="34" charset="0"/>
-              </a:rPr>
-              <a:t>Online </a:t>
-            </a:r>
-            <a:r>
-              <a:rPr lang="en-GB" dirty="0">
-                <a:solidFill>
-                  <a:schemeClr val="tx1"/>
-                </a:solidFill>
-                <a:latin typeface="Arial" panose="020B0604020202020204" pitchFamily="34" charset="0"/>
-                <a:cs typeface="Arial" panose="020B0604020202020204" pitchFamily="34" charset="0"/>
-              </a:rPr>
-              <a:t>Certificate Status </a:t>
-            </a:r>
-            <a:r>
-              <a:rPr lang="en-GB" dirty="0" smtClean="0">
-                <a:solidFill>
-                  <a:schemeClr val="tx1"/>
-                </a:solidFill>
-                <a:latin typeface="Arial" panose="020B0604020202020204" pitchFamily="34" charset="0"/>
-                <a:cs typeface="Arial" panose="020B0604020202020204" pitchFamily="34" charset="0"/>
-              </a:rPr>
-              <a:t>Protocol</a:t>
-            </a:r>
-            <a:r>
-              <a:rPr lang="de-DE" noProof="1">
-                <a:latin typeface="Arial" panose="020B0604020202020204" pitchFamily="34" charset="0"/>
-                <a:cs typeface="Arial" panose="020B0604020202020204" pitchFamily="34" charset="0"/>
-              </a:rPr>
-              <a:t> </a:t>
-            </a:r>
-            <a:r>
-              <a:rPr lang="de-DE" noProof="1" smtClean="0">
-                <a:latin typeface="Arial" panose="020B0604020202020204" pitchFamily="34" charset="0"/>
-                <a:cs typeface="Arial" panose="020B0604020202020204" pitchFamily="34" charset="0"/>
-              </a:rPr>
-              <a:t>(</a:t>
-            </a:r>
-            <a:r>
-              <a:rPr lang="en-US" dirty="0" smtClean="0">
-                <a:solidFill>
-                  <a:schemeClr val="tx1"/>
-                </a:solidFill>
-                <a:latin typeface="Arial" panose="020B0604020202020204" pitchFamily="34" charset="0"/>
-                <a:cs typeface="Arial" panose="020B0604020202020204" pitchFamily="34" charset="0"/>
-              </a:rPr>
-              <a:t>OCSP)</a:t>
+              <a:rPr lang="de-DE" dirty="0" smtClean="0">
+                <a:latin typeface="Arial" panose="020B0604020202020204" pitchFamily="34" charset="0"/>
+                <a:cs typeface="Arial" panose="020B0604020202020204" pitchFamily="34" charset="0"/>
+              </a:rPr>
+              <a:t>Zertifikatsüberprüfung anfordern</a:t>
             </a:r>
             <a:endParaRPr lang="en-GB" dirty="0">
               <a:solidFill>
@@ -9371,10 +9742,136 @@
           </a:p>
         </p:txBody>
       </p:sp>
+      <p:sp>
+        <p:nvSpPr>
+          <p:cNvPr id="9" name="Textfeld 8"/>
+          <p:cNvSpPr txBox="1"/>
+          <p:nvPr/>
+        </p:nvSpPr>
+        <p:spPr>
+          <a:xfrm>
+            <a:off x="351105" y="1713976"/>
+            <a:ext cx="5772150" cy="3139321"/>
+          </a:xfrm>
+          <a:prstGeom prst="rect">
+            <a:avLst/>
+          </a:prstGeom>
+          <a:noFill/>
+        </p:spPr>
+        <p:txBody>
+          <a:bodyPr wrap="square" rtlCol="0">
+            <a:spAutoFit/>
+          </a:bodyPr>
+          <a:lstStyle/>
+          <a:p>
+            <a:pPr marL="285750" indent="-285750">
+              <a:buFontTx/>
+              <a:buChar char="-"/>
+            </a:pPr>
+            <a:r>
+              <a:rPr lang="de-DE" dirty="0" smtClean="0"/>
+              <a:t>Wenn ein Zertifikat angefordert wird, </a:t>
+            </a:r>
+            <a:r>
+              <a:rPr lang="de-DE" dirty="0"/>
+              <a:t>verifiziert </a:t>
+            </a:r>
+            <a:r>
+              <a:rPr lang="de-DE" dirty="0" smtClean="0"/>
+              <a:t>das Trust-Center dieses Zertifikat</a:t>
+            </a:r>
+          </a:p>
+          <a:p>
+            <a:pPr marL="742950" lvl="1" indent="-285750">
+              <a:buFontTx/>
+              <a:buChar char="-"/>
+            </a:pPr>
+            <a:r>
+              <a:rPr lang="de-DE" dirty="0" smtClean="0"/>
+              <a:t>Webbrowser sendet das Zertifikat zur ZDA</a:t>
+            </a:r>
+          </a:p>
+          <a:p>
+            <a:pPr marL="742950" lvl="1" indent="-285750">
+              <a:buFontTx/>
+              <a:buChar char="-"/>
+            </a:pPr>
+            <a:r>
+              <a:rPr lang="de-DE" dirty="0" smtClean="0"/>
+              <a:t>Kommunikation mit der VA via OCSP</a:t>
+            </a:r>
+            <a:endParaRPr lang="de-DE" dirty="0" smtClean="0"/>
+          </a:p>
+          <a:p>
+            <a:pPr marL="285750" indent="-285750">
+              <a:buFontTx/>
+              <a:buChar char="-"/>
+            </a:pPr>
+            <a:endParaRPr lang="de-DE" dirty="0"/>
+          </a:p>
+          <a:p>
+            <a:pPr marL="285750" indent="-285750">
+              <a:buFontTx/>
+              <a:buChar char="-"/>
+            </a:pPr>
+            <a:r>
+              <a:rPr lang="de-DE" dirty="0" smtClean="0"/>
+              <a:t>Darüber hinaus: Extended Validation</a:t>
+            </a:r>
+          </a:p>
+          <a:p>
+            <a:pPr marL="742950" lvl="1" indent="-285750">
+              <a:buFontTx/>
+              <a:buChar char="-"/>
+            </a:pPr>
+            <a:r>
+              <a:rPr lang="de-DE" dirty="0" smtClean="0"/>
+              <a:t>Internet Adresse beginnt mit http</a:t>
+            </a:r>
+            <a:r>
+              <a:rPr lang="de-DE" dirty="0" smtClean="0">
+                <a:solidFill>
+                  <a:srgbClr val="FF0000"/>
+                </a:solidFill>
+              </a:rPr>
+              <a:t>s</a:t>
+            </a:r>
+          </a:p>
+          <a:p>
+            <a:pPr marL="742950" lvl="1" indent="-285750">
+              <a:buFontTx/>
+              <a:buChar char="-"/>
+            </a:pPr>
+            <a:r>
+              <a:rPr lang="de-DE" dirty="0" smtClean="0"/>
+              <a:t>Name der Organisation und </a:t>
+            </a:r>
+            <a:r>
+              <a:rPr lang="de-DE" dirty="0"/>
+              <a:t> </a:t>
+            </a:r>
+            <a:r>
+              <a:rPr lang="de-DE" dirty="0" smtClean="0"/>
+              <a:t>der ZDA neben der Internetadresse sichtbar</a:t>
+            </a:r>
+          </a:p>
+          <a:p>
+            <a:pPr marL="742950" lvl="1" indent="-285750">
+              <a:buFontTx/>
+              <a:buChar char="-"/>
+            </a:pPr>
+            <a:endParaRPr lang="de-DE" dirty="0" smtClean="0"/>
+          </a:p>
+          <a:p>
+            <a:pPr lvl="1"/>
+            <a:endParaRPr lang="de-DE" dirty="0" smtClean="0"/>
+          </a:p>
+        </p:txBody>
+      </p:sp>
     </p:spTree>
     <p:extLst>
       <p:ext uri="{BB962C8B-B14F-4D97-AF65-F5344CB8AC3E}">
-        <p14:creationId xmlns:p14="http://schemas.microsoft.com/office/powerpoint/2010/main" val="141236761"/>
+        <p14:creationId xmlns:p14="http://schemas.microsoft.com/office/powerpoint/2010/main" val="1175245754"/>
       </p:ext>
     </p:extLst>
   </p:cSld>

--- a/Erstellung_einer_PKI.pptx
+++ b/Erstellung_einer_PKI.pptx
@@ -118,7 +118,7 @@
   </p:defaultTextStyle>
   <p:extLst>
     <p:ext uri="{EFAFB233-063F-42B5-8137-9DF3F51BA10A}">
-      <p15:sldGuideLst xmlns:p15="http://schemas.microsoft.com/office/powerpoint/2012/main">
+      <p15:sldGuideLst xmlns:p15="http://schemas.microsoft.com/office/powerpoint/2012/main" xmlns="">
         <p15:guide id="1" orient="horz" pos="2160">
           <p15:clr>
             <a:srgbClr val="A4A3A4"/>
@@ -266,7 +266,7 @@
           <a:p>
             <a:fld id="{0C974720-8788-48BE-8FB9-759A7BE32D03}" type="datetimeFigureOut">
               <a:rPr lang="en-GB" smtClean="0"/>
-              <a:t>02/07/2015</a:t>
+              <a:t>03/07/2015</a:t>
             </a:fld>
             <a:endParaRPr lang="en-GB"/>
           </a:p>
@@ -436,7 +436,7 @@
           <a:p>
             <a:fld id="{0C974720-8788-48BE-8FB9-759A7BE32D03}" type="datetimeFigureOut">
               <a:rPr lang="en-GB" smtClean="0"/>
-              <a:t>02/07/2015</a:t>
+              <a:t>03/07/2015</a:t>
             </a:fld>
             <a:endParaRPr lang="en-GB"/>
           </a:p>
@@ -616,7 +616,7 @@
           <a:p>
             <a:fld id="{0C974720-8788-48BE-8FB9-759A7BE32D03}" type="datetimeFigureOut">
               <a:rPr lang="en-GB" smtClean="0"/>
-              <a:t>02/07/2015</a:t>
+              <a:t>03/07/2015</a:t>
             </a:fld>
             <a:endParaRPr lang="en-GB"/>
           </a:p>
@@ -786,7 +786,7 @@
           <a:p>
             <a:fld id="{0C974720-8788-48BE-8FB9-759A7BE32D03}" type="datetimeFigureOut">
               <a:rPr lang="en-GB" smtClean="0"/>
-              <a:t>02/07/2015</a:t>
+              <a:t>03/07/2015</a:t>
             </a:fld>
             <a:endParaRPr lang="en-GB"/>
           </a:p>
@@ -1032,7 +1032,7 @@
           <a:p>
             <a:fld id="{0C974720-8788-48BE-8FB9-759A7BE32D03}" type="datetimeFigureOut">
               <a:rPr lang="en-GB" smtClean="0"/>
-              <a:t>02/07/2015</a:t>
+              <a:t>03/07/2015</a:t>
             </a:fld>
             <a:endParaRPr lang="en-GB"/>
           </a:p>
@@ -1264,7 +1264,7 @@
           <a:p>
             <a:fld id="{0C974720-8788-48BE-8FB9-759A7BE32D03}" type="datetimeFigureOut">
               <a:rPr lang="en-GB" smtClean="0"/>
-              <a:t>02/07/2015</a:t>
+              <a:t>03/07/2015</a:t>
             </a:fld>
             <a:endParaRPr lang="en-GB"/>
           </a:p>
@@ -1631,7 +1631,7 @@
           <a:p>
             <a:fld id="{0C974720-8788-48BE-8FB9-759A7BE32D03}" type="datetimeFigureOut">
               <a:rPr lang="en-GB" smtClean="0"/>
-              <a:t>02/07/2015</a:t>
+              <a:t>03/07/2015</a:t>
             </a:fld>
             <a:endParaRPr lang="en-GB"/>
           </a:p>
@@ -1749,7 +1749,7 @@
           <a:p>
             <a:fld id="{0C974720-8788-48BE-8FB9-759A7BE32D03}" type="datetimeFigureOut">
               <a:rPr lang="en-GB" smtClean="0"/>
-              <a:t>02/07/2015</a:t>
+              <a:t>03/07/2015</a:t>
             </a:fld>
             <a:endParaRPr lang="en-GB"/>
           </a:p>
@@ -1844,7 +1844,7 @@
           <a:p>
             <a:fld id="{0C974720-8788-48BE-8FB9-759A7BE32D03}" type="datetimeFigureOut">
               <a:rPr lang="en-GB" smtClean="0"/>
-              <a:t>02/07/2015</a:t>
+              <a:t>03/07/2015</a:t>
             </a:fld>
             <a:endParaRPr lang="en-GB"/>
           </a:p>
@@ -2121,7 +2121,7 @@
           <a:p>
             <a:fld id="{0C974720-8788-48BE-8FB9-759A7BE32D03}" type="datetimeFigureOut">
               <a:rPr lang="en-GB" smtClean="0"/>
-              <a:t>02/07/2015</a:t>
+              <a:t>03/07/2015</a:t>
             </a:fld>
             <a:endParaRPr lang="en-GB"/>
           </a:p>
@@ -2374,7 +2374,7 @@
           <a:p>
             <a:fld id="{0C974720-8788-48BE-8FB9-759A7BE32D03}" type="datetimeFigureOut">
               <a:rPr lang="en-GB" smtClean="0"/>
-              <a:t>02/07/2015</a:t>
+              <a:t>03/07/2015</a:t>
             </a:fld>
             <a:endParaRPr lang="en-GB"/>
           </a:p>
@@ -2587,7 +2587,7 @@
           <a:p>
             <a:fld id="{0C974720-8788-48BE-8FB9-759A7BE32D03}" type="datetimeFigureOut">
               <a:rPr lang="en-GB" smtClean="0"/>
-              <a:t>02/07/2015</a:t>
+              <a:t>03/07/2015</a:t>
             </a:fld>
             <a:endParaRPr lang="en-GB"/>
           </a:p>
@@ -3128,14 +3128,21 @@
                 <a:latin typeface="Arial" panose="020B0604020202020204" pitchFamily="34" charset="0"/>
                 <a:cs typeface="Arial" panose="020B0604020202020204" pitchFamily="34" charset="0"/>
               </a:rPr>
-              <a:t>		</a:t>
-            </a:r>
-            <a:r>
-              <a:rPr lang="en-US" sz="1800" dirty="0" err="1" smtClean="0">
-                <a:latin typeface="Arial" panose="020B0604020202020204" pitchFamily="34" charset="0"/>
-                <a:cs typeface="Arial" panose="020B0604020202020204" pitchFamily="34" charset="0"/>
-              </a:rPr>
-              <a:t>xxxxxx</a:t>
+              <a:t>	</a:t>
+            </a:r>
+            <a:r>
+              <a:rPr lang="en-US" sz="1800">
+                <a:latin typeface="Arial" panose="020B0604020202020204" pitchFamily="34" charset="0"/>
+                <a:cs typeface="Arial" panose="020B0604020202020204" pitchFamily="34" charset="0"/>
+              </a:rPr>
+              <a:t>	</a:t>
+            </a:r>
+            <a:r>
+              <a:rPr lang="en-US" sz="1800" smtClean="0">
+                <a:latin typeface="Arial" panose="020B0604020202020204" pitchFamily="34" charset="0"/>
+                <a:cs typeface="Arial" panose="020B0604020202020204" pitchFamily="34" charset="0"/>
+              </a:rPr>
+              <a:t>1063291</a:t>
             </a:r>
             <a:endParaRPr lang="en-US" sz="1800" dirty="0" smtClean="0">
               <a:latin typeface="Arial" panose="020B0604020202020204" pitchFamily="34" charset="0"/>
@@ -3166,11 +3173,11 @@
               <a:t>		</a:t>
             </a:r>
             <a:r>
-              <a:rPr lang="en-US" sz="1800" dirty="0" err="1" smtClean="0">
-                <a:latin typeface="Arial" panose="020B0604020202020204" pitchFamily="34" charset="0"/>
-                <a:cs typeface="Arial" panose="020B0604020202020204" pitchFamily="34" charset="0"/>
-              </a:rPr>
-              <a:t>xxxxxx</a:t>
+              <a:rPr lang="en-US" sz="1800" dirty="0" smtClean="0">
+                <a:latin typeface="Arial" panose="020B0604020202020204" pitchFamily="34" charset="0"/>
+                <a:cs typeface="Arial" panose="020B0604020202020204" pitchFamily="34" charset="0"/>
+              </a:rPr>
+              <a:t>120501</a:t>
             </a:r>
             <a:endParaRPr lang="en-US" sz="1800" dirty="0" smtClean="0">
               <a:latin typeface="Arial" panose="020B0604020202020204" pitchFamily="34" charset="0"/>
@@ -3271,11 +3278,11 @@
               <a:t>	</a:t>
             </a:r>
             <a:r>
-              <a:rPr lang="en-US" sz="1800" dirty="0" err="1" smtClean="0">
-                <a:latin typeface="Arial" panose="020B0604020202020204" pitchFamily="34" charset="0"/>
-                <a:cs typeface="Arial" panose="020B0604020202020204" pitchFamily="34" charset="0"/>
-              </a:rPr>
-              <a:t>xxxxxx</a:t>
+              <a:rPr lang="en-US" sz="1800" dirty="0" smtClean="0">
+                <a:latin typeface="Arial" panose="020B0604020202020204" pitchFamily="34" charset="0"/>
+                <a:cs typeface="Arial" panose="020B0604020202020204" pitchFamily="34" charset="0"/>
+              </a:rPr>
+              <a:t>140123</a:t>
             </a:r>
             <a:endParaRPr lang="en-US" sz="1800" dirty="0">
               <a:latin typeface="Arial" panose="020B0604020202020204" pitchFamily="34" charset="0"/>
@@ -3337,11 +3344,11 @@
               <a:t>		</a:t>
             </a:r>
             <a:r>
-              <a:rPr lang="en-US" sz="1800" dirty="0" err="1">
-                <a:latin typeface="Arial" panose="020B0604020202020204" pitchFamily="34" charset="0"/>
-                <a:cs typeface="Arial" panose="020B0604020202020204" pitchFamily="34" charset="0"/>
-              </a:rPr>
-              <a:t>xxxxxx</a:t>
+              <a:rPr lang="en-US" sz="1800" dirty="0" smtClean="0">
+                <a:latin typeface="Arial" panose="020B0604020202020204" pitchFamily="34" charset="0"/>
+                <a:cs typeface="Arial" panose="020B0604020202020204" pitchFamily="34" charset="0"/>
+              </a:rPr>
+              <a:t>122622</a:t>
             </a:r>
             <a:endParaRPr lang="en-US" sz="1800" dirty="0">
               <a:latin typeface="Arial" panose="020B0604020202020204" pitchFamily="34" charset="0"/>
@@ -4164,11 +4171,7 @@
             </a:pPr>
             <a:r>
               <a:rPr lang="de-DE" dirty="0"/>
-              <a:t> </a:t>
-            </a:r>
-            <a:r>
-              <a:rPr lang="de-DE" dirty="0"/>
-              <a:t>„</a:t>
+              <a:t> „</a:t>
             </a:r>
             <a:r>
               <a:rPr lang="de-DE" dirty="0" err="1"/>
@@ -4850,7 +4853,6 @@
               <a:rPr lang="de-DE" dirty="0" smtClean="0"/>
               <a:t>Entspricht nicht den Forderungen des Signaturgesetzes in Deutschland</a:t>
             </a:r>
-            <a:endParaRPr lang="de-DE" dirty="0" smtClean="0"/>
           </a:p>
           <a:p>
             <a:pPr marL="742950" lvl="1" indent="-285750">
@@ -9800,7 +9802,6 @@
               <a:rPr lang="de-DE" dirty="0" smtClean="0"/>
               <a:t>Kommunikation mit der VA via OCSP</a:t>
             </a:r>
-            <a:endParaRPr lang="de-DE" dirty="0" smtClean="0"/>
           </a:p>
           <a:p>
             <a:pPr marL="285750" indent="-285750">
@@ -10136,7 +10137,7 @@
   <a:extraClrSchemeLst/>
   <a:extLst>
     <a:ext uri="{05A4C25C-085E-4340-85A3-A5531E510DB2}">
-      <thm15:themeFamily xmlns:thm15="http://schemas.microsoft.com/office/thememl/2012/main" name="Office Theme" id="{62F939B6-93AF-4DB8-9C6B-D6C7DFDC589F}" vid="{4A3C46E8-61CC-4603-A589-7422A47A8E4A}"/>
+      <thm15:themeFamily xmlns:thm15="http://schemas.microsoft.com/office/thememl/2012/main" xmlns="" name="Office Theme" id="{62F939B6-93AF-4DB8-9C6B-D6C7DFDC589F}" vid="{4A3C46E8-61CC-4603-A589-7422A47A8E4A}"/>
     </a:ext>
   </a:extLst>
 </a:theme>

--- a/Erstellung_einer_PKI.pptx
+++ b/Erstellung_einer_PKI.pptx
@@ -8,16 +8,15 @@
     <p:sldId id="256" r:id="rId2"/>
     <p:sldId id="257" r:id="rId3"/>
     <p:sldId id="258" r:id="rId4"/>
-    <p:sldId id="259" r:id="rId5"/>
-    <p:sldId id="266" r:id="rId6"/>
-    <p:sldId id="267" r:id="rId7"/>
-    <p:sldId id="260" r:id="rId8"/>
-    <p:sldId id="268" r:id="rId9"/>
-    <p:sldId id="270" r:id="rId10"/>
-    <p:sldId id="265" r:id="rId11"/>
-    <p:sldId id="269" r:id="rId12"/>
-    <p:sldId id="262" r:id="rId13"/>
-    <p:sldId id="263" r:id="rId14"/>
+    <p:sldId id="271" r:id="rId5"/>
+    <p:sldId id="259" r:id="rId6"/>
+    <p:sldId id="266" r:id="rId7"/>
+    <p:sldId id="267" r:id="rId8"/>
+    <p:sldId id="260" r:id="rId9"/>
+    <p:sldId id="268" r:id="rId10"/>
+    <p:sldId id="270" r:id="rId11"/>
+    <p:sldId id="265" r:id="rId12"/>
+    <p:sldId id="269" r:id="rId13"/>
   </p:sldIdLst>
   <p:sldSz cx="9144000" cy="6858000" type="screen4x3"/>
   <p:notesSz cx="6858000" cy="9144000"/>
@@ -3107,7 +3106,7 @@
           <a:p>
             <a:pPr algn="l"/>
             <a:r>
-              <a:rPr lang="en-US" sz="1800" dirty="0" smtClean="0">
+              <a:rPr lang="en-US" dirty="0">
                 <a:latin typeface="Arial" panose="020B0604020202020204" pitchFamily="34" charset="0"/>
                 <a:cs typeface="Arial" panose="020B0604020202020204" pitchFamily="34" charset="0"/>
               </a:rPr>
@@ -3117,34 +3116,78 @@
           <a:p>
             <a:pPr algn="l"/>
             <a:r>
-              <a:rPr lang="en-US" sz="1800" dirty="0" smtClean="0">
-                <a:latin typeface="Arial" panose="020B0604020202020204" pitchFamily="34" charset="0"/>
-                <a:cs typeface="Arial" panose="020B0604020202020204" pitchFamily="34" charset="0"/>
-              </a:rPr>
-              <a:t>Christian Lange</a:t>
-            </a:r>
-            <a:r>
-              <a:rPr lang="en-US" sz="1800" dirty="0">
-                <a:latin typeface="Arial" panose="020B0604020202020204" pitchFamily="34" charset="0"/>
-                <a:cs typeface="Arial" panose="020B0604020202020204" pitchFamily="34" charset="0"/>
-              </a:rPr>
-              <a:t>	</a:t>
-            </a:r>
-            <a:r>
-              <a:rPr lang="en-US" sz="1800">
-                <a:latin typeface="Arial" panose="020B0604020202020204" pitchFamily="34" charset="0"/>
-                <a:cs typeface="Arial" panose="020B0604020202020204" pitchFamily="34" charset="0"/>
-              </a:rPr>
-              <a:t>	</a:t>
-            </a:r>
-            <a:r>
-              <a:rPr lang="en-US" sz="1800" smtClean="0">
-                <a:latin typeface="Arial" panose="020B0604020202020204" pitchFamily="34" charset="0"/>
-                <a:cs typeface="Arial" panose="020B0604020202020204" pitchFamily="34" charset="0"/>
-              </a:rPr>
-              <a:t>1063291</a:t>
-            </a:r>
-            <a:endParaRPr lang="en-US" sz="1800" dirty="0" smtClean="0">
+              <a:rPr lang="en-US" dirty="0">
+                <a:latin typeface="Arial" panose="020B0604020202020204" pitchFamily="34" charset="0"/>
+                <a:cs typeface="Arial" panose="020B0604020202020204" pitchFamily="34" charset="0"/>
+              </a:rPr>
+              <a:t>Christian Lange		1063291</a:t>
+            </a:r>
+          </a:p>
+          <a:p>
+            <a:pPr algn="l"/>
+            <a:r>
+              <a:rPr lang="en-US" dirty="0">
+                <a:latin typeface="Arial" panose="020B0604020202020204" pitchFamily="34" charset="0"/>
+                <a:cs typeface="Arial" panose="020B0604020202020204" pitchFamily="34" charset="0"/>
+              </a:rPr>
+              <a:t>David </a:t>
+            </a:r>
+            <a:r>
+              <a:rPr lang="en-US" dirty="0" err="1">
+                <a:latin typeface="Arial" panose="020B0604020202020204" pitchFamily="34" charset="0"/>
+                <a:cs typeface="Arial" panose="020B0604020202020204" pitchFamily="34" charset="0"/>
+              </a:rPr>
+              <a:t>Nieslony</a:t>
+            </a:r>
+            <a:r>
+              <a:rPr lang="en-US" dirty="0">
+                <a:latin typeface="Arial" panose="020B0604020202020204" pitchFamily="34" charset="0"/>
+                <a:cs typeface="Arial" panose="020B0604020202020204" pitchFamily="34" charset="0"/>
+              </a:rPr>
+              <a:t>		120501</a:t>
+            </a:r>
+          </a:p>
+          <a:p>
+            <a:pPr algn="l"/>
+            <a:r>
+              <a:rPr lang="en-US" dirty="0">
+                <a:latin typeface="Arial" panose="020B0604020202020204" pitchFamily="34" charset="0"/>
+                <a:cs typeface="Arial" panose="020B0604020202020204" pitchFamily="34" charset="0"/>
+              </a:rPr>
+              <a:t>Holger </a:t>
+            </a:r>
+            <a:r>
+              <a:rPr lang="en-US" dirty="0" err="1">
+                <a:latin typeface="Arial" panose="020B0604020202020204" pitchFamily="34" charset="0"/>
+                <a:cs typeface="Arial" panose="020B0604020202020204" pitchFamily="34" charset="0"/>
+              </a:rPr>
+              <a:t>Heeren</a:t>
+            </a:r>
+            <a:r>
+              <a:rPr lang="en-US" dirty="0">
+                <a:latin typeface="Arial" panose="020B0604020202020204" pitchFamily="34" charset="0"/>
+                <a:cs typeface="Arial" panose="020B0604020202020204" pitchFamily="34" charset="0"/>
+              </a:rPr>
+              <a:t>		139944</a:t>
+            </a:r>
+          </a:p>
+          <a:p>
+            <a:pPr algn="l"/>
+            <a:r>
+              <a:rPr lang="en-US" dirty="0">
+                <a:latin typeface="Arial" panose="020B0604020202020204" pitchFamily="34" charset="0"/>
+                <a:cs typeface="Arial" panose="020B0604020202020204" pitchFamily="34" charset="0"/>
+              </a:rPr>
+              <a:t>Marvin Lutz			</a:t>
+            </a:r>
+            <a:r>
+              <a:rPr lang="en-US" dirty="0" err="1">
+                <a:latin typeface="Arial" panose="020B0604020202020204" pitchFamily="34" charset="0"/>
+                <a:cs typeface="Arial" panose="020B0604020202020204" pitchFamily="34" charset="0"/>
+              </a:rPr>
+              <a:t>xxxxxx</a:t>
+            </a:r>
+            <a:endParaRPr lang="en-US" dirty="0">
               <a:latin typeface="Arial" panose="020B0604020202020204" pitchFamily="34" charset="0"/>
               <a:cs typeface="Arial" panose="020B0604020202020204" pitchFamily="34" charset="0"/>
             </a:endParaRPr>
@@ -3152,208 +3195,60 @@
           <a:p>
             <a:pPr algn="l"/>
             <a:r>
-              <a:rPr lang="en-US" sz="1800" dirty="0">
-                <a:latin typeface="Arial" panose="020B0604020202020204" pitchFamily="34" charset="0"/>
-                <a:cs typeface="Arial" panose="020B0604020202020204" pitchFamily="34" charset="0"/>
-              </a:rPr>
-              <a:t>David </a:t>
-            </a:r>
-            <a:r>
-              <a:rPr lang="en-US" sz="1800" dirty="0" err="1" smtClean="0">
-                <a:latin typeface="Arial" panose="020B0604020202020204" pitchFamily="34" charset="0"/>
-                <a:cs typeface="Arial" panose="020B0604020202020204" pitchFamily="34" charset="0"/>
-              </a:rPr>
-              <a:t>Nieslony</a:t>
-            </a:r>
-            <a:r>
-              <a:rPr lang="en-US" sz="1800" dirty="0" smtClean="0">
-                <a:latin typeface="Arial" panose="020B0604020202020204" pitchFamily="34" charset="0"/>
-                <a:cs typeface="Arial" panose="020B0604020202020204" pitchFamily="34" charset="0"/>
-              </a:rPr>
-              <a:t>		</a:t>
-            </a:r>
-            <a:r>
-              <a:rPr lang="en-US" sz="1800" dirty="0" smtClean="0">
-                <a:latin typeface="Arial" panose="020B0604020202020204" pitchFamily="34" charset="0"/>
-                <a:cs typeface="Arial" panose="020B0604020202020204" pitchFamily="34" charset="0"/>
-              </a:rPr>
-              <a:t>120501</a:t>
-            </a:r>
-            <a:endParaRPr lang="en-US" sz="1800" dirty="0" smtClean="0">
-              <a:latin typeface="Arial" panose="020B0604020202020204" pitchFamily="34" charset="0"/>
-              <a:cs typeface="Arial" panose="020B0604020202020204" pitchFamily="34" charset="0"/>
-            </a:endParaRPr>
+              <a:rPr lang="en-US" dirty="0">
+                <a:latin typeface="Arial" panose="020B0604020202020204" pitchFamily="34" charset="0"/>
+                <a:cs typeface="Arial" panose="020B0604020202020204" pitchFamily="34" charset="0"/>
+              </a:rPr>
+              <a:t>Philipp Meyer			140123</a:t>
+            </a:r>
           </a:p>
           <a:p>
             <a:pPr algn="l"/>
             <a:r>
-              <a:rPr lang="en-US" sz="1800" dirty="0">
-                <a:latin typeface="Arial" panose="020B0604020202020204" pitchFamily="34" charset="0"/>
-                <a:cs typeface="Arial" panose="020B0604020202020204" pitchFamily="34" charset="0"/>
-              </a:rPr>
-              <a:t>Holger </a:t>
-            </a:r>
-            <a:r>
-              <a:rPr lang="en-US" sz="1800" dirty="0" err="1" smtClean="0">
-                <a:latin typeface="Arial" panose="020B0604020202020204" pitchFamily="34" charset="0"/>
-                <a:cs typeface="Arial" panose="020B0604020202020204" pitchFamily="34" charset="0"/>
-              </a:rPr>
-              <a:t>Heeren</a:t>
-            </a:r>
-            <a:r>
-              <a:rPr lang="en-US" sz="1800" dirty="0" smtClean="0">
-                <a:latin typeface="Arial" panose="020B0604020202020204" pitchFamily="34" charset="0"/>
-                <a:cs typeface="Arial" panose="020B0604020202020204" pitchFamily="34" charset="0"/>
-              </a:rPr>
-              <a:t>		139944</a:t>
-            </a:r>
-            <a:endParaRPr lang="en-US" sz="1800" dirty="0">
-              <a:latin typeface="Arial" panose="020B0604020202020204" pitchFamily="34" charset="0"/>
-              <a:cs typeface="Arial" panose="020B0604020202020204" pitchFamily="34" charset="0"/>
-            </a:endParaRPr>
+              <a:rPr lang="en-US" dirty="0">
+                <a:latin typeface="Arial" panose="020B0604020202020204" pitchFamily="34" charset="0"/>
+                <a:cs typeface="Arial" panose="020B0604020202020204" pitchFamily="34" charset="0"/>
+              </a:rPr>
+              <a:t>Ricco </a:t>
+            </a:r>
+            <a:r>
+              <a:rPr lang="en-US" dirty="0" err="1">
+                <a:latin typeface="Arial" panose="020B0604020202020204" pitchFamily="34" charset="0"/>
+                <a:cs typeface="Arial" panose="020B0604020202020204" pitchFamily="34" charset="0"/>
+              </a:rPr>
+              <a:t>Schönebeck</a:t>
+            </a:r>
+            <a:r>
+              <a:rPr lang="en-US" dirty="0">
+                <a:latin typeface="Arial" panose="020B0604020202020204" pitchFamily="34" charset="0"/>
+                <a:cs typeface="Arial" panose="020B0604020202020204" pitchFamily="34" charset="0"/>
+              </a:rPr>
+              <a:t>		139952</a:t>
+            </a:r>
           </a:p>
           <a:p>
             <a:pPr algn="l"/>
             <a:r>
-              <a:rPr lang="en-US" sz="1800" dirty="0">
-                <a:latin typeface="Arial" panose="020B0604020202020204" pitchFamily="34" charset="0"/>
-                <a:cs typeface="Arial" panose="020B0604020202020204" pitchFamily="34" charset="0"/>
-              </a:rPr>
-              <a:t>Marvin </a:t>
-            </a:r>
-            <a:r>
-              <a:rPr lang="en-US" sz="1800" dirty="0" smtClean="0">
-                <a:latin typeface="Arial" panose="020B0604020202020204" pitchFamily="34" charset="0"/>
-                <a:cs typeface="Arial" panose="020B0604020202020204" pitchFamily="34" charset="0"/>
-              </a:rPr>
-              <a:t>Lutz</a:t>
-            </a:r>
-            <a:r>
-              <a:rPr lang="en-US" sz="1800" dirty="0">
-                <a:latin typeface="Arial" panose="020B0604020202020204" pitchFamily="34" charset="0"/>
-                <a:cs typeface="Arial" panose="020B0604020202020204" pitchFamily="34" charset="0"/>
-              </a:rPr>
-              <a:t>		</a:t>
-            </a:r>
-            <a:r>
-              <a:rPr lang="en-US" sz="1800" dirty="0" smtClean="0">
-                <a:latin typeface="Arial" panose="020B0604020202020204" pitchFamily="34" charset="0"/>
-                <a:cs typeface="Arial" panose="020B0604020202020204" pitchFamily="34" charset="0"/>
-              </a:rPr>
-              <a:t>	</a:t>
-            </a:r>
-            <a:r>
-              <a:rPr lang="en-US" sz="1800" dirty="0" err="1" smtClean="0">
-                <a:latin typeface="Arial" panose="020B0604020202020204" pitchFamily="34" charset="0"/>
-                <a:cs typeface="Arial" panose="020B0604020202020204" pitchFamily="34" charset="0"/>
-              </a:rPr>
-              <a:t>xxxxxx</a:t>
-            </a:r>
-            <a:endParaRPr lang="en-US" sz="1800" dirty="0" smtClean="0">
-              <a:latin typeface="Arial" panose="020B0604020202020204" pitchFamily="34" charset="0"/>
-              <a:cs typeface="Arial" panose="020B0604020202020204" pitchFamily="34" charset="0"/>
-            </a:endParaRPr>
-          </a:p>
-          <a:p>
-            <a:pPr algn="l"/>
-            <a:r>
-              <a:rPr lang="en-US" sz="1800" dirty="0" smtClean="0">
-                <a:latin typeface="Arial" panose="020B0604020202020204" pitchFamily="34" charset="0"/>
-                <a:cs typeface="Arial" panose="020B0604020202020204" pitchFamily="34" charset="0"/>
-              </a:rPr>
-              <a:t>Philipp Meyer</a:t>
-            </a:r>
-            <a:r>
-              <a:rPr lang="en-US" sz="1800" dirty="0">
-                <a:latin typeface="Arial" panose="020B0604020202020204" pitchFamily="34" charset="0"/>
-                <a:cs typeface="Arial" panose="020B0604020202020204" pitchFamily="34" charset="0"/>
-              </a:rPr>
-              <a:t>		</a:t>
-            </a:r>
-            <a:r>
-              <a:rPr lang="en-US" sz="1800" dirty="0" smtClean="0">
-                <a:latin typeface="Arial" panose="020B0604020202020204" pitchFamily="34" charset="0"/>
-                <a:cs typeface="Arial" panose="020B0604020202020204" pitchFamily="34" charset="0"/>
-              </a:rPr>
-              <a:t>	</a:t>
-            </a:r>
-            <a:r>
-              <a:rPr lang="en-US" sz="1800" dirty="0" smtClean="0">
-                <a:latin typeface="Arial" panose="020B0604020202020204" pitchFamily="34" charset="0"/>
-                <a:cs typeface="Arial" panose="020B0604020202020204" pitchFamily="34" charset="0"/>
-              </a:rPr>
-              <a:t>140123</a:t>
-            </a:r>
-            <a:endParaRPr lang="en-US" sz="1800" dirty="0">
-              <a:latin typeface="Arial" panose="020B0604020202020204" pitchFamily="34" charset="0"/>
-              <a:cs typeface="Arial" panose="020B0604020202020204" pitchFamily="34" charset="0"/>
-            </a:endParaRPr>
-          </a:p>
-          <a:p>
-            <a:pPr algn="l"/>
-            <a:r>
-              <a:rPr lang="en-US" sz="1800" dirty="0" smtClean="0">
-                <a:latin typeface="Arial" panose="020B0604020202020204" pitchFamily="34" charset="0"/>
-                <a:cs typeface="Arial" panose="020B0604020202020204" pitchFamily="34" charset="0"/>
-              </a:rPr>
-              <a:t>Ricco </a:t>
-            </a:r>
-            <a:r>
-              <a:rPr lang="en-US" sz="1800" dirty="0" err="1" smtClean="0">
-                <a:latin typeface="Arial" panose="020B0604020202020204" pitchFamily="34" charset="0"/>
-                <a:cs typeface="Arial" panose="020B0604020202020204" pitchFamily="34" charset="0"/>
-              </a:rPr>
-              <a:t>Schönebeck</a:t>
-            </a:r>
-            <a:r>
-              <a:rPr lang="en-US" sz="1800" dirty="0">
-                <a:latin typeface="Arial" panose="020B0604020202020204" pitchFamily="34" charset="0"/>
-                <a:cs typeface="Arial" panose="020B0604020202020204" pitchFamily="34" charset="0"/>
-              </a:rPr>
-              <a:t>	</a:t>
-            </a:r>
-            <a:r>
-              <a:rPr lang="en-US" sz="1800" dirty="0" smtClean="0">
-                <a:latin typeface="Arial" panose="020B0604020202020204" pitchFamily="34" charset="0"/>
-                <a:cs typeface="Arial" panose="020B0604020202020204" pitchFamily="34" charset="0"/>
-              </a:rPr>
-              <a:t>	139952</a:t>
-            </a:r>
-          </a:p>
-          <a:p>
-            <a:pPr algn="l"/>
-            <a:r>
-              <a:rPr lang="en-US" sz="1800" dirty="0" smtClean="0">
+              <a:rPr lang="en-US" dirty="0">
                 <a:latin typeface="Arial" panose="020B0604020202020204" pitchFamily="34" charset="0"/>
                 <a:cs typeface="Arial" panose="020B0604020202020204" pitchFamily="34" charset="0"/>
               </a:rPr>
               <a:t>Roland </a:t>
             </a:r>
             <a:r>
-              <a:rPr lang="en-US" sz="1800" dirty="0" err="1" smtClean="0">
+              <a:rPr lang="en-US" dirty="0" err="1">
                 <a:latin typeface="Arial" panose="020B0604020202020204" pitchFamily="34" charset="0"/>
                 <a:cs typeface="Arial" panose="020B0604020202020204" pitchFamily="34" charset="0"/>
               </a:rPr>
               <a:t>Dudko</a:t>
             </a:r>
             <a:r>
-              <a:rPr lang="en-US" sz="1800" dirty="0">
-                <a:latin typeface="Arial" panose="020B0604020202020204" pitchFamily="34" charset="0"/>
-                <a:cs typeface="Arial" panose="020B0604020202020204" pitchFamily="34" charset="0"/>
-              </a:rPr>
-              <a:t>		</a:t>
-            </a:r>
-            <a:r>
-              <a:rPr lang="en-US" sz="1800" dirty="0" smtClean="0">
-                <a:latin typeface="Arial" panose="020B0604020202020204" pitchFamily="34" charset="0"/>
-                <a:cs typeface="Arial" panose="020B0604020202020204" pitchFamily="34" charset="0"/>
-              </a:rPr>
-              <a:t>122622</a:t>
-            </a:r>
-            <a:endParaRPr lang="en-US" sz="1800" dirty="0">
-              <a:latin typeface="Arial" panose="020B0604020202020204" pitchFamily="34" charset="0"/>
-              <a:cs typeface="Arial" panose="020B0604020202020204" pitchFamily="34" charset="0"/>
-            </a:endParaRPr>
+              <a:rPr lang="en-US" dirty="0">
+                <a:latin typeface="Arial" panose="020B0604020202020204" pitchFamily="34" charset="0"/>
+                <a:cs typeface="Arial" panose="020B0604020202020204" pitchFamily="34" charset="0"/>
+              </a:rPr>
+              <a:t>		122622</a:t>
+            </a:r>
           </a:p>
           <a:p>
             <a:pPr algn="l"/>
@@ -3589,7 +3484,7 @@
         <p:spPr>
           <a:xfrm>
             <a:off x="381000" y="533400"/>
-            <a:ext cx="8229600" cy="838200"/>
+            <a:ext cx="8229600" cy="990600"/>
           </a:xfrm>
         </p:spPr>
         <p:txBody>
@@ -3599,58 +3494,11 @@
           <a:lstStyle/>
           <a:p>
             <a:r>
-              <a:rPr lang="en-GB" dirty="0" smtClean="0">
-                <a:solidFill>
-                  <a:schemeClr val="tx1"/>
-                </a:solidFill>
-                <a:latin typeface="Arial" panose="020B0604020202020204" pitchFamily="34" charset="0"/>
-                <a:cs typeface="Arial" panose="020B0604020202020204" pitchFamily="34" charset="0"/>
-              </a:rPr>
-              <a:t>Online </a:t>
-            </a:r>
-            <a:r>
-              <a:rPr lang="en-GB" dirty="0">
-                <a:solidFill>
-                  <a:schemeClr val="tx1"/>
-                </a:solidFill>
-                <a:latin typeface="Arial" panose="020B0604020202020204" pitchFamily="34" charset="0"/>
-                <a:cs typeface="Arial" panose="020B0604020202020204" pitchFamily="34" charset="0"/>
-              </a:rPr>
-              <a:t>Certificate Status </a:t>
-            </a:r>
-            <a:r>
-              <a:rPr lang="en-GB" dirty="0" smtClean="0">
-                <a:solidFill>
-                  <a:schemeClr val="tx1"/>
-                </a:solidFill>
-                <a:latin typeface="Arial" panose="020B0604020202020204" pitchFamily="34" charset="0"/>
-                <a:cs typeface="Arial" panose="020B0604020202020204" pitchFamily="34" charset="0"/>
-              </a:rPr>
-              <a:t>Protocol</a:t>
-            </a:r>
-            <a:r>
-              <a:rPr lang="de-DE" noProof="1">
-                <a:latin typeface="Arial" panose="020B0604020202020204" pitchFamily="34" charset="0"/>
-                <a:cs typeface="Arial" panose="020B0604020202020204" pitchFamily="34" charset="0"/>
-              </a:rPr>
-              <a:t> </a:t>
-            </a:r>
-            <a:r>
-              <a:rPr lang="de-DE" noProof="1" smtClean="0">
-                <a:latin typeface="Arial" panose="020B0604020202020204" pitchFamily="34" charset="0"/>
-                <a:cs typeface="Arial" panose="020B0604020202020204" pitchFamily="34" charset="0"/>
-              </a:rPr>
-              <a:t>(</a:t>
-            </a:r>
-            <a:r>
-              <a:rPr lang="en-US" dirty="0" smtClean="0">
-                <a:solidFill>
-                  <a:schemeClr val="tx1"/>
-                </a:solidFill>
-                <a:latin typeface="Arial" panose="020B0604020202020204" pitchFamily="34" charset="0"/>
-                <a:cs typeface="Arial" panose="020B0604020202020204" pitchFamily="34" charset="0"/>
-              </a:rPr>
-              <a:t>OCSP)</a:t>
+              <a:rPr lang="de-DE" dirty="0" smtClean="0">
+                <a:latin typeface="Arial" panose="020B0604020202020204" pitchFamily="34" charset="0"/>
+                <a:cs typeface="Arial" panose="020B0604020202020204" pitchFamily="34" charset="0"/>
+              </a:rPr>
+              <a:t>Zertifikatsüberprüfung anfordern</a:t>
             </a:r>
             <a:endParaRPr lang="en-GB" dirty="0">
               <a:solidFill>
@@ -4015,14 +3863,14 @@
       </p:sp>
       <p:sp>
         <p:nvSpPr>
-          <p:cNvPr id="8" name="Textfeld 7"/>
+          <p:cNvPr id="9" name="Textfeld 8"/>
           <p:cNvSpPr txBox="1"/>
           <p:nvPr/>
         </p:nvSpPr>
         <p:spPr>
           <a:xfrm>
-            <a:off x="343188" y="1179731"/>
-            <a:ext cx="8411895" cy="6740307"/>
+            <a:off x="351104" y="1713976"/>
+            <a:ext cx="8640495" cy="3554819"/>
           </a:xfrm>
           <a:prstGeom prst="rect">
             <a:avLst/>
@@ -4036,170 +3884,150 @@
           <a:lstStyle/>
           <a:p>
             <a:pPr marL="285750" indent="-285750">
+              <a:lnSpc>
+                <a:spcPct val="150000"/>
+              </a:lnSpc>
               <a:buFontTx/>
               <a:buChar char="-"/>
             </a:pPr>
             <a:r>
-              <a:rPr lang="de-DE" dirty="0" smtClean="0"/>
-              <a:t>Netzwerkprotokoll zur Abfragung des Status eines oder mehrerer </a:t>
-            </a:r>
-            <a:r>
-              <a:rPr lang="de-DE" dirty="0"/>
-              <a:t> </a:t>
-            </a:r>
-            <a:r>
-              <a:rPr lang="de-DE" dirty="0" smtClean="0"/>
-              <a:t>X.509-Zertifikate bei einer VA</a:t>
-            </a:r>
-          </a:p>
-          <a:p>
-            <a:pPr marL="285750" indent="-285750">
+              <a:rPr lang="de-DE" dirty="0" smtClean="0">
+                <a:latin typeface="Arial" panose="020B0604020202020204" pitchFamily="34" charset="0"/>
+                <a:cs typeface="Arial" panose="020B0604020202020204" pitchFamily="34" charset="0"/>
+              </a:rPr>
+              <a:t>Wenn ein Zertifikat angefordert wird, </a:t>
+            </a:r>
+            <a:r>
+              <a:rPr lang="de-DE" dirty="0">
+                <a:latin typeface="Arial" panose="020B0604020202020204" pitchFamily="34" charset="0"/>
+                <a:cs typeface="Arial" panose="020B0604020202020204" pitchFamily="34" charset="0"/>
+              </a:rPr>
+              <a:t>verifiziert </a:t>
+            </a:r>
+            <a:r>
+              <a:rPr lang="de-DE" dirty="0" smtClean="0">
+                <a:latin typeface="Arial" panose="020B0604020202020204" pitchFamily="34" charset="0"/>
+                <a:cs typeface="Arial" panose="020B0604020202020204" pitchFamily="34" charset="0"/>
+              </a:rPr>
+              <a:t>das Trust-Center dieses Zertifikat</a:t>
+            </a:r>
+          </a:p>
+          <a:p>
+            <a:pPr marL="742950" lvl="1" indent="-285750">
+              <a:lnSpc>
+                <a:spcPct val="150000"/>
+              </a:lnSpc>
               <a:buFontTx/>
               <a:buChar char="-"/>
             </a:pPr>
-            <a:endParaRPr lang="de-DE" dirty="0"/>
-          </a:p>
-          <a:p>
-            <a:pPr marL="285750" indent="-285750">
+            <a:r>
+              <a:rPr lang="de-DE" dirty="0" smtClean="0">
+                <a:latin typeface="Arial" panose="020B0604020202020204" pitchFamily="34" charset="0"/>
+                <a:cs typeface="Arial" panose="020B0604020202020204" pitchFamily="34" charset="0"/>
+              </a:rPr>
+              <a:t>Webbrowser sendet das Zertifikat zur ZDA</a:t>
+            </a:r>
+          </a:p>
+          <a:p>
+            <a:pPr marL="742950" lvl="1" indent="-285750">
+              <a:lnSpc>
+                <a:spcPct val="150000"/>
+              </a:lnSpc>
               <a:buFontTx/>
               <a:buChar char="-"/>
             </a:pPr>
             <a:r>
-              <a:rPr lang="de-DE" dirty="0" smtClean="0"/>
-              <a:t>OSCP-</a:t>
-            </a:r>
-            <a:r>
-              <a:rPr lang="de-DE" dirty="0" err="1" smtClean="0"/>
-              <a:t>Responder</a:t>
-            </a:r>
-            <a:r>
-              <a:rPr lang="de-DE" dirty="0" smtClean="0"/>
-              <a:t> wird i.d.R. vom Herausgeber des Zertifikats betrieben (ZDA)</a:t>
+              <a:rPr lang="de-DE" dirty="0" smtClean="0">
+                <a:latin typeface="Arial" panose="020B0604020202020204" pitchFamily="34" charset="0"/>
+                <a:cs typeface="Arial" panose="020B0604020202020204" pitchFamily="34" charset="0"/>
+              </a:rPr>
+              <a:t>Kommunikation mit der VA via OCSP</a:t>
             </a:r>
           </a:p>
           <a:p>
             <a:pPr marL="285750" indent="-285750">
+              <a:lnSpc>
+                <a:spcPct val="150000"/>
+              </a:lnSpc>
               <a:buFontTx/>
               <a:buChar char="-"/>
             </a:pPr>
-            <a:endParaRPr lang="de-DE" dirty="0"/>
+            <a:endParaRPr lang="de-DE" dirty="0">
+              <a:latin typeface="Arial" panose="020B0604020202020204" pitchFamily="34" charset="0"/>
+              <a:cs typeface="Arial" panose="020B0604020202020204" pitchFamily="34" charset="0"/>
+            </a:endParaRPr>
           </a:p>
           <a:p>
             <a:pPr marL="285750" indent="-285750">
+              <a:lnSpc>
+                <a:spcPct val="150000"/>
+              </a:lnSpc>
               <a:buFontTx/>
               <a:buChar char="-"/>
             </a:pPr>
             <a:r>
-              <a:rPr lang="de-DE" dirty="0" smtClean="0"/>
-              <a:t>Kann sekundengenaue Sperrinformationen liefern, hängt von der verwendeten Datenbasis ab</a:t>
-            </a:r>
-          </a:p>
-          <a:p>
-            <a:pPr marL="285750" indent="-285750">
+              <a:rPr lang="de-DE" dirty="0" smtClean="0">
+                <a:latin typeface="Arial" panose="020B0604020202020204" pitchFamily="34" charset="0"/>
+                <a:cs typeface="Arial" panose="020B0604020202020204" pitchFamily="34" charset="0"/>
+              </a:rPr>
+              <a:t>Darüber hinaus: Extended Validation</a:t>
+            </a:r>
+          </a:p>
+          <a:p>
+            <a:pPr marL="742950" lvl="1" indent="-285750">
+              <a:lnSpc>
+                <a:spcPct val="150000"/>
+              </a:lnSpc>
               <a:buFontTx/>
               <a:buChar char="-"/>
             </a:pPr>
-            <a:endParaRPr lang="de-DE" dirty="0"/>
-          </a:p>
-          <a:p>
-            <a:pPr marL="285750" indent="-285750">
+            <a:r>
+              <a:rPr lang="de-DE" dirty="0" smtClean="0">
+                <a:latin typeface="Arial" panose="020B0604020202020204" pitchFamily="34" charset="0"/>
+                <a:cs typeface="Arial" panose="020B0604020202020204" pitchFamily="34" charset="0"/>
+              </a:rPr>
+              <a:t>Internet Adresse beginnt mit http</a:t>
+            </a:r>
+            <a:r>
+              <a:rPr lang="de-DE" dirty="0" smtClean="0">
+                <a:solidFill>
+                  <a:srgbClr val="FF0000"/>
+                </a:solidFill>
+                <a:latin typeface="Arial" panose="020B0604020202020204" pitchFamily="34" charset="0"/>
+                <a:cs typeface="Arial" panose="020B0604020202020204" pitchFamily="34" charset="0"/>
+              </a:rPr>
+              <a:t>s</a:t>
+            </a:r>
+          </a:p>
+          <a:p>
+            <a:pPr marL="742950" lvl="1" indent="-285750">
+              <a:lnSpc>
+                <a:spcPct val="150000"/>
+              </a:lnSpc>
               <a:buFontTx/>
               <a:buChar char="-"/>
             </a:pPr>
             <a:r>
-              <a:rPr lang="de-DE" dirty="0" smtClean="0"/>
-              <a:t>Antworten eines OSCP-</a:t>
-            </a:r>
-            <a:r>
-              <a:rPr lang="de-DE" dirty="0" err="1" smtClean="0"/>
-              <a:t>Responders</a:t>
-            </a:r>
-            <a:endParaRPr lang="de-DE" dirty="0" smtClean="0"/>
-          </a:p>
-          <a:p>
-            <a:pPr marL="742950" lvl="1" indent="-285750">
-              <a:buFontTx/>
-              <a:buChar char="-"/>
-            </a:pPr>
-            <a:r>
-              <a:rPr lang="de-DE" dirty="0"/>
-              <a:t> „</a:t>
-            </a:r>
-            <a:r>
-              <a:rPr lang="de-DE" dirty="0" err="1"/>
-              <a:t>good</a:t>
-            </a:r>
-            <a:r>
-              <a:rPr lang="de-DE" dirty="0" smtClean="0"/>
-              <a:t>“ 	 </a:t>
-            </a:r>
-            <a:r>
               <a:rPr lang="de-DE" dirty="0" smtClean="0">
-                <a:sym typeface="Wingdings" panose="05000000000000000000" pitchFamily="2" charset="2"/>
-              </a:rPr>
-              <a:t> Zertifikat nicht gesperrt, es kann nicht entnommen werden ob es zwischenzeitlich gesperrt war!</a:t>
-            </a:r>
-          </a:p>
-          <a:p>
-            <a:pPr marL="742950" lvl="1" indent="-285750">
-              <a:buFontTx/>
-              <a:buChar char="-"/>
-            </a:pPr>
-            <a:r>
-              <a:rPr lang="de-DE" dirty="0"/>
-              <a:t> „</a:t>
-            </a:r>
-            <a:r>
-              <a:rPr lang="de-DE" dirty="0" err="1"/>
-              <a:t>revoked</a:t>
-            </a:r>
-            <a:r>
-              <a:rPr lang="de-DE" dirty="0" smtClean="0"/>
-              <a:t>“	 </a:t>
+                <a:latin typeface="Arial" panose="020B0604020202020204" pitchFamily="34" charset="0"/>
+                <a:cs typeface="Arial" panose="020B0604020202020204" pitchFamily="34" charset="0"/>
+              </a:rPr>
+              <a:t>Name der Organisation und </a:t>
+            </a:r>
+            <a:r>
+              <a:rPr lang="de-DE" dirty="0">
+                <a:latin typeface="Arial" panose="020B0604020202020204" pitchFamily="34" charset="0"/>
+                <a:cs typeface="Arial" panose="020B0604020202020204" pitchFamily="34" charset="0"/>
+              </a:rPr>
+              <a:t> </a:t>
             </a:r>
             <a:r>
               <a:rPr lang="de-DE" dirty="0" smtClean="0">
-                <a:sym typeface="Wingdings" panose="05000000000000000000" pitchFamily="2" charset="2"/>
-              </a:rPr>
-              <a:t> Zertifikat gesperrt, Angabe mit Sperrzeitpunkt</a:t>
-            </a:r>
-          </a:p>
-          <a:p>
-            <a:pPr marL="742950" lvl="1" indent="-285750">
-              <a:buFontTx/>
-              <a:buChar char="-"/>
-            </a:pPr>
-            <a:r>
-              <a:rPr lang="de-DE" dirty="0"/>
-              <a:t> „</a:t>
-            </a:r>
-            <a:r>
-              <a:rPr lang="de-DE" dirty="0" err="1"/>
-              <a:t>unknown</a:t>
-            </a:r>
-            <a:r>
-              <a:rPr lang="de-DE" dirty="0" smtClean="0"/>
-              <a:t>“ </a:t>
-            </a:r>
-            <a:r>
-              <a:rPr lang="de-DE" dirty="0" smtClean="0">
-                <a:sym typeface="Wingdings" panose="05000000000000000000" pitchFamily="2" charset="2"/>
-              </a:rPr>
-              <a:t> Status konnte nicht Ermittelt werden</a:t>
-            </a:r>
-          </a:p>
-          <a:p>
-            <a:pPr marL="742950" lvl="1" indent="-285750">
-              <a:buFontTx/>
-              <a:buChar char="-"/>
-            </a:pPr>
-            <a:r>
-              <a:rPr lang="de-DE" dirty="0" smtClean="0">
-                <a:sym typeface="Wingdings" panose="05000000000000000000" pitchFamily="2" charset="2"/>
-              </a:rPr>
-              <a:t>Alle erfolgreichen Antworten sind digital signiert</a:t>
-            </a:r>
-            <a:endParaRPr lang="de-DE" dirty="0"/>
+                <a:latin typeface="Arial" panose="020B0604020202020204" pitchFamily="34" charset="0"/>
+                <a:cs typeface="Arial" panose="020B0604020202020204" pitchFamily="34" charset="0"/>
+              </a:rPr>
+              <a:t>der ZDA neben der Internetadresse sichtbar</a:t>
+            </a:r>
           </a:p>
           <a:p>
             <a:pPr marL="742950" lvl="1" indent="-285750">
@@ -4209,72 +4037,6 @@
             <a:endParaRPr lang="de-DE" dirty="0" smtClean="0"/>
           </a:p>
           <a:p>
-            <a:endParaRPr lang="de-DE" dirty="0"/>
-          </a:p>
-          <a:p>
-            <a:pPr marL="285750" indent="-285750">
-              <a:buFontTx/>
-              <a:buChar char="-"/>
-            </a:pPr>
-            <a:r>
-              <a:rPr lang="de-DE" dirty="0" smtClean="0"/>
-              <a:t>Anwendungsfälle:</a:t>
-            </a:r>
-          </a:p>
-          <a:p>
-            <a:pPr marL="742950" lvl="1" indent="-285750">
-              <a:buFontTx/>
-              <a:buChar char="-"/>
-            </a:pPr>
-            <a:r>
-              <a:rPr lang="de-DE" dirty="0" smtClean="0"/>
-              <a:t>Prüfung digitaler Signaturen</a:t>
-            </a:r>
-          </a:p>
-          <a:p>
-            <a:pPr marL="742950" lvl="1" indent="-285750">
-              <a:buFontTx/>
-              <a:buChar char="-"/>
-            </a:pPr>
-            <a:r>
-              <a:rPr lang="de-DE" b="1" dirty="0"/>
-              <a:t>Authentisierung in </a:t>
-            </a:r>
-            <a:r>
-              <a:rPr lang="de-DE" b="1" dirty="0" smtClean="0"/>
-              <a:t>Kommunikationsprotokollen</a:t>
-            </a:r>
-          </a:p>
-          <a:p>
-            <a:pPr marL="742950" lvl="1" indent="-285750">
-              <a:buFontTx/>
-              <a:buChar char="-"/>
-            </a:pPr>
-            <a:r>
-              <a:rPr lang="de-DE" dirty="0"/>
-              <a:t>Versendung verschlüsselter E-Mails </a:t>
-            </a:r>
-            <a:endParaRPr lang="de-DE" dirty="0" smtClean="0"/>
-          </a:p>
-          <a:p>
-            <a:pPr marL="742950" lvl="1" indent="-285750">
-              <a:buFontTx/>
-              <a:buChar char="-"/>
-            </a:pPr>
-            <a:endParaRPr lang="de-DE" dirty="0"/>
-          </a:p>
-          <a:p>
-            <a:pPr lvl="1"/>
-            <a:endParaRPr lang="de-DE" dirty="0" smtClean="0"/>
-          </a:p>
-          <a:p>
-            <a:pPr marL="742950" lvl="1" indent="-285750">
-              <a:buFontTx/>
-              <a:buChar char="-"/>
-            </a:pPr>
-            <a:endParaRPr lang="de-DE" dirty="0" smtClean="0"/>
-          </a:p>
-          <a:p>
             <a:pPr lvl="1"/>
             <a:endParaRPr lang="de-DE" dirty="0" smtClean="0"/>
           </a:p>
@@ -4283,7 +4045,7 @@
     </p:spTree>
     <p:extLst>
       <p:ext uri="{BB962C8B-B14F-4D97-AF65-F5344CB8AC3E}">
-        <p14:creationId xmlns:p14="http://schemas.microsoft.com/office/powerpoint/2010/main" val="141236761"/>
+        <p14:creationId xmlns:p14="http://schemas.microsoft.com/office/powerpoint/2010/main" val="1175245754"/>
       </p:ext>
     </p:extLst>
   </p:cSld>
@@ -4323,7 +4085,7 @@
         <p:spPr>
           <a:xfrm>
             <a:off x="381000" y="533400"/>
-            <a:ext cx="8229600" cy="990600"/>
+            <a:ext cx="8229600" cy="838200"/>
           </a:xfrm>
         </p:spPr>
         <p:txBody>
@@ -4333,48 +4095,43 @@
           <a:lstStyle/>
           <a:p>
             <a:r>
-              <a:rPr lang="de-DE" dirty="0" err="1">
-                <a:latin typeface="Arial" panose="020B0604020202020204" pitchFamily="34" charset="0"/>
-                <a:cs typeface="Arial" panose="020B0604020202020204" pitchFamily="34" charset="0"/>
-              </a:rPr>
-              <a:t>Certificate</a:t>
-            </a:r>
-            <a:r>
-              <a:rPr lang="de-DE" dirty="0">
+              <a:rPr lang="en-GB" dirty="0" smtClean="0">
+                <a:solidFill>
+                  <a:schemeClr val="tx1"/>
+                </a:solidFill>
+                <a:latin typeface="Arial" panose="020B0604020202020204" pitchFamily="34" charset="0"/>
+                <a:cs typeface="Arial" panose="020B0604020202020204" pitchFamily="34" charset="0"/>
+              </a:rPr>
+              <a:t>Online </a:t>
+            </a:r>
+            <a:r>
+              <a:rPr lang="en-GB" dirty="0">
+                <a:solidFill>
+                  <a:schemeClr val="tx1"/>
+                </a:solidFill>
+                <a:latin typeface="Arial" panose="020B0604020202020204" pitchFamily="34" charset="0"/>
+                <a:cs typeface="Arial" panose="020B0604020202020204" pitchFamily="34" charset="0"/>
+              </a:rPr>
+              <a:t>Certificate Status </a:t>
+            </a:r>
+            <a:r>
+              <a:rPr lang="en-GB" dirty="0" smtClean="0">
+                <a:solidFill>
+                  <a:schemeClr val="tx1"/>
+                </a:solidFill>
+                <a:latin typeface="Arial" panose="020B0604020202020204" pitchFamily="34" charset="0"/>
+                <a:cs typeface="Arial" panose="020B0604020202020204" pitchFamily="34" charset="0"/>
+              </a:rPr>
+              <a:t>Protocol</a:t>
+            </a:r>
+            <a:r>
+              <a:rPr lang="de-DE" noProof="1">
                 <a:latin typeface="Arial" panose="020B0604020202020204" pitchFamily="34" charset="0"/>
                 <a:cs typeface="Arial" panose="020B0604020202020204" pitchFamily="34" charset="0"/>
               </a:rPr>
               <a:t> </a:t>
             </a:r>
             <a:r>
-              <a:rPr lang="de-DE" dirty="0" err="1">
-                <a:latin typeface="Arial" panose="020B0604020202020204" pitchFamily="34" charset="0"/>
-                <a:cs typeface="Arial" panose="020B0604020202020204" pitchFamily="34" charset="0"/>
-              </a:rPr>
-              <a:t>Revocation</a:t>
-            </a:r>
-            <a:r>
-              <a:rPr lang="de-DE" dirty="0">
-                <a:latin typeface="Arial" panose="020B0604020202020204" pitchFamily="34" charset="0"/>
-                <a:cs typeface="Arial" panose="020B0604020202020204" pitchFamily="34" charset="0"/>
-              </a:rPr>
-              <a:t> </a:t>
-            </a:r>
-            <a:r>
-              <a:rPr lang="de-DE" dirty="0" smtClean="0">
-                <a:latin typeface="Arial" panose="020B0604020202020204" pitchFamily="34" charset="0"/>
-                <a:cs typeface="Arial" panose="020B0604020202020204" pitchFamily="34" charset="0"/>
-              </a:rPr>
-              <a:t>List</a:t>
-            </a:r>
-            <a:r>
-              <a:rPr lang="de-DE" noProof="1">
-                <a:latin typeface="Arial" panose="020B0604020202020204" pitchFamily="34" charset="0"/>
-                <a:cs typeface="Arial" panose="020B0604020202020204" pitchFamily="34" charset="0"/>
-              </a:rPr>
-              <a:t> </a:t>
-            </a:r>
-            <a:r>
               <a:rPr lang="de-DE" noProof="1" smtClean="0">
                 <a:latin typeface="Arial" panose="020B0604020202020204" pitchFamily="34" charset="0"/>
                 <a:cs typeface="Arial" panose="020B0604020202020204" pitchFamily="34" charset="0"/>
@@ -4389,7 +4146,7 @@
                 <a:latin typeface="Arial" panose="020B0604020202020204" pitchFamily="34" charset="0"/>
                 <a:cs typeface="Arial" panose="020B0604020202020204" pitchFamily="34" charset="0"/>
               </a:rPr>
-              <a:t>CRL)</a:t>
+              <a:t>OCSP)</a:t>
             </a:r>
             <a:endParaRPr lang="en-GB" dirty="0">
               <a:solidFill>
@@ -4760,8 +4517,8 @@
         </p:nvSpPr>
         <p:spPr>
           <a:xfrm>
-            <a:off x="371084" y="1442289"/>
-            <a:ext cx="8411895" cy="3693319"/>
+            <a:off x="343188" y="1179731"/>
+            <a:ext cx="8411895" cy="6637715"/>
           </a:xfrm>
           <a:prstGeom prst="rect">
             <a:avLst/>
@@ -4775,84 +4532,348 @@
           <a:lstStyle/>
           <a:p>
             <a:pPr marL="285750" indent="-285750">
+              <a:lnSpc>
+                <a:spcPts val="2500"/>
+              </a:lnSpc>
               <a:buFontTx/>
               <a:buChar char="-"/>
             </a:pPr>
             <a:r>
-              <a:rPr lang="de-DE" dirty="0" smtClean="0"/>
-              <a:t>CRL = Sperrliste</a:t>
-            </a:r>
-          </a:p>
-          <a:p>
-            <a:endParaRPr lang="de-DE" dirty="0" smtClean="0"/>
+              <a:rPr lang="de-DE" dirty="0" smtClean="0">
+                <a:latin typeface="Arial" panose="020B0604020202020204" pitchFamily="34" charset="0"/>
+                <a:cs typeface="Arial" panose="020B0604020202020204" pitchFamily="34" charset="0"/>
+              </a:rPr>
+              <a:t>Netzwerkprotokoll zur Abfragung des Status von </a:t>
+            </a:r>
+            <a:r>
+              <a:rPr lang="de-DE" dirty="0">
+                <a:latin typeface="Arial" panose="020B0604020202020204" pitchFamily="34" charset="0"/>
+                <a:cs typeface="Arial" panose="020B0604020202020204" pitchFamily="34" charset="0"/>
+              </a:rPr>
+              <a:t> </a:t>
+            </a:r>
+            <a:r>
+              <a:rPr lang="de-DE" dirty="0" smtClean="0">
+                <a:latin typeface="Arial" panose="020B0604020202020204" pitchFamily="34" charset="0"/>
+                <a:cs typeface="Arial" panose="020B0604020202020204" pitchFamily="34" charset="0"/>
+              </a:rPr>
+              <a:t>X.509-Zertifikaten bei einer VA</a:t>
+            </a:r>
+            <a:endParaRPr lang="de-DE" dirty="0">
+              <a:latin typeface="Arial" panose="020B0604020202020204" pitchFamily="34" charset="0"/>
+              <a:cs typeface="Arial" panose="020B0604020202020204" pitchFamily="34" charset="0"/>
+            </a:endParaRPr>
           </a:p>
           <a:p>
             <a:pPr marL="285750" indent="-285750">
+              <a:lnSpc>
+                <a:spcPts val="2500"/>
+              </a:lnSpc>
+              <a:spcBef>
+                <a:spcPts val="600"/>
+              </a:spcBef>
               <a:buFontTx/>
               <a:buChar char="-"/>
             </a:pPr>
             <a:r>
-              <a:rPr lang="de-DE" dirty="0" smtClean="0"/>
-              <a:t>Werden in bestimmten Intervallen (ca. 5-14 Tage) erstellt </a:t>
-            </a:r>
-            <a:r>
               <a:rPr lang="de-DE" dirty="0" smtClean="0">
-                <a:sym typeface="Wingdings" panose="05000000000000000000" pitchFamily="2" charset="2"/>
-              </a:rPr>
-              <a:t>und sind daher nicht immer aktuell</a:t>
-            </a:r>
-            <a:endParaRPr lang="de-DE" dirty="0" smtClean="0"/>
+                <a:latin typeface="Arial" panose="020B0604020202020204" pitchFamily="34" charset="0"/>
+                <a:cs typeface="Arial" panose="020B0604020202020204" pitchFamily="34" charset="0"/>
+              </a:rPr>
+              <a:t>OSCP-</a:t>
+            </a:r>
+            <a:r>
+              <a:rPr lang="de-DE" dirty="0" err="1" smtClean="0">
+                <a:latin typeface="Arial" panose="020B0604020202020204" pitchFamily="34" charset="0"/>
+                <a:cs typeface="Arial" panose="020B0604020202020204" pitchFamily="34" charset="0"/>
+              </a:rPr>
+              <a:t>Responder</a:t>
+            </a:r>
+            <a:r>
+              <a:rPr lang="de-DE" dirty="0" smtClean="0">
+                <a:latin typeface="Arial" panose="020B0604020202020204" pitchFamily="34" charset="0"/>
+                <a:cs typeface="Arial" panose="020B0604020202020204" pitchFamily="34" charset="0"/>
+              </a:rPr>
+              <a:t> wird i.d.R. vom Herausgeber des Zertifikats betrieben (ZDA)</a:t>
+            </a:r>
+            <a:endParaRPr lang="de-DE" dirty="0">
+              <a:latin typeface="Arial" panose="020B0604020202020204" pitchFamily="34" charset="0"/>
+              <a:cs typeface="Arial" panose="020B0604020202020204" pitchFamily="34" charset="0"/>
+            </a:endParaRPr>
           </a:p>
           <a:p>
             <a:pPr marL="285750" indent="-285750">
+              <a:lnSpc>
+                <a:spcPts val="2500"/>
+              </a:lnSpc>
+              <a:spcBef>
+                <a:spcPts val="600"/>
+              </a:spcBef>
               <a:buFontTx/>
               <a:buChar char="-"/>
             </a:pPr>
-            <a:endParaRPr lang="de-DE" dirty="0" smtClean="0"/>
+            <a:r>
+              <a:rPr lang="de-DE" dirty="0" smtClean="0">
+                <a:latin typeface="Arial" panose="020B0604020202020204" pitchFamily="34" charset="0"/>
+                <a:cs typeface="Arial" panose="020B0604020202020204" pitchFamily="34" charset="0"/>
+              </a:rPr>
+              <a:t>Kann sekundengenaue Sperrinformationen liefern, hängt von der verwendeten Datenbasis ab</a:t>
+            </a:r>
+            <a:endParaRPr lang="de-DE" dirty="0">
+              <a:latin typeface="Arial" panose="020B0604020202020204" pitchFamily="34" charset="0"/>
+              <a:cs typeface="Arial" panose="020B0604020202020204" pitchFamily="34" charset="0"/>
+            </a:endParaRPr>
           </a:p>
           <a:p>
             <a:pPr marL="285750" indent="-285750">
+              <a:lnSpc>
+                <a:spcPts val="2500"/>
+              </a:lnSpc>
+              <a:spcBef>
+                <a:spcPts val="600"/>
+              </a:spcBef>
               <a:buFontTx/>
               <a:buChar char="-"/>
             </a:pPr>
             <a:r>
-              <a:rPr lang="de-DE" dirty="0"/>
-              <a:t>nicht gesperrte Zertifikate </a:t>
-            </a:r>
-            <a:r>
-              <a:rPr lang="de-DE" dirty="0" smtClean="0"/>
-              <a:t>können nicht von </a:t>
-            </a:r>
-            <a:r>
-              <a:rPr lang="de-DE" dirty="0"/>
-              <a:t>gefälschten </a:t>
-            </a:r>
-            <a:r>
-              <a:rPr lang="de-DE" dirty="0" smtClean="0"/>
-              <a:t>Zertifikaten unterschieden werden</a:t>
-            </a:r>
-            <a:r>
-              <a:rPr lang="de-DE" dirty="0"/>
-              <a:t> </a:t>
-            </a:r>
-            <a:endParaRPr lang="de-DE" dirty="0" smtClean="0"/>
-          </a:p>
-          <a:p>
-            <a:pPr marL="285750" indent="-285750">
+              <a:rPr lang="de-DE" dirty="0" smtClean="0">
+                <a:latin typeface="Arial" panose="020B0604020202020204" pitchFamily="34" charset="0"/>
+                <a:cs typeface="Arial" panose="020B0604020202020204" pitchFamily="34" charset="0"/>
+              </a:rPr>
+              <a:t>Antworten eines OSCP-</a:t>
+            </a:r>
+            <a:r>
+              <a:rPr lang="de-DE" dirty="0" err="1" smtClean="0">
+                <a:latin typeface="Arial" panose="020B0604020202020204" pitchFamily="34" charset="0"/>
+                <a:cs typeface="Arial" panose="020B0604020202020204" pitchFamily="34" charset="0"/>
+              </a:rPr>
+              <a:t>Responders</a:t>
+            </a:r>
+            <a:endParaRPr lang="de-DE" dirty="0" smtClean="0">
+              <a:latin typeface="Arial" panose="020B0604020202020204" pitchFamily="34" charset="0"/>
+              <a:cs typeface="Arial" panose="020B0604020202020204" pitchFamily="34" charset="0"/>
+            </a:endParaRPr>
+          </a:p>
+          <a:p>
+            <a:pPr marL="742950" lvl="1" indent="-285750">
+              <a:lnSpc>
+                <a:spcPts val="2500"/>
+              </a:lnSpc>
               <a:buFontTx/>
               <a:buChar char="-"/>
             </a:pPr>
-            <a:endParaRPr lang="de-DE" dirty="0"/>
-          </a:p>
-          <a:p>
-            <a:pPr marL="285750" indent="-285750">
+            <a:r>
+              <a:rPr lang="de-DE" dirty="0">
+                <a:latin typeface="Arial" panose="020B0604020202020204" pitchFamily="34" charset="0"/>
+                <a:cs typeface="Arial" panose="020B0604020202020204" pitchFamily="34" charset="0"/>
+              </a:rPr>
+              <a:t> „</a:t>
+            </a:r>
+            <a:r>
+              <a:rPr lang="de-DE" dirty="0" err="1">
+                <a:latin typeface="Arial" panose="020B0604020202020204" pitchFamily="34" charset="0"/>
+                <a:cs typeface="Arial" panose="020B0604020202020204" pitchFamily="34" charset="0"/>
+              </a:rPr>
+              <a:t>good</a:t>
+            </a:r>
+            <a:r>
+              <a:rPr lang="de-DE" dirty="0" smtClean="0">
+                <a:latin typeface="Arial" panose="020B0604020202020204" pitchFamily="34" charset="0"/>
+                <a:cs typeface="Arial" panose="020B0604020202020204" pitchFamily="34" charset="0"/>
+              </a:rPr>
+              <a:t>“ 	  </a:t>
+            </a:r>
+            <a:r>
+              <a:rPr lang="de-DE" dirty="0" smtClean="0">
+                <a:latin typeface="Arial" panose="020B0604020202020204" pitchFamily="34" charset="0"/>
+                <a:cs typeface="Arial" panose="020B0604020202020204" pitchFamily="34" charset="0"/>
+                <a:sym typeface="Wingdings" panose="05000000000000000000" pitchFamily="2" charset="2"/>
+              </a:rPr>
+              <a:t> Zertifikat nicht gesperrt, es kann nicht entnommen werden  		      ob es zwischenzeitlich gesperrt war!</a:t>
+            </a:r>
+          </a:p>
+          <a:p>
+            <a:pPr marL="742950" lvl="1" indent="-285750">
+              <a:lnSpc>
+                <a:spcPts val="2500"/>
+              </a:lnSpc>
               <a:buFontTx/>
               <a:buChar char="-"/>
             </a:pPr>
             <a:r>
-              <a:rPr lang="de-DE" dirty="0" smtClean="0"/>
-              <a:t>Entspricht nicht den Forderungen des Signaturgesetzes in Deutschland</a:t>
-            </a:r>
+              <a:rPr lang="de-DE" dirty="0">
+                <a:latin typeface="Arial" panose="020B0604020202020204" pitchFamily="34" charset="0"/>
+                <a:cs typeface="Arial" panose="020B0604020202020204" pitchFamily="34" charset="0"/>
+              </a:rPr>
+              <a:t> „</a:t>
+            </a:r>
+            <a:r>
+              <a:rPr lang="de-DE" dirty="0" err="1">
+                <a:latin typeface="Arial" panose="020B0604020202020204" pitchFamily="34" charset="0"/>
+                <a:cs typeface="Arial" panose="020B0604020202020204" pitchFamily="34" charset="0"/>
+              </a:rPr>
+              <a:t>revoked</a:t>
+            </a:r>
+            <a:r>
+              <a:rPr lang="de-DE" dirty="0" smtClean="0">
+                <a:latin typeface="Arial" panose="020B0604020202020204" pitchFamily="34" charset="0"/>
+                <a:cs typeface="Arial" panose="020B0604020202020204" pitchFamily="34" charset="0"/>
+              </a:rPr>
+              <a:t>“	  </a:t>
+            </a:r>
+            <a:r>
+              <a:rPr lang="de-DE" dirty="0" smtClean="0">
+                <a:latin typeface="Arial" panose="020B0604020202020204" pitchFamily="34" charset="0"/>
+                <a:cs typeface="Arial" panose="020B0604020202020204" pitchFamily="34" charset="0"/>
+                <a:sym typeface="Wingdings" panose="05000000000000000000" pitchFamily="2" charset="2"/>
+              </a:rPr>
+              <a:t> Zertifikat gesperrt, Angabe mit Sperrzeitpunkt</a:t>
+            </a:r>
+          </a:p>
+          <a:p>
+            <a:pPr marL="742950" lvl="1" indent="-285750">
+              <a:lnSpc>
+                <a:spcPts val="2500"/>
+              </a:lnSpc>
+              <a:buFontTx/>
+              <a:buChar char="-"/>
+            </a:pPr>
+            <a:r>
+              <a:rPr lang="de-DE" dirty="0">
+                <a:latin typeface="Arial" panose="020B0604020202020204" pitchFamily="34" charset="0"/>
+                <a:cs typeface="Arial" panose="020B0604020202020204" pitchFamily="34" charset="0"/>
+              </a:rPr>
+              <a:t> „</a:t>
+            </a:r>
+            <a:r>
+              <a:rPr lang="de-DE" dirty="0" err="1">
+                <a:latin typeface="Arial" panose="020B0604020202020204" pitchFamily="34" charset="0"/>
+                <a:cs typeface="Arial" panose="020B0604020202020204" pitchFamily="34" charset="0"/>
+              </a:rPr>
+              <a:t>unknown</a:t>
+            </a:r>
+            <a:r>
+              <a:rPr lang="de-DE" dirty="0" smtClean="0">
+                <a:latin typeface="Arial" panose="020B0604020202020204" pitchFamily="34" charset="0"/>
+                <a:cs typeface="Arial" panose="020B0604020202020204" pitchFamily="34" charset="0"/>
+              </a:rPr>
+              <a:t>“ </a:t>
+            </a:r>
+            <a:r>
+              <a:rPr lang="de-DE" dirty="0" smtClean="0">
+                <a:latin typeface="Arial" panose="020B0604020202020204" pitchFamily="34" charset="0"/>
+                <a:cs typeface="Arial" panose="020B0604020202020204" pitchFamily="34" charset="0"/>
+                <a:sym typeface="Wingdings" panose="05000000000000000000" pitchFamily="2" charset="2"/>
+              </a:rPr>
+              <a:t> Status konnte nicht Ermittelt werden</a:t>
+            </a:r>
+          </a:p>
+          <a:p>
+            <a:pPr marL="742950" lvl="1" indent="-285750">
+              <a:lnSpc>
+                <a:spcPts val="2500"/>
+              </a:lnSpc>
+              <a:buFontTx/>
+              <a:buChar char="-"/>
+            </a:pPr>
+            <a:r>
+              <a:rPr lang="de-DE" dirty="0" smtClean="0">
+                <a:latin typeface="Arial" panose="020B0604020202020204" pitchFamily="34" charset="0"/>
+                <a:cs typeface="Arial" panose="020B0604020202020204" pitchFamily="34" charset="0"/>
+                <a:sym typeface="Wingdings" panose="05000000000000000000" pitchFamily="2" charset="2"/>
+              </a:rPr>
+              <a:t>Alle erfolgreichen Antworten sind digital </a:t>
+            </a:r>
+            <a:r>
+              <a:rPr lang="de-DE" dirty="0" err="1" smtClean="0">
+                <a:latin typeface="Arial" panose="020B0604020202020204" pitchFamily="34" charset="0"/>
+                <a:cs typeface="Arial" panose="020B0604020202020204" pitchFamily="34" charset="0"/>
+                <a:sym typeface="Wingdings" panose="05000000000000000000" pitchFamily="2" charset="2"/>
+              </a:rPr>
+              <a:t>signier´t</a:t>
+            </a:r>
+            <a:endParaRPr lang="de-DE" dirty="0">
+              <a:latin typeface="Arial" panose="020B0604020202020204" pitchFamily="34" charset="0"/>
+              <a:cs typeface="Arial" panose="020B0604020202020204" pitchFamily="34" charset="0"/>
+            </a:endParaRPr>
+          </a:p>
+          <a:p>
+            <a:pPr marL="285750" indent="-285750">
+              <a:lnSpc>
+                <a:spcPts val="2500"/>
+              </a:lnSpc>
+              <a:spcBef>
+                <a:spcPts val="600"/>
+              </a:spcBef>
+              <a:buFontTx/>
+              <a:buChar char="-"/>
+            </a:pPr>
+            <a:r>
+              <a:rPr lang="de-DE" dirty="0" smtClean="0">
+                <a:latin typeface="Arial" panose="020B0604020202020204" pitchFamily="34" charset="0"/>
+                <a:cs typeface="Arial" panose="020B0604020202020204" pitchFamily="34" charset="0"/>
+              </a:rPr>
+              <a:t>Anwendungsfälle:</a:t>
+            </a:r>
+          </a:p>
+          <a:p>
+            <a:pPr marL="742950" lvl="1" indent="-285750">
+              <a:lnSpc>
+                <a:spcPts val="2500"/>
+              </a:lnSpc>
+              <a:buFontTx/>
+              <a:buChar char="-"/>
+            </a:pPr>
+            <a:r>
+              <a:rPr lang="de-DE" dirty="0" smtClean="0">
+                <a:latin typeface="Arial" panose="020B0604020202020204" pitchFamily="34" charset="0"/>
+                <a:cs typeface="Arial" panose="020B0604020202020204" pitchFamily="34" charset="0"/>
+              </a:rPr>
+              <a:t>Prüfung digitaler Signaturen</a:t>
+            </a:r>
+          </a:p>
+          <a:p>
+            <a:pPr marL="742950" lvl="1" indent="-285750">
+              <a:lnSpc>
+                <a:spcPts val="2500"/>
+              </a:lnSpc>
+              <a:buFontTx/>
+              <a:buChar char="-"/>
+            </a:pPr>
+            <a:r>
+              <a:rPr lang="de-DE" b="1" dirty="0">
+                <a:latin typeface="Arial" panose="020B0604020202020204" pitchFamily="34" charset="0"/>
+                <a:cs typeface="Arial" panose="020B0604020202020204" pitchFamily="34" charset="0"/>
+              </a:rPr>
+              <a:t>Authentisierung in </a:t>
+            </a:r>
+            <a:r>
+              <a:rPr lang="de-DE" b="1" dirty="0" smtClean="0">
+                <a:latin typeface="Arial" panose="020B0604020202020204" pitchFamily="34" charset="0"/>
+                <a:cs typeface="Arial" panose="020B0604020202020204" pitchFamily="34" charset="0"/>
+              </a:rPr>
+              <a:t>Kommunikationsprotokollen</a:t>
+            </a:r>
+          </a:p>
+          <a:p>
+            <a:pPr marL="742950" lvl="1" indent="-285750">
+              <a:lnSpc>
+                <a:spcPts val="2500"/>
+              </a:lnSpc>
+              <a:buFontTx/>
+              <a:buChar char="-"/>
+            </a:pPr>
+            <a:r>
+              <a:rPr lang="de-DE" dirty="0">
+                <a:latin typeface="Arial" panose="020B0604020202020204" pitchFamily="34" charset="0"/>
+                <a:cs typeface="Arial" panose="020B0604020202020204" pitchFamily="34" charset="0"/>
+              </a:rPr>
+              <a:t>Versendung verschlüsselter E-Mails </a:t>
+            </a:r>
+            <a:endParaRPr lang="de-DE" dirty="0" smtClean="0">
+              <a:latin typeface="Arial" panose="020B0604020202020204" pitchFamily="34" charset="0"/>
+              <a:cs typeface="Arial" panose="020B0604020202020204" pitchFamily="34" charset="0"/>
+            </a:endParaRPr>
           </a:p>
           <a:p>
             <a:pPr marL="742950" lvl="1" indent="-285750">
@@ -4881,7 +4902,7 @@
     </p:spTree>
     <p:extLst>
       <p:ext uri="{BB962C8B-B14F-4D97-AF65-F5344CB8AC3E}">
-        <p14:creationId xmlns:p14="http://schemas.microsoft.com/office/powerpoint/2010/main" val="1537429932"/>
+        <p14:creationId xmlns:p14="http://schemas.microsoft.com/office/powerpoint/2010/main" val="141236761"/>
       </p:ext>
     </p:extLst>
   </p:cSld>
@@ -4918,20 +4939,66 @@
             <p:ph type="title"/>
           </p:nvPr>
         </p:nvSpPr>
-        <p:spPr/>
-        <p:txBody>
-          <a:bodyPr/>
+        <p:spPr>
+          <a:xfrm>
+            <a:off x="381000" y="533400"/>
+            <a:ext cx="8229600" cy="990600"/>
+          </a:xfrm>
+        </p:spPr>
+        <p:txBody>
+          <a:bodyPr>
+            <a:normAutofit/>
+          </a:bodyPr>
           <a:lstStyle/>
           <a:p>
             <a:r>
-              <a:rPr lang="en-US" dirty="0" err="1" smtClean="0">
-                <a:solidFill>
-                  <a:schemeClr val="tx1"/>
-                </a:solidFill>
-                <a:latin typeface="Arial" panose="020B0604020202020204" pitchFamily="34" charset="0"/>
-                <a:cs typeface="Arial" panose="020B0604020202020204" pitchFamily="34" charset="0"/>
-              </a:rPr>
-              <a:t>Datenbanken</a:t>
+              <a:rPr lang="de-DE" dirty="0" err="1">
+                <a:latin typeface="Arial" panose="020B0604020202020204" pitchFamily="34" charset="0"/>
+                <a:cs typeface="Arial" panose="020B0604020202020204" pitchFamily="34" charset="0"/>
+              </a:rPr>
+              <a:t>Certificate</a:t>
+            </a:r>
+            <a:r>
+              <a:rPr lang="de-DE" dirty="0">
+                <a:latin typeface="Arial" panose="020B0604020202020204" pitchFamily="34" charset="0"/>
+                <a:cs typeface="Arial" panose="020B0604020202020204" pitchFamily="34" charset="0"/>
+              </a:rPr>
+              <a:t> </a:t>
+            </a:r>
+            <a:r>
+              <a:rPr lang="de-DE" dirty="0" err="1">
+                <a:latin typeface="Arial" panose="020B0604020202020204" pitchFamily="34" charset="0"/>
+                <a:cs typeface="Arial" panose="020B0604020202020204" pitchFamily="34" charset="0"/>
+              </a:rPr>
+              <a:t>Revocation</a:t>
+            </a:r>
+            <a:r>
+              <a:rPr lang="de-DE" dirty="0">
+                <a:latin typeface="Arial" panose="020B0604020202020204" pitchFamily="34" charset="0"/>
+                <a:cs typeface="Arial" panose="020B0604020202020204" pitchFamily="34" charset="0"/>
+              </a:rPr>
+              <a:t> </a:t>
+            </a:r>
+            <a:r>
+              <a:rPr lang="de-DE" dirty="0" smtClean="0">
+                <a:latin typeface="Arial" panose="020B0604020202020204" pitchFamily="34" charset="0"/>
+                <a:cs typeface="Arial" panose="020B0604020202020204" pitchFamily="34" charset="0"/>
+              </a:rPr>
+              <a:t>List</a:t>
+            </a:r>
+            <a:r>
+              <a:rPr lang="de-DE" noProof="1">
+                <a:latin typeface="Arial" panose="020B0604020202020204" pitchFamily="34" charset="0"/>
+                <a:cs typeface="Arial" panose="020B0604020202020204" pitchFamily="34" charset="0"/>
+              </a:rPr>
+              <a:t> </a:t>
+            </a:r>
+            <a:r>
+              <a:rPr lang="de-DE" noProof="1" smtClean="0">
+                <a:latin typeface="Arial" panose="020B0604020202020204" pitchFamily="34" charset="0"/>
+                <a:cs typeface="Arial" panose="020B0604020202020204" pitchFamily="34" charset="0"/>
+              </a:rPr>
+              <a:t>(</a:t>
             </a:r>
             <a:r>
               <a:rPr lang="en-US" dirty="0" smtClean="0">
@@ -4941,7 +5008,7 @@
                 <a:latin typeface="Arial" panose="020B0604020202020204" pitchFamily="34" charset="0"/>
                 <a:cs typeface="Arial" panose="020B0604020202020204" pitchFamily="34" charset="0"/>
               </a:rPr>
-              <a:t> I </a:t>
+              <a:t>CRL)</a:t>
             </a:r>
             <a:endParaRPr lang="en-GB" dirty="0">
               <a:solidFill>
@@ -5304,182 +5371,16 @@
           </a:p>
         </p:txBody>
       </p:sp>
-    </p:spTree>
-    <p:extLst>
-      <p:ext uri="{BB962C8B-B14F-4D97-AF65-F5344CB8AC3E}">
-        <p14:creationId xmlns:p14="http://schemas.microsoft.com/office/powerpoint/2010/main" val="2334749360"/>
-      </p:ext>
-    </p:extLst>
-  </p:cSld>
-  <p:clrMapOvr>
-    <a:masterClrMapping/>
-  </p:clrMapOvr>
-</p:sld>
-</file>
-
-<file path=ppt/slides/slide13.xml><?xml version="1.0" encoding="utf-8"?>
-<p:sld xmlns:a="http://schemas.openxmlformats.org/drawingml/2006/main" xmlns:r="http://schemas.openxmlformats.org/officeDocument/2006/relationships" xmlns:p="http://schemas.openxmlformats.org/presentationml/2006/main">
-  <p:cSld>
-    <p:spTree>
-      <p:nvGrpSpPr>
-        <p:cNvPr id="1" name=""/>
-        <p:cNvGrpSpPr/>
-        <p:nvPr/>
-      </p:nvGrpSpPr>
-      <p:grpSpPr>
-        <a:xfrm>
-          <a:off x="0" y="0"/>
-          <a:ext cx="0" cy="0"/>
-          <a:chOff x="0" y="0"/>
-          <a:chExt cx="0" cy="0"/>
-        </a:xfrm>
-      </p:grpSpPr>
-      <p:sp>
-        <p:nvSpPr>
-          <p:cNvPr id="2" name="Titel 1"/>
-          <p:cNvSpPr>
-            <a:spLocks noGrp="1"/>
-          </p:cNvSpPr>
-          <p:nvPr>
-            <p:ph type="title"/>
-          </p:nvPr>
+      <p:sp>
+        <p:nvSpPr>
+          <p:cNvPr id="8" name="Textfeld 7"/>
+          <p:cNvSpPr txBox="1"/>
+          <p:nvPr/>
         </p:nvSpPr>
         <p:spPr>
           <a:xfrm>
-            <a:off x="381000" y="533400"/>
-            <a:ext cx="8229600" cy="1143000"/>
-          </a:xfrm>
-        </p:spPr>
-        <p:txBody>
-          <a:bodyPr>
-            <a:normAutofit/>
-          </a:bodyPr>
-          <a:lstStyle/>
-          <a:p>
-            <a:r>
-              <a:rPr lang="en-US" dirty="0" err="1" smtClean="0">
-                <a:solidFill>
-                  <a:schemeClr val="tx1"/>
-                </a:solidFill>
-                <a:latin typeface="Arial" panose="020B0604020202020204" pitchFamily="34" charset="0"/>
-                <a:cs typeface="Arial" panose="020B0604020202020204" pitchFamily="34" charset="0"/>
-              </a:rPr>
-              <a:t>Datenbanken</a:t>
-            </a:r>
-            <a:r>
-              <a:rPr lang="en-US" dirty="0" smtClean="0">
-                <a:solidFill>
-                  <a:schemeClr val="tx1"/>
-                </a:solidFill>
-                <a:latin typeface="Arial" panose="020B0604020202020204" pitchFamily="34" charset="0"/>
-                <a:cs typeface="Arial" panose="020B0604020202020204" pitchFamily="34" charset="0"/>
-              </a:rPr>
-              <a:t> II – </a:t>
-            </a:r>
-            <a:r>
-              <a:rPr lang="en-US" dirty="0" err="1" smtClean="0">
-                <a:solidFill>
-                  <a:schemeClr val="tx1"/>
-                </a:solidFill>
-                <a:latin typeface="Arial" panose="020B0604020202020204" pitchFamily="34" charset="0"/>
-                <a:cs typeface="Arial" panose="020B0604020202020204" pitchFamily="34" charset="0"/>
-              </a:rPr>
-              <a:t>Schnittstellen</a:t>
-            </a:r>
-            <a:r>
-              <a:rPr lang="en-US" dirty="0" smtClean="0">
-                <a:solidFill>
-                  <a:schemeClr val="tx1"/>
-                </a:solidFill>
-                <a:latin typeface="Arial" panose="020B0604020202020204" pitchFamily="34" charset="0"/>
-                <a:cs typeface="Arial" panose="020B0604020202020204" pitchFamily="34" charset="0"/>
-              </a:rPr>
-              <a:t> </a:t>
-            </a:r>
-            <a:r>
-              <a:rPr lang="en-US" dirty="0" err="1" smtClean="0">
-                <a:solidFill>
-                  <a:schemeClr val="tx1"/>
-                </a:solidFill>
-                <a:latin typeface="Arial" panose="020B0604020202020204" pitchFamily="34" charset="0"/>
-                <a:cs typeface="Arial" panose="020B0604020202020204" pitchFamily="34" charset="0"/>
-              </a:rPr>
-              <a:t>zur</a:t>
-            </a:r>
-            <a:r>
-              <a:rPr lang="en-US" dirty="0" smtClean="0">
-                <a:solidFill>
-                  <a:schemeClr val="tx1"/>
-                </a:solidFill>
-                <a:latin typeface="Arial" panose="020B0604020202020204" pitchFamily="34" charset="0"/>
-                <a:cs typeface="Arial" panose="020B0604020202020204" pitchFamily="34" charset="0"/>
-              </a:rPr>
-              <a:t> CA</a:t>
-            </a:r>
-            <a:endParaRPr lang="en-GB" dirty="0">
-              <a:solidFill>
-                <a:schemeClr val="tx1"/>
-              </a:solidFill>
-            </a:endParaRPr>
-          </a:p>
-        </p:txBody>
-      </p:sp>
-      <p:pic>
-        <p:nvPicPr>
-          <p:cNvPr id="4" name="Picture 2"/>
-          <p:cNvPicPr>
-            <a:picLocks noChangeAspect="1" noChangeArrowheads="1"/>
-          </p:cNvPicPr>
-          <p:nvPr/>
-        </p:nvPicPr>
-        <p:blipFill>
-          <a:blip r:embed="rId2">
-            <a:extLst>
-              <a:ext uri="{BEBA8EAE-BF5A-486C-A8C5-ECC9F3942E4B}">
-                <a14:imgProps xmlns:a14="http://schemas.microsoft.com/office/drawing/2010/main">
-                  <a14:imgLayer r:embed="rId3">
-                    <a14:imgEffect>
-                      <a14:colorTemperature colorTemp="5900"/>
-                    </a14:imgEffect>
-                    <a14:imgEffect>
-                      <a14:saturation sat="0"/>
-                    </a14:imgEffect>
-                  </a14:imgLayer>
-                </a14:imgProps>
-              </a:ext>
-              <a:ext uri="{28A0092B-C50C-407E-A947-70E740481C1C}">
-                <a14:useLocalDpi xmlns:a14="http://schemas.microsoft.com/office/drawing/2010/main" val="0"/>
-              </a:ext>
-            </a:extLst>
-          </a:blip>
-          <a:srcRect/>
-          <a:stretch>
-            <a:fillRect/>
-          </a:stretch>
-        </p:blipFill>
-        <p:spPr bwMode="auto">
-          <a:xfrm>
-            <a:off x="7588333" y="5966604"/>
-            <a:ext cx="1555667" cy="914400"/>
-          </a:xfrm>
-          <a:prstGeom prst="rect">
-            <a:avLst/>
-          </a:prstGeom>
-          <a:ln>
-            <a:noFill/>
-          </a:ln>
-        </p:spPr>
-      </p:pic>
-      <p:sp>
-        <p:nvSpPr>
-          <p:cNvPr id="6" name="Textfeld 5"/>
-          <p:cNvSpPr txBox="1"/>
-          <p:nvPr/>
-        </p:nvSpPr>
-        <p:spPr>
-          <a:xfrm>
-            <a:off x="10064" y="76200"/>
-            <a:ext cx="9133936" cy="646331"/>
+            <a:off x="371084" y="1442289"/>
+            <a:ext cx="8411895" cy="3693319"/>
           </a:xfrm>
           <a:prstGeom prst="rect">
             <a:avLst/>
@@ -5492,295 +5393,155 @@
           </a:bodyPr>
           <a:lstStyle/>
           <a:p>
-            <a:r>
-              <a:rPr lang="en-US" dirty="0" smtClean="0">
-                <a:latin typeface="Arial" panose="020B0604020202020204" pitchFamily="34" charset="0"/>
-                <a:cs typeface="Arial" panose="020B0604020202020204" pitchFamily="34" charset="0"/>
-              </a:rPr>
-              <a:t>FH-Bielefeld 		   </a:t>
-            </a:r>
-            <a:r>
-              <a:rPr lang="en-US" dirty="0" err="1" smtClean="0">
-                <a:latin typeface="Arial" panose="020B0604020202020204" pitchFamily="34" charset="0"/>
-                <a:cs typeface="Arial" panose="020B0604020202020204" pitchFamily="34" charset="0"/>
-              </a:rPr>
-              <a:t>Sommersemester</a:t>
-            </a:r>
-            <a:r>
-              <a:rPr lang="en-US" dirty="0" smtClean="0">
-                <a:latin typeface="Arial" panose="020B0604020202020204" pitchFamily="34" charset="0"/>
-                <a:cs typeface="Arial" panose="020B0604020202020204" pitchFamily="34" charset="0"/>
-              </a:rPr>
-              <a:t> 2015	               PKI: </a:t>
-            </a:r>
-            <a:r>
-              <a:rPr lang="en-GB" dirty="0" err="1" smtClean="0">
-                <a:latin typeface="Arial" panose="020B0604020202020204" pitchFamily="34" charset="0"/>
-                <a:cs typeface="Arial" panose="020B0604020202020204" pitchFamily="34" charset="0"/>
-              </a:rPr>
-              <a:t>Prof.</a:t>
-            </a:r>
-            <a:r>
-              <a:rPr lang="en-GB" spc="-30" dirty="0" smtClean="0">
-                <a:latin typeface="Arial" panose="020B0604020202020204" pitchFamily="34" charset="0"/>
-                <a:cs typeface="Arial" panose="020B0604020202020204" pitchFamily="34" charset="0"/>
-              </a:rPr>
-              <a:t> </a:t>
-            </a:r>
-            <a:r>
-              <a:rPr lang="en-GB" dirty="0" err="1" smtClean="0">
-                <a:latin typeface="Arial" panose="020B0604020202020204" pitchFamily="34" charset="0"/>
-                <a:cs typeface="Arial" panose="020B0604020202020204" pitchFamily="34" charset="0"/>
-              </a:rPr>
-              <a:t>Dr.</a:t>
-            </a:r>
-            <a:r>
-              <a:rPr lang="en-GB" spc="-40" dirty="0" smtClean="0">
-                <a:latin typeface="Arial" panose="020B0604020202020204" pitchFamily="34" charset="0"/>
-                <a:cs typeface="Arial" panose="020B0604020202020204" pitchFamily="34" charset="0"/>
-              </a:rPr>
-              <a:t> </a:t>
-            </a:r>
-            <a:r>
-              <a:rPr lang="en-GB" dirty="0" smtClean="0">
-                <a:latin typeface="Arial" panose="020B0604020202020204" pitchFamily="34" charset="0"/>
-                <a:cs typeface="Arial" panose="020B0604020202020204" pitchFamily="34" charset="0"/>
-              </a:rPr>
-              <a:t>Chr.</a:t>
-            </a:r>
-            <a:r>
-              <a:rPr lang="en-GB" spc="-40" dirty="0" smtClean="0">
-                <a:latin typeface="Arial" panose="020B0604020202020204" pitchFamily="34" charset="0"/>
-                <a:cs typeface="Arial" panose="020B0604020202020204" pitchFamily="34" charset="0"/>
-              </a:rPr>
-              <a:t> </a:t>
-            </a:r>
-            <a:r>
-              <a:rPr lang="en-GB" dirty="0" err="1" smtClean="0">
-                <a:latin typeface="Arial" panose="020B0604020202020204" pitchFamily="34" charset="0"/>
-                <a:cs typeface="Arial" panose="020B0604020202020204" pitchFamily="34" charset="0"/>
-              </a:rPr>
-              <a:t>Thiel</a:t>
-            </a:r>
-            <a:endParaRPr lang="en-GB" dirty="0" smtClean="0">
+            <a:pPr marL="285750" indent="-285750">
+              <a:buFontTx/>
+              <a:buChar char="-"/>
+            </a:pPr>
+            <a:r>
+              <a:rPr lang="de-DE" dirty="0" smtClean="0">
+                <a:latin typeface="Arial" panose="020B0604020202020204" pitchFamily="34" charset="0"/>
+                <a:cs typeface="Arial" panose="020B0604020202020204" pitchFamily="34" charset="0"/>
+              </a:rPr>
+              <a:t>CRL = Sperrliste</a:t>
+            </a:r>
+          </a:p>
+          <a:p>
+            <a:endParaRPr lang="de-DE" dirty="0" smtClean="0">
               <a:latin typeface="Arial" panose="020B0604020202020204" pitchFamily="34" charset="0"/>
               <a:cs typeface="Arial" panose="020B0604020202020204" pitchFamily="34" charset="0"/>
             </a:endParaRPr>
           </a:p>
           <a:p>
-            <a:endParaRPr lang="en-GB" dirty="0">
+            <a:pPr marL="285750" indent="-285750">
+              <a:buFontTx/>
+              <a:buChar char="-"/>
+            </a:pPr>
+            <a:r>
+              <a:rPr lang="de-DE" dirty="0" smtClean="0">
+                <a:latin typeface="Arial" panose="020B0604020202020204" pitchFamily="34" charset="0"/>
+                <a:cs typeface="Arial" panose="020B0604020202020204" pitchFamily="34" charset="0"/>
+              </a:rPr>
+              <a:t>Werden in bestimmten Intervallen (ca. 5-14 Tage) erstellt </a:t>
+            </a:r>
+            <a:r>
+              <a:rPr lang="de-DE" dirty="0" smtClean="0">
+                <a:latin typeface="Arial" panose="020B0604020202020204" pitchFamily="34" charset="0"/>
+                <a:cs typeface="Arial" panose="020B0604020202020204" pitchFamily="34" charset="0"/>
+                <a:sym typeface="Wingdings" panose="05000000000000000000" pitchFamily="2" charset="2"/>
+              </a:rPr>
+              <a:t>und sind daher nicht immer aktuell</a:t>
+            </a:r>
+            <a:endParaRPr lang="de-DE" dirty="0" smtClean="0">
               <a:latin typeface="Arial" panose="020B0604020202020204" pitchFamily="34" charset="0"/>
               <a:cs typeface="Arial" panose="020B0604020202020204" pitchFamily="34" charset="0"/>
             </a:endParaRPr>
           </a:p>
-        </p:txBody>
-      </p:sp>
-      <p:sp>
-        <p:nvSpPr>
-          <p:cNvPr id="7" name="Inhaltsplatzhalter 2"/>
-          <p:cNvSpPr txBox="1">
-            <a:spLocks/>
-          </p:cNvSpPr>
-          <p:nvPr/>
-        </p:nvSpPr>
-        <p:spPr>
-          <a:xfrm>
-            <a:off x="136566" y="1371600"/>
-            <a:ext cx="8229600" cy="4709160"/>
-          </a:xfrm>
-          <a:prstGeom prst="rect">
-            <a:avLst/>
-          </a:prstGeom>
-        </p:spPr>
-        <p:txBody>
-          <a:bodyPr vert="horz">
-            <a:normAutofit/>
-          </a:bodyPr>
-          <a:lstStyle>
-            <a:lvl1pPr marL="548640" indent="-411480" algn="l" rtl="0" eaLnBrk="1" latinLnBrk="0" hangingPunct="1">
-              <a:spcBef>
-                <a:spcPct val="20000"/>
-              </a:spcBef>
-              <a:buClr>
-                <a:schemeClr val="tx1">
-                  <a:shade val="95000"/>
-                </a:schemeClr>
-              </a:buClr>
-              <a:buSzPct val="65000"/>
-              <a:buFont typeface="Wingdings 2"/>
-              <a:buChar char=""/>
-              <a:defRPr kumimoji="0" sz="2800" kern="1200">
-                <a:solidFill>
-                  <a:schemeClr val="tx1"/>
-                </a:solidFill>
-                <a:latin typeface="+mn-lt"/>
-                <a:ea typeface="+mn-ea"/>
-                <a:cs typeface="+mn-cs"/>
-              </a:defRPr>
-            </a:lvl1pPr>
-            <a:lvl2pPr marL="868680" indent="-283464" algn="l" rtl="0" eaLnBrk="1" latinLnBrk="0" hangingPunct="1">
-              <a:spcBef>
-                <a:spcPct val="20000"/>
-              </a:spcBef>
-              <a:buClr>
-                <a:schemeClr val="tx1"/>
-              </a:buClr>
-              <a:buSzPct val="80000"/>
-              <a:buFont typeface="Wingdings 2"/>
-              <a:buChar char=""/>
-              <a:defRPr kumimoji="0" sz="2400" kern="1200">
-                <a:solidFill>
-                  <a:schemeClr val="tx1"/>
-                </a:solidFill>
-                <a:latin typeface="+mn-lt"/>
-                <a:ea typeface="+mn-ea"/>
-                <a:cs typeface="+mn-cs"/>
-              </a:defRPr>
-            </a:lvl2pPr>
-            <a:lvl3pPr marL="1133856" indent="-228600" algn="l" rtl="0" eaLnBrk="1" latinLnBrk="0" hangingPunct="1">
-              <a:spcBef>
-                <a:spcPct val="20000"/>
-              </a:spcBef>
-              <a:buClr>
-                <a:schemeClr val="tx1"/>
-              </a:buClr>
-              <a:buSzPct val="95000"/>
-              <a:buFont typeface="Wingdings"/>
-              <a:buChar char=""/>
-              <a:defRPr kumimoji="0" sz="2200" kern="1200">
-                <a:solidFill>
-                  <a:schemeClr val="tx1"/>
-                </a:solidFill>
-                <a:latin typeface="+mn-lt"/>
-                <a:ea typeface="+mn-ea"/>
-                <a:cs typeface="+mn-cs"/>
-              </a:defRPr>
-            </a:lvl3pPr>
-            <a:lvl4pPr marL="1353312" indent="-182880" algn="l" rtl="0" eaLnBrk="1" latinLnBrk="0" hangingPunct="1">
-              <a:spcBef>
-                <a:spcPct val="20000"/>
-              </a:spcBef>
-              <a:buClr>
-                <a:schemeClr val="tx1"/>
-              </a:buClr>
-              <a:buSzPct val="100000"/>
-              <a:buFont typeface="Wingdings 3"/>
-              <a:buChar char=""/>
-              <a:defRPr kumimoji="0" sz="2000" kern="1200">
-                <a:solidFill>
-                  <a:schemeClr val="tx1"/>
-                </a:solidFill>
-                <a:latin typeface="+mn-lt"/>
-                <a:ea typeface="+mn-ea"/>
-                <a:cs typeface="+mn-cs"/>
-              </a:defRPr>
-            </a:lvl4pPr>
-            <a:lvl5pPr marL="1545336" indent="-182880" algn="l" rtl="0" eaLnBrk="1" latinLnBrk="0" hangingPunct="1">
-              <a:spcBef>
-                <a:spcPct val="20000"/>
-              </a:spcBef>
-              <a:buClr>
-                <a:schemeClr val="tx1"/>
-              </a:buClr>
-              <a:buFont typeface="Wingdings 2"/>
-              <a:buChar char=""/>
-              <a:defRPr kumimoji="0" sz="2000" kern="1200">
-                <a:solidFill>
-                  <a:schemeClr val="tx1"/>
-                </a:solidFill>
-                <a:latin typeface="+mn-lt"/>
-                <a:ea typeface="+mn-ea"/>
-                <a:cs typeface="+mn-cs"/>
-              </a:defRPr>
-            </a:lvl5pPr>
-            <a:lvl6pPr marL="1764792" indent="-182880" algn="l" rtl="0" eaLnBrk="1" latinLnBrk="0" hangingPunct="1">
-              <a:spcBef>
-                <a:spcPct val="20000"/>
-              </a:spcBef>
-              <a:buClr>
-                <a:schemeClr val="tx1"/>
-              </a:buClr>
-              <a:buFont typeface="Wingdings 3"/>
-              <a:buChar char=""/>
-              <a:defRPr kumimoji="0" sz="1800" kern="1200">
-                <a:solidFill>
-                  <a:schemeClr val="tx1"/>
-                </a:solidFill>
-                <a:latin typeface="+mn-lt"/>
-                <a:ea typeface="+mn-ea"/>
-                <a:cs typeface="+mn-cs"/>
-              </a:defRPr>
-            </a:lvl6pPr>
-            <a:lvl7pPr marL="1965960" indent="-182880" algn="l" rtl="0" eaLnBrk="1" latinLnBrk="0" hangingPunct="1">
-              <a:spcBef>
-                <a:spcPct val="20000"/>
-              </a:spcBef>
-              <a:buClr>
-                <a:schemeClr val="tx1"/>
-              </a:buClr>
-              <a:buFont typeface="Wingdings 2"/>
-              <a:buChar char=""/>
-              <a:defRPr kumimoji="0" sz="1600" kern="1200">
-                <a:solidFill>
-                  <a:schemeClr val="tx1"/>
-                </a:solidFill>
-                <a:latin typeface="+mn-lt"/>
-                <a:ea typeface="+mn-ea"/>
-                <a:cs typeface="+mn-cs"/>
-              </a:defRPr>
-            </a:lvl7pPr>
-            <a:lvl8pPr marL="2167128" indent="-182880" algn="l" rtl="0" eaLnBrk="1" latinLnBrk="0" hangingPunct="1">
-              <a:spcBef>
-                <a:spcPct val="20000"/>
-              </a:spcBef>
-              <a:buClr>
-                <a:schemeClr val="tx1"/>
-              </a:buClr>
-              <a:buFont typeface="Wingdings 2"/>
-              <a:buChar char=""/>
-              <a:defRPr kumimoji="0" sz="1400" kern="1200">
-                <a:solidFill>
-                  <a:schemeClr val="tx1"/>
-                </a:solidFill>
-                <a:latin typeface="+mn-lt"/>
-                <a:ea typeface="+mn-ea"/>
-                <a:cs typeface="+mn-cs"/>
-              </a:defRPr>
-            </a:lvl8pPr>
-            <a:lvl9pPr marL="2368296" indent="-182880" algn="l" rtl="0" eaLnBrk="1" latinLnBrk="0" hangingPunct="1">
-              <a:spcBef>
-                <a:spcPct val="20000"/>
-              </a:spcBef>
-              <a:buClr>
-                <a:schemeClr val="tx1"/>
-              </a:buClr>
-              <a:buFont typeface="Wingdings 2"/>
-              <a:buChar char=""/>
-              <a:defRPr kumimoji="0" sz="1400" kern="1200" baseline="0">
-                <a:solidFill>
-                  <a:schemeClr val="tx1"/>
-                </a:solidFill>
-                <a:latin typeface="+mn-lt"/>
-                <a:ea typeface="+mn-ea"/>
-                <a:cs typeface="+mn-cs"/>
-              </a:defRPr>
-            </a:lvl9pPr>
-          </a:lstStyle>
-          <a:p>
-            <a:pPr marL="137160" indent="0">
-              <a:buNone/>
+          <a:p>
+            <a:pPr marL="285750" indent="-285750">
+              <a:buFontTx/>
+              <a:buChar char="-"/>
             </a:pPr>
-            <a:endParaRPr lang="de-DE" noProof="1">
+            <a:endParaRPr lang="de-DE" dirty="0" smtClean="0">
               <a:latin typeface="Arial" panose="020B0604020202020204" pitchFamily="34" charset="0"/>
               <a:cs typeface="Arial" panose="020B0604020202020204" pitchFamily="34" charset="0"/>
             </a:endParaRPr>
           </a:p>
+          <a:p>
+            <a:pPr marL="285750" indent="-285750">
+              <a:buFontTx/>
+              <a:buChar char="-"/>
+            </a:pPr>
+            <a:r>
+              <a:rPr lang="de-DE" dirty="0">
+                <a:latin typeface="Arial" panose="020B0604020202020204" pitchFamily="34" charset="0"/>
+                <a:cs typeface="Arial" panose="020B0604020202020204" pitchFamily="34" charset="0"/>
+              </a:rPr>
+              <a:t>nicht gesperrte Zertifikate </a:t>
+            </a:r>
+            <a:r>
+              <a:rPr lang="de-DE" dirty="0" smtClean="0">
+                <a:latin typeface="Arial" panose="020B0604020202020204" pitchFamily="34" charset="0"/>
+                <a:cs typeface="Arial" panose="020B0604020202020204" pitchFamily="34" charset="0"/>
+              </a:rPr>
+              <a:t>können nicht von </a:t>
+            </a:r>
+            <a:r>
+              <a:rPr lang="de-DE" dirty="0">
+                <a:latin typeface="Arial" panose="020B0604020202020204" pitchFamily="34" charset="0"/>
+                <a:cs typeface="Arial" panose="020B0604020202020204" pitchFamily="34" charset="0"/>
+              </a:rPr>
+              <a:t>gefälschten </a:t>
+            </a:r>
+            <a:r>
+              <a:rPr lang="de-DE" dirty="0" smtClean="0">
+                <a:latin typeface="Arial" panose="020B0604020202020204" pitchFamily="34" charset="0"/>
+                <a:cs typeface="Arial" panose="020B0604020202020204" pitchFamily="34" charset="0"/>
+              </a:rPr>
+              <a:t>Zertifikaten unterschieden werden</a:t>
+            </a:r>
+            <a:r>
+              <a:rPr lang="de-DE" dirty="0">
+                <a:latin typeface="Arial" panose="020B0604020202020204" pitchFamily="34" charset="0"/>
+                <a:cs typeface="Arial" panose="020B0604020202020204" pitchFamily="34" charset="0"/>
+              </a:rPr>
+              <a:t> </a:t>
+            </a:r>
+            <a:endParaRPr lang="de-DE" dirty="0" smtClean="0">
+              <a:latin typeface="Arial" panose="020B0604020202020204" pitchFamily="34" charset="0"/>
+              <a:cs typeface="Arial" panose="020B0604020202020204" pitchFamily="34" charset="0"/>
+            </a:endParaRPr>
+          </a:p>
+          <a:p>
+            <a:pPr marL="285750" indent="-285750">
+              <a:buFontTx/>
+              <a:buChar char="-"/>
+            </a:pPr>
+            <a:endParaRPr lang="de-DE" dirty="0">
+              <a:latin typeface="Arial" panose="020B0604020202020204" pitchFamily="34" charset="0"/>
+              <a:cs typeface="Arial" panose="020B0604020202020204" pitchFamily="34" charset="0"/>
+            </a:endParaRPr>
+          </a:p>
+          <a:p>
+            <a:pPr marL="285750" indent="-285750">
+              <a:buFontTx/>
+              <a:buChar char="-"/>
+            </a:pPr>
+            <a:r>
+              <a:rPr lang="de-DE" dirty="0" smtClean="0">
+                <a:latin typeface="Arial" panose="020B0604020202020204" pitchFamily="34" charset="0"/>
+                <a:cs typeface="Arial" panose="020B0604020202020204" pitchFamily="34" charset="0"/>
+              </a:rPr>
+              <a:t>Entspricht nicht den Forderungen des Signaturgesetzes in Deutschland</a:t>
+            </a:r>
+          </a:p>
+          <a:p>
+            <a:pPr marL="742950" lvl="1" indent="-285750">
+              <a:buFontTx/>
+              <a:buChar char="-"/>
+            </a:pPr>
+            <a:endParaRPr lang="de-DE" dirty="0"/>
+          </a:p>
+          <a:p>
+            <a:pPr lvl="1"/>
+            <a:endParaRPr lang="de-DE" dirty="0" smtClean="0"/>
+          </a:p>
+          <a:p>
+            <a:pPr marL="742950" lvl="1" indent="-285750">
+              <a:buFontTx/>
+              <a:buChar char="-"/>
+            </a:pPr>
+            <a:endParaRPr lang="de-DE" dirty="0" smtClean="0"/>
+          </a:p>
+          <a:p>
+            <a:pPr lvl="1"/>
+            <a:endParaRPr lang="de-DE" dirty="0" smtClean="0"/>
+          </a:p>
         </p:txBody>
       </p:sp>
     </p:spTree>
     <p:extLst>
       <p:ext uri="{BB962C8B-B14F-4D97-AF65-F5344CB8AC3E}">
-        <p14:creationId xmlns:p14="http://schemas.microsoft.com/office/powerpoint/2010/main" val="2779251827"/>
+        <p14:creationId xmlns:p14="http://schemas.microsoft.com/office/powerpoint/2010/main" val="1537429932"/>
       </p:ext>
     </p:extLst>
   </p:cSld>
@@ -5832,6 +5593,8 @@
                 <a:solidFill>
                   <a:schemeClr val="tx1"/>
                 </a:solidFill>
+                <a:latin typeface="Arial" panose="020B0604020202020204" pitchFamily="34" charset="0"/>
+                <a:cs typeface="Arial" panose="020B0604020202020204" pitchFamily="34" charset="0"/>
               </a:rPr>
               <a:t>Inhalt</a:t>
             </a:r>
@@ -5839,6 +5602,8 @@
               <a:solidFill>
                 <a:schemeClr val="tx1"/>
               </a:solidFill>
+              <a:latin typeface="Arial" panose="020B0604020202020204" pitchFamily="34" charset="0"/>
+              <a:cs typeface="Arial" panose="020B0604020202020204" pitchFamily="34" charset="0"/>
             </a:endParaRPr>
           </a:p>
         </p:txBody>
@@ -5886,6 +5651,26 @@
               </a:rPr>
               <a:t>Einführung</a:t>
             </a:r>
+          </a:p>
+          <a:p>
+            <a:pPr>
+              <a:buClr>
+                <a:schemeClr val="tx1"/>
+              </a:buClr>
+              <a:buFont typeface="Wingdings" panose="05000000000000000000" pitchFamily="2" charset="2"/>
+              <a:buChar char="Ø"/>
+            </a:pPr>
+            <a:r>
+              <a:rPr lang="en-US" noProof="1" smtClean="0">
+                <a:latin typeface="Arial" panose="020B0604020202020204" pitchFamily="34" charset="0"/>
+                <a:cs typeface="Arial" panose="020B0604020202020204" pitchFamily="34" charset="0"/>
+              </a:rPr>
+              <a:t>2)	Werzeuge </a:t>
+            </a:r>
+            <a:endParaRPr lang="de-DE" noProof="1" smtClean="0">
+              <a:latin typeface="Arial" panose="020B0604020202020204" pitchFamily="34" charset="0"/>
+              <a:cs typeface="Arial" panose="020B0604020202020204" pitchFamily="34" charset="0"/>
+            </a:endParaRPr>
           </a:p>
           <a:p>
             <a:pPr>
@@ -6624,7 +6409,7 @@
                 <a:latin typeface="Arial" panose="020B0604020202020204" pitchFamily="34" charset="0"/>
                 <a:cs typeface="Arial" panose="020B0604020202020204" pitchFamily="34" charset="0"/>
               </a:rPr>
-              <a:t>Prinzipieller Aufbau der PKI:</a:t>
+              <a:t>	 Prinzipieller Aufbau der PKI:</a:t>
             </a:r>
             <a:endParaRPr lang="de-DE" noProof="1">
               <a:latin typeface="Arial" panose="020B0604020202020204" pitchFamily="34" charset="0"/>
@@ -6679,14 +6464,14 @@
           <a:lstStyle/>
           <a:p>
             <a:r>
-              <a:rPr lang="en-US" dirty="0" smtClean="0">
-                <a:solidFill>
-                  <a:schemeClr val="tx1"/>
-                </a:solidFill>
-                <a:latin typeface="Arial" panose="020B0604020202020204" pitchFamily="34" charset="0"/>
-                <a:cs typeface="Arial" panose="020B0604020202020204" pitchFamily="34" charset="0"/>
-              </a:rPr>
-              <a:t>Registration Authority (RA)</a:t>
+              <a:rPr lang="en-US" dirty="0" err="1" smtClean="0">
+                <a:solidFill>
+                  <a:schemeClr val="tx1"/>
+                </a:solidFill>
+                <a:latin typeface="Arial" panose="020B0604020202020204" pitchFamily="34" charset="0"/>
+                <a:cs typeface="Arial" panose="020B0604020202020204" pitchFamily="34" charset="0"/>
+              </a:rPr>
+              <a:t>Werkzeuge</a:t>
             </a:r>
             <a:endParaRPr lang="en-GB" dirty="0">
               <a:solidFill>
@@ -7051,14 +6836,14 @@
       </p:sp>
       <p:sp>
         <p:nvSpPr>
-          <p:cNvPr id="3" name="Textfeld 2"/>
+          <p:cNvPr id="8" name="Textfeld 7"/>
           <p:cNvSpPr txBox="1"/>
           <p:nvPr/>
         </p:nvSpPr>
         <p:spPr>
           <a:xfrm>
             <a:off x="685800" y="1524000"/>
-            <a:ext cx="6705600" cy="2400657"/>
+            <a:ext cx="8077200" cy="3877985"/>
           </a:xfrm>
           <a:prstGeom prst="rect">
             <a:avLst/>
@@ -7072,6 +6857,263 @@
           <a:lstStyle/>
           <a:p>
             <a:pPr marL="285750" indent="-285750">
+              <a:lnSpc>
+                <a:spcPct val="150000"/>
+              </a:lnSpc>
+              <a:buFontTx/>
+              <a:buChar char="-"/>
+            </a:pPr>
+            <a:r>
+              <a:rPr lang="de-DE" dirty="0" err="1" smtClean="0">
+                <a:latin typeface="Arial" panose="020B0604020202020204" pitchFamily="34" charset="0"/>
+                <a:cs typeface="Arial" panose="020B0604020202020204" pitchFamily="34" charset="0"/>
+              </a:rPr>
+              <a:t>OpenSSL</a:t>
+            </a:r>
+            <a:endParaRPr lang="de-DE" dirty="0" smtClean="0">
+              <a:latin typeface="Arial" panose="020B0604020202020204" pitchFamily="34" charset="0"/>
+              <a:cs typeface="Arial" panose="020B0604020202020204" pitchFamily="34" charset="0"/>
+            </a:endParaRPr>
+          </a:p>
+          <a:p>
+            <a:pPr marL="742950" lvl="1" indent="-285750">
+              <a:lnSpc>
+                <a:spcPct val="150000"/>
+              </a:lnSpc>
+              <a:buFontTx/>
+              <a:buChar char="-"/>
+            </a:pPr>
+            <a:r>
+              <a:rPr lang="en-US" dirty="0" err="1" smtClean="0">
+                <a:latin typeface="Arial" panose="020B0604020202020204" pitchFamily="34" charset="0"/>
+                <a:cs typeface="Arial" panose="020B0604020202020204" pitchFamily="34" charset="0"/>
+              </a:rPr>
+              <a:t>Erzeugung</a:t>
+            </a:r>
+            <a:r>
+              <a:rPr lang="en-US" dirty="0" smtClean="0">
+                <a:latin typeface="Arial" panose="020B0604020202020204" pitchFamily="34" charset="0"/>
+                <a:cs typeface="Arial" panose="020B0604020202020204" pitchFamily="34" charset="0"/>
+              </a:rPr>
+              <a:t> und </a:t>
+            </a:r>
+            <a:r>
+              <a:rPr lang="en-US" dirty="0" err="1" smtClean="0">
+                <a:latin typeface="Arial" panose="020B0604020202020204" pitchFamily="34" charset="0"/>
+                <a:cs typeface="Arial" panose="020B0604020202020204" pitchFamily="34" charset="0"/>
+              </a:rPr>
+              <a:t>Verwaltung</a:t>
+            </a:r>
+            <a:r>
+              <a:rPr lang="en-US" dirty="0" smtClean="0">
+                <a:latin typeface="Arial" panose="020B0604020202020204" pitchFamily="34" charset="0"/>
+                <a:cs typeface="Arial" panose="020B0604020202020204" pitchFamily="34" charset="0"/>
+              </a:rPr>
+              <a:t> von </a:t>
+            </a:r>
+            <a:r>
+              <a:rPr lang="en-US" dirty="0" err="1" smtClean="0">
+                <a:latin typeface="Arial" panose="020B0604020202020204" pitchFamily="34" charset="0"/>
+                <a:cs typeface="Arial" panose="020B0604020202020204" pitchFamily="34" charset="0"/>
+              </a:rPr>
+              <a:t>Zertifikaten</a:t>
+            </a:r>
+            <a:endParaRPr lang="en-US" dirty="0" smtClean="0">
+              <a:latin typeface="Arial" panose="020B0604020202020204" pitchFamily="34" charset="0"/>
+              <a:cs typeface="Arial" panose="020B0604020202020204" pitchFamily="34" charset="0"/>
+            </a:endParaRPr>
+          </a:p>
+          <a:p>
+            <a:pPr marL="742950" lvl="1" indent="-285750">
+              <a:lnSpc>
+                <a:spcPct val="150000"/>
+              </a:lnSpc>
+              <a:buFontTx/>
+              <a:buChar char="-"/>
+            </a:pPr>
+            <a:r>
+              <a:rPr lang="en-US" dirty="0" err="1" smtClean="0">
+                <a:latin typeface="Arial" panose="020B0604020202020204" pitchFamily="34" charset="0"/>
+                <a:cs typeface="Arial" panose="020B0604020202020204" pitchFamily="34" charset="0"/>
+              </a:rPr>
+              <a:t>Implementierung</a:t>
+            </a:r>
+            <a:r>
+              <a:rPr lang="en-US" dirty="0" smtClean="0">
+                <a:latin typeface="Arial" panose="020B0604020202020204" pitchFamily="34" charset="0"/>
+                <a:cs typeface="Arial" panose="020B0604020202020204" pitchFamily="34" charset="0"/>
+              </a:rPr>
+              <a:t> des </a:t>
+            </a:r>
+            <a:r>
+              <a:rPr lang="en-US" dirty="0" err="1" smtClean="0">
+                <a:latin typeface="Arial" panose="020B0604020202020204" pitchFamily="34" charset="0"/>
+                <a:cs typeface="Arial" panose="020B0604020202020204" pitchFamily="34" charset="0"/>
+              </a:rPr>
+              <a:t>Netzwerkprotokolls</a:t>
+            </a:r>
+            <a:endParaRPr lang="de-DE" dirty="0" smtClean="0">
+              <a:latin typeface="Arial" panose="020B0604020202020204" pitchFamily="34" charset="0"/>
+              <a:cs typeface="Arial" panose="020B0604020202020204" pitchFamily="34" charset="0"/>
+            </a:endParaRPr>
+          </a:p>
+          <a:p>
+            <a:pPr marL="285750" indent="-285750">
+              <a:lnSpc>
+                <a:spcPct val="150000"/>
+              </a:lnSpc>
+              <a:spcBef>
+                <a:spcPts val="1200"/>
+              </a:spcBef>
+              <a:buFontTx/>
+              <a:buChar char="-"/>
+            </a:pPr>
+            <a:r>
+              <a:rPr lang="de-DE" dirty="0" err="1" smtClean="0">
+                <a:latin typeface="Arial" panose="020B0604020202020204" pitchFamily="34" charset="0"/>
+                <a:cs typeface="Arial" panose="020B0604020202020204" pitchFamily="34" charset="0"/>
+              </a:rPr>
+              <a:t>MongoDB</a:t>
+            </a:r>
+            <a:endParaRPr lang="de-DE" dirty="0" smtClean="0">
+              <a:latin typeface="Arial" panose="020B0604020202020204" pitchFamily="34" charset="0"/>
+              <a:cs typeface="Arial" panose="020B0604020202020204" pitchFamily="34" charset="0"/>
+            </a:endParaRPr>
+          </a:p>
+          <a:p>
+            <a:pPr marL="742950" lvl="1" indent="-285750">
+              <a:lnSpc>
+                <a:spcPct val="150000"/>
+              </a:lnSpc>
+              <a:buFontTx/>
+              <a:buChar char="-"/>
+            </a:pPr>
+            <a:r>
+              <a:rPr lang="en-US" dirty="0" err="1" smtClean="0">
+                <a:latin typeface="Arial" panose="020B0604020202020204" pitchFamily="34" charset="0"/>
+                <a:cs typeface="Arial" panose="020B0604020202020204" pitchFamily="34" charset="0"/>
+              </a:rPr>
+              <a:t>Dokumentenorientierte</a:t>
+            </a:r>
+            <a:r>
+              <a:rPr lang="en-US" dirty="0" smtClean="0">
+                <a:latin typeface="Arial" panose="020B0604020202020204" pitchFamily="34" charset="0"/>
+                <a:cs typeface="Arial" panose="020B0604020202020204" pitchFamily="34" charset="0"/>
+              </a:rPr>
+              <a:t> Open-Source-</a:t>
+            </a:r>
+            <a:r>
+              <a:rPr lang="en-US" dirty="0" err="1" smtClean="0">
+                <a:latin typeface="Arial" panose="020B0604020202020204" pitchFamily="34" charset="0"/>
+                <a:cs typeface="Arial" panose="020B0604020202020204" pitchFamily="34" charset="0"/>
+              </a:rPr>
+              <a:t>Datenbank</a:t>
+            </a:r>
+            <a:endParaRPr lang="de-DE" dirty="0" smtClean="0">
+              <a:latin typeface="Arial" panose="020B0604020202020204" pitchFamily="34" charset="0"/>
+              <a:cs typeface="Arial" panose="020B0604020202020204" pitchFamily="34" charset="0"/>
+            </a:endParaRPr>
+          </a:p>
+          <a:p>
+            <a:pPr marL="285750" indent="-285750">
+              <a:lnSpc>
+                <a:spcPct val="150000"/>
+              </a:lnSpc>
+              <a:spcBef>
+                <a:spcPts val="1200"/>
+              </a:spcBef>
+              <a:buFontTx/>
+              <a:buChar char="-"/>
+            </a:pPr>
+            <a:r>
+              <a:rPr lang="de-DE" dirty="0" smtClean="0">
+                <a:latin typeface="Arial" panose="020B0604020202020204" pitchFamily="34" charset="0"/>
+                <a:cs typeface="Arial" panose="020B0604020202020204" pitchFamily="34" charset="0"/>
+              </a:rPr>
+              <a:t>Node.js</a:t>
+            </a:r>
+          </a:p>
+          <a:p>
+            <a:pPr marL="742950" lvl="1" indent="-285750">
+              <a:lnSpc>
+                <a:spcPct val="150000"/>
+              </a:lnSpc>
+              <a:buFontTx/>
+              <a:buChar char="-"/>
+            </a:pPr>
+            <a:r>
+              <a:rPr lang="en-US" dirty="0" err="1" smtClean="0">
+                <a:latin typeface="Arial" panose="020B0604020202020204" pitchFamily="34" charset="0"/>
+                <a:cs typeface="Arial" panose="020B0604020202020204" pitchFamily="34" charset="0"/>
+              </a:rPr>
+              <a:t>Serverseitige</a:t>
+            </a:r>
+            <a:r>
+              <a:rPr lang="en-US" dirty="0" smtClean="0">
+                <a:latin typeface="Arial" panose="020B0604020202020204" pitchFamily="34" charset="0"/>
+                <a:cs typeface="Arial" panose="020B0604020202020204" pitchFamily="34" charset="0"/>
+              </a:rPr>
+              <a:t> </a:t>
+            </a:r>
+            <a:r>
+              <a:rPr lang="en-US" dirty="0" err="1" smtClean="0">
+                <a:latin typeface="Arial" panose="020B0604020202020204" pitchFamily="34" charset="0"/>
+                <a:cs typeface="Arial" panose="020B0604020202020204" pitchFamily="34" charset="0"/>
+              </a:rPr>
+              <a:t>Plattform</a:t>
+            </a:r>
+            <a:r>
+              <a:rPr lang="en-US" dirty="0" smtClean="0">
+                <a:latin typeface="Arial" panose="020B0604020202020204" pitchFamily="34" charset="0"/>
+                <a:cs typeface="Arial" panose="020B0604020202020204" pitchFamily="34" charset="0"/>
+              </a:rPr>
+              <a:t> </a:t>
+            </a:r>
+            <a:r>
+              <a:rPr lang="en-US" dirty="0" err="1" smtClean="0">
+                <a:latin typeface="Arial" panose="020B0604020202020204" pitchFamily="34" charset="0"/>
+                <a:cs typeface="Arial" panose="020B0604020202020204" pitchFamily="34" charset="0"/>
+              </a:rPr>
+              <a:t>zum</a:t>
+            </a:r>
+            <a:r>
+              <a:rPr lang="en-US" dirty="0" smtClean="0">
+                <a:latin typeface="Arial" panose="020B0604020202020204" pitchFamily="34" charset="0"/>
+                <a:cs typeface="Arial" panose="020B0604020202020204" pitchFamily="34" charset="0"/>
+              </a:rPr>
+              <a:t> </a:t>
+            </a:r>
+            <a:r>
+              <a:rPr lang="en-US" dirty="0" err="1" smtClean="0">
+                <a:latin typeface="Arial" panose="020B0604020202020204" pitchFamily="34" charset="0"/>
+                <a:cs typeface="Arial" panose="020B0604020202020204" pitchFamily="34" charset="0"/>
+              </a:rPr>
+              <a:t>Betrieb</a:t>
+            </a:r>
+            <a:r>
+              <a:rPr lang="en-US" dirty="0" smtClean="0">
+                <a:latin typeface="Arial" panose="020B0604020202020204" pitchFamily="34" charset="0"/>
+                <a:cs typeface="Arial" panose="020B0604020202020204" pitchFamily="34" charset="0"/>
+              </a:rPr>
+              <a:t> von </a:t>
+            </a:r>
+            <a:r>
+              <a:rPr lang="en-US" dirty="0" err="1" smtClean="0">
+                <a:latin typeface="Arial" panose="020B0604020202020204" pitchFamily="34" charset="0"/>
+                <a:cs typeface="Arial" panose="020B0604020202020204" pitchFamily="34" charset="0"/>
+              </a:rPr>
+              <a:t>Netzweranwendungen</a:t>
+            </a:r>
+            <a:endParaRPr lang="de-DE" dirty="0" smtClean="0">
+              <a:latin typeface="Arial" panose="020B0604020202020204" pitchFamily="34" charset="0"/>
+              <a:cs typeface="Arial" panose="020B0604020202020204" pitchFamily="34" charset="0"/>
+            </a:endParaRPr>
+          </a:p>
+          <a:p>
+            <a:pPr marL="285750" indent="-285750">
+              <a:lnSpc>
+                <a:spcPct val="150000"/>
+              </a:lnSpc>
               <a:spcBef>
                 <a:spcPts val="1200"/>
               </a:spcBef>
@@ -7082,64 +7124,23 @@
               <a:buChar char="-"/>
             </a:pPr>
             <a:r>
-              <a:rPr lang="de-DE" dirty="0" smtClean="0"/>
-              <a:t>Dienststelle für Anfragenerstellung digitaler Zertifikate</a:t>
-            </a:r>
-          </a:p>
-          <a:p>
-            <a:pPr marL="285750" indent="-285750">
-              <a:spcBef>
-                <a:spcPts val="1200"/>
-              </a:spcBef>
-              <a:spcAft>
-                <a:spcPts val="1200"/>
-              </a:spcAft>
-              <a:buFontTx/>
-              <a:buChar char="-"/>
-            </a:pPr>
-            <a:r>
-              <a:rPr lang="de-DE" dirty="0" smtClean="0"/>
-              <a:t>Prüft die Richtigkeit der Eingabedaten</a:t>
-            </a:r>
-          </a:p>
-          <a:p>
-            <a:pPr marL="285750" indent="-285750">
-              <a:spcBef>
-                <a:spcPts val="1200"/>
-              </a:spcBef>
-              <a:spcAft>
-                <a:spcPts val="1200"/>
-              </a:spcAft>
-              <a:buFontTx/>
-              <a:buChar char="-"/>
-            </a:pPr>
-            <a:r>
-              <a:rPr lang="de-DE" dirty="0" smtClean="0"/>
-              <a:t>Genehmigt den Zertifizierungsantrag</a:t>
-            </a:r>
-          </a:p>
-          <a:p>
-            <a:pPr marL="285750" indent="-285750">
-              <a:spcBef>
-                <a:spcPts val="1200"/>
-              </a:spcBef>
-              <a:spcAft>
-                <a:spcPts val="1200"/>
-              </a:spcAft>
-              <a:buFontTx/>
-              <a:buChar char="-"/>
-            </a:pPr>
-            <a:r>
-              <a:rPr lang="de-DE" dirty="0" smtClean="0"/>
-              <a:t>Zertifizierungsstelle signiert nach erfolgreicher  Genehmigung den Antrag</a:t>
-            </a:r>
+              <a:rPr lang="en-US" dirty="0" smtClean="0">
+                <a:latin typeface="Arial" panose="020B0604020202020204" pitchFamily="34" charset="0"/>
+                <a:cs typeface="Arial" panose="020B0604020202020204" pitchFamily="34" charset="0"/>
+              </a:rPr>
+              <a:t>Browser: Google Chrome</a:t>
+            </a:r>
+            <a:endParaRPr lang="de-DE" dirty="0" smtClean="0">
+              <a:latin typeface="Arial" panose="020B0604020202020204" pitchFamily="34" charset="0"/>
+              <a:cs typeface="Arial" panose="020B0604020202020204" pitchFamily="34" charset="0"/>
+            </a:endParaRPr>
           </a:p>
         </p:txBody>
       </p:sp>
     </p:spTree>
     <p:extLst>
       <p:ext uri="{BB962C8B-B14F-4D97-AF65-F5344CB8AC3E}">
-        <p14:creationId xmlns:p14="http://schemas.microsoft.com/office/powerpoint/2010/main" val="154887539"/>
+        <p14:creationId xmlns:p14="http://schemas.microsoft.com/office/powerpoint/2010/main" val="1424699237"/>
       </p:ext>
     </p:extLst>
   </p:cSld>
@@ -7182,18 +7183,14 @@
           <a:lstStyle/>
           <a:p>
             <a:r>
-              <a:rPr lang="en-US" dirty="0">
-                <a:latin typeface="Arial" panose="020B0604020202020204" pitchFamily="34" charset="0"/>
-                <a:cs typeface="Arial" panose="020B0604020202020204" pitchFamily="34" charset="0"/>
-              </a:rPr>
-              <a:t>Registration </a:t>
-            </a:r>
-            <a:r>
               <a:rPr lang="en-US" dirty="0" smtClean="0">
-                <a:latin typeface="Arial" panose="020B0604020202020204" pitchFamily="34" charset="0"/>
-                <a:cs typeface="Arial" panose="020B0604020202020204" pitchFamily="34" charset="0"/>
-              </a:rPr>
-              <a:t>Authority (RA)</a:t>
+                <a:solidFill>
+                  <a:schemeClr val="tx1"/>
+                </a:solidFill>
+                <a:latin typeface="Arial" panose="020B0604020202020204" pitchFamily="34" charset="0"/>
+                <a:cs typeface="Arial" panose="020B0604020202020204" pitchFamily="34" charset="0"/>
+              </a:rPr>
+              <a:t>Registration Authority (RA)</a:t>
             </a:r>
             <a:endParaRPr lang="en-GB" dirty="0">
               <a:solidFill>
@@ -7565,7 +7562,7 @@
         <p:spPr>
           <a:xfrm>
             <a:off x="685800" y="1524000"/>
-            <a:ext cx="6705600" cy="369332"/>
+            <a:ext cx="6705600" cy="2400657"/>
           </a:xfrm>
           <a:prstGeom prst="rect">
             <a:avLst/>
@@ -7579,49 +7576,86 @@
           <a:lstStyle/>
           <a:p>
             <a:pPr marL="285750" indent="-285750">
+              <a:spcBef>
+                <a:spcPts val="1200"/>
+              </a:spcBef>
+              <a:spcAft>
+                <a:spcPts val="1200"/>
+              </a:spcAft>
               <a:buFontTx/>
               <a:buChar char="-"/>
             </a:pPr>
             <a:r>
-              <a:rPr lang="de-DE" dirty="0" smtClean="0"/>
-              <a:t>Anfragenerstellung / Website-Formular:</a:t>
-            </a:r>
-          </a:p>
-        </p:txBody>
-      </p:sp>
-      <p:pic>
-        <p:nvPicPr>
-          <p:cNvPr id="8" name="Grafik 7"/>
-          <p:cNvPicPr>
-            <a:picLocks noChangeAspect="1"/>
-          </p:cNvPicPr>
-          <p:nvPr/>
-        </p:nvPicPr>
-        <p:blipFill rotWithShape="1">
-          <a:blip r:embed="rId4">
-            <a:extLst>
-              <a:ext uri="{28A0092B-C50C-407E-A947-70E740481C1C}">
-                <a14:useLocalDpi xmlns:a14="http://schemas.microsoft.com/office/drawing/2010/main" val="0"/>
-              </a:ext>
-            </a:extLst>
-          </a:blip>
-          <a:srcRect r="9647"/>
-          <a:stretch/>
-        </p:blipFill>
-        <p:spPr>
-          <a:xfrm>
-            <a:off x="1043050" y="1893332"/>
-            <a:ext cx="2819400" cy="4447395"/>
-          </a:xfrm>
-          <a:prstGeom prst="rect">
-            <a:avLst/>
-          </a:prstGeom>
-        </p:spPr>
-      </p:pic>
+              <a:rPr lang="de-DE" dirty="0" smtClean="0">
+                <a:latin typeface="Arial" panose="020B0604020202020204" pitchFamily="34" charset="0"/>
+                <a:cs typeface="Arial" panose="020B0604020202020204" pitchFamily="34" charset="0"/>
+              </a:rPr>
+              <a:t>Dienststelle für Anfragenerstellung digitaler Zertifikate</a:t>
+            </a:r>
+          </a:p>
+          <a:p>
+            <a:pPr marL="285750" indent="-285750">
+              <a:spcBef>
+                <a:spcPts val="1200"/>
+              </a:spcBef>
+              <a:spcAft>
+                <a:spcPts val="1200"/>
+              </a:spcAft>
+              <a:buFontTx/>
+              <a:buChar char="-"/>
+            </a:pPr>
+            <a:r>
+              <a:rPr lang="de-DE" dirty="0" smtClean="0">
+                <a:latin typeface="Arial" panose="020B0604020202020204" pitchFamily="34" charset="0"/>
+                <a:cs typeface="Arial" panose="020B0604020202020204" pitchFamily="34" charset="0"/>
+              </a:rPr>
+              <a:t>Überprüft die Richtigkeit der Eingabedaten</a:t>
+            </a:r>
+          </a:p>
+          <a:p>
+            <a:pPr marL="285750" indent="-285750">
+              <a:spcBef>
+                <a:spcPts val="1200"/>
+              </a:spcBef>
+              <a:spcAft>
+                <a:spcPts val="1200"/>
+              </a:spcAft>
+              <a:buFontTx/>
+              <a:buChar char="-"/>
+            </a:pPr>
+            <a:r>
+              <a:rPr lang="de-DE" dirty="0" smtClean="0">
+                <a:latin typeface="Arial" panose="020B0604020202020204" pitchFamily="34" charset="0"/>
+                <a:cs typeface="Arial" panose="020B0604020202020204" pitchFamily="34" charset="0"/>
+              </a:rPr>
+              <a:t>Genehmigt den Zertifizierungsantrag</a:t>
+            </a:r>
+          </a:p>
+          <a:p>
+            <a:pPr marL="285750" indent="-285750">
+              <a:spcBef>
+                <a:spcPts val="1200"/>
+              </a:spcBef>
+              <a:spcAft>
+                <a:spcPts val="1200"/>
+              </a:spcAft>
+              <a:buFontTx/>
+              <a:buChar char="-"/>
+            </a:pPr>
+            <a:r>
+              <a:rPr lang="de-DE" dirty="0" smtClean="0">
+                <a:latin typeface="Arial" panose="020B0604020202020204" pitchFamily="34" charset="0"/>
+                <a:cs typeface="Arial" panose="020B0604020202020204" pitchFamily="34" charset="0"/>
+              </a:rPr>
+              <a:t>Zertifizierungsstelle signiert nach erfolgreicher Genehmigung den Antrag</a:t>
+            </a:r>
+          </a:p>
+        </p:txBody>
+      </p:sp>
     </p:spTree>
     <p:extLst>
       <p:ext uri="{BB962C8B-B14F-4D97-AF65-F5344CB8AC3E}">
-        <p14:creationId xmlns:p14="http://schemas.microsoft.com/office/powerpoint/2010/main" val="1180047348"/>
+        <p14:creationId xmlns:p14="http://schemas.microsoft.com/office/powerpoint/2010/main" val="154887539"/>
       </p:ext>
     </p:extLst>
   </p:cSld>
@@ -7658,50 +7692,24 @@
             <p:ph type="title"/>
           </p:nvPr>
         </p:nvSpPr>
-        <p:spPr>
-          <a:xfrm>
-            <a:off x="633682" y="212149"/>
-            <a:ext cx="7886700" cy="1325563"/>
-          </a:xfrm>
-        </p:spPr>
+        <p:spPr/>
         <p:txBody>
           <a:bodyPr/>
           <a:lstStyle/>
           <a:p>
             <a:r>
-              <a:rPr lang="en-US" dirty="0" err="1" smtClean="0">
-                <a:latin typeface="Arial" panose="020B0604020202020204" pitchFamily="34" charset="0"/>
-                <a:cs typeface="Arial" panose="020B0604020202020204" pitchFamily="34" charset="0"/>
-              </a:rPr>
-              <a:t>Struktur</a:t>
+              <a:rPr lang="en-US" dirty="0">
+                <a:latin typeface="Arial" panose="020B0604020202020204" pitchFamily="34" charset="0"/>
+                <a:cs typeface="Arial" panose="020B0604020202020204" pitchFamily="34" charset="0"/>
+              </a:rPr>
+              <a:t>Registration </a:t>
             </a:r>
             <a:r>
               <a:rPr lang="en-US" dirty="0" smtClean="0">
                 <a:latin typeface="Arial" panose="020B0604020202020204" pitchFamily="34" charset="0"/>
                 <a:cs typeface="Arial" panose="020B0604020202020204" pitchFamily="34" charset="0"/>
               </a:rPr>
-              <a:t> </a:t>
-            </a:r>
-            <a:r>
-              <a:rPr lang="en-US" dirty="0" err="1" smtClean="0">
-                <a:latin typeface="Arial" panose="020B0604020202020204" pitchFamily="34" charset="0"/>
-                <a:cs typeface="Arial" panose="020B0604020202020204" pitchFamily="34" charset="0"/>
-              </a:rPr>
-              <a:t>eines</a:t>
-            </a:r>
-            <a:r>
-              <a:rPr lang="en-US" dirty="0" smtClean="0">
-                <a:latin typeface="Arial" panose="020B0604020202020204" pitchFamily="34" charset="0"/>
-                <a:cs typeface="Arial" panose="020B0604020202020204" pitchFamily="34" charset="0"/>
-              </a:rPr>
-              <a:t> X509 v3. </a:t>
-            </a:r>
-            <a:r>
-              <a:rPr lang="en-US" dirty="0" err="1" smtClean="0">
-                <a:latin typeface="Arial" panose="020B0604020202020204" pitchFamily="34" charset="0"/>
-                <a:cs typeface="Arial" panose="020B0604020202020204" pitchFamily="34" charset="0"/>
-              </a:rPr>
-              <a:t>Zertifikats</a:t>
+              <a:t>Authority (RA)</a:t>
             </a:r>
             <a:endParaRPr lang="en-GB" dirty="0">
               <a:solidFill>
@@ -8072,8 +8080,8 @@
         </p:nvSpPr>
         <p:spPr>
           <a:xfrm>
-            <a:off x="642391" y="1143000"/>
-            <a:ext cx="6705600" cy="6186309"/>
+            <a:off x="685800" y="1467366"/>
+            <a:ext cx="6705600" cy="369332"/>
           </a:xfrm>
           <a:prstGeom prst="rect">
             <a:avLst/>
@@ -8091,258 +8099,48 @@
               <a:buChar char="-"/>
             </a:pPr>
             <a:r>
-              <a:rPr lang="de-DE" dirty="0" smtClean="0"/>
-              <a:t>Version</a:t>
-            </a:r>
-          </a:p>
-          <a:p>
-            <a:pPr marL="285750" indent="-285750">
-              <a:buFontTx/>
-              <a:buChar char="-"/>
-            </a:pPr>
-            <a:r>
-              <a:rPr lang="de-DE" dirty="0" smtClean="0"/>
-              <a:t>Seriennummer</a:t>
-            </a:r>
-            <a:endParaRPr lang="de-DE" dirty="0"/>
-          </a:p>
-          <a:p>
-            <a:pPr marL="285750" indent="-285750">
-              <a:buFontTx/>
-              <a:buChar char="-"/>
-            </a:pPr>
-            <a:r>
-              <a:rPr lang="de-DE" dirty="0" smtClean="0"/>
-              <a:t>Algorithmen-ID</a:t>
-            </a:r>
-            <a:endParaRPr lang="de-DE" dirty="0"/>
-          </a:p>
-          <a:p>
-            <a:pPr marL="285750" indent="-285750">
-              <a:buFontTx/>
-              <a:buChar char="-"/>
-            </a:pPr>
-            <a:r>
-              <a:rPr lang="de-DE" dirty="0" smtClean="0"/>
-              <a:t>Aussteller</a:t>
-            </a:r>
-            <a:endParaRPr lang="de-DE" dirty="0"/>
-          </a:p>
-          <a:p>
-            <a:pPr marL="742950" lvl="1" indent="-285750">
-              <a:buFontTx/>
-              <a:buChar char="-"/>
-            </a:pPr>
-            <a:r>
-              <a:rPr lang="de-DE" dirty="0" smtClean="0"/>
-              <a:t>Land/Region</a:t>
-            </a:r>
-            <a:endParaRPr lang="de-DE" dirty="0"/>
-          </a:p>
-          <a:p>
-            <a:pPr marL="742950" lvl="1" indent="-285750">
-              <a:buFontTx/>
-              <a:buChar char="-"/>
-            </a:pPr>
-            <a:r>
-              <a:rPr lang="de-DE" dirty="0" smtClean="0"/>
-              <a:t>Bundesland/Kanton</a:t>
-            </a:r>
-            <a:endParaRPr lang="de-DE" dirty="0"/>
-          </a:p>
-          <a:p>
-            <a:pPr marL="742950" lvl="1" indent="-285750">
-              <a:buFontTx/>
-              <a:buChar char="-"/>
-            </a:pPr>
-            <a:r>
-              <a:rPr lang="de-DE" dirty="0" smtClean="0"/>
-              <a:t>Ort</a:t>
-            </a:r>
-            <a:endParaRPr lang="de-DE" dirty="0"/>
-          </a:p>
-          <a:p>
-            <a:pPr marL="742950" lvl="1" indent="-285750">
-              <a:buFontTx/>
-              <a:buChar char="-"/>
-            </a:pPr>
-            <a:r>
-              <a:rPr lang="de-DE" dirty="0" smtClean="0"/>
-              <a:t>Organisationseinheit</a:t>
-            </a:r>
-            <a:endParaRPr lang="de-DE" dirty="0"/>
-          </a:p>
-          <a:p>
-            <a:pPr marL="742950" lvl="1" indent="-285750">
-              <a:buFontTx/>
-              <a:buChar char="-"/>
-            </a:pPr>
-            <a:r>
-              <a:rPr lang="de-DE" dirty="0" smtClean="0"/>
-              <a:t>Organisation</a:t>
-            </a:r>
-            <a:endParaRPr lang="de-DE" dirty="0"/>
-          </a:p>
-          <a:p>
-            <a:pPr marL="742950" lvl="1" indent="-285750">
-              <a:buFontTx/>
-              <a:buChar char="-"/>
-            </a:pPr>
-            <a:r>
-              <a:rPr lang="de-DE" dirty="0" smtClean="0"/>
-              <a:t>Gemeinsamer Name</a:t>
-            </a:r>
-          </a:p>
-          <a:p>
-            <a:pPr marL="285750" indent="-285750">
-              <a:buFontTx/>
-              <a:buChar char="-"/>
-            </a:pPr>
-            <a:r>
-              <a:rPr lang="de-DE" dirty="0" smtClean="0"/>
-              <a:t>Gültigkeit (von, bis)</a:t>
-            </a:r>
-            <a:endParaRPr lang="de-DE" dirty="0"/>
-          </a:p>
-          <a:p>
-            <a:pPr marL="285750" indent="-285750">
-              <a:buFontTx/>
-              <a:buChar char="-"/>
-            </a:pPr>
-            <a:r>
-              <a:rPr lang="de-DE" dirty="0" smtClean="0"/>
-              <a:t>Zertifikatinhaber</a:t>
-            </a:r>
-            <a:endParaRPr lang="de-DE" dirty="0"/>
-          </a:p>
-          <a:p>
-            <a:pPr marL="285750" indent="-285750">
-              <a:buFontTx/>
-              <a:buChar char="-"/>
-            </a:pPr>
-            <a:r>
-              <a:rPr lang="de-DE" dirty="0" smtClean="0"/>
-              <a:t>Zertifikatinhaber-Schlüsselinformationen</a:t>
-            </a:r>
-            <a:endParaRPr lang="de-DE" dirty="0"/>
-          </a:p>
-          <a:p>
-            <a:pPr marL="742950" lvl="1" indent="-285750">
-              <a:buFontTx/>
-              <a:buChar char="-"/>
-            </a:pPr>
-            <a:r>
-              <a:rPr lang="de-DE" dirty="0" smtClean="0"/>
-              <a:t>Public-Key-Algorithmus</a:t>
-            </a:r>
-            <a:endParaRPr lang="de-DE" dirty="0"/>
-          </a:p>
-          <a:p>
-            <a:pPr marL="742950" lvl="1" indent="-285750">
-              <a:buFontTx/>
-              <a:buChar char="-"/>
-            </a:pPr>
-            <a:r>
-              <a:rPr lang="de-DE" dirty="0" smtClean="0"/>
-              <a:t>Public </a:t>
-            </a:r>
-            <a:r>
-              <a:rPr lang="de-DE" dirty="0"/>
-              <a:t>Key des </a:t>
-            </a:r>
-            <a:r>
-              <a:rPr lang="de-DE" dirty="0" smtClean="0"/>
-              <a:t>Zertifikatinhabers</a:t>
-            </a:r>
-          </a:p>
-          <a:p>
-            <a:pPr marL="285750" indent="-285750">
-              <a:buFontTx/>
-              <a:buChar char="-"/>
-            </a:pPr>
-            <a:r>
-              <a:rPr lang="de-DE" dirty="0" smtClean="0"/>
-              <a:t>Eindeutige </a:t>
-            </a:r>
-            <a:r>
-              <a:rPr lang="de-DE" dirty="0"/>
-              <a:t>ID des Ausstellers (</a:t>
-            </a:r>
-            <a:r>
-              <a:rPr lang="de-DE" dirty="0" smtClean="0"/>
-              <a:t>optional)</a:t>
-            </a:r>
-          </a:p>
-          <a:p>
-            <a:pPr marL="285750" indent="-285750">
-              <a:buFontTx/>
-              <a:buChar char="-"/>
-            </a:pPr>
-            <a:r>
-              <a:rPr lang="de-DE" dirty="0" smtClean="0"/>
-              <a:t>Eindeutige </a:t>
-            </a:r>
-            <a:r>
-              <a:rPr lang="de-DE" dirty="0"/>
-              <a:t>ID des Inhabers (</a:t>
-            </a:r>
-            <a:r>
-              <a:rPr lang="de-DE" dirty="0" smtClean="0"/>
-              <a:t>optional)</a:t>
-            </a:r>
-          </a:p>
-          <a:p>
-            <a:pPr marL="285750" indent="-285750">
-              <a:buFontTx/>
-              <a:buChar char="-"/>
-            </a:pPr>
-            <a:r>
-              <a:rPr lang="de-DE" dirty="0" smtClean="0"/>
-              <a:t>Erweiterungen</a:t>
-            </a:r>
-          </a:p>
-          <a:p>
-            <a:pPr marL="285750" indent="-285750">
-              <a:buFontTx/>
-              <a:buChar char="-"/>
-            </a:pPr>
-            <a:r>
-              <a:rPr lang="de-DE" dirty="0" smtClean="0"/>
-              <a:t>Zertifikat-Signaturalgorithmus</a:t>
-            </a:r>
-            <a:endParaRPr lang="de-DE" dirty="0"/>
-          </a:p>
-          <a:p>
-            <a:pPr marL="285750" indent="-285750">
-              <a:buFontTx/>
-              <a:buChar char="-"/>
-            </a:pPr>
-            <a:r>
-              <a:rPr lang="de-DE" dirty="0" smtClean="0"/>
-              <a:t>Zertifikat-Signatur</a:t>
-            </a:r>
-            <a:endParaRPr lang="de-DE" dirty="0"/>
-          </a:p>
-          <a:p>
-            <a:pPr marL="285750" indent="-285750">
-              <a:buFontTx/>
-              <a:buChar char="-"/>
-            </a:pPr>
-            <a:endParaRPr lang="de-DE" dirty="0"/>
-          </a:p>
-          <a:p>
-            <a:pPr marL="285750" indent="-285750">
-              <a:buFontTx/>
-              <a:buChar char="-"/>
-            </a:pPr>
-            <a:endParaRPr lang="de-DE" dirty="0" smtClean="0"/>
-          </a:p>
-        </p:txBody>
-      </p:sp>
+              <a:rPr lang="de-DE" dirty="0" smtClean="0">
+                <a:latin typeface="Arial" panose="020B0604020202020204" pitchFamily="34" charset="0"/>
+                <a:cs typeface="Arial" panose="020B0604020202020204" pitchFamily="34" charset="0"/>
+              </a:rPr>
+              <a:t>Anfragenerstellung / Website-Formular:</a:t>
+            </a:r>
+          </a:p>
+        </p:txBody>
+      </p:sp>
+      <p:pic>
+        <p:nvPicPr>
+          <p:cNvPr id="8" name="Grafik 7"/>
+          <p:cNvPicPr>
+            <a:picLocks noChangeAspect="1"/>
+          </p:cNvPicPr>
+          <p:nvPr/>
+        </p:nvPicPr>
+        <p:blipFill rotWithShape="1">
+          <a:blip r:embed="rId4">
+            <a:extLst>
+              <a:ext uri="{28A0092B-C50C-407E-A947-70E740481C1C}">
+                <a14:useLocalDpi xmlns:a14="http://schemas.microsoft.com/office/drawing/2010/main" val="0"/>
+              </a:ext>
+            </a:extLst>
+          </a:blip>
+          <a:srcRect r="9647"/>
+          <a:stretch/>
+        </p:blipFill>
+        <p:spPr>
+          <a:xfrm>
+            <a:off x="1043050" y="1893332"/>
+            <a:ext cx="2819400" cy="4447395"/>
+          </a:xfrm>
+          <a:prstGeom prst="rect">
+            <a:avLst/>
+          </a:prstGeom>
+        </p:spPr>
+      </p:pic>
     </p:spTree>
     <p:extLst>
       <p:ext uri="{BB962C8B-B14F-4D97-AF65-F5344CB8AC3E}">
-        <p14:creationId xmlns:p14="http://schemas.microsoft.com/office/powerpoint/2010/main" val="139507492"/>
+        <p14:creationId xmlns:p14="http://schemas.microsoft.com/office/powerpoint/2010/main" val="1180047348"/>
       </p:ext>
     </p:extLst>
   </p:cSld>
@@ -8379,14 +8177,50 @@
             <p:ph type="title"/>
           </p:nvPr>
         </p:nvSpPr>
-        <p:spPr/>
+        <p:spPr>
+          <a:xfrm>
+            <a:off x="633682" y="212149"/>
+            <a:ext cx="7886700" cy="1325563"/>
+          </a:xfrm>
+        </p:spPr>
         <p:txBody>
           <a:bodyPr/>
           <a:lstStyle/>
           <a:p>
             <a:r>
-              <a:rPr lang="de-DE" b="1" dirty="0" smtClean="0"/>
-              <a:t>Validation Authority (VA)</a:t>
+              <a:rPr lang="en-US" dirty="0" err="1" smtClean="0">
+                <a:latin typeface="Arial" panose="020B0604020202020204" pitchFamily="34" charset="0"/>
+                <a:cs typeface="Arial" panose="020B0604020202020204" pitchFamily="34" charset="0"/>
+              </a:rPr>
+              <a:t>Struktur</a:t>
+            </a:r>
+            <a:r>
+              <a:rPr lang="en-US" dirty="0" smtClean="0">
+                <a:latin typeface="Arial" panose="020B0604020202020204" pitchFamily="34" charset="0"/>
+                <a:cs typeface="Arial" panose="020B0604020202020204" pitchFamily="34" charset="0"/>
+              </a:rPr>
+              <a:t> </a:t>
+            </a:r>
+            <a:r>
+              <a:rPr lang="en-US" dirty="0" err="1" smtClean="0">
+                <a:latin typeface="Arial" panose="020B0604020202020204" pitchFamily="34" charset="0"/>
+                <a:cs typeface="Arial" panose="020B0604020202020204" pitchFamily="34" charset="0"/>
+              </a:rPr>
+              <a:t>eines</a:t>
+            </a:r>
+            <a:r>
+              <a:rPr lang="en-US" dirty="0" smtClean="0">
+                <a:latin typeface="Arial" panose="020B0604020202020204" pitchFamily="34" charset="0"/>
+                <a:cs typeface="Arial" panose="020B0604020202020204" pitchFamily="34" charset="0"/>
+              </a:rPr>
+              <a:t> X509 v3. </a:t>
+            </a:r>
+            <a:r>
+              <a:rPr lang="en-US" dirty="0" err="1" smtClean="0">
+                <a:latin typeface="Arial" panose="020B0604020202020204" pitchFamily="34" charset="0"/>
+                <a:cs typeface="Arial" panose="020B0604020202020204" pitchFamily="34" charset="0"/>
+              </a:rPr>
+              <a:t>Zertifikats</a:t>
             </a:r>
             <a:endParaRPr lang="en-GB" dirty="0">
               <a:solidFill>
@@ -8757,8 +8591,8 @@
         </p:nvSpPr>
         <p:spPr>
           <a:xfrm>
-            <a:off x="628650" y="1503488"/>
-            <a:ext cx="5772150" cy="2862322"/>
+            <a:off x="642390" y="1143000"/>
+            <a:ext cx="8349210" cy="5673348"/>
           </a:xfrm>
           <a:prstGeom prst="rect">
             <a:avLst/>
@@ -8772,82 +8606,341 @@
           <a:lstStyle/>
           <a:p>
             <a:pPr marL="285750" indent="-285750">
+              <a:lnSpc>
+                <a:spcPts val="2800"/>
+              </a:lnSpc>
               <a:buFontTx/>
               <a:buChar char="-"/>
             </a:pPr>
             <a:r>
-              <a:rPr lang="de-DE" dirty="0" smtClean="0"/>
-              <a:t>Service zur Validierung von Zertifizierungsanträgen</a:t>
-            </a:r>
+              <a:rPr lang="de-DE" dirty="0" smtClean="0">
+                <a:latin typeface="Arial" panose="020B0604020202020204" pitchFamily="34" charset="0"/>
+                <a:cs typeface="Arial" panose="020B0604020202020204" pitchFamily="34" charset="0"/>
+              </a:rPr>
+              <a:t>Version			</a:t>
+            </a:r>
+            <a:r>
+              <a:rPr lang="de-DE" dirty="0">
+                <a:latin typeface="Arial" panose="020B0604020202020204" pitchFamily="34" charset="0"/>
+                <a:cs typeface="Arial" panose="020B0604020202020204" pitchFamily="34" charset="0"/>
+              </a:rPr>
+              <a:t>-    </a:t>
+            </a:r>
+            <a:r>
+              <a:rPr lang="de-DE" dirty="0" smtClean="0">
+                <a:latin typeface="Arial" panose="020B0604020202020204" pitchFamily="34" charset="0"/>
+                <a:cs typeface="Arial" panose="020B0604020202020204" pitchFamily="34" charset="0"/>
+              </a:rPr>
+              <a:t>Zertifikatinhaber-						     Schlüsselinformationen</a:t>
+            </a:r>
+            <a:endParaRPr lang="de-DE" dirty="0">
+              <a:latin typeface="Arial" panose="020B0604020202020204" pitchFamily="34" charset="0"/>
+              <a:cs typeface="Arial" panose="020B0604020202020204" pitchFamily="34" charset="0"/>
+            </a:endParaRPr>
+          </a:p>
+          <a:p>
+            <a:pPr marL="285750" indent="-285750">
+              <a:lnSpc>
+                <a:spcPts val="2800"/>
+              </a:lnSpc>
+              <a:buFontTx/>
+              <a:buChar char="-"/>
+            </a:pPr>
+            <a:r>
+              <a:rPr lang="de-DE" dirty="0" smtClean="0">
+                <a:latin typeface="Arial" panose="020B0604020202020204" pitchFamily="34" charset="0"/>
+                <a:cs typeface="Arial" panose="020B0604020202020204" pitchFamily="34" charset="0"/>
+              </a:rPr>
+              <a:t>Seriennummer		</a:t>
+            </a:r>
+            <a:r>
+              <a:rPr lang="de-DE" dirty="0">
+                <a:latin typeface="Arial" panose="020B0604020202020204" pitchFamily="34" charset="0"/>
+                <a:cs typeface="Arial" panose="020B0604020202020204" pitchFamily="34" charset="0"/>
+              </a:rPr>
+              <a:t>	- </a:t>
+            </a:r>
+            <a:r>
+              <a:rPr lang="de-DE" dirty="0" smtClean="0">
+                <a:latin typeface="Arial" panose="020B0604020202020204" pitchFamily="34" charset="0"/>
+                <a:cs typeface="Arial" panose="020B0604020202020204" pitchFamily="34" charset="0"/>
+              </a:rPr>
+              <a:t>   Zertifikatinhaber-						     Schlüsselinformationen</a:t>
+            </a:r>
+            <a:endParaRPr lang="de-DE" dirty="0">
+              <a:latin typeface="Arial" panose="020B0604020202020204" pitchFamily="34" charset="0"/>
+              <a:cs typeface="Arial" panose="020B0604020202020204" pitchFamily="34" charset="0"/>
+            </a:endParaRPr>
+          </a:p>
+          <a:p>
+            <a:pPr marL="285750" lvl="1" indent="-285750">
+              <a:lnSpc>
+                <a:spcPts val="2800"/>
+              </a:lnSpc>
+              <a:buFontTx/>
+              <a:buChar char="-"/>
+            </a:pPr>
+            <a:r>
+              <a:rPr lang="de-DE" dirty="0" smtClean="0">
+                <a:latin typeface="Arial" panose="020B0604020202020204" pitchFamily="34" charset="0"/>
+                <a:cs typeface="Arial" panose="020B0604020202020204" pitchFamily="34" charset="0"/>
+              </a:rPr>
+              <a:t>Algorithmen-ID			-    Public-Key-Algorithmus</a:t>
+            </a:r>
+          </a:p>
+          <a:p>
+            <a:pPr marL="742950" lvl="1" indent="-285750">
+              <a:lnSpc>
+                <a:spcPts val="2800"/>
+              </a:lnSpc>
+              <a:buFontTx/>
+              <a:buChar char="-"/>
+            </a:pPr>
+            <a:r>
+              <a:rPr lang="de-DE" dirty="0" smtClean="0">
+                <a:latin typeface="Arial" panose="020B0604020202020204" pitchFamily="34" charset="0"/>
+                <a:cs typeface="Arial" panose="020B0604020202020204" pitchFamily="34" charset="0"/>
+              </a:rPr>
+              <a:t>Aussteller			</a:t>
+            </a:r>
+            <a:r>
+              <a:rPr lang="de-DE" dirty="0">
+                <a:latin typeface="Arial" panose="020B0604020202020204" pitchFamily="34" charset="0"/>
+                <a:cs typeface="Arial" panose="020B0604020202020204" pitchFamily="34" charset="0"/>
+              </a:rPr>
+              <a:t>-    Public Key des Zertifikatinhabers</a:t>
+            </a:r>
+          </a:p>
+          <a:p>
+            <a:pPr marL="742950" lvl="1" indent="-285750">
+              <a:lnSpc>
+                <a:spcPts val="2800"/>
+              </a:lnSpc>
+              <a:buFontTx/>
+              <a:buChar char="-"/>
+            </a:pPr>
+            <a:r>
+              <a:rPr lang="de-DE" dirty="0" smtClean="0">
+                <a:latin typeface="Arial" panose="020B0604020202020204" pitchFamily="34" charset="0"/>
+                <a:cs typeface="Arial" panose="020B0604020202020204" pitchFamily="34" charset="0"/>
+              </a:rPr>
+              <a:t>Land/Region		-    </a:t>
+            </a:r>
+            <a:r>
+              <a:rPr lang="de-DE" dirty="0">
+                <a:latin typeface="Arial" panose="020B0604020202020204" pitchFamily="34" charset="0"/>
+                <a:cs typeface="Arial" panose="020B0604020202020204" pitchFamily="34" charset="0"/>
+              </a:rPr>
+              <a:t>Eindeutige ID des </a:t>
+            </a:r>
+            <a:r>
+              <a:rPr lang="de-DE" dirty="0" smtClean="0">
+                <a:latin typeface="Arial" panose="020B0604020202020204" pitchFamily="34" charset="0"/>
+                <a:cs typeface="Arial" panose="020B0604020202020204" pitchFamily="34" charset="0"/>
+              </a:rPr>
+              <a:t>Ausstellers </a:t>
+            </a:r>
+            <a:r>
+              <a:rPr lang="de-DE" dirty="0">
+                <a:latin typeface="Arial" panose="020B0604020202020204" pitchFamily="34" charset="0"/>
+                <a:cs typeface="Arial" panose="020B0604020202020204" pitchFamily="34" charset="0"/>
+              </a:rPr>
+              <a:t>(optional</a:t>
+            </a:r>
+            <a:r>
+              <a:rPr lang="de-DE" dirty="0" smtClean="0">
+                <a:latin typeface="Arial" panose="020B0604020202020204" pitchFamily="34" charset="0"/>
+                <a:cs typeface="Arial" panose="020B0604020202020204" pitchFamily="34" charset="0"/>
+              </a:rPr>
+              <a:t>)</a:t>
+            </a:r>
+          </a:p>
+          <a:p>
+            <a:pPr marL="742950" lvl="1" indent="-285750">
+              <a:lnSpc>
+                <a:spcPts val="2800"/>
+              </a:lnSpc>
+              <a:buFontTx/>
+              <a:buChar char="-"/>
+            </a:pPr>
+            <a:r>
+              <a:rPr lang="de-DE" dirty="0" smtClean="0">
+                <a:latin typeface="Arial" panose="020B0604020202020204" pitchFamily="34" charset="0"/>
+                <a:cs typeface="Arial" panose="020B0604020202020204" pitchFamily="34" charset="0"/>
+              </a:rPr>
+              <a:t>Bundesland/Kanton		-    Eindeutige ID des Inhabers (optional)</a:t>
+            </a:r>
+          </a:p>
+          <a:p>
+            <a:pPr marL="742950" lvl="1" indent="-285750">
+              <a:lnSpc>
+                <a:spcPts val="2800"/>
+              </a:lnSpc>
+              <a:buFontTx/>
+              <a:buChar char="-"/>
+            </a:pPr>
+            <a:r>
+              <a:rPr lang="de-DE" dirty="0" smtClean="0">
+                <a:latin typeface="Arial" panose="020B0604020202020204" pitchFamily="34" charset="0"/>
+                <a:cs typeface="Arial" panose="020B0604020202020204" pitchFamily="34" charset="0"/>
+              </a:rPr>
+              <a:t>Ort</a:t>
+            </a:r>
+            <a:r>
+              <a:rPr lang="de-DE" dirty="0">
+                <a:latin typeface="Arial" panose="020B0604020202020204" pitchFamily="34" charset="0"/>
+                <a:cs typeface="Arial" panose="020B0604020202020204" pitchFamily="34" charset="0"/>
+              </a:rPr>
+              <a:t>			-    </a:t>
+            </a:r>
+            <a:r>
+              <a:rPr lang="de-DE" dirty="0" smtClean="0">
+                <a:latin typeface="Arial" panose="020B0604020202020204" pitchFamily="34" charset="0"/>
+                <a:cs typeface="Arial" panose="020B0604020202020204" pitchFamily="34" charset="0"/>
+              </a:rPr>
+              <a:t>Erweiterungen</a:t>
+            </a:r>
+            <a:endParaRPr lang="de-DE" dirty="0">
+              <a:latin typeface="Arial" panose="020B0604020202020204" pitchFamily="34" charset="0"/>
+              <a:cs typeface="Arial" panose="020B0604020202020204" pitchFamily="34" charset="0"/>
+            </a:endParaRPr>
+          </a:p>
+          <a:p>
+            <a:pPr marL="742950" lvl="1" indent="-285750">
+              <a:lnSpc>
+                <a:spcPts val="2800"/>
+              </a:lnSpc>
+              <a:buFontTx/>
+              <a:buChar char="-"/>
+            </a:pPr>
+            <a:r>
+              <a:rPr lang="de-DE" dirty="0">
+                <a:latin typeface="Arial" panose="020B0604020202020204" pitchFamily="34" charset="0"/>
+                <a:cs typeface="Arial" panose="020B0604020202020204" pitchFamily="34" charset="0"/>
+              </a:rPr>
+              <a:t>Organisationseinheit	-    </a:t>
+            </a:r>
+            <a:r>
+              <a:rPr lang="de-DE" dirty="0" smtClean="0">
+                <a:latin typeface="Arial" panose="020B0604020202020204" pitchFamily="34" charset="0"/>
+                <a:cs typeface="Arial" panose="020B0604020202020204" pitchFamily="34" charset="0"/>
+              </a:rPr>
+              <a:t>Zertifikat-Signaturalgorithmus</a:t>
+            </a:r>
+            <a:endParaRPr lang="de-DE" dirty="0">
+              <a:latin typeface="Arial" panose="020B0604020202020204" pitchFamily="34" charset="0"/>
+              <a:cs typeface="Arial" panose="020B0604020202020204" pitchFamily="34" charset="0"/>
+            </a:endParaRPr>
+          </a:p>
+          <a:p>
+            <a:pPr marL="742950" lvl="1" indent="-285750">
+              <a:lnSpc>
+                <a:spcPts val="2800"/>
+              </a:lnSpc>
+              <a:buFontTx/>
+              <a:buChar char="-"/>
+            </a:pPr>
+            <a:r>
+              <a:rPr lang="de-DE" dirty="0">
+                <a:latin typeface="Arial" panose="020B0604020202020204" pitchFamily="34" charset="0"/>
+                <a:cs typeface="Arial" panose="020B0604020202020204" pitchFamily="34" charset="0"/>
+              </a:rPr>
+              <a:t>Organisation		-    </a:t>
+            </a:r>
+            <a:r>
+              <a:rPr lang="de-DE" dirty="0" smtClean="0">
+                <a:latin typeface="Arial" panose="020B0604020202020204" pitchFamily="34" charset="0"/>
+                <a:cs typeface="Arial" panose="020B0604020202020204" pitchFamily="34" charset="0"/>
+              </a:rPr>
+              <a:t>Zertifikat-Signatur</a:t>
+            </a:r>
+            <a:endParaRPr lang="de-DE" dirty="0">
+              <a:latin typeface="Arial" panose="020B0604020202020204" pitchFamily="34" charset="0"/>
+              <a:cs typeface="Arial" panose="020B0604020202020204" pitchFamily="34" charset="0"/>
+            </a:endParaRPr>
+          </a:p>
+          <a:p>
+            <a:pPr marL="742950" lvl="1" indent="-285750">
+              <a:lnSpc>
+                <a:spcPts val="2800"/>
+              </a:lnSpc>
+              <a:buFontTx/>
+              <a:buChar char="-"/>
+            </a:pPr>
+            <a:r>
+              <a:rPr lang="de-DE" dirty="0" smtClean="0">
+                <a:latin typeface="Arial" panose="020B0604020202020204" pitchFamily="34" charset="0"/>
+                <a:cs typeface="Arial" panose="020B0604020202020204" pitchFamily="34" charset="0"/>
+              </a:rPr>
+              <a:t>Gemeinsamer Name</a:t>
+            </a:r>
+          </a:p>
+          <a:p>
+            <a:pPr marL="285750" indent="-285750">
+              <a:lnSpc>
+                <a:spcPts val="2800"/>
+              </a:lnSpc>
+              <a:buFontTx/>
+              <a:buChar char="-"/>
+            </a:pPr>
+            <a:r>
+              <a:rPr lang="de-DE" dirty="0" smtClean="0">
+                <a:latin typeface="Arial" panose="020B0604020202020204" pitchFamily="34" charset="0"/>
+                <a:cs typeface="Arial" panose="020B0604020202020204" pitchFamily="34" charset="0"/>
+              </a:rPr>
+              <a:t>Gültigkeit (von, bis)</a:t>
+            </a:r>
+            <a:endParaRPr lang="de-DE" dirty="0">
+              <a:latin typeface="Arial" panose="020B0604020202020204" pitchFamily="34" charset="0"/>
+              <a:cs typeface="Arial" panose="020B0604020202020204" pitchFamily="34" charset="0"/>
+            </a:endParaRPr>
+          </a:p>
+          <a:p>
+            <a:pPr marL="285750" indent="-285750">
+              <a:lnSpc>
+                <a:spcPts val="2800"/>
+              </a:lnSpc>
+              <a:buFontTx/>
+              <a:buChar char="-"/>
+            </a:pPr>
+            <a:r>
+              <a:rPr lang="de-DE" dirty="0" smtClean="0">
+                <a:latin typeface="Arial" panose="020B0604020202020204" pitchFamily="34" charset="0"/>
+                <a:cs typeface="Arial" panose="020B0604020202020204" pitchFamily="34" charset="0"/>
+              </a:rPr>
+              <a:t>Zertifikatinhaber</a:t>
+            </a:r>
+            <a:endParaRPr lang="de-DE" dirty="0">
+              <a:latin typeface="Arial" panose="020B0604020202020204" pitchFamily="34" charset="0"/>
+              <a:cs typeface="Arial" panose="020B0604020202020204" pitchFamily="34" charset="0"/>
+            </a:endParaRPr>
           </a:p>
           <a:p>
             <a:pPr marL="285750" indent="-285750">
               <a:buFontTx/>
               <a:buChar char="-"/>
             </a:pPr>
-            <a:endParaRPr lang="de-DE" dirty="0"/>
+            <a:endParaRPr lang="de-DE" dirty="0">
+              <a:latin typeface="Arial" panose="020B0604020202020204" pitchFamily="34" charset="0"/>
+              <a:cs typeface="Arial" panose="020B0604020202020204" pitchFamily="34" charset="0"/>
+            </a:endParaRPr>
           </a:p>
           <a:p>
             <a:pPr marL="285750" indent="-285750">
               <a:buFontTx/>
               <a:buChar char="-"/>
             </a:pPr>
-            <a:r>
-              <a:rPr lang="de-DE" dirty="0" smtClean="0"/>
-              <a:t> Validierungswege:</a:t>
-            </a:r>
-          </a:p>
-          <a:p>
-            <a:pPr marL="742950" lvl="1" indent="-285750">
-              <a:buFontTx/>
-              <a:buChar char="-"/>
-            </a:pPr>
-            <a:r>
-              <a:rPr lang="de-DE" dirty="0" smtClean="0"/>
-              <a:t>OCSP</a:t>
-            </a:r>
-          </a:p>
-          <a:p>
-            <a:pPr marL="742950" lvl="1" indent="-285750">
-              <a:buFontTx/>
-              <a:buChar char="-"/>
-            </a:pPr>
-            <a:r>
-              <a:rPr lang="de-DE" dirty="0" smtClean="0"/>
-              <a:t>CRL</a:t>
-            </a:r>
-          </a:p>
-          <a:p>
-            <a:pPr marL="285750" indent="-285750">
-              <a:buFontTx/>
-              <a:buChar char="-"/>
-            </a:pPr>
-            <a:endParaRPr lang="de-DE" dirty="0" smtClean="0"/>
-          </a:p>
-          <a:p>
-            <a:endParaRPr lang="de-DE" dirty="0" smtClean="0"/>
-          </a:p>
-          <a:p>
-            <a:pPr marL="285750" indent="-285750">
-              <a:buFontTx/>
-              <a:buChar char="-"/>
-            </a:pPr>
-            <a:r>
-              <a:rPr lang="de-DE" dirty="0" smtClean="0"/>
-              <a:t>Häufigkeit der Aktualisierung der Sperrliste beeinflusst die Sicherheit und Genauigkeit der Validierung</a:t>
-            </a:r>
-            <a:endParaRPr lang="de-DE" dirty="0"/>
-          </a:p>
-          <a:p>
-            <a:pPr lvl="1"/>
-            <a:endParaRPr lang="de-DE" dirty="0" smtClean="0"/>
+            <a:endParaRPr lang="de-DE" dirty="0" smtClean="0">
+              <a:latin typeface="Arial" panose="020B0604020202020204" pitchFamily="34" charset="0"/>
+              <a:cs typeface="Arial" panose="020B0604020202020204" pitchFamily="34" charset="0"/>
+            </a:endParaRPr>
           </a:p>
         </p:txBody>
       </p:sp>
     </p:spTree>
     <p:extLst>
       <p:ext uri="{BB962C8B-B14F-4D97-AF65-F5344CB8AC3E}">
-        <p14:creationId xmlns:p14="http://schemas.microsoft.com/office/powerpoint/2010/main" val="2334749360"/>
+        <p14:creationId xmlns:p14="http://schemas.microsoft.com/office/powerpoint/2010/main" val="139507492"/>
       </p:ext>
     </p:extLst>
   </p:cSld>
@@ -9254,46 +9347,16 @@
           </a:p>
         </p:txBody>
       </p:sp>
-      <p:pic>
-        <p:nvPicPr>
-          <p:cNvPr id="5" name="Grafik 4"/>
-          <p:cNvPicPr>
-            <a:picLocks noChangeAspect="1"/>
-          </p:cNvPicPr>
+      <p:sp>
+        <p:nvSpPr>
+          <p:cNvPr id="3" name="Textfeld 2"/>
+          <p:cNvSpPr txBox="1"/>
           <p:nvPr/>
-        </p:nvPicPr>
-        <p:blipFill>
-          <a:blip r:embed="rId4">
-            <a:extLst>
-              <a:ext uri="{28A0092B-C50C-407E-A947-70E740481C1C}">
-                <a14:useLocalDpi xmlns:a14="http://schemas.microsoft.com/office/drawing/2010/main" val="0"/>
-              </a:ext>
-            </a:extLst>
-          </a:blip>
-          <a:stretch>
-            <a:fillRect/>
-          </a:stretch>
-        </p:blipFill>
+        </p:nvSpPr>
         <p:spPr>
           <a:xfrm>
-            <a:off x="628650" y="2182304"/>
-            <a:ext cx="2911674" cy="731896"/>
-          </a:xfrm>
-          <a:prstGeom prst="rect">
-            <a:avLst/>
-          </a:prstGeom>
-        </p:spPr>
-      </p:pic>
-      <p:sp>
-        <p:nvSpPr>
-          <p:cNvPr id="8" name="Textfeld 7"/>
-          <p:cNvSpPr txBox="1"/>
-          <p:nvPr/>
-        </p:nvSpPr>
-        <p:spPr>
-          <a:xfrm>
-            <a:off x="628650" y="3251283"/>
-            <a:ext cx="5772150" cy="923330"/>
+            <a:off x="628650" y="1503488"/>
+            <a:ext cx="7829550" cy="2585323"/>
           </a:xfrm>
           <a:prstGeom prst="rect">
             <a:avLst/>
@@ -9311,8 +9374,11 @@
               <a:buChar char="-"/>
             </a:pPr>
             <a:r>
-              <a:rPr lang="de-DE" dirty="0" smtClean="0"/>
-              <a:t>Zur Simulation einer Validierung wird in diesem Projekt das Zertifikat manuell freigegeben oder abgewiesen</a:t>
+              <a:rPr lang="de-DE" dirty="0" smtClean="0">
+                <a:latin typeface="Arial" panose="020B0604020202020204" pitchFamily="34" charset="0"/>
+                <a:cs typeface="Arial" panose="020B0604020202020204" pitchFamily="34" charset="0"/>
+              </a:rPr>
+              <a:t>Service zur Validierung von Zertifizierungsanträgen</a:t>
             </a:r>
           </a:p>
           <a:p>
@@ -9320,14 +9386,86 @@
               <a:buFontTx/>
               <a:buChar char="-"/>
             </a:pPr>
-            <a:endParaRPr lang="de-DE" dirty="0"/>
+            <a:endParaRPr lang="de-DE" dirty="0">
+              <a:latin typeface="Arial" panose="020B0604020202020204" pitchFamily="34" charset="0"/>
+              <a:cs typeface="Arial" panose="020B0604020202020204" pitchFamily="34" charset="0"/>
+            </a:endParaRPr>
+          </a:p>
+          <a:p>
+            <a:pPr marL="285750" indent="-285750">
+              <a:buFontTx/>
+              <a:buChar char="-"/>
+            </a:pPr>
+            <a:r>
+              <a:rPr lang="de-DE" dirty="0" smtClean="0">
+                <a:latin typeface="Arial" panose="020B0604020202020204" pitchFamily="34" charset="0"/>
+                <a:cs typeface="Arial" panose="020B0604020202020204" pitchFamily="34" charset="0"/>
+              </a:rPr>
+              <a:t> Validierungswege:</a:t>
+            </a:r>
+          </a:p>
+          <a:p>
+            <a:pPr marL="742950" lvl="1" indent="-285750">
+              <a:buFontTx/>
+              <a:buChar char="-"/>
+            </a:pPr>
+            <a:r>
+              <a:rPr lang="de-DE" dirty="0" smtClean="0">
+                <a:latin typeface="Arial" panose="020B0604020202020204" pitchFamily="34" charset="0"/>
+                <a:cs typeface="Arial" panose="020B0604020202020204" pitchFamily="34" charset="0"/>
+              </a:rPr>
+              <a:t>OCSP</a:t>
+            </a:r>
+          </a:p>
+          <a:p>
+            <a:pPr marL="742950" lvl="1" indent="-285750">
+              <a:buFontTx/>
+              <a:buChar char="-"/>
+            </a:pPr>
+            <a:r>
+              <a:rPr lang="de-DE" dirty="0" smtClean="0">
+                <a:latin typeface="Arial" panose="020B0604020202020204" pitchFamily="34" charset="0"/>
+                <a:cs typeface="Arial" panose="020B0604020202020204" pitchFamily="34" charset="0"/>
+              </a:rPr>
+              <a:t>CRL</a:t>
+            </a:r>
+          </a:p>
+          <a:p>
+            <a:endParaRPr lang="de-DE" dirty="0" smtClean="0">
+              <a:latin typeface="Arial" panose="020B0604020202020204" pitchFamily="34" charset="0"/>
+              <a:cs typeface="Arial" panose="020B0604020202020204" pitchFamily="34" charset="0"/>
+            </a:endParaRPr>
+          </a:p>
+          <a:p>
+            <a:pPr marL="285750" indent="-285750">
+              <a:buFontTx/>
+              <a:buChar char="-"/>
+            </a:pPr>
+            <a:r>
+              <a:rPr lang="de-DE" dirty="0" smtClean="0">
+                <a:latin typeface="Arial" panose="020B0604020202020204" pitchFamily="34" charset="0"/>
+                <a:cs typeface="Arial" panose="020B0604020202020204" pitchFamily="34" charset="0"/>
+              </a:rPr>
+              <a:t>Häufigkeit der Aktualisierung der Sperrliste beeinflusst die Sicherheit und Genauigkeit der Validierung</a:t>
+            </a:r>
+            <a:endParaRPr lang="de-DE" dirty="0">
+              <a:latin typeface="Arial" panose="020B0604020202020204" pitchFamily="34" charset="0"/>
+              <a:cs typeface="Arial" panose="020B0604020202020204" pitchFamily="34" charset="0"/>
+            </a:endParaRPr>
+          </a:p>
+          <a:p>
+            <a:pPr lvl="1"/>
+            <a:endParaRPr lang="de-DE" dirty="0" smtClean="0">
+              <a:latin typeface="Arial" panose="020B0604020202020204" pitchFamily="34" charset="0"/>
+              <a:cs typeface="Arial" panose="020B0604020202020204" pitchFamily="34" charset="0"/>
+            </a:endParaRPr>
           </a:p>
         </p:txBody>
       </p:sp>
     </p:spTree>
     <p:extLst>
       <p:ext uri="{BB962C8B-B14F-4D97-AF65-F5344CB8AC3E}">
-        <p14:creationId xmlns:p14="http://schemas.microsoft.com/office/powerpoint/2010/main" val="134812526"/>
+        <p14:creationId xmlns:p14="http://schemas.microsoft.com/office/powerpoint/2010/main" val="2334749360"/>
       </p:ext>
     </p:extLst>
   </p:cSld>
@@ -9364,24 +9502,14 @@
             <p:ph type="title"/>
           </p:nvPr>
         </p:nvSpPr>
-        <p:spPr>
-          <a:xfrm>
-            <a:off x="381000" y="533400"/>
-            <a:ext cx="8229600" cy="990600"/>
-          </a:xfrm>
-        </p:spPr>
-        <p:txBody>
-          <a:bodyPr>
-            <a:normAutofit/>
-          </a:bodyPr>
+        <p:spPr/>
+        <p:txBody>
+          <a:bodyPr/>
           <a:lstStyle/>
           <a:p>
             <a:r>
-              <a:rPr lang="de-DE" dirty="0" smtClean="0">
-                <a:latin typeface="Arial" panose="020B0604020202020204" pitchFamily="34" charset="0"/>
-                <a:cs typeface="Arial" panose="020B0604020202020204" pitchFamily="34" charset="0"/>
-              </a:rPr>
-              <a:t>Zertifikatsüberprüfung anfordern</a:t>
+              <a:rPr lang="de-DE" b="1" dirty="0" smtClean="0"/>
+              <a:t>Validation Authority (VA)</a:t>
             </a:r>
             <a:endParaRPr lang="en-GB" dirty="0">
               <a:solidFill>
@@ -9744,16 +9872,46 @@
           </a:p>
         </p:txBody>
       </p:sp>
-      <p:sp>
-        <p:nvSpPr>
-          <p:cNvPr id="9" name="Textfeld 8"/>
+      <p:pic>
+        <p:nvPicPr>
+          <p:cNvPr id="5" name="Grafik 4"/>
+          <p:cNvPicPr>
+            <a:picLocks noChangeAspect="1"/>
+          </p:cNvPicPr>
+          <p:nvPr/>
+        </p:nvPicPr>
+        <p:blipFill>
+          <a:blip r:embed="rId4">
+            <a:extLst>
+              <a:ext uri="{28A0092B-C50C-407E-A947-70E740481C1C}">
+                <a14:useLocalDpi xmlns:a14="http://schemas.microsoft.com/office/drawing/2010/main" val="0"/>
+              </a:ext>
+            </a:extLst>
+          </a:blip>
+          <a:stretch>
+            <a:fillRect/>
+          </a:stretch>
+        </p:blipFill>
+        <p:spPr>
+          <a:xfrm>
+            <a:off x="628650" y="2182304"/>
+            <a:ext cx="2911674" cy="731896"/>
+          </a:xfrm>
+          <a:prstGeom prst="rect">
+            <a:avLst/>
+          </a:prstGeom>
+        </p:spPr>
+      </p:pic>
+      <p:sp>
+        <p:nvSpPr>
+          <p:cNvPr id="8" name="Textfeld 7"/>
           <p:cNvSpPr txBox="1"/>
           <p:nvPr/>
         </p:nvSpPr>
         <p:spPr>
           <a:xfrm>
-            <a:off x="351105" y="1713976"/>
-            <a:ext cx="5772150" cy="3139321"/>
+            <a:off x="628650" y="3251283"/>
+            <a:ext cx="7372350" cy="1200329"/>
           </a:xfrm>
           <a:prstGeom prst="rect">
             <a:avLst/>
@@ -9767,40 +9925,18 @@
           <a:lstStyle/>
           <a:p>
             <a:pPr marL="285750" indent="-285750">
+              <a:lnSpc>
+                <a:spcPct val="150000"/>
+              </a:lnSpc>
               <a:buFontTx/>
               <a:buChar char="-"/>
             </a:pPr>
             <a:r>
-              <a:rPr lang="de-DE" dirty="0" smtClean="0"/>
-              <a:t>Wenn ein Zertifikat angefordert wird, </a:t>
-            </a:r>
-            <a:r>
-              <a:rPr lang="de-DE" dirty="0"/>
-              <a:t>verifiziert </a:t>
-            </a:r>
-            <a:r>
-              <a:rPr lang="de-DE" dirty="0" smtClean="0"/>
-              <a:t>das Trust-Center dieses Zertifikat</a:t>
-            </a:r>
-          </a:p>
-          <a:p>
-            <a:pPr marL="742950" lvl="1" indent="-285750">
-              <a:buFontTx/>
-              <a:buChar char="-"/>
-            </a:pPr>
-            <a:r>
-              <a:rPr lang="de-DE" dirty="0" smtClean="0"/>
-              <a:t>Webbrowser sendet das Zertifikat zur ZDA</a:t>
-            </a:r>
-          </a:p>
-          <a:p>
-            <a:pPr marL="742950" lvl="1" indent="-285750">
-              <a:buFontTx/>
-              <a:buChar char="-"/>
-            </a:pPr>
-            <a:r>
-              <a:rPr lang="de-DE" dirty="0" smtClean="0"/>
-              <a:t>Kommunikation mit der VA via OCSP</a:t>
+              <a:rPr lang="de-DE" dirty="0" smtClean="0">
+                <a:latin typeface="Arial" panose="020B0604020202020204" pitchFamily="34" charset="0"/>
+                <a:cs typeface="Arial" panose="020B0604020202020204" pitchFamily="34" charset="0"/>
+              </a:rPr>
+              <a:t>Zur Simulation einer Validierung wird in diesem Projekt das Zertifikat manuell freigegeben oder abgewiesen</a:t>
             </a:r>
           </a:p>
           <a:p>
@@ -9810,69 +9946,12 @@
             </a:pPr>
             <a:endParaRPr lang="de-DE" dirty="0"/>
           </a:p>
-          <a:p>
-            <a:pPr marL="285750" indent="-285750">
-              <a:buFontTx/>
-              <a:buChar char="-"/>
-            </a:pPr>
-            <a:r>
-              <a:rPr lang="de-DE" dirty="0" smtClean="0"/>
-              <a:t>Darüber hinaus: Extended Validation</a:t>
-            </a:r>
-          </a:p>
-          <a:p>
-            <a:pPr marL="742950" lvl="1" indent="-285750">
-              <a:buFontTx/>
-              <a:buChar char="-"/>
-            </a:pPr>
-            <a:r>
-              <a:rPr lang="de-DE" dirty="0" smtClean="0"/>
-              <a:t>Internet Adresse beginnt mit http</a:t>
-            </a:r>
-            <a:r>
-              <a:rPr lang="de-DE" dirty="0" smtClean="0">
-                <a:solidFill>
-                  <a:srgbClr val="FF0000"/>
-                </a:solidFill>
-              </a:rPr>
-              <a:t>s</a:t>
-            </a:r>
-          </a:p>
-          <a:p>
-            <a:pPr marL="742950" lvl="1" indent="-285750">
-              <a:buFontTx/>
-              <a:buChar char="-"/>
-            </a:pPr>
-            <a:r>
-              <a:rPr lang="de-DE" dirty="0" smtClean="0"/>
-              <a:t>Name der Organisation und </a:t>
-            </a:r>
-            <a:r>
-              <a:rPr lang="de-DE" dirty="0"/>
-              <a:t> </a:t>
-            </a:r>
-            <a:r>
-              <a:rPr lang="de-DE" dirty="0" smtClean="0"/>
-              <a:t>der ZDA neben der Internetadresse sichtbar</a:t>
-            </a:r>
-          </a:p>
-          <a:p>
-            <a:pPr marL="742950" lvl="1" indent="-285750">
-              <a:buFontTx/>
-              <a:buChar char="-"/>
-            </a:pPr>
-            <a:endParaRPr lang="de-DE" dirty="0" smtClean="0"/>
-          </a:p>
-          <a:p>
-            <a:pPr lvl="1"/>
-            <a:endParaRPr lang="de-DE" dirty="0" smtClean="0"/>
-          </a:p>
         </p:txBody>
       </p:sp>
     </p:spTree>
     <p:extLst>
       <p:ext uri="{BB962C8B-B14F-4D97-AF65-F5344CB8AC3E}">
-        <p14:creationId xmlns:p14="http://schemas.microsoft.com/office/powerpoint/2010/main" val="1175245754"/>
+        <p14:creationId xmlns:p14="http://schemas.microsoft.com/office/powerpoint/2010/main" val="134812526"/>
       </p:ext>
     </p:extLst>
   </p:cSld>

--- a/Erstellung_einer_PKI.pptx
+++ b/Erstellung_einer_PKI.pptx
@@ -4,6 +4,9 @@
   <p:sldMasterIdLst>
     <p:sldMasterId id="2147483785" r:id="rId1"/>
   </p:sldMasterIdLst>
+  <p:notesMasterIdLst>
+    <p:notesMasterId r:id="rId15"/>
+  </p:notesMasterIdLst>
   <p:sldIdLst>
     <p:sldId id="256" r:id="rId2"/>
     <p:sldId id="257" r:id="rId3"/>
@@ -12,11 +15,12 @@
     <p:sldId id="259" r:id="rId6"/>
     <p:sldId id="266" r:id="rId7"/>
     <p:sldId id="267" r:id="rId8"/>
-    <p:sldId id="260" r:id="rId9"/>
-    <p:sldId id="268" r:id="rId10"/>
-    <p:sldId id="270" r:id="rId11"/>
-    <p:sldId id="265" r:id="rId12"/>
-    <p:sldId id="269" r:id="rId13"/>
+    <p:sldId id="272" r:id="rId9"/>
+    <p:sldId id="260" r:id="rId10"/>
+    <p:sldId id="268" r:id="rId11"/>
+    <p:sldId id="270" r:id="rId12"/>
+    <p:sldId id="265" r:id="rId13"/>
+    <p:sldId id="269" r:id="rId14"/>
   </p:sldIdLst>
   <p:sldSz cx="9144000" cy="6858000" type="screen4x3"/>
   <p:notesSz cx="6858000" cy="9144000"/>
@@ -117,7 +121,7 @@
   </p:defaultTextStyle>
   <p:extLst>
     <p:ext uri="{EFAFB233-063F-42B5-8137-9DF3F51BA10A}">
-      <p15:sldGuideLst xmlns:p15="http://schemas.microsoft.com/office/powerpoint/2012/main" xmlns="">
+      <p15:sldGuideLst xmlns:p15="http://schemas.microsoft.com/office/powerpoint/2012/main">
         <p15:guide id="1" orient="horz" pos="2160">
           <p15:clr>
             <a:srgbClr val="A4A3A4"/>
@@ -132,6 +136,524 @@
     </p:ext>
   </p:extLst>
 </p:presentation>
+</file>
+
+<file path=ppt/notesMasters/notesMaster1.xml><?xml version="1.0" encoding="utf-8"?>
+<p:notesMaster xmlns:a="http://schemas.openxmlformats.org/drawingml/2006/main" xmlns:r="http://schemas.openxmlformats.org/officeDocument/2006/relationships" xmlns:p="http://schemas.openxmlformats.org/presentationml/2006/main">
+  <p:cSld>
+    <p:bg>
+      <p:bgRef idx="1001">
+        <a:schemeClr val="bg1"/>
+      </p:bgRef>
+    </p:bg>
+    <p:spTree>
+      <p:nvGrpSpPr>
+        <p:cNvPr id="1" name=""/>
+        <p:cNvGrpSpPr/>
+        <p:nvPr/>
+      </p:nvGrpSpPr>
+      <p:grpSpPr>
+        <a:xfrm>
+          <a:off x="0" y="0"/>
+          <a:ext cx="0" cy="0"/>
+          <a:chOff x="0" y="0"/>
+          <a:chExt cx="0" cy="0"/>
+        </a:xfrm>
+      </p:grpSpPr>
+      <p:sp>
+        <p:nvSpPr>
+          <p:cNvPr id="2" name="Kopfzeilenplatzhalter 1"/>
+          <p:cNvSpPr>
+            <a:spLocks noGrp="1"/>
+          </p:cNvSpPr>
+          <p:nvPr>
+            <p:ph type="hdr" sz="quarter"/>
+          </p:nvPr>
+        </p:nvSpPr>
+        <p:spPr>
+          <a:xfrm>
+            <a:off x="0" y="0"/>
+            <a:ext cx="2971800" cy="458788"/>
+          </a:xfrm>
+          <a:prstGeom prst="rect">
+            <a:avLst/>
+          </a:prstGeom>
+        </p:spPr>
+        <p:txBody>
+          <a:bodyPr vert="horz" lIns="91440" tIns="45720" rIns="91440" bIns="45720" rtlCol="0"/>
+          <a:lstStyle>
+            <a:lvl1pPr algn="l">
+              <a:defRPr sz="1200"/>
+            </a:lvl1pPr>
+          </a:lstStyle>
+          <a:p>
+            <a:endParaRPr lang="de-DE"/>
+          </a:p>
+        </p:txBody>
+      </p:sp>
+      <p:sp>
+        <p:nvSpPr>
+          <p:cNvPr id="3" name="Datumsplatzhalter 2"/>
+          <p:cNvSpPr>
+            <a:spLocks noGrp="1"/>
+          </p:cNvSpPr>
+          <p:nvPr>
+            <p:ph type="dt" idx="1"/>
+          </p:nvPr>
+        </p:nvSpPr>
+        <p:spPr>
+          <a:xfrm>
+            <a:off x="3884613" y="0"/>
+            <a:ext cx="2971800" cy="458788"/>
+          </a:xfrm>
+          <a:prstGeom prst="rect">
+            <a:avLst/>
+          </a:prstGeom>
+        </p:spPr>
+        <p:txBody>
+          <a:bodyPr vert="horz" lIns="91440" tIns="45720" rIns="91440" bIns="45720" rtlCol="0"/>
+          <a:lstStyle>
+            <a:lvl1pPr algn="r">
+              <a:defRPr sz="1200"/>
+            </a:lvl1pPr>
+          </a:lstStyle>
+          <a:p>
+            <a:fld id="{BAC913F1-B1E1-4373-AA3F-21E7DF504DDA}" type="datetimeFigureOut">
+              <a:rPr lang="de-DE" smtClean="0"/>
+              <a:t>03.07.2015</a:t>
+            </a:fld>
+            <a:endParaRPr lang="de-DE"/>
+          </a:p>
+        </p:txBody>
+      </p:sp>
+      <p:sp>
+        <p:nvSpPr>
+          <p:cNvPr id="4" name="Folienbildplatzhalter 3"/>
+          <p:cNvSpPr>
+            <a:spLocks noGrp="1" noRot="1" noChangeAspect="1"/>
+          </p:cNvSpPr>
+          <p:nvPr>
+            <p:ph type="sldImg" idx="2"/>
+          </p:nvPr>
+        </p:nvSpPr>
+        <p:spPr>
+          <a:xfrm>
+            <a:off x="1371600" y="1143000"/>
+            <a:ext cx="4114800" cy="3086100"/>
+          </a:xfrm>
+          <a:prstGeom prst="rect">
+            <a:avLst/>
+          </a:prstGeom>
+          <a:noFill/>
+          <a:ln w="12700">
+            <a:solidFill>
+              <a:prstClr val="black"/>
+            </a:solidFill>
+          </a:ln>
+        </p:spPr>
+        <p:txBody>
+          <a:bodyPr vert="horz" lIns="91440" tIns="45720" rIns="91440" bIns="45720" rtlCol="0" anchor="ctr"/>
+          <a:lstStyle/>
+          <a:p>
+            <a:endParaRPr lang="de-DE"/>
+          </a:p>
+        </p:txBody>
+      </p:sp>
+      <p:sp>
+        <p:nvSpPr>
+          <p:cNvPr id="5" name="Notizenplatzhalter 4"/>
+          <p:cNvSpPr>
+            <a:spLocks noGrp="1"/>
+          </p:cNvSpPr>
+          <p:nvPr>
+            <p:ph type="body" sz="quarter" idx="3"/>
+          </p:nvPr>
+        </p:nvSpPr>
+        <p:spPr>
+          <a:xfrm>
+            <a:off x="685800" y="4400550"/>
+            <a:ext cx="5486400" cy="3600450"/>
+          </a:xfrm>
+          <a:prstGeom prst="rect">
+            <a:avLst/>
+          </a:prstGeom>
+        </p:spPr>
+        <p:txBody>
+          <a:bodyPr vert="horz" lIns="91440" tIns="45720" rIns="91440" bIns="45720" rtlCol="0"/>
+          <a:lstStyle/>
+          <a:p>
+            <a:pPr lvl="0"/>
+            <a:r>
+              <a:rPr lang="de-DE" smtClean="0"/>
+              <a:t>Textmasterformat bearbeiten</a:t>
+            </a:r>
+          </a:p>
+          <a:p>
+            <a:pPr lvl="1"/>
+            <a:r>
+              <a:rPr lang="de-DE" smtClean="0"/>
+              <a:t>Zweite Ebene</a:t>
+            </a:r>
+          </a:p>
+          <a:p>
+            <a:pPr lvl="2"/>
+            <a:r>
+              <a:rPr lang="de-DE" smtClean="0"/>
+              <a:t>Dritte Ebene</a:t>
+            </a:r>
+          </a:p>
+          <a:p>
+            <a:pPr lvl="3"/>
+            <a:r>
+              <a:rPr lang="de-DE" smtClean="0"/>
+              <a:t>Vierte Ebene</a:t>
+            </a:r>
+          </a:p>
+          <a:p>
+            <a:pPr lvl="4"/>
+            <a:r>
+              <a:rPr lang="de-DE" smtClean="0"/>
+              <a:t>Fünfte Ebene</a:t>
+            </a:r>
+            <a:endParaRPr lang="de-DE"/>
+          </a:p>
+        </p:txBody>
+      </p:sp>
+      <p:sp>
+        <p:nvSpPr>
+          <p:cNvPr id="6" name="Fußzeilenplatzhalter 5"/>
+          <p:cNvSpPr>
+            <a:spLocks noGrp="1"/>
+          </p:cNvSpPr>
+          <p:nvPr>
+            <p:ph type="ftr" sz="quarter" idx="4"/>
+          </p:nvPr>
+        </p:nvSpPr>
+        <p:spPr>
+          <a:xfrm>
+            <a:off x="0" y="8685213"/>
+            <a:ext cx="2971800" cy="458787"/>
+          </a:xfrm>
+          <a:prstGeom prst="rect">
+            <a:avLst/>
+          </a:prstGeom>
+        </p:spPr>
+        <p:txBody>
+          <a:bodyPr vert="horz" lIns="91440" tIns="45720" rIns="91440" bIns="45720" rtlCol="0" anchor="b"/>
+          <a:lstStyle>
+            <a:lvl1pPr algn="l">
+              <a:defRPr sz="1200"/>
+            </a:lvl1pPr>
+          </a:lstStyle>
+          <a:p>
+            <a:endParaRPr lang="de-DE"/>
+          </a:p>
+        </p:txBody>
+      </p:sp>
+      <p:sp>
+        <p:nvSpPr>
+          <p:cNvPr id="7" name="Foliennummernplatzhalter 6"/>
+          <p:cNvSpPr>
+            <a:spLocks noGrp="1"/>
+          </p:cNvSpPr>
+          <p:nvPr>
+            <p:ph type="sldNum" sz="quarter" idx="5"/>
+          </p:nvPr>
+        </p:nvSpPr>
+        <p:spPr>
+          <a:xfrm>
+            <a:off x="3884613" y="8685213"/>
+            <a:ext cx="2971800" cy="458787"/>
+          </a:xfrm>
+          <a:prstGeom prst="rect">
+            <a:avLst/>
+          </a:prstGeom>
+        </p:spPr>
+        <p:txBody>
+          <a:bodyPr vert="horz" lIns="91440" tIns="45720" rIns="91440" bIns="45720" rtlCol="0" anchor="b"/>
+          <a:lstStyle>
+            <a:lvl1pPr algn="r">
+              <a:defRPr sz="1200"/>
+            </a:lvl1pPr>
+          </a:lstStyle>
+          <a:p>
+            <a:fld id="{91611963-9331-4111-8B45-7DBF2F6E1BFE}" type="slidenum">
+              <a:rPr lang="de-DE" smtClean="0"/>
+              <a:t>‹Nr.›</a:t>
+            </a:fld>
+            <a:endParaRPr lang="de-DE"/>
+          </a:p>
+        </p:txBody>
+      </p:sp>
+    </p:spTree>
+    <p:extLst>
+      <p:ext uri="{BB962C8B-B14F-4D97-AF65-F5344CB8AC3E}">
+        <p14:creationId xmlns:p14="http://schemas.microsoft.com/office/powerpoint/2010/main" val="2269169140"/>
+      </p:ext>
+    </p:extLst>
+  </p:cSld>
+  <p:clrMap bg1="lt1" tx1="dk1" bg2="lt2" tx2="dk2" accent1="accent1" accent2="accent2" accent3="accent3" accent4="accent4" accent5="accent5" accent6="accent6" hlink="hlink" folHlink="folHlink"/>
+  <p:notesStyle>
+    <a:lvl1pPr marL="0" algn="l" defTabSz="914400" rtl="0" eaLnBrk="1" latinLnBrk="0" hangingPunct="1">
+      <a:defRPr sz="1200" kern="1200">
+        <a:solidFill>
+          <a:schemeClr val="tx1"/>
+        </a:solidFill>
+        <a:latin typeface="+mn-lt"/>
+        <a:ea typeface="+mn-ea"/>
+        <a:cs typeface="+mn-cs"/>
+      </a:defRPr>
+    </a:lvl1pPr>
+    <a:lvl2pPr marL="457200" algn="l" defTabSz="914400" rtl="0" eaLnBrk="1" latinLnBrk="0" hangingPunct="1">
+      <a:defRPr sz="1200" kern="1200">
+        <a:solidFill>
+          <a:schemeClr val="tx1"/>
+        </a:solidFill>
+        <a:latin typeface="+mn-lt"/>
+        <a:ea typeface="+mn-ea"/>
+        <a:cs typeface="+mn-cs"/>
+      </a:defRPr>
+    </a:lvl2pPr>
+    <a:lvl3pPr marL="914400" algn="l" defTabSz="914400" rtl="0" eaLnBrk="1" latinLnBrk="0" hangingPunct="1">
+      <a:defRPr sz="1200" kern="1200">
+        <a:solidFill>
+          <a:schemeClr val="tx1"/>
+        </a:solidFill>
+        <a:latin typeface="+mn-lt"/>
+        <a:ea typeface="+mn-ea"/>
+        <a:cs typeface="+mn-cs"/>
+      </a:defRPr>
+    </a:lvl3pPr>
+    <a:lvl4pPr marL="1371600" algn="l" defTabSz="914400" rtl="0" eaLnBrk="1" latinLnBrk="0" hangingPunct="1">
+      <a:defRPr sz="1200" kern="1200">
+        <a:solidFill>
+          <a:schemeClr val="tx1"/>
+        </a:solidFill>
+        <a:latin typeface="+mn-lt"/>
+        <a:ea typeface="+mn-ea"/>
+        <a:cs typeface="+mn-cs"/>
+      </a:defRPr>
+    </a:lvl4pPr>
+    <a:lvl5pPr marL="1828800" algn="l" defTabSz="914400" rtl="0" eaLnBrk="1" latinLnBrk="0" hangingPunct="1">
+      <a:defRPr sz="1200" kern="1200">
+        <a:solidFill>
+          <a:schemeClr val="tx1"/>
+        </a:solidFill>
+        <a:latin typeface="+mn-lt"/>
+        <a:ea typeface="+mn-ea"/>
+        <a:cs typeface="+mn-cs"/>
+      </a:defRPr>
+    </a:lvl5pPr>
+    <a:lvl6pPr marL="2286000" algn="l" defTabSz="914400" rtl="0" eaLnBrk="1" latinLnBrk="0" hangingPunct="1">
+      <a:defRPr sz="1200" kern="1200">
+        <a:solidFill>
+          <a:schemeClr val="tx1"/>
+        </a:solidFill>
+        <a:latin typeface="+mn-lt"/>
+        <a:ea typeface="+mn-ea"/>
+        <a:cs typeface="+mn-cs"/>
+      </a:defRPr>
+    </a:lvl6pPr>
+    <a:lvl7pPr marL="2743200" algn="l" defTabSz="914400" rtl="0" eaLnBrk="1" latinLnBrk="0" hangingPunct="1">
+      <a:defRPr sz="1200" kern="1200">
+        <a:solidFill>
+          <a:schemeClr val="tx1"/>
+        </a:solidFill>
+        <a:latin typeface="+mn-lt"/>
+        <a:ea typeface="+mn-ea"/>
+        <a:cs typeface="+mn-cs"/>
+      </a:defRPr>
+    </a:lvl7pPr>
+    <a:lvl8pPr marL="3200400" algn="l" defTabSz="914400" rtl="0" eaLnBrk="1" latinLnBrk="0" hangingPunct="1">
+      <a:defRPr sz="1200" kern="1200">
+        <a:solidFill>
+          <a:schemeClr val="tx1"/>
+        </a:solidFill>
+        <a:latin typeface="+mn-lt"/>
+        <a:ea typeface="+mn-ea"/>
+        <a:cs typeface="+mn-cs"/>
+      </a:defRPr>
+    </a:lvl8pPr>
+    <a:lvl9pPr marL="3657600" algn="l" defTabSz="914400" rtl="0" eaLnBrk="1" latinLnBrk="0" hangingPunct="1">
+      <a:defRPr sz="1200" kern="1200">
+        <a:solidFill>
+          <a:schemeClr val="tx1"/>
+        </a:solidFill>
+        <a:latin typeface="+mn-lt"/>
+        <a:ea typeface="+mn-ea"/>
+        <a:cs typeface="+mn-cs"/>
+      </a:defRPr>
+    </a:lvl9pPr>
+  </p:notesStyle>
+</p:notesMaster>
+</file>
+
+<file path=ppt/notesSlides/notesSlide1.xml><?xml version="1.0" encoding="utf-8"?>
+<p:notes xmlns:a="http://schemas.openxmlformats.org/drawingml/2006/main" xmlns:r="http://schemas.openxmlformats.org/officeDocument/2006/relationships" xmlns:p="http://schemas.openxmlformats.org/presentationml/2006/main">
+  <p:cSld>
+    <p:spTree>
+      <p:nvGrpSpPr>
+        <p:cNvPr id="1" name=""/>
+        <p:cNvGrpSpPr/>
+        <p:nvPr/>
+      </p:nvGrpSpPr>
+      <p:grpSpPr>
+        <a:xfrm>
+          <a:off x="0" y="0"/>
+          <a:ext cx="0" cy="0"/>
+          <a:chOff x="0" y="0"/>
+          <a:chExt cx="0" cy="0"/>
+        </a:xfrm>
+      </p:grpSpPr>
+      <p:sp>
+        <p:nvSpPr>
+          <p:cNvPr id="2" name="Folienbildplatzhalter 1"/>
+          <p:cNvSpPr>
+            <a:spLocks noGrp="1" noRot="1" noChangeAspect="1"/>
+          </p:cNvSpPr>
+          <p:nvPr>
+            <p:ph type="sldImg"/>
+          </p:nvPr>
+        </p:nvSpPr>
+        <p:spPr/>
+      </p:sp>
+      <p:sp>
+        <p:nvSpPr>
+          <p:cNvPr id="3" name="Notizenplatzhalter 2"/>
+          <p:cNvSpPr>
+            <a:spLocks noGrp="1"/>
+          </p:cNvSpPr>
+          <p:nvPr>
+            <p:ph type="body" idx="1"/>
+          </p:nvPr>
+        </p:nvSpPr>
+        <p:spPr/>
+        <p:txBody>
+          <a:bodyPr/>
+          <a:lstStyle/>
+          <a:p>
+            <a:endParaRPr lang="de-DE" dirty="0"/>
+          </a:p>
+        </p:txBody>
+      </p:sp>
+      <p:sp>
+        <p:nvSpPr>
+          <p:cNvPr id="4" name="Foliennummernplatzhalter 3"/>
+          <p:cNvSpPr>
+            <a:spLocks noGrp="1"/>
+          </p:cNvSpPr>
+          <p:nvPr>
+            <p:ph type="sldNum" sz="quarter" idx="10"/>
+          </p:nvPr>
+        </p:nvSpPr>
+        <p:spPr/>
+        <p:txBody>
+          <a:bodyPr/>
+          <a:lstStyle/>
+          <a:p>
+            <a:fld id="{91611963-9331-4111-8B45-7DBF2F6E1BFE}" type="slidenum">
+              <a:rPr lang="de-DE" smtClean="0"/>
+              <a:t>4</a:t>
+            </a:fld>
+            <a:endParaRPr lang="de-DE"/>
+          </a:p>
+        </p:txBody>
+      </p:sp>
+    </p:spTree>
+    <p:extLst>
+      <p:ext uri="{BB962C8B-B14F-4D97-AF65-F5344CB8AC3E}">
+        <p14:creationId xmlns:p14="http://schemas.microsoft.com/office/powerpoint/2010/main" val="740503086"/>
+      </p:ext>
+    </p:extLst>
+  </p:cSld>
+  <p:clrMapOvr>
+    <a:masterClrMapping/>
+  </p:clrMapOvr>
+</p:notes>
+</file>
+
+<file path=ppt/notesSlides/notesSlide2.xml><?xml version="1.0" encoding="utf-8"?>
+<p:notes xmlns:a="http://schemas.openxmlformats.org/drawingml/2006/main" xmlns:r="http://schemas.openxmlformats.org/officeDocument/2006/relationships" xmlns:p="http://schemas.openxmlformats.org/presentationml/2006/main">
+  <p:cSld>
+    <p:spTree>
+      <p:nvGrpSpPr>
+        <p:cNvPr id="1" name=""/>
+        <p:cNvGrpSpPr/>
+        <p:nvPr/>
+      </p:nvGrpSpPr>
+      <p:grpSpPr>
+        <a:xfrm>
+          <a:off x="0" y="0"/>
+          <a:ext cx="0" cy="0"/>
+          <a:chOff x="0" y="0"/>
+          <a:chExt cx="0" cy="0"/>
+        </a:xfrm>
+      </p:grpSpPr>
+      <p:sp>
+        <p:nvSpPr>
+          <p:cNvPr id="2" name="Folienbildplatzhalter 1"/>
+          <p:cNvSpPr>
+            <a:spLocks noGrp="1" noRot="1" noChangeAspect="1"/>
+          </p:cNvSpPr>
+          <p:nvPr>
+            <p:ph type="sldImg"/>
+          </p:nvPr>
+        </p:nvSpPr>
+        <p:spPr/>
+      </p:sp>
+      <p:sp>
+        <p:nvSpPr>
+          <p:cNvPr id="3" name="Notizenplatzhalter 2"/>
+          <p:cNvSpPr>
+            <a:spLocks noGrp="1"/>
+          </p:cNvSpPr>
+          <p:nvPr>
+            <p:ph type="body" idx="1"/>
+          </p:nvPr>
+        </p:nvSpPr>
+        <p:spPr/>
+        <p:txBody>
+          <a:bodyPr/>
+          <a:lstStyle/>
+          <a:p>
+            <a:endParaRPr lang="de-DE" dirty="0"/>
+          </a:p>
+        </p:txBody>
+      </p:sp>
+      <p:sp>
+        <p:nvSpPr>
+          <p:cNvPr id="4" name="Foliennummernplatzhalter 3"/>
+          <p:cNvSpPr>
+            <a:spLocks noGrp="1"/>
+          </p:cNvSpPr>
+          <p:nvPr>
+            <p:ph type="sldNum" sz="quarter" idx="10"/>
+          </p:nvPr>
+        </p:nvSpPr>
+        <p:spPr/>
+        <p:txBody>
+          <a:bodyPr/>
+          <a:lstStyle/>
+          <a:p>
+            <a:fld id="{91611963-9331-4111-8B45-7DBF2F6E1BFE}" type="slidenum">
+              <a:rPr lang="de-DE" smtClean="0"/>
+              <a:t>11</a:t>
+            </a:fld>
+            <a:endParaRPr lang="de-DE"/>
+          </a:p>
+        </p:txBody>
+      </p:sp>
+    </p:spTree>
+    <p:extLst>
+      <p:ext uri="{BB962C8B-B14F-4D97-AF65-F5344CB8AC3E}">
+        <p14:creationId xmlns:p14="http://schemas.microsoft.com/office/powerpoint/2010/main" val="4139969142"/>
+      </p:ext>
+    </p:extLst>
+  </p:cSld>
+  <p:clrMapOvr>
+    <a:masterClrMapping/>
+  </p:clrMapOvr>
+</p:notes>
 </file>
 
 <file path=ppt/slideLayouts/slideLayout1.xml><?xml version="1.0" encoding="utf-8"?>
@@ -3481,24 +4003,14 @@
             <p:ph type="title"/>
           </p:nvPr>
         </p:nvSpPr>
-        <p:spPr>
-          <a:xfrm>
-            <a:off x="381000" y="533400"/>
-            <a:ext cx="8229600" cy="990600"/>
-          </a:xfrm>
-        </p:spPr>
-        <p:txBody>
-          <a:bodyPr>
-            <a:normAutofit/>
-          </a:bodyPr>
+        <p:spPr/>
+        <p:txBody>
+          <a:bodyPr/>
           <a:lstStyle/>
           <a:p>
             <a:r>
-              <a:rPr lang="de-DE" dirty="0" smtClean="0">
-                <a:latin typeface="Arial" panose="020B0604020202020204" pitchFamily="34" charset="0"/>
-                <a:cs typeface="Arial" panose="020B0604020202020204" pitchFamily="34" charset="0"/>
-              </a:rPr>
-              <a:t>Zertifikatsüberprüfung anfordern</a:t>
+              <a:rPr lang="de-DE" b="1" dirty="0" smtClean="0"/>
+              <a:t>Validation Authority (VA)</a:t>
             </a:r>
             <a:endParaRPr lang="en-GB" dirty="0">
               <a:solidFill>
@@ -3861,6 +4373,502 @@
           </a:p>
         </p:txBody>
       </p:sp>
+      <p:pic>
+        <p:nvPicPr>
+          <p:cNvPr id="5" name="Grafik 4"/>
+          <p:cNvPicPr>
+            <a:picLocks noChangeAspect="1"/>
+          </p:cNvPicPr>
+          <p:nvPr/>
+        </p:nvPicPr>
+        <p:blipFill>
+          <a:blip r:embed="rId4">
+            <a:extLst>
+              <a:ext uri="{28A0092B-C50C-407E-A947-70E740481C1C}">
+                <a14:useLocalDpi xmlns:a14="http://schemas.microsoft.com/office/drawing/2010/main" val="0"/>
+              </a:ext>
+            </a:extLst>
+          </a:blip>
+          <a:stretch>
+            <a:fillRect/>
+          </a:stretch>
+        </p:blipFill>
+        <p:spPr>
+          <a:xfrm>
+            <a:off x="628650" y="2182304"/>
+            <a:ext cx="2911674" cy="731896"/>
+          </a:xfrm>
+          <a:prstGeom prst="rect">
+            <a:avLst/>
+          </a:prstGeom>
+        </p:spPr>
+      </p:pic>
+      <p:sp>
+        <p:nvSpPr>
+          <p:cNvPr id="8" name="Textfeld 7"/>
+          <p:cNvSpPr txBox="1"/>
+          <p:nvPr/>
+        </p:nvSpPr>
+        <p:spPr>
+          <a:xfrm>
+            <a:off x="628650" y="3251283"/>
+            <a:ext cx="7372350" cy="1200329"/>
+          </a:xfrm>
+          <a:prstGeom prst="rect">
+            <a:avLst/>
+          </a:prstGeom>
+          <a:noFill/>
+        </p:spPr>
+        <p:txBody>
+          <a:bodyPr wrap="square" rtlCol="0">
+            <a:spAutoFit/>
+          </a:bodyPr>
+          <a:lstStyle/>
+          <a:p>
+            <a:pPr marL="285750" indent="-285750">
+              <a:lnSpc>
+                <a:spcPct val="150000"/>
+              </a:lnSpc>
+              <a:buFontTx/>
+              <a:buChar char="-"/>
+            </a:pPr>
+            <a:r>
+              <a:rPr lang="de-DE" dirty="0" smtClean="0">
+                <a:latin typeface="Arial" panose="020B0604020202020204" pitchFamily="34" charset="0"/>
+                <a:cs typeface="Arial" panose="020B0604020202020204" pitchFamily="34" charset="0"/>
+              </a:rPr>
+              <a:t>Zur Simulation einer Validierung wird in diesem Projekt das Zertifikat manuell freigegeben oder abgewiesen</a:t>
+            </a:r>
+          </a:p>
+          <a:p>
+            <a:pPr marL="285750" indent="-285750">
+              <a:buFontTx/>
+              <a:buChar char="-"/>
+            </a:pPr>
+            <a:endParaRPr lang="de-DE" dirty="0"/>
+          </a:p>
+        </p:txBody>
+      </p:sp>
+    </p:spTree>
+    <p:extLst>
+      <p:ext uri="{BB962C8B-B14F-4D97-AF65-F5344CB8AC3E}">
+        <p14:creationId xmlns:p14="http://schemas.microsoft.com/office/powerpoint/2010/main" val="134812526"/>
+      </p:ext>
+    </p:extLst>
+  </p:cSld>
+  <p:clrMapOvr>
+    <a:masterClrMapping/>
+  </p:clrMapOvr>
+</p:sld>
+</file>
+
+<file path=ppt/slides/slide11.xml><?xml version="1.0" encoding="utf-8"?>
+<p:sld xmlns:a="http://schemas.openxmlformats.org/drawingml/2006/main" xmlns:r="http://schemas.openxmlformats.org/officeDocument/2006/relationships" xmlns:p="http://schemas.openxmlformats.org/presentationml/2006/main">
+  <p:cSld>
+    <p:spTree>
+      <p:nvGrpSpPr>
+        <p:cNvPr id="1" name=""/>
+        <p:cNvGrpSpPr/>
+        <p:nvPr/>
+      </p:nvGrpSpPr>
+      <p:grpSpPr>
+        <a:xfrm>
+          <a:off x="0" y="0"/>
+          <a:ext cx="0" cy="0"/>
+          <a:chOff x="0" y="0"/>
+          <a:chExt cx="0" cy="0"/>
+        </a:xfrm>
+      </p:grpSpPr>
+      <p:sp>
+        <p:nvSpPr>
+          <p:cNvPr id="2" name="Titel 1"/>
+          <p:cNvSpPr>
+            <a:spLocks noGrp="1"/>
+          </p:cNvSpPr>
+          <p:nvPr>
+            <p:ph type="title"/>
+          </p:nvPr>
+        </p:nvSpPr>
+        <p:spPr>
+          <a:xfrm>
+            <a:off x="381000" y="533400"/>
+            <a:ext cx="8229600" cy="990600"/>
+          </a:xfrm>
+        </p:spPr>
+        <p:txBody>
+          <a:bodyPr>
+            <a:normAutofit/>
+          </a:bodyPr>
+          <a:lstStyle/>
+          <a:p>
+            <a:r>
+              <a:rPr lang="de-DE" dirty="0" smtClean="0">
+                <a:latin typeface="Arial" panose="020B0604020202020204" pitchFamily="34" charset="0"/>
+                <a:cs typeface="Arial" panose="020B0604020202020204" pitchFamily="34" charset="0"/>
+              </a:rPr>
+              <a:t>Request</a:t>
+            </a:r>
+            <a:endParaRPr lang="en-GB" dirty="0">
+              <a:solidFill>
+                <a:schemeClr val="tx1"/>
+              </a:solidFill>
+            </a:endParaRPr>
+          </a:p>
+        </p:txBody>
+      </p:sp>
+      <p:pic>
+        <p:nvPicPr>
+          <p:cNvPr id="4" name="Picture 2"/>
+          <p:cNvPicPr>
+            <a:picLocks noChangeAspect="1" noChangeArrowheads="1"/>
+          </p:cNvPicPr>
+          <p:nvPr/>
+        </p:nvPicPr>
+        <p:blipFill>
+          <a:blip r:embed="rId3">
+            <a:extLst>
+              <a:ext uri="{BEBA8EAE-BF5A-486C-A8C5-ECC9F3942E4B}">
+                <a14:imgProps xmlns:a14="http://schemas.microsoft.com/office/drawing/2010/main">
+                  <a14:imgLayer r:embed="rId4">
+                    <a14:imgEffect>
+                      <a14:colorTemperature colorTemp="5900"/>
+                    </a14:imgEffect>
+                    <a14:imgEffect>
+                      <a14:saturation sat="0"/>
+                    </a14:imgEffect>
+                  </a14:imgLayer>
+                </a14:imgProps>
+              </a:ext>
+              <a:ext uri="{28A0092B-C50C-407E-A947-70E740481C1C}">
+                <a14:useLocalDpi xmlns:a14="http://schemas.microsoft.com/office/drawing/2010/main" val="0"/>
+              </a:ext>
+            </a:extLst>
+          </a:blip>
+          <a:srcRect/>
+          <a:stretch>
+            <a:fillRect/>
+          </a:stretch>
+        </p:blipFill>
+        <p:spPr bwMode="auto">
+          <a:xfrm>
+            <a:off x="7588333" y="5966604"/>
+            <a:ext cx="1555667" cy="914400"/>
+          </a:xfrm>
+          <a:prstGeom prst="rect">
+            <a:avLst/>
+          </a:prstGeom>
+          <a:ln>
+            <a:noFill/>
+          </a:ln>
+        </p:spPr>
+      </p:pic>
+      <p:sp>
+        <p:nvSpPr>
+          <p:cNvPr id="6" name="Textfeld 5"/>
+          <p:cNvSpPr txBox="1"/>
+          <p:nvPr/>
+        </p:nvSpPr>
+        <p:spPr>
+          <a:xfrm>
+            <a:off x="10064" y="76200"/>
+            <a:ext cx="9133936" cy="646331"/>
+          </a:xfrm>
+          <a:prstGeom prst="rect">
+            <a:avLst/>
+          </a:prstGeom>
+          <a:noFill/>
+        </p:spPr>
+        <p:txBody>
+          <a:bodyPr wrap="square" rtlCol="0">
+            <a:spAutoFit/>
+          </a:bodyPr>
+          <a:lstStyle/>
+          <a:p>
+            <a:r>
+              <a:rPr lang="en-US" dirty="0" smtClean="0">
+                <a:latin typeface="Arial" panose="020B0604020202020204" pitchFamily="34" charset="0"/>
+                <a:cs typeface="Arial" panose="020B0604020202020204" pitchFamily="34" charset="0"/>
+              </a:rPr>
+              <a:t>FH-Bielefeld 		   </a:t>
+            </a:r>
+            <a:r>
+              <a:rPr lang="en-US" dirty="0" err="1" smtClean="0">
+                <a:latin typeface="Arial" panose="020B0604020202020204" pitchFamily="34" charset="0"/>
+                <a:cs typeface="Arial" panose="020B0604020202020204" pitchFamily="34" charset="0"/>
+              </a:rPr>
+              <a:t>Sommersemester</a:t>
+            </a:r>
+            <a:r>
+              <a:rPr lang="en-US" dirty="0" smtClean="0">
+                <a:latin typeface="Arial" panose="020B0604020202020204" pitchFamily="34" charset="0"/>
+                <a:cs typeface="Arial" panose="020B0604020202020204" pitchFamily="34" charset="0"/>
+              </a:rPr>
+              <a:t> 2015	               PKI: </a:t>
+            </a:r>
+            <a:r>
+              <a:rPr lang="en-GB" dirty="0" err="1" smtClean="0">
+                <a:latin typeface="Arial" panose="020B0604020202020204" pitchFamily="34" charset="0"/>
+                <a:cs typeface="Arial" panose="020B0604020202020204" pitchFamily="34" charset="0"/>
+              </a:rPr>
+              <a:t>Prof.</a:t>
+            </a:r>
+            <a:r>
+              <a:rPr lang="en-GB" spc="-30" dirty="0" smtClean="0">
+                <a:latin typeface="Arial" panose="020B0604020202020204" pitchFamily="34" charset="0"/>
+                <a:cs typeface="Arial" panose="020B0604020202020204" pitchFamily="34" charset="0"/>
+              </a:rPr>
+              <a:t> </a:t>
+            </a:r>
+            <a:r>
+              <a:rPr lang="en-GB" dirty="0" err="1" smtClean="0">
+                <a:latin typeface="Arial" panose="020B0604020202020204" pitchFamily="34" charset="0"/>
+                <a:cs typeface="Arial" panose="020B0604020202020204" pitchFamily="34" charset="0"/>
+              </a:rPr>
+              <a:t>Dr.</a:t>
+            </a:r>
+            <a:r>
+              <a:rPr lang="en-GB" spc="-40" dirty="0" smtClean="0">
+                <a:latin typeface="Arial" panose="020B0604020202020204" pitchFamily="34" charset="0"/>
+                <a:cs typeface="Arial" panose="020B0604020202020204" pitchFamily="34" charset="0"/>
+              </a:rPr>
+              <a:t> </a:t>
+            </a:r>
+            <a:r>
+              <a:rPr lang="en-GB" dirty="0" smtClean="0">
+                <a:latin typeface="Arial" panose="020B0604020202020204" pitchFamily="34" charset="0"/>
+                <a:cs typeface="Arial" panose="020B0604020202020204" pitchFamily="34" charset="0"/>
+              </a:rPr>
+              <a:t>Chr.</a:t>
+            </a:r>
+            <a:r>
+              <a:rPr lang="en-GB" spc="-40" dirty="0" smtClean="0">
+                <a:latin typeface="Arial" panose="020B0604020202020204" pitchFamily="34" charset="0"/>
+                <a:cs typeface="Arial" panose="020B0604020202020204" pitchFamily="34" charset="0"/>
+              </a:rPr>
+              <a:t> </a:t>
+            </a:r>
+            <a:r>
+              <a:rPr lang="en-GB" dirty="0" err="1" smtClean="0">
+                <a:latin typeface="Arial" panose="020B0604020202020204" pitchFamily="34" charset="0"/>
+                <a:cs typeface="Arial" panose="020B0604020202020204" pitchFamily="34" charset="0"/>
+              </a:rPr>
+              <a:t>Thiel</a:t>
+            </a:r>
+            <a:endParaRPr lang="en-GB" dirty="0" smtClean="0">
+              <a:latin typeface="Arial" panose="020B0604020202020204" pitchFamily="34" charset="0"/>
+              <a:cs typeface="Arial" panose="020B0604020202020204" pitchFamily="34" charset="0"/>
+            </a:endParaRPr>
+          </a:p>
+          <a:p>
+            <a:endParaRPr lang="en-GB" dirty="0">
+              <a:latin typeface="Arial" panose="020B0604020202020204" pitchFamily="34" charset="0"/>
+              <a:cs typeface="Arial" panose="020B0604020202020204" pitchFamily="34" charset="0"/>
+            </a:endParaRPr>
+          </a:p>
+        </p:txBody>
+      </p:sp>
+      <p:sp>
+        <p:nvSpPr>
+          <p:cNvPr id="7" name="Inhaltsplatzhalter 2"/>
+          <p:cNvSpPr txBox="1">
+            <a:spLocks/>
+          </p:cNvSpPr>
+          <p:nvPr/>
+        </p:nvSpPr>
+        <p:spPr>
+          <a:xfrm>
+            <a:off x="136566" y="1371600"/>
+            <a:ext cx="8229600" cy="4709160"/>
+          </a:xfrm>
+          <a:prstGeom prst="rect">
+            <a:avLst/>
+          </a:prstGeom>
+        </p:spPr>
+        <p:txBody>
+          <a:bodyPr vert="horz">
+            <a:normAutofit/>
+          </a:bodyPr>
+          <a:lstStyle>
+            <a:lvl1pPr marL="548640" indent="-411480" algn="l" rtl="0" eaLnBrk="1" latinLnBrk="0" hangingPunct="1">
+              <a:spcBef>
+                <a:spcPct val="20000"/>
+              </a:spcBef>
+              <a:buClr>
+                <a:schemeClr val="tx1">
+                  <a:shade val="95000"/>
+                </a:schemeClr>
+              </a:buClr>
+              <a:buSzPct val="65000"/>
+              <a:buFont typeface="Wingdings 2"/>
+              <a:buChar char=""/>
+              <a:defRPr kumimoji="0" sz="2800" kern="1200">
+                <a:solidFill>
+                  <a:schemeClr val="tx1"/>
+                </a:solidFill>
+                <a:latin typeface="+mn-lt"/>
+                <a:ea typeface="+mn-ea"/>
+                <a:cs typeface="+mn-cs"/>
+              </a:defRPr>
+            </a:lvl1pPr>
+            <a:lvl2pPr marL="868680" indent="-283464" algn="l" rtl="0" eaLnBrk="1" latinLnBrk="0" hangingPunct="1">
+              <a:spcBef>
+                <a:spcPct val="20000"/>
+              </a:spcBef>
+              <a:buClr>
+                <a:schemeClr val="tx1"/>
+              </a:buClr>
+              <a:buSzPct val="80000"/>
+              <a:buFont typeface="Wingdings 2"/>
+              <a:buChar char=""/>
+              <a:defRPr kumimoji="0" sz="2400" kern="1200">
+                <a:solidFill>
+                  <a:schemeClr val="tx1"/>
+                </a:solidFill>
+                <a:latin typeface="+mn-lt"/>
+                <a:ea typeface="+mn-ea"/>
+                <a:cs typeface="+mn-cs"/>
+              </a:defRPr>
+            </a:lvl2pPr>
+            <a:lvl3pPr marL="1133856" indent="-228600" algn="l" rtl="0" eaLnBrk="1" latinLnBrk="0" hangingPunct="1">
+              <a:spcBef>
+                <a:spcPct val="20000"/>
+              </a:spcBef>
+              <a:buClr>
+                <a:schemeClr val="tx1"/>
+              </a:buClr>
+              <a:buSzPct val="95000"/>
+              <a:buFont typeface="Wingdings"/>
+              <a:buChar char=""/>
+              <a:defRPr kumimoji="0" sz="2200" kern="1200">
+                <a:solidFill>
+                  <a:schemeClr val="tx1"/>
+                </a:solidFill>
+                <a:latin typeface="+mn-lt"/>
+                <a:ea typeface="+mn-ea"/>
+                <a:cs typeface="+mn-cs"/>
+              </a:defRPr>
+            </a:lvl3pPr>
+            <a:lvl4pPr marL="1353312" indent="-182880" algn="l" rtl="0" eaLnBrk="1" latinLnBrk="0" hangingPunct="1">
+              <a:spcBef>
+                <a:spcPct val="20000"/>
+              </a:spcBef>
+              <a:buClr>
+                <a:schemeClr val="tx1"/>
+              </a:buClr>
+              <a:buSzPct val="100000"/>
+              <a:buFont typeface="Wingdings 3"/>
+              <a:buChar char=""/>
+              <a:defRPr kumimoji="0" sz="2000" kern="1200">
+                <a:solidFill>
+                  <a:schemeClr val="tx1"/>
+                </a:solidFill>
+                <a:latin typeface="+mn-lt"/>
+                <a:ea typeface="+mn-ea"/>
+                <a:cs typeface="+mn-cs"/>
+              </a:defRPr>
+            </a:lvl4pPr>
+            <a:lvl5pPr marL="1545336" indent="-182880" algn="l" rtl="0" eaLnBrk="1" latinLnBrk="0" hangingPunct="1">
+              <a:spcBef>
+                <a:spcPct val="20000"/>
+              </a:spcBef>
+              <a:buClr>
+                <a:schemeClr val="tx1"/>
+              </a:buClr>
+              <a:buFont typeface="Wingdings 2"/>
+              <a:buChar char=""/>
+              <a:defRPr kumimoji="0" sz="2000" kern="1200">
+                <a:solidFill>
+                  <a:schemeClr val="tx1"/>
+                </a:solidFill>
+                <a:latin typeface="+mn-lt"/>
+                <a:ea typeface="+mn-ea"/>
+                <a:cs typeface="+mn-cs"/>
+              </a:defRPr>
+            </a:lvl5pPr>
+            <a:lvl6pPr marL="1764792" indent="-182880" algn="l" rtl="0" eaLnBrk="1" latinLnBrk="0" hangingPunct="1">
+              <a:spcBef>
+                <a:spcPct val="20000"/>
+              </a:spcBef>
+              <a:buClr>
+                <a:schemeClr val="tx1"/>
+              </a:buClr>
+              <a:buFont typeface="Wingdings 3"/>
+              <a:buChar char=""/>
+              <a:defRPr kumimoji="0" sz="1800" kern="1200">
+                <a:solidFill>
+                  <a:schemeClr val="tx1"/>
+                </a:solidFill>
+                <a:latin typeface="+mn-lt"/>
+                <a:ea typeface="+mn-ea"/>
+                <a:cs typeface="+mn-cs"/>
+              </a:defRPr>
+            </a:lvl6pPr>
+            <a:lvl7pPr marL="1965960" indent="-182880" algn="l" rtl="0" eaLnBrk="1" latinLnBrk="0" hangingPunct="1">
+              <a:spcBef>
+                <a:spcPct val="20000"/>
+              </a:spcBef>
+              <a:buClr>
+                <a:schemeClr val="tx1"/>
+              </a:buClr>
+              <a:buFont typeface="Wingdings 2"/>
+              <a:buChar char=""/>
+              <a:defRPr kumimoji="0" sz="1600" kern="1200">
+                <a:solidFill>
+                  <a:schemeClr val="tx1"/>
+                </a:solidFill>
+                <a:latin typeface="+mn-lt"/>
+                <a:ea typeface="+mn-ea"/>
+                <a:cs typeface="+mn-cs"/>
+              </a:defRPr>
+            </a:lvl7pPr>
+            <a:lvl8pPr marL="2167128" indent="-182880" algn="l" rtl="0" eaLnBrk="1" latinLnBrk="0" hangingPunct="1">
+              <a:spcBef>
+                <a:spcPct val="20000"/>
+              </a:spcBef>
+              <a:buClr>
+                <a:schemeClr val="tx1"/>
+              </a:buClr>
+              <a:buFont typeface="Wingdings 2"/>
+              <a:buChar char=""/>
+              <a:defRPr kumimoji="0" sz="1400" kern="1200">
+                <a:solidFill>
+                  <a:schemeClr val="tx1"/>
+                </a:solidFill>
+                <a:latin typeface="+mn-lt"/>
+                <a:ea typeface="+mn-ea"/>
+                <a:cs typeface="+mn-cs"/>
+              </a:defRPr>
+            </a:lvl8pPr>
+            <a:lvl9pPr marL="2368296" indent="-182880" algn="l" rtl="0" eaLnBrk="1" latinLnBrk="0" hangingPunct="1">
+              <a:spcBef>
+                <a:spcPct val="20000"/>
+              </a:spcBef>
+              <a:buClr>
+                <a:schemeClr val="tx1"/>
+              </a:buClr>
+              <a:buFont typeface="Wingdings 2"/>
+              <a:buChar char=""/>
+              <a:defRPr kumimoji="0" sz="1400" kern="1200" baseline="0">
+                <a:solidFill>
+                  <a:schemeClr val="tx1"/>
+                </a:solidFill>
+                <a:latin typeface="+mn-lt"/>
+                <a:ea typeface="+mn-ea"/>
+                <a:cs typeface="+mn-cs"/>
+              </a:defRPr>
+            </a:lvl9pPr>
+          </a:lstStyle>
+          <a:p>
+            <a:pPr marL="137160" indent="0">
+              <a:buNone/>
+            </a:pPr>
+            <a:endParaRPr lang="de-DE" noProof="1">
+              <a:latin typeface="Arial" panose="020B0604020202020204" pitchFamily="34" charset="0"/>
+              <a:cs typeface="Arial" panose="020B0604020202020204" pitchFamily="34" charset="0"/>
+            </a:endParaRPr>
+          </a:p>
+        </p:txBody>
+      </p:sp>
       <p:sp>
         <p:nvSpPr>
           <p:cNvPr id="9" name="Textfeld 8"/>
@@ -4055,7 +5063,7 @@
 </p:sld>
 </file>
 
-<file path=ppt/slides/slide11.xml><?xml version="1.0" encoding="utf-8"?>
+<file path=ppt/slides/slide12.xml><?xml version="1.0" encoding="utf-8"?>
 <p:sld xmlns:a="http://schemas.openxmlformats.org/drawingml/2006/main" xmlns:r="http://schemas.openxmlformats.org/officeDocument/2006/relationships" xmlns:p="http://schemas.openxmlformats.org/presentationml/2006/main">
   <p:cSld>
     <p:spTree>
@@ -4912,7 +5920,7 @@
 </p:sld>
 </file>
 
-<file path=ppt/slides/slide12.xml><?xml version="1.0" encoding="utf-8"?>
+<file path=ppt/slides/slide13.xml><?xml version="1.0" encoding="utf-8"?>
 <p:sld xmlns:a="http://schemas.openxmlformats.org/drawingml/2006/main" xmlns:r="http://schemas.openxmlformats.org/officeDocument/2006/relationships" xmlns:p="http://schemas.openxmlformats.org/presentationml/2006/main">
   <p:cSld>
     <p:spTree>
@@ -5665,7 +6673,7 @@
                 <a:latin typeface="Arial" panose="020B0604020202020204" pitchFamily="34" charset="0"/>
                 <a:cs typeface="Arial" panose="020B0604020202020204" pitchFamily="34" charset="0"/>
               </a:rPr>
-              <a:t>2)	Werzeuge </a:t>
+              <a:t>2)	Werkzeuge </a:t>
             </a:r>
             <a:endParaRPr lang="de-DE" noProof="1" smtClean="0">
               <a:latin typeface="Arial" panose="020B0604020202020204" pitchFamily="34" charset="0"/>
@@ -5685,7 +6693,21 @@
                 <a:latin typeface="Arial" panose="020B0604020202020204" pitchFamily="34" charset="0"/>
                 <a:cs typeface="Arial" panose="020B0604020202020204" pitchFamily="34" charset="0"/>
               </a:rPr>
-              <a:t>2)	Registrierung</a:t>
+              <a:t>2)	</a:t>
+            </a:r>
+            <a:r>
+              <a:rPr lang="en-US" dirty="0">
+                <a:latin typeface="Arial" panose="020B0604020202020204" pitchFamily="34" charset="0"/>
+                <a:cs typeface="Arial" panose="020B0604020202020204" pitchFamily="34" charset="0"/>
+              </a:rPr>
+              <a:t>Registration Authority (RA</a:t>
+            </a:r>
+            <a:r>
+              <a:rPr lang="en-US" dirty="0" smtClean="0">
+                <a:latin typeface="Arial" panose="020B0604020202020204" pitchFamily="34" charset="0"/>
+                <a:cs typeface="Arial" panose="020B0604020202020204" pitchFamily="34" charset="0"/>
+              </a:rPr>
+              <a:t>)</a:t>
             </a:r>
           </a:p>
           <a:p>
@@ -5701,8 +6723,47 @@
                 <a:latin typeface="Arial" panose="020B0604020202020204" pitchFamily="34" charset="0"/>
                 <a:cs typeface="Arial" panose="020B0604020202020204" pitchFamily="34" charset="0"/>
               </a:rPr>
-              <a:t>3)	Validierung</a:t>
-            </a:r>
+              <a:t>3)	</a:t>
+            </a:r>
+            <a:r>
+              <a:rPr lang="en-US" dirty="0" err="1">
+                <a:latin typeface="Arial" panose="020B0604020202020204" pitchFamily="34" charset="0"/>
+                <a:cs typeface="Arial" panose="020B0604020202020204" pitchFamily="34" charset="0"/>
+              </a:rPr>
+              <a:t>Struktur</a:t>
+            </a:r>
+            <a:r>
+              <a:rPr lang="en-US" dirty="0">
+                <a:latin typeface="Arial" panose="020B0604020202020204" pitchFamily="34" charset="0"/>
+                <a:cs typeface="Arial" panose="020B0604020202020204" pitchFamily="34" charset="0"/>
+              </a:rPr>
+              <a:t> </a:t>
+            </a:r>
+            <a:r>
+              <a:rPr lang="en-US" dirty="0" err="1">
+                <a:latin typeface="Arial" panose="020B0604020202020204" pitchFamily="34" charset="0"/>
+                <a:cs typeface="Arial" panose="020B0604020202020204" pitchFamily="34" charset="0"/>
+              </a:rPr>
+              <a:t>eines</a:t>
+            </a:r>
+            <a:r>
+              <a:rPr lang="en-US" dirty="0">
+                <a:latin typeface="Arial" panose="020B0604020202020204" pitchFamily="34" charset="0"/>
+                <a:cs typeface="Arial" panose="020B0604020202020204" pitchFamily="34" charset="0"/>
+              </a:rPr>
+              <a:t> X509 v3. </a:t>
+            </a:r>
+            <a:r>
+              <a:rPr lang="en-US" dirty="0" err="1" smtClean="0">
+                <a:latin typeface="Arial" panose="020B0604020202020204" pitchFamily="34" charset="0"/>
+                <a:cs typeface="Arial" panose="020B0604020202020204" pitchFamily="34" charset="0"/>
+              </a:rPr>
+              <a:t>Zertifikats</a:t>
+            </a:r>
+            <a:endParaRPr lang="en-US" dirty="0" smtClean="0">
+              <a:latin typeface="Arial" panose="020B0604020202020204" pitchFamily="34" charset="0"/>
+              <a:cs typeface="Arial" panose="020B0604020202020204" pitchFamily="34" charset="0"/>
+            </a:endParaRPr>
           </a:p>
           <a:p>
             <a:pPr>
@@ -5717,8 +6778,33 @@
                 <a:latin typeface="Arial" panose="020B0604020202020204" pitchFamily="34" charset="0"/>
                 <a:cs typeface="Arial" panose="020B0604020202020204" pitchFamily="34" charset="0"/>
               </a:rPr>
-              <a:t>4)	Request</a:t>
-            </a:r>
+              <a:t>4)</a:t>
+            </a:r>
+            <a:r>
+              <a:rPr lang="de-DE" noProof="1">
+                <a:latin typeface="Arial" panose="020B0604020202020204" pitchFamily="34" charset="0"/>
+                <a:cs typeface="Arial" panose="020B0604020202020204" pitchFamily="34" charset="0"/>
+              </a:rPr>
+              <a:t>	Certification Authority (</a:t>
+            </a:r>
+            <a:r>
+              <a:rPr lang="de-DE" noProof="1">
+                <a:latin typeface="Arial" panose="020B0604020202020204" pitchFamily="34" charset="0"/>
+                <a:cs typeface="Arial" panose="020B0604020202020204" pitchFamily="34" charset="0"/>
+              </a:rPr>
+              <a:t>CA</a:t>
+            </a:r>
+            <a:r>
+              <a:rPr lang="de-DE" noProof="1" smtClean="0">
+                <a:latin typeface="Arial" panose="020B0604020202020204" pitchFamily="34" charset="0"/>
+                <a:cs typeface="Arial" panose="020B0604020202020204" pitchFamily="34" charset="0"/>
+              </a:rPr>
+              <a:t>)</a:t>
+            </a:r>
+            <a:endParaRPr lang="en-US" dirty="0" smtClean="0">
+              <a:latin typeface="Arial" panose="020B0604020202020204" pitchFamily="34" charset="0"/>
+              <a:cs typeface="Arial" panose="020B0604020202020204" pitchFamily="34" charset="0"/>
+            </a:endParaRPr>
           </a:p>
           <a:p>
             <a:pPr>
@@ -5729,16 +6815,19 @@
               <a:buChar char="Ø"/>
             </a:pPr>
             <a:r>
-              <a:rPr lang="en-US" noProof="1" smtClean="0">
-                <a:latin typeface="Arial" panose="020B0604020202020204" pitchFamily="34" charset="0"/>
-                <a:cs typeface="Arial" panose="020B0604020202020204" pitchFamily="34" charset="0"/>
-              </a:rPr>
-              <a:t>5)	Certification Authority (CA)</a:t>
-            </a:r>
-            <a:endParaRPr lang="de-DE" noProof="1" smtClean="0">
-              <a:latin typeface="Arial" panose="020B0604020202020204" pitchFamily="34" charset="0"/>
-              <a:cs typeface="Arial" panose="020B0604020202020204" pitchFamily="34" charset="0"/>
-            </a:endParaRPr>
+              <a:rPr lang="de-DE" noProof="1" smtClean="0">
+                <a:latin typeface="Arial" panose="020B0604020202020204" pitchFamily="34" charset="0"/>
+                <a:cs typeface="Arial" panose="020B0604020202020204" pitchFamily="34" charset="0"/>
+              </a:rPr>
+              <a:t>5)</a:t>
+            </a:r>
+            <a:r>
+              <a:rPr lang="de-DE" noProof="1">
+                <a:latin typeface="Arial" panose="020B0604020202020204" pitchFamily="34" charset="0"/>
+                <a:cs typeface="Arial" panose="020B0604020202020204" pitchFamily="34" charset="0"/>
+              </a:rPr>
+              <a:t>	Validation Authority (VA) </a:t>
+            </a:r>
           </a:p>
           <a:p>
             <a:pPr>
@@ -5749,11 +6838,25 @@
               <a:buChar char="Ø"/>
             </a:pPr>
             <a:r>
-              <a:rPr lang="de-DE" noProof="1" smtClean="0">
-                <a:latin typeface="Arial" panose="020B0604020202020204" pitchFamily="34" charset="0"/>
-                <a:cs typeface="Arial" panose="020B0604020202020204" pitchFamily="34" charset="0"/>
-              </a:rPr>
-              <a:t>5)	Datenbanken &amp; Schnittstellen zur CA</a:t>
+              <a:rPr lang="en-US" noProof="1" smtClean="0">
+                <a:latin typeface="Arial" panose="020B0604020202020204" pitchFamily="34" charset="0"/>
+                <a:cs typeface="Arial" panose="020B0604020202020204" pitchFamily="34" charset="0"/>
+              </a:rPr>
+              <a:t>6)</a:t>
+            </a:r>
+            <a:r>
+              <a:rPr lang="en-US" noProof="1" smtClean="0">
+                <a:latin typeface="Arial" panose="020B0604020202020204" pitchFamily="34" charset="0"/>
+                <a:cs typeface="Arial" panose="020B0604020202020204" pitchFamily="34" charset="0"/>
+              </a:rPr>
+              <a:t>	</a:t>
+            </a:r>
+            <a:r>
+              <a:rPr lang="de-DE" dirty="0" smtClean="0">
+                <a:latin typeface="Arial" panose="020B0604020202020204" pitchFamily="34" charset="0"/>
+                <a:cs typeface="Arial" panose="020B0604020202020204" pitchFamily="34" charset="0"/>
+              </a:rPr>
+              <a:t>Request</a:t>
             </a:r>
           </a:p>
           <a:p>
@@ -5769,7 +6872,42 @@
                 <a:latin typeface="Arial" panose="020B0604020202020204" pitchFamily="34" charset="0"/>
                 <a:cs typeface="Arial" panose="020B0604020202020204" pitchFamily="34" charset="0"/>
               </a:rPr>
-              <a:t>6)	Validation Authority (VA) </a:t>
+              <a:t>7)</a:t>
+            </a:r>
+            <a:r>
+              <a:rPr lang="de-DE" noProof="1" smtClean="0">
+                <a:latin typeface="Arial" panose="020B0604020202020204" pitchFamily="34" charset="0"/>
+                <a:cs typeface="Arial" panose="020B0604020202020204" pitchFamily="34" charset="0"/>
+              </a:rPr>
+              <a:t>	O</a:t>
+            </a:r>
+            <a:r>
+              <a:rPr lang="en-GB" dirty="0" err="1" smtClean="0">
+                <a:latin typeface="Arial" panose="020B0604020202020204" pitchFamily="34" charset="0"/>
+                <a:cs typeface="Arial" panose="020B0604020202020204" pitchFamily="34" charset="0"/>
+              </a:rPr>
+              <a:t>nline</a:t>
+            </a:r>
+            <a:r>
+              <a:rPr lang="en-GB" dirty="0" smtClean="0">
+                <a:latin typeface="Arial" panose="020B0604020202020204" pitchFamily="34" charset="0"/>
+                <a:cs typeface="Arial" panose="020B0604020202020204" pitchFamily="34" charset="0"/>
+              </a:rPr>
+              <a:t> </a:t>
+            </a:r>
+            <a:r>
+              <a:rPr lang="en-GB" dirty="0">
+                <a:latin typeface="Arial" panose="020B0604020202020204" pitchFamily="34" charset="0"/>
+                <a:cs typeface="Arial" panose="020B0604020202020204" pitchFamily="34" charset="0"/>
+              </a:rPr>
+              <a:t>Certificate Status </a:t>
+            </a:r>
+            <a:r>
+              <a:rPr lang="en-GB" dirty="0" smtClean="0">
+                <a:latin typeface="Arial" panose="020B0604020202020204" pitchFamily="34" charset="0"/>
+                <a:cs typeface="Arial" panose="020B0604020202020204" pitchFamily="34" charset="0"/>
+              </a:rPr>
+              <a:t>Protocol (OCSP)</a:t>
             </a:r>
           </a:p>
           <a:p>
@@ -5781,26 +6919,77 @@
               <a:buChar char="Ø"/>
             </a:pPr>
             <a:r>
-              <a:rPr lang="de-DE" noProof="1" smtClean="0">
-                <a:latin typeface="Arial" panose="020B0604020202020204" pitchFamily="34" charset="0"/>
-                <a:cs typeface="Arial" panose="020B0604020202020204" pitchFamily="34" charset="0"/>
-              </a:rPr>
-              <a:t>7)	</a:t>
-            </a:r>
-            <a:r>
-              <a:rPr lang="en-GB" dirty="0">
-                <a:latin typeface="Arial" panose="020B0604020202020204" pitchFamily="34" charset="0"/>
-                <a:cs typeface="Arial" panose="020B0604020202020204" pitchFamily="34" charset="0"/>
-              </a:rPr>
-              <a:t>Online Certificate Status </a:t>
-            </a:r>
-            <a:r>
-              <a:rPr lang="en-GB" dirty="0" smtClean="0">
-                <a:latin typeface="Arial" panose="020B0604020202020204" pitchFamily="34" charset="0"/>
-                <a:cs typeface="Arial" panose="020B0604020202020204" pitchFamily="34" charset="0"/>
-              </a:rPr>
-              <a:t>Protocol (OCSP)</a:t>
-            </a:r>
+              <a:rPr lang="de-DE" dirty="0" smtClean="0">
+                <a:latin typeface="Arial" panose="020B0604020202020204" pitchFamily="34" charset="0"/>
+                <a:cs typeface="Arial" panose="020B0604020202020204" pitchFamily="34" charset="0"/>
+              </a:rPr>
+              <a:t>8)</a:t>
+            </a:r>
+            <a:r>
+              <a:rPr lang="de-DE" dirty="0" smtClean="0">
+                <a:latin typeface="Arial" panose="020B0604020202020204" pitchFamily="34" charset="0"/>
+                <a:cs typeface="Arial" panose="020B0604020202020204" pitchFamily="34" charset="0"/>
+              </a:rPr>
+              <a:t>	</a:t>
+            </a:r>
+            <a:r>
+              <a:rPr lang="de-DE" dirty="0" err="1" smtClean="0">
+                <a:latin typeface="Arial" panose="020B0604020202020204" pitchFamily="34" charset="0"/>
+                <a:cs typeface="Arial" panose="020B0604020202020204" pitchFamily="34" charset="0"/>
+              </a:rPr>
+              <a:t>Certificate</a:t>
+            </a:r>
+            <a:r>
+              <a:rPr lang="de-DE" dirty="0" smtClean="0">
+                <a:latin typeface="Arial" panose="020B0604020202020204" pitchFamily="34" charset="0"/>
+                <a:cs typeface="Arial" panose="020B0604020202020204" pitchFamily="34" charset="0"/>
+              </a:rPr>
+              <a:t> </a:t>
+            </a:r>
+            <a:r>
+              <a:rPr lang="de-DE" dirty="0" err="1">
+                <a:latin typeface="Arial" panose="020B0604020202020204" pitchFamily="34" charset="0"/>
+                <a:cs typeface="Arial" panose="020B0604020202020204" pitchFamily="34" charset="0"/>
+              </a:rPr>
+              <a:t>Revocation</a:t>
+            </a:r>
+            <a:r>
+              <a:rPr lang="de-DE" dirty="0">
+                <a:latin typeface="Arial" panose="020B0604020202020204" pitchFamily="34" charset="0"/>
+                <a:cs typeface="Arial" panose="020B0604020202020204" pitchFamily="34" charset="0"/>
+              </a:rPr>
+              <a:t> List</a:t>
+            </a:r>
+            <a:r>
+              <a:rPr lang="de-DE" noProof="1">
+                <a:latin typeface="Arial" panose="020B0604020202020204" pitchFamily="34" charset="0"/>
+                <a:cs typeface="Arial" panose="020B0604020202020204" pitchFamily="34" charset="0"/>
+              </a:rPr>
+              <a:t> (</a:t>
+            </a:r>
+            <a:r>
+              <a:rPr lang="en-US" dirty="0">
+                <a:latin typeface="Arial" panose="020B0604020202020204" pitchFamily="34" charset="0"/>
+                <a:cs typeface="Arial" panose="020B0604020202020204" pitchFamily="34" charset="0"/>
+              </a:rPr>
+              <a:t>CRL</a:t>
+            </a:r>
+            <a:r>
+              <a:rPr lang="en-US" dirty="0" smtClean="0">
+                <a:latin typeface="Arial" panose="020B0604020202020204" pitchFamily="34" charset="0"/>
+                <a:cs typeface="Arial" panose="020B0604020202020204" pitchFamily="34" charset="0"/>
+              </a:rPr>
+              <a:t>)</a:t>
+            </a:r>
+          </a:p>
+          <a:p>
+            <a:pPr>
+              <a:buClr>
+                <a:schemeClr val="tx1"/>
+              </a:buClr>
+              <a:buFont typeface="Wingdings" panose="05000000000000000000" pitchFamily="2" charset="2"/>
+              <a:buChar char="Ø"/>
+            </a:pPr>
             <a:endParaRPr lang="de-DE" noProof="1">
               <a:latin typeface="Arial" panose="020B0604020202020204" pitchFamily="34" charset="0"/>
               <a:cs typeface="Arial" panose="020B0604020202020204" pitchFamily="34" charset="0"/>
@@ -6464,7 +7653,7 @@
           <a:lstStyle/>
           <a:p>
             <a:r>
-              <a:rPr lang="en-US" dirty="0" err="1" smtClean="0">
+              <a:rPr lang="de-DE" dirty="0" smtClean="0">
                 <a:solidFill>
                   <a:schemeClr val="tx1"/>
                 </a:solidFill>
@@ -6473,7 +7662,7 @@
               </a:rPr>
               <a:t>Werkzeuge</a:t>
             </a:r>
-            <a:endParaRPr lang="en-GB" dirty="0">
+            <a:endParaRPr lang="de-DE" dirty="0">
               <a:solidFill>
                 <a:schemeClr val="tx1"/>
               </a:solidFill>
@@ -6490,11 +7679,11 @@
           <p:nvPr/>
         </p:nvPicPr>
         <p:blipFill>
-          <a:blip r:embed="rId2">
+          <a:blip r:embed="rId3">
             <a:extLst>
               <a:ext uri="{BEBA8EAE-BF5A-486C-A8C5-ECC9F3942E4B}">
                 <a14:imgProps xmlns:a14="http://schemas.microsoft.com/office/drawing/2010/main">
-                  <a14:imgLayer r:embed="rId3">
+                  <a14:imgLayer r:embed="rId4">
                     <a14:imgEffect>
                       <a14:colorTemperature colorTemp="5900"/>
                     </a14:imgEffect>
@@ -6898,7 +8087,7 @@
               <a:t> und </a:t>
             </a:r>
             <a:r>
-              <a:rPr lang="en-US" dirty="0" err="1" smtClean="0">
+              <a:rPr lang="de-DE" dirty="0" smtClean="0">
                 <a:latin typeface="Arial" panose="020B0604020202020204" pitchFamily="34" charset="0"/>
                 <a:cs typeface="Arial" panose="020B0604020202020204" pitchFamily="34" charset="0"/>
               </a:rPr>
@@ -6932,7 +8121,7 @@
               <a:buChar char="-"/>
             </a:pPr>
             <a:r>
-              <a:rPr lang="en-US" dirty="0" err="1" smtClean="0">
+              <a:rPr lang="de-DE" dirty="0" smtClean="0">
                 <a:latin typeface="Arial" panose="020B0604020202020204" pitchFamily="34" charset="0"/>
                 <a:cs typeface="Arial" panose="020B0604020202020204" pitchFamily="34" charset="0"/>
               </a:rPr>
@@ -6946,16 +8135,12 @@
               <a:t> des </a:t>
             </a:r>
             <a:r>
-              <a:rPr lang="en-US" dirty="0" err="1" smtClean="0">
+              <a:rPr lang="de-DE" dirty="0" smtClean="0">
                 <a:latin typeface="Arial" panose="020B0604020202020204" pitchFamily="34" charset="0"/>
                 <a:cs typeface="Arial" panose="020B0604020202020204" pitchFamily="34" charset="0"/>
               </a:rPr>
               <a:t>Netzwerkprotokolls</a:t>
             </a:r>
-            <a:endParaRPr lang="de-DE" dirty="0" smtClean="0">
-              <a:latin typeface="Arial" panose="020B0604020202020204" pitchFamily="34" charset="0"/>
-              <a:cs typeface="Arial" panose="020B0604020202020204" pitchFamily="34" charset="0"/>
-            </a:endParaRPr>
           </a:p>
           <a:p>
             <a:pPr marL="285750" indent="-285750">
@@ -7102,7 +8287,7 @@
                 <a:latin typeface="Arial" panose="020B0604020202020204" pitchFamily="34" charset="0"/>
                 <a:cs typeface="Arial" panose="020B0604020202020204" pitchFamily="34" charset="0"/>
               </a:rPr>
-              <a:t>Netzweranwendungen</a:t>
+              <a:t>Netzwerkanwendungen</a:t>
             </a:r>
             <a:endParaRPr lang="de-DE" dirty="0" smtClean="0">
               <a:latin typeface="Arial" panose="020B0604020202020204" pitchFamily="34" charset="0"/>
@@ -8977,14 +10162,52 @@
             <p:ph type="title"/>
           </p:nvPr>
         </p:nvSpPr>
-        <p:spPr/>
-        <p:txBody>
-          <a:bodyPr/>
+        <p:spPr>
+          <a:xfrm>
+            <a:off x="381000" y="533400"/>
+            <a:ext cx="8229600" cy="990600"/>
+          </a:xfrm>
+        </p:spPr>
+        <p:txBody>
+          <a:bodyPr>
+            <a:normAutofit/>
+          </a:bodyPr>
           <a:lstStyle/>
           <a:p>
             <a:r>
-              <a:rPr lang="de-DE" b="1" dirty="0" smtClean="0"/>
-              <a:t>Validation Authority (VA)</a:t>
+              <a:rPr lang="de-DE" dirty="0" err="1" smtClean="0">
+                <a:latin typeface="Arial" panose="020B0604020202020204" pitchFamily="34" charset="0"/>
+                <a:cs typeface="Arial" panose="020B0604020202020204" pitchFamily="34" charset="0"/>
+              </a:rPr>
+              <a:t>Certificatation</a:t>
+            </a:r>
+            <a:r>
+              <a:rPr lang="de-DE" dirty="0" smtClean="0">
+                <a:latin typeface="Arial" panose="020B0604020202020204" pitchFamily="34" charset="0"/>
+                <a:cs typeface="Arial" panose="020B0604020202020204" pitchFamily="34" charset="0"/>
+              </a:rPr>
+              <a:t> Authority</a:t>
+            </a:r>
+            <a:r>
+              <a:rPr lang="de-DE" noProof="1" smtClean="0">
+                <a:latin typeface="Arial" panose="020B0604020202020204" pitchFamily="34" charset="0"/>
+                <a:cs typeface="Arial" panose="020B0604020202020204" pitchFamily="34" charset="0"/>
+              </a:rPr>
+              <a:t> </a:t>
+            </a:r>
+            <a:r>
+              <a:rPr lang="de-DE" noProof="1">
+                <a:latin typeface="Arial" panose="020B0604020202020204" pitchFamily="34" charset="0"/>
+                <a:cs typeface="Arial" panose="020B0604020202020204" pitchFamily="34" charset="0"/>
+              </a:rPr>
+              <a:t>(</a:t>
+            </a:r>
+            <a:r>
+              <a:rPr lang="en-US" dirty="0" smtClean="0">
+                <a:latin typeface="Arial" panose="020B0604020202020204" pitchFamily="34" charset="0"/>
+                <a:cs typeface="Arial" panose="020B0604020202020204" pitchFamily="34" charset="0"/>
+              </a:rPr>
+              <a:t>CA)</a:t>
             </a:r>
             <a:endParaRPr lang="en-GB" dirty="0">
               <a:solidFill>
@@ -9349,14 +10572,14 @@
       </p:sp>
       <p:sp>
         <p:nvSpPr>
-          <p:cNvPr id="3" name="Textfeld 2"/>
+          <p:cNvPr id="8" name="Textfeld 7"/>
           <p:cNvSpPr txBox="1"/>
           <p:nvPr/>
         </p:nvSpPr>
         <p:spPr>
           <a:xfrm>
-            <a:off x="628650" y="1503488"/>
-            <a:ext cx="7829550" cy="2585323"/>
+            <a:off x="143823" y="1545771"/>
+            <a:ext cx="8466777" cy="2585323"/>
           </a:xfrm>
           <a:prstGeom prst="rect">
             <a:avLst/>
@@ -9369,42 +10592,6 @@
           </a:bodyPr>
           <a:lstStyle/>
           <a:p>
-            <a:pPr marL="285750" indent="-285750">
-              <a:buFontTx/>
-              <a:buChar char="-"/>
-            </a:pPr>
-            <a:r>
-              <a:rPr lang="de-DE" dirty="0" smtClean="0">
-                <a:latin typeface="Arial" panose="020B0604020202020204" pitchFamily="34" charset="0"/>
-                <a:cs typeface="Arial" panose="020B0604020202020204" pitchFamily="34" charset="0"/>
-              </a:rPr>
-              <a:t>Service zur Validierung von Zertifizierungsanträgen</a:t>
-            </a:r>
-          </a:p>
-          <a:p>
-            <a:pPr marL="285750" indent="-285750">
-              <a:buFontTx/>
-              <a:buChar char="-"/>
-            </a:pPr>
-            <a:endParaRPr lang="de-DE" dirty="0">
-              <a:latin typeface="Arial" panose="020B0604020202020204" pitchFamily="34" charset="0"/>
-              <a:cs typeface="Arial" panose="020B0604020202020204" pitchFamily="34" charset="0"/>
-            </a:endParaRPr>
-          </a:p>
-          <a:p>
-            <a:pPr marL="285750" indent="-285750">
-              <a:buFontTx/>
-              <a:buChar char="-"/>
-            </a:pPr>
-            <a:r>
-              <a:rPr lang="de-DE" dirty="0" smtClean="0">
-                <a:latin typeface="Arial" panose="020B0604020202020204" pitchFamily="34" charset="0"/>
-                <a:cs typeface="Arial" panose="020B0604020202020204" pitchFamily="34" charset="0"/>
-              </a:rPr>
-              <a:t> Validierungswege:</a:t>
-            </a:r>
-          </a:p>
-          <a:p>
             <a:pPr marL="742950" lvl="1" indent="-285750">
               <a:buFontTx/>
               <a:buChar char="-"/>
@@ -9414,7 +10601,7 @@
                 <a:latin typeface="Arial" panose="020B0604020202020204" pitchFamily="34" charset="0"/>
                 <a:cs typeface="Arial" panose="020B0604020202020204" pitchFamily="34" charset="0"/>
               </a:rPr>
-              <a:t>OCSP</a:t>
+              <a:t>Herausgeber und Prüfer von digitalen Zertifikaten</a:t>
             </a:r>
           </a:p>
           <a:p>
@@ -9422,22 +10609,13 @@
               <a:buFontTx/>
               <a:buChar char="-"/>
             </a:pPr>
-            <a:r>
-              <a:rPr lang="de-DE" dirty="0" smtClean="0">
-                <a:latin typeface="Arial" panose="020B0604020202020204" pitchFamily="34" charset="0"/>
-                <a:cs typeface="Arial" panose="020B0604020202020204" pitchFamily="34" charset="0"/>
-              </a:rPr>
-              <a:t>CRL</a:t>
-            </a:r>
-          </a:p>
-          <a:p>
             <a:endParaRPr lang="de-DE" dirty="0" smtClean="0">
               <a:latin typeface="Arial" panose="020B0604020202020204" pitchFamily="34" charset="0"/>
               <a:cs typeface="Arial" panose="020B0604020202020204" pitchFamily="34" charset="0"/>
             </a:endParaRPr>
           </a:p>
           <a:p>
-            <a:pPr marL="285750" indent="-285750">
+            <a:pPr marL="742950" lvl="1" indent="-285750">
               <a:buFontTx/>
               <a:buChar char="-"/>
             </a:pPr>
@@ -9446,26 +10624,115 @@
                 <a:latin typeface="Arial" panose="020B0604020202020204" pitchFamily="34" charset="0"/>
                 <a:cs typeface="Arial" panose="020B0604020202020204" pitchFamily="34" charset="0"/>
               </a:rPr>
-              <a:t>Häufigkeit der Aktualisierung der Sperrliste beeinflusst die Sicherheit und Genauigkeit der Validierung</a:t>
-            </a:r>
-            <a:endParaRPr lang="de-DE" dirty="0">
-              <a:latin typeface="Arial" panose="020B0604020202020204" pitchFamily="34" charset="0"/>
-              <a:cs typeface="Arial" panose="020B0604020202020204" pitchFamily="34" charset="0"/>
-            </a:endParaRPr>
-          </a:p>
-          <a:p>
-            <a:pPr lvl="1"/>
+              <a:t>Beglaubigung eines Zertifikats durch digitaler Signatur der CA</a:t>
+            </a:r>
+          </a:p>
+          <a:p>
+            <a:pPr marL="742950" lvl="1" indent="-285750">
+              <a:buFontTx/>
+              <a:buChar char="-"/>
+            </a:pPr>
             <a:endParaRPr lang="de-DE" dirty="0" smtClean="0">
               <a:latin typeface="Arial" panose="020B0604020202020204" pitchFamily="34" charset="0"/>
               <a:cs typeface="Arial" panose="020B0604020202020204" pitchFamily="34" charset="0"/>
             </a:endParaRPr>
           </a:p>
+          <a:p>
+            <a:pPr marL="742950" lvl="1" indent="-285750">
+              <a:buFontTx/>
+              <a:buChar char="-"/>
+            </a:pPr>
+            <a:r>
+              <a:rPr lang="de-DE" dirty="0" smtClean="0">
+                <a:latin typeface="Arial" panose="020B0604020202020204" pitchFamily="34" charset="0"/>
+                <a:cs typeface="Arial" panose="020B0604020202020204" pitchFamily="34" charset="0"/>
+              </a:rPr>
+              <a:t>CA bringt Zusatzinformationen, z.B. </a:t>
+            </a:r>
+            <a:r>
+              <a:rPr lang="de-DE" dirty="0">
+                <a:latin typeface="Arial" panose="020B0604020202020204" pitchFamily="34" charset="0"/>
+                <a:cs typeface="Arial" panose="020B0604020202020204" pitchFamily="34" charset="0"/>
+              </a:rPr>
+              <a:t>Gültigkeitsdauer, </a:t>
+            </a:r>
+            <a:r>
+              <a:rPr lang="de-DE" dirty="0" smtClean="0">
+                <a:latin typeface="Arial" panose="020B0604020202020204" pitchFamily="34" charset="0"/>
+                <a:cs typeface="Arial" panose="020B0604020202020204" pitchFamily="34" charset="0"/>
+              </a:rPr>
+              <a:t>Verweise auf</a:t>
+            </a:r>
+            <a:r>
+              <a:rPr lang="de-DE" dirty="0">
+                <a:latin typeface="Arial" panose="020B0604020202020204" pitchFamily="34" charset="0"/>
+                <a:cs typeface="Arial" panose="020B0604020202020204" pitchFamily="34" charset="0"/>
+              </a:rPr>
+              <a:t> Zertifikatsperrlisten, etc</a:t>
+            </a:r>
+            <a:r>
+              <a:rPr lang="de-DE" dirty="0" smtClean="0">
+                <a:latin typeface="Arial" panose="020B0604020202020204" pitchFamily="34" charset="0"/>
+                <a:cs typeface="Arial" panose="020B0604020202020204" pitchFamily="34" charset="0"/>
+              </a:rPr>
+              <a:t>. mit</a:t>
+            </a:r>
+            <a:r>
+              <a:rPr lang="de-DE" dirty="0">
+                <a:latin typeface="Arial" panose="020B0604020202020204" pitchFamily="34" charset="0"/>
+                <a:cs typeface="Arial" panose="020B0604020202020204" pitchFamily="34" charset="0"/>
+              </a:rPr>
+              <a:t> </a:t>
+            </a:r>
+            <a:r>
+              <a:rPr lang="de-DE" dirty="0" smtClean="0">
+                <a:latin typeface="Arial" panose="020B0604020202020204" pitchFamily="34" charset="0"/>
+                <a:cs typeface="Arial" panose="020B0604020202020204" pitchFamily="34" charset="0"/>
+              </a:rPr>
+              <a:t>in das Zertifikat</a:t>
+            </a:r>
+          </a:p>
+          <a:p>
+            <a:pPr marL="742950" lvl="1" indent="-285750">
+              <a:buFontTx/>
+              <a:buChar char="-"/>
+            </a:pPr>
+            <a:endParaRPr lang="de-DE" dirty="0" smtClean="0">
+              <a:latin typeface="Arial" panose="020B0604020202020204" pitchFamily="34" charset="0"/>
+              <a:cs typeface="Arial" panose="020B0604020202020204" pitchFamily="34" charset="0"/>
+            </a:endParaRPr>
+          </a:p>
+          <a:p>
+            <a:pPr marL="742950" lvl="1" indent="-285750">
+              <a:buFontTx/>
+              <a:buChar char="-"/>
+            </a:pPr>
+            <a:r>
+              <a:rPr lang="de-DE" dirty="0">
+                <a:latin typeface="Arial" panose="020B0604020202020204" pitchFamily="34" charset="0"/>
+                <a:cs typeface="Arial" panose="020B0604020202020204" pitchFamily="34" charset="0"/>
+              </a:rPr>
+              <a:t> Verantwortung für die Bereitstellung, Zuweisung und Integritätssicherung</a:t>
+            </a:r>
+            <a:r>
+              <a:rPr lang="de-DE" dirty="0"/>
+              <a:t> </a:t>
+            </a:r>
+            <a:endParaRPr lang="de-DE" dirty="0" smtClean="0"/>
+          </a:p>
+          <a:p>
+            <a:pPr marL="742950" lvl="1" indent="-285750">
+              <a:buFontTx/>
+              <a:buChar char="-"/>
+            </a:pPr>
+            <a:endParaRPr lang="de-DE" dirty="0"/>
+          </a:p>
         </p:txBody>
       </p:sp>
     </p:spTree>
     <p:extLst>
       <p:ext uri="{BB962C8B-B14F-4D97-AF65-F5344CB8AC3E}">
-        <p14:creationId xmlns:p14="http://schemas.microsoft.com/office/powerpoint/2010/main" val="2334749360"/>
+        <p14:creationId xmlns:p14="http://schemas.microsoft.com/office/powerpoint/2010/main" val="4071214265"/>
       </p:ext>
     </p:extLst>
   </p:cSld>
@@ -9872,46 +11139,16 @@
           </a:p>
         </p:txBody>
       </p:sp>
-      <p:pic>
-        <p:nvPicPr>
-          <p:cNvPr id="5" name="Grafik 4"/>
-          <p:cNvPicPr>
-            <a:picLocks noChangeAspect="1"/>
-          </p:cNvPicPr>
+      <p:sp>
+        <p:nvSpPr>
+          <p:cNvPr id="3" name="Textfeld 2"/>
+          <p:cNvSpPr txBox="1"/>
           <p:nvPr/>
-        </p:nvPicPr>
-        <p:blipFill>
-          <a:blip r:embed="rId4">
-            <a:extLst>
-              <a:ext uri="{28A0092B-C50C-407E-A947-70E740481C1C}">
-                <a14:useLocalDpi xmlns:a14="http://schemas.microsoft.com/office/drawing/2010/main" val="0"/>
-              </a:ext>
-            </a:extLst>
-          </a:blip>
-          <a:stretch>
-            <a:fillRect/>
-          </a:stretch>
-        </p:blipFill>
+        </p:nvSpPr>
         <p:spPr>
           <a:xfrm>
-            <a:off x="628650" y="2182304"/>
-            <a:ext cx="2911674" cy="731896"/>
-          </a:xfrm>
-          <a:prstGeom prst="rect">
-            <a:avLst/>
-          </a:prstGeom>
-        </p:spPr>
-      </p:pic>
-      <p:sp>
-        <p:nvSpPr>
-          <p:cNvPr id="8" name="Textfeld 7"/>
-          <p:cNvSpPr txBox="1"/>
-          <p:nvPr/>
-        </p:nvSpPr>
-        <p:spPr>
-          <a:xfrm>
-            <a:off x="628650" y="3251283"/>
-            <a:ext cx="7372350" cy="1200329"/>
+            <a:off x="628650" y="1503488"/>
+            <a:ext cx="7829550" cy="2585323"/>
           </a:xfrm>
           <a:prstGeom prst="rect">
             <a:avLst/>
@@ -9925,9 +11162,6 @@
           <a:lstStyle/>
           <a:p>
             <a:pPr marL="285750" indent="-285750">
-              <a:lnSpc>
-                <a:spcPct val="150000"/>
-              </a:lnSpc>
               <a:buFontTx/>
               <a:buChar char="-"/>
             </a:pPr>
@@ -9936,7 +11170,7 @@
                 <a:latin typeface="Arial" panose="020B0604020202020204" pitchFamily="34" charset="0"/>
                 <a:cs typeface="Arial" panose="020B0604020202020204" pitchFamily="34" charset="0"/>
               </a:rPr>
-              <a:t>Zur Simulation einer Validierung wird in diesem Projekt das Zertifikat manuell freigegeben oder abgewiesen</a:t>
+              <a:t>Service zur Validierung von Zertifizierungsanträgen</a:t>
             </a:r>
           </a:p>
           <a:p>
@@ -9944,14 +11178,86 @@
               <a:buFontTx/>
               <a:buChar char="-"/>
             </a:pPr>
-            <a:endParaRPr lang="de-DE" dirty="0"/>
+            <a:endParaRPr lang="de-DE" dirty="0">
+              <a:latin typeface="Arial" panose="020B0604020202020204" pitchFamily="34" charset="0"/>
+              <a:cs typeface="Arial" panose="020B0604020202020204" pitchFamily="34" charset="0"/>
+            </a:endParaRPr>
+          </a:p>
+          <a:p>
+            <a:pPr marL="285750" indent="-285750">
+              <a:buFontTx/>
+              <a:buChar char="-"/>
+            </a:pPr>
+            <a:r>
+              <a:rPr lang="de-DE" dirty="0" smtClean="0">
+                <a:latin typeface="Arial" panose="020B0604020202020204" pitchFamily="34" charset="0"/>
+                <a:cs typeface="Arial" panose="020B0604020202020204" pitchFamily="34" charset="0"/>
+              </a:rPr>
+              <a:t> Validierungswege:</a:t>
+            </a:r>
+          </a:p>
+          <a:p>
+            <a:pPr marL="742950" lvl="1" indent="-285750">
+              <a:buFontTx/>
+              <a:buChar char="-"/>
+            </a:pPr>
+            <a:r>
+              <a:rPr lang="de-DE" dirty="0" smtClean="0">
+                <a:latin typeface="Arial" panose="020B0604020202020204" pitchFamily="34" charset="0"/>
+                <a:cs typeface="Arial" panose="020B0604020202020204" pitchFamily="34" charset="0"/>
+              </a:rPr>
+              <a:t>OCSP</a:t>
+            </a:r>
+          </a:p>
+          <a:p>
+            <a:pPr marL="742950" lvl="1" indent="-285750">
+              <a:buFontTx/>
+              <a:buChar char="-"/>
+            </a:pPr>
+            <a:r>
+              <a:rPr lang="de-DE" dirty="0" smtClean="0">
+                <a:latin typeface="Arial" panose="020B0604020202020204" pitchFamily="34" charset="0"/>
+                <a:cs typeface="Arial" panose="020B0604020202020204" pitchFamily="34" charset="0"/>
+              </a:rPr>
+              <a:t>CRL</a:t>
+            </a:r>
+          </a:p>
+          <a:p>
+            <a:endParaRPr lang="de-DE" dirty="0" smtClean="0">
+              <a:latin typeface="Arial" panose="020B0604020202020204" pitchFamily="34" charset="0"/>
+              <a:cs typeface="Arial" panose="020B0604020202020204" pitchFamily="34" charset="0"/>
+            </a:endParaRPr>
+          </a:p>
+          <a:p>
+            <a:pPr marL="285750" indent="-285750">
+              <a:buFontTx/>
+              <a:buChar char="-"/>
+            </a:pPr>
+            <a:r>
+              <a:rPr lang="de-DE" dirty="0" smtClean="0">
+                <a:latin typeface="Arial" panose="020B0604020202020204" pitchFamily="34" charset="0"/>
+                <a:cs typeface="Arial" panose="020B0604020202020204" pitchFamily="34" charset="0"/>
+              </a:rPr>
+              <a:t>Häufigkeit der Aktualisierung der Sperrliste beeinflusst die Sicherheit und Genauigkeit der Validierung</a:t>
+            </a:r>
+            <a:endParaRPr lang="de-DE" dirty="0">
+              <a:latin typeface="Arial" panose="020B0604020202020204" pitchFamily="34" charset="0"/>
+              <a:cs typeface="Arial" panose="020B0604020202020204" pitchFamily="34" charset="0"/>
+            </a:endParaRPr>
+          </a:p>
+          <a:p>
+            <a:pPr lvl="1"/>
+            <a:endParaRPr lang="de-DE" dirty="0" smtClean="0">
+              <a:latin typeface="Arial" panose="020B0604020202020204" pitchFamily="34" charset="0"/>
+              <a:cs typeface="Arial" panose="020B0604020202020204" pitchFamily="34" charset="0"/>
+            </a:endParaRPr>
           </a:p>
         </p:txBody>
       </p:sp>
     </p:spTree>
     <p:extLst>
       <p:ext uri="{BB962C8B-B14F-4D97-AF65-F5344CB8AC3E}">
-        <p14:creationId xmlns:p14="http://schemas.microsoft.com/office/powerpoint/2010/main" val="134812526"/>
+        <p14:creationId xmlns:p14="http://schemas.microsoft.com/office/powerpoint/2010/main" val="2334749360"/>
       </p:ext>
     </p:extLst>
   </p:cSld>
@@ -10216,7 +11522,268 @@
   <a:extraClrSchemeLst/>
   <a:extLst>
     <a:ext uri="{05A4C25C-085E-4340-85A3-A5531E510DB2}">
-      <thm15:themeFamily xmlns:thm15="http://schemas.microsoft.com/office/thememl/2012/main" xmlns="" name="Office Theme" id="{62F939B6-93AF-4DB8-9C6B-D6C7DFDC589F}" vid="{4A3C46E8-61CC-4603-A589-7422A47A8E4A}"/>
+      <thm15:themeFamily xmlns:thm15="http://schemas.microsoft.com/office/thememl/2012/main" name="Office Theme" id="{62F939B6-93AF-4DB8-9C6B-D6C7DFDC589F}" vid="{4A3C46E8-61CC-4603-A589-7422A47A8E4A}"/>
+    </a:ext>
+  </a:extLst>
+</a:theme>
+</file>
+
+<file path=ppt/theme/theme2.xml><?xml version="1.0" encoding="utf-8"?>
+<a:theme xmlns:a="http://schemas.openxmlformats.org/drawingml/2006/main" name="Office Theme">
+  <a:themeElements>
+    <a:clrScheme name="Office">
+      <a:dk1>
+        <a:sysClr val="windowText" lastClr="000000"/>
+      </a:dk1>
+      <a:lt1>
+        <a:sysClr val="window" lastClr="FFFFFF"/>
+      </a:lt1>
+      <a:dk2>
+        <a:srgbClr val="44546A"/>
+      </a:dk2>
+      <a:lt2>
+        <a:srgbClr val="E7E6E6"/>
+      </a:lt2>
+      <a:accent1>
+        <a:srgbClr val="5B9BD5"/>
+      </a:accent1>
+      <a:accent2>
+        <a:srgbClr val="ED7D31"/>
+      </a:accent2>
+      <a:accent3>
+        <a:srgbClr val="A5A5A5"/>
+      </a:accent3>
+      <a:accent4>
+        <a:srgbClr val="FFC000"/>
+      </a:accent4>
+      <a:accent5>
+        <a:srgbClr val="4472C4"/>
+      </a:accent5>
+      <a:accent6>
+        <a:srgbClr val="70AD47"/>
+      </a:accent6>
+      <a:hlink>
+        <a:srgbClr val="0563C1"/>
+      </a:hlink>
+      <a:folHlink>
+        <a:srgbClr val="954F72"/>
+      </a:folHlink>
+    </a:clrScheme>
+    <a:fontScheme name="Office">
+      <a:majorFont>
+        <a:latin typeface="Calibri Light" panose="020F0302020204030204"/>
+        <a:ea typeface=""/>
+        <a:cs typeface=""/>
+        <a:font script="Jpan" typeface="ＭＳ Ｐゴシック"/>
+        <a:font script="Hang" typeface="맑은 고딕"/>
+        <a:font script="Hans" typeface="宋体"/>
+        <a:font script="Hant" typeface="新細明體"/>
+        <a:font script="Arab" typeface="Times New Roman"/>
+        <a:font script="Hebr" typeface="Times New Roman"/>
+        <a:font script="Thai" typeface="Angsana New"/>
+        <a:font script="Ethi" typeface="Nyala"/>
+        <a:font script="Beng" typeface="Vrinda"/>
+        <a:font script="Gujr" typeface="Shruti"/>
+        <a:font script="Khmr" typeface="MoolBoran"/>
+        <a:font script="Knda" typeface="Tunga"/>
+        <a:font script="Guru" typeface="Raavi"/>
+        <a:font script="Cans" typeface="Euphemia"/>
+        <a:font script="Cher" typeface="Plantagenet Cherokee"/>
+        <a:font script="Yiii" typeface="Microsoft Yi Baiti"/>
+        <a:font script="Tibt" typeface="Microsoft Himalaya"/>
+        <a:font script="Thaa" typeface="MV Boli"/>
+        <a:font script="Deva" typeface="Mangal"/>
+        <a:font script="Telu" typeface="Gautami"/>
+        <a:font script="Taml" typeface="Latha"/>
+        <a:font script="Syrc" typeface="Estrangelo Edessa"/>
+        <a:font script="Orya" typeface="Kalinga"/>
+        <a:font script="Mlym" typeface="Kartika"/>
+        <a:font script="Laoo" typeface="DokChampa"/>
+        <a:font script="Sinh" typeface="Iskoola Pota"/>
+        <a:font script="Mong" typeface="Mongolian Baiti"/>
+        <a:font script="Viet" typeface="Times New Roman"/>
+        <a:font script="Uigh" typeface="Microsoft Uighur"/>
+        <a:font script="Geor" typeface="Sylfaen"/>
+      </a:majorFont>
+      <a:minorFont>
+        <a:latin typeface="Calibri" panose="020F0502020204030204"/>
+        <a:ea typeface=""/>
+        <a:cs typeface=""/>
+        <a:font script="Jpan" typeface="ＭＳ Ｐゴシック"/>
+        <a:font script="Hang" typeface="맑은 고딕"/>
+        <a:font script="Hans" typeface="宋体"/>
+        <a:font script="Hant" typeface="新細明體"/>
+        <a:font script="Arab" typeface="Arial"/>
+        <a:font script="Hebr" typeface="Arial"/>
+        <a:font script="Thai" typeface="Cordia New"/>
+        <a:font script="Ethi" typeface="Nyala"/>
+        <a:font script="Beng" typeface="Vrinda"/>
+        <a:font script="Gujr" typeface="Shruti"/>
+        <a:font script="Khmr" typeface="DaunPenh"/>
+        <a:font script="Knda" typeface="Tunga"/>
+        <a:font script="Guru" typeface="Raavi"/>
+        <a:font script="Cans" typeface="Euphemia"/>
+        <a:font script="Cher" typeface="Plantagenet Cherokee"/>
+        <a:font script="Yiii" typeface="Microsoft Yi Baiti"/>
+        <a:font script="Tibt" typeface="Microsoft Himalaya"/>
+        <a:font script="Thaa" typeface="MV Boli"/>
+        <a:font script="Deva" typeface="Mangal"/>
+        <a:font script="Telu" typeface="Gautami"/>
+        <a:font script="Taml" typeface="Latha"/>
+        <a:font script="Syrc" typeface="Estrangelo Edessa"/>
+        <a:font script="Orya" typeface="Kalinga"/>
+        <a:font script="Mlym" typeface="Kartika"/>
+        <a:font script="Laoo" typeface="DokChampa"/>
+        <a:font script="Sinh" typeface="Iskoola Pota"/>
+        <a:font script="Mong" typeface="Mongolian Baiti"/>
+        <a:font script="Viet" typeface="Arial"/>
+        <a:font script="Uigh" typeface="Microsoft Uighur"/>
+        <a:font script="Geor" typeface="Sylfaen"/>
+      </a:minorFont>
+    </a:fontScheme>
+    <a:fmtScheme name="Office">
+      <a:fillStyleLst>
+        <a:solidFill>
+          <a:schemeClr val="phClr"/>
+        </a:solidFill>
+        <a:gradFill rotWithShape="1">
+          <a:gsLst>
+            <a:gs pos="0">
+              <a:schemeClr val="phClr">
+                <a:lumMod val="110000"/>
+                <a:satMod val="105000"/>
+                <a:tint val="67000"/>
+              </a:schemeClr>
+            </a:gs>
+            <a:gs pos="50000">
+              <a:schemeClr val="phClr">
+                <a:lumMod val="105000"/>
+                <a:satMod val="103000"/>
+                <a:tint val="73000"/>
+              </a:schemeClr>
+            </a:gs>
+            <a:gs pos="100000">
+              <a:schemeClr val="phClr">
+                <a:lumMod val="105000"/>
+                <a:satMod val="109000"/>
+                <a:tint val="81000"/>
+              </a:schemeClr>
+            </a:gs>
+          </a:gsLst>
+          <a:lin ang="5400000" scaled="0"/>
+        </a:gradFill>
+        <a:gradFill rotWithShape="1">
+          <a:gsLst>
+            <a:gs pos="0">
+              <a:schemeClr val="phClr">
+                <a:satMod val="103000"/>
+                <a:lumMod val="102000"/>
+                <a:tint val="94000"/>
+              </a:schemeClr>
+            </a:gs>
+            <a:gs pos="50000">
+              <a:schemeClr val="phClr">
+                <a:satMod val="110000"/>
+                <a:lumMod val="100000"/>
+                <a:shade val="100000"/>
+              </a:schemeClr>
+            </a:gs>
+            <a:gs pos="100000">
+              <a:schemeClr val="phClr">
+                <a:lumMod val="99000"/>
+                <a:satMod val="120000"/>
+                <a:shade val="78000"/>
+              </a:schemeClr>
+            </a:gs>
+          </a:gsLst>
+          <a:lin ang="5400000" scaled="0"/>
+        </a:gradFill>
+      </a:fillStyleLst>
+      <a:lnStyleLst>
+        <a:ln w="6350" cap="flat" cmpd="sng" algn="ctr">
+          <a:solidFill>
+            <a:schemeClr val="phClr"/>
+          </a:solidFill>
+          <a:prstDash val="solid"/>
+          <a:miter lim="800000"/>
+        </a:ln>
+        <a:ln w="12700" cap="flat" cmpd="sng" algn="ctr">
+          <a:solidFill>
+            <a:schemeClr val="phClr"/>
+          </a:solidFill>
+          <a:prstDash val="solid"/>
+          <a:miter lim="800000"/>
+        </a:ln>
+        <a:ln w="19050" cap="flat" cmpd="sng" algn="ctr">
+          <a:solidFill>
+            <a:schemeClr val="phClr"/>
+          </a:solidFill>
+          <a:prstDash val="solid"/>
+          <a:miter lim="800000"/>
+        </a:ln>
+      </a:lnStyleLst>
+      <a:effectStyleLst>
+        <a:effectStyle>
+          <a:effectLst/>
+        </a:effectStyle>
+        <a:effectStyle>
+          <a:effectLst/>
+        </a:effectStyle>
+        <a:effectStyle>
+          <a:effectLst>
+            <a:outerShdw blurRad="57150" dist="19050" dir="5400000" algn="ctr" rotWithShape="0">
+              <a:srgbClr val="000000">
+                <a:alpha val="63000"/>
+              </a:srgbClr>
+            </a:outerShdw>
+          </a:effectLst>
+        </a:effectStyle>
+      </a:effectStyleLst>
+      <a:bgFillStyleLst>
+        <a:solidFill>
+          <a:schemeClr val="phClr"/>
+        </a:solidFill>
+        <a:solidFill>
+          <a:schemeClr val="phClr">
+            <a:tint val="95000"/>
+            <a:satMod val="170000"/>
+          </a:schemeClr>
+        </a:solidFill>
+        <a:gradFill rotWithShape="1">
+          <a:gsLst>
+            <a:gs pos="0">
+              <a:schemeClr val="phClr">
+                <a:tint val="93000"/>
+                <a:satMod val="150000"/>
+                <a:shade val="98000"/>
+                <a:lumMod val="102000"/>
+              </a:schemeClr>
+            </a:gs>
+            <a:gs pos="50000">
+              <a:schemeClr val="phClr">
+                <a:tint val="98000"/>
+                <a:satMod val="130000"/>
+                <a:shade val="90000"/>
+                <a:lumMod val="103000"/>
+              </a:schemeClr>
+            </a:gs>
+            <a:gs pos="100000">
+              <a:schemeClr val="phClr">
+                <a:shade val="63000"/>
+                <a:satMod val="120000"/>
+              </a:schemeClr>
+            </a:gs>
+          </a:gsLst>
+          <a:lin ang="5400000" scaled="0"/>
+        </a:gradFill>
+      </a:bgFillStyleLst>
+    </a:fmtScheme>
+  </a:themeElements>
+  <a:objectDefaults/>
+  <a:extraClrSchemeLst/>
+  <a:extLst>
+    <a:ext uri="{05A4C25C-085E-4340-85A3-A5531E510DB2}">
+      <thm15:themeFamily xmlns:thm15="http://schemas.microsoft.com/office/thememl/2012/main" name="Office Theme" id="{62F939B6-93AF-4DB8-9C6B-D6C7DFDC589F}" vid="{4A3C46E8-61CC-4603-A589-7422A47A8E4A}"/>
     </a:ext>
   </a:extLst>
 </a:theme>
